--- a/Understanding Recommendation Systems_Marco.pptx
+++ b/Understanding Recommendation Systems_Marco.pptx
@@ -5,7 +5,7 @@
     <p:sldMasterId id="2147483648" r:id="rId1"/>
   </p:sldMasterIdLst>
   <p:notesMasterIdLst>
-    <p:notesMasterId r:id="rId24"/>
+    <p:notesMasterId r:id="rId27"/>
   </p:notesMasterIdLst>
   <p:sldIdLst>
     <p:sldId id="256" r:id="rId2"/>
@@ -14,22 +14,25 @@
     <p:sldId id="286" r:id="rId5"/>
     <p:sldId id="284" r:id="rId6"/>
     <p:sldId id="260" r:id="rId7"/>
-    <p:sldId id="289" r:id="rId8"/>
+    <p:sldId id="290" r:id="rId8"/>
     <p:sldId id="261" r:id="rId9"/>
     <p:sldId id="263" r:id="rId10"/>
     <p:sldId id="282" r:id="rId11"/>
-    <p:sldId id="281" r:id="rId12"/>
-    <p:sldId id="283" r:id="rId13"/>
-    <p:sldId id="271" r:id="rId14"/>
-    <p:sldId id="265" r:id="rId15"/>
-    <p:sldId id="266" r:id="rId16"/>
-    <p:sldId id="268" r:id="rId17"/>
-    <p:sldId id="274" r:id="rId18"/>
-    <p:sldId id="276" r:id="rId19"/>
-    <p:sldId id="277" r:id="rId20"/>
-    <p:sldId id="278" r:id="rId21"/>
-    <p:sldId id="287" r:id="rId22"/>
-    <p:sldId id="288" r:id="rId23"/>
+    <p:sldId id="291" r:id="rId12"/>
+    <p:sldId id="289" r:id="rId13"/>
+    <p:sldId id="281" r:id="rId14"/>
+    <p:sldId id="283" r:id="rId15"/>
+    <p:sldId id="271" r:id="rId16"/>
+    <p:sldId id="265" r:id="rId17"/>
+    <p:sldId id="266" r:id="rId18"/>
+    <p:sldId id="268" r:id="rId19"/>
+    <p:sldId id="274" r:id="rId20"/>
+    <p:sldId id="276" r:id="rId21"/>
+    <p:sldId id="277" r:id="rId22"/>
+    <p:sldId id="292" r:id="rId23"/>
+    <p:sldId id="278" r:id="rId24"/>
+    <p:sldId id="287" r:id="rId25"/>
+    <p:sldId id="288" r:id="rId26"/>
   </p:sldIdLst>
   <p:sldSz cx="12192000" cy="6858000"/>
   <p:notesSz cx="6858000" cy="9144000"/>
@@ -200,7 +203,7 @@
           <inkml:channelProperty channel="Y" name="resolution" value="1000" units="1/cm"/>
         </inkml:channelProperties>
       </inkml:inkSource>
-      <inkml:timestamp xml:id="ts0" timeString="2019-12-08T16:38:23.981"/>
+      <inkml:timestamp xml:id="ts0" timeString="2019-12-08T16:38:28.187"/>
     </inkml:context>
     <inkml:brush xml:id="br0">
       <inkml:brushProperty name="width" value="0.05" units="cm"/>
@@ -209,7 +212,7 @@
       <inkml:brushProperty name="ignorePressure" value="1"/>
     </inkml:brush>
   </inkml:definitions>
-  <inkml:trace contextRef="#ctx0" brushRef="#br0">0 1</inkml:trace>
+  <inkml:trace contextRef="#ctx0" brushRef="#br0">0 0</inkml:trace>
 </inkml:ink>
 </file>
 
@@ -227,7 +230,7 @@
           <inkml:channelProperty channel="Y" name="resolution" value="1000" units="1/cm"/>
         </inkml:channelProperties>
       </inkml:inkSource>
-      <inkml:timestamp xml:id="ts0" timeString="2019-12-08T16:38:24.318"/>
+      <inkml:timestamp xml:id="ts0" timeString="2019-12-08T16:38:28.531"/>
     </inkml:context>
     <inkml:brush xml:id="br0">
       <inkml:brushProperty name="width" value="0.05" units="cm"/>
@@ -236,7 +239,9 @@
       <inkml:brushProperty name="ignorePressure" value="1"/>
     </inkml:brush>
   </inkml:definitions>
-  <inkml:trace contextRef="#ctx0" brushRef="#br0">1 0</inkml:trace>
+  <inkml:trace contextRef="#ctx0" brushRef="#br0">1 17</inkml:trace>
+  <inkml:trace contextRef="#ctx0" brushRef="#br0" timeOffset="1">1 17</inkml:trace>
+  <inkml:trace contextRef="#ctx0" brushRef="#br0" timeOffset="2">1 17,'0'-7,"0"-3</inkml:trace>
 </inkml:ink>
 </file>
 
@@ -254,7 +259,7 @@
           <inkml:channelProperty channel="Y" name="resolution" value="1000" units="1/cm"/>
         </inkml:channelProperties>
       </inkml:inkSource>
-      <inkml:timestamp xml:id="ts0" timeString="2019-12-08T16:38:24.651"/>
+      <inkml:timestamp xml:id="ts0" timeString="2019-12-08T16:38:28.531"/>
     </inkml:context>
     <inkml:brush xml:id="br0">
       <inkml:brushProperty name="width" value="0.05" units="cm"/>
@@ -263,65 +268,13 @@
       <inkml:brushProperty name="ignorePressure" value="1"/>
     </inkml:brush>
   </inkml:definitions>
-  <inkml:trace contextRef="#ctx0" brushRef="#br0">19 0,'-8'0,"-2"0</inkml:trace>
+  <inkml:trace contextRef="#ctx0" brushRef="#br0">1 17</inkml:trace>
+  <inkml:trace contextRef="#ctx0" brushRef="#br0" timeOffset="1">1 17</inkml:trace>
+  <inkml:trace contextRef="#ctx0" brushRef="#br0" timeOffset="2">1 17,'0'-7,"0"-3</inkml:trace>
 </inkml:ink>
 </file>
 
 <file path=ppt/ink/ink13.xml><?xml version="1.0" encoding="utf-8"?>
-<inkml:ink xmlns:inkml="http://www.w3.org/2003/InkML">
-  <inkml:definitions>
-    <inkml:context xml:id="ctx0">
-      <inkml:inkSource xml:id="inkSrc0">
-        <inkml:traceFormat>
-          <inkml:channel name="X" type="integer" min="-2.14748E9" max="2.14748E9" units="cm"/>
-          <inkml:channel name="Y" type="integer" min="-2.14748E9" max="2.14748E9" units="cm"/>
-        </inkml:traceFormat>
-        <inkml:channelProperties>
-          <inkml:channelProperty channel="X" name="resolution" value="1000" units="1/cm"/>
-          <inkml:channelProperty channel="Y" name="resolution" value="1000" units="1/cm"/>
-        </inkml:channelProperties>
-      </inkml:inkSource>
-      <inkml:timestamp xml:id="ts0" timeString="2019-12-08T16:38:24.990"/>
-    </inkml:context>
-    <inkml:brush xml:id="br0">
-      <inkml:brushProperty name="width" value="0.05" units="cm"/>
-      <inkml:brushProperty name="height" value="0.05" units="cm"/>
-      <inkml:brushProperty name="color" value="#33CCFF"/>
-      <inkml:brushProperty name="ignorePressure" value="1"/>
-    </inkml:brush>
-  </inkml:definitions>
-  <inkml:trace contextRef="#ctx0" brushRef="#br0">1 0,'7'0,"3"0</inkml:trace>
-</inkml:ink>
-</file>
-
-<file path=ppt/ink/ink14.xml><?xml version="1.0" encoding="utf-8"?>
-<inkml:ink xmlns:inkml="http://www.w3.org/2003/InkML">
-  <inkml:definitions>
-    <inkml:context xml:id="ctx0">
-      <inkml:inkSource xml:id="inkSrc0">
-        <inkml:traceFormat>
-          <inkml:channel name="X" type="integer" min="-2.14748E9" max="2.14748E9" units="cm"/>
-          <inkml:channel name="Y" type="integer" min="-2.14748E9" max="2.14748E9" units="cm"/>
-        </inkml:traceFormat>
-        <inkml:channelProperties>
-          <inkml:channelProperty channel="X" name="resolution" value="1000" units="1/cm"/>
-          <inkml:channelProperty channel="Y" name="resolution" value="1000" units="1/cm"/>
-        </inkml:channelProperties>
-      </inkml:inkSource>
-      <inkml:timestamp xml:id="ts0" timeString="2019-12-08T16:39:07.580"/>
-    </inkml:context>
-    <inkml:brush xml:id="br0">
-      <inkml:brushProperty name="width" value="0.05" units="cm"/>
-      <inkml:brushProperty name="height" value="0.05" units="cm"/>
-      <inkml:brushProperty name="color" value="#33CCFF"/>
-      <inkml:brushProperty name="ignorePressure" value="1"/>
-    </inkml:brush>
-  </inkml:definitions>
-  <inkml:trace contextRef="#ctx0" brushRef="#br0">1 1</inkml:trace>
-</inkml:ink>
-</file>
-
-<file path=ppt/ink/ink15.xml><?xml version="1.0" encoding="utf-8"?>
 <inkml:ink xmlns:inkml="http://www.w3.org/2003/InkML">
   <inkml:definitions>
     <inkml:context xml:id="ctx0">
@@ -348,7 +301,7 @@
 </inkml:ink>
 </file>
 
-<file path=ppt/ink/ink16.xml><?xml version="1.0" encoding="utf-8"?>
+<file path=ppt/ink/ink14.xml><?xml version="1.0" encoding="utf-8"?>
 <inkml:ink xmlns:inkml="http://www.w3.org/2003/InkML">
   <inkml:definitions>
     <inkml:context xml:id="ctx0">
@@ -375,7 +328,7 @@
 </inkml:ink>
 </file>
 
-<file path=ppt/ink/ink17.xml><?xml version="1.0" encoding="utf-8"?>
+<file path=ppt/ink/ink15.xml><?xml version="1.0" encoding="utf-8"?>
 <inkml:ink xmlns:inkml="http://www.w3.org/2003/InkML">
   <inkml:definitions>
     <inkml:context xml:id="ctx0">
@@ -402,7 +355,7 @@
 </inkml:ink>
 </file>
 
-<file path=ppt/ink/ink18.xml><?xml version="1.0" encoding="utf-8"?>
+<file path=ppt/ink/ink16.xml><?xml version="1.0" encoding="utf-8"?>
 <inkml:ink xmlns:inkml="http://www.w3.org/2003/InkML">
   <inkml:definitions>
     <inkml:context xml:id="ctx0">
@@ -429,7 +382,7 @@
 </inkml:ink>
 </file>
 
-<file path=ppt/ink/ink19.xml><?xml version="1.0" encoding="utf-8"?>
+<file path=ppt/ink/ink17.xml><?xml version="1.0" encoding="utf-8"?>
 <inkml:ink xmlns:inkml="http://www.w3.org/2003/InkML">
   <inkml:definitions>
     <inkml:context xml:id="ctx0">
@@ -453,6 +406,60 @@
     </inkml:brush>
   </inkml:definitions>
   <inkml:trace contextRef="#ctx0" brushRef="#br0">1 0</inkml:trace>
+</inkml:ink>
+</file>
+
+<file path=ppt/ink/ink18.xml><?xml version="1.0" encoding="utf-8"?>
+<inkml:ink xmlns:inkml="http://www.w3.org/2003/InkML">
+  <inkml:definitions>
+    <inkml:context xml:id="ctx0">
+      <inkml:inkSource xml:id="inkSrc0">
+        <inkml:traceFormat>
+          <inkml:channel name="X" type="integer" min="-2.14748E9" max="2.14748E9" units="cm"/>
+          <inkml:channel name="Y" type="integer" min="-2.14748E9" max="2.14748E9" units="cm"/>
+        </inkml:traceFormat>
+        <inkml:channelProperties>
+          <inkml:channelProperty channel="X" name="resolution" value="1000" units="1/cm"/>
+          <inkml:channelProperty channel="Y" name="resolution" value="1000" units="1/cm"/>
+        </inkml:channelProperties>
+      </inkml:inkSource>
+      <inkml:timestamp xml:id="ts0" timeString="2019-12-08T16:38:27.853"/>
+    </inkml:context>
+    <inkml:brush xml:id="br0">
+      <inkml:brushProperty name="width" value="0.05" units="cm"/>
+      <inkml:brushProperty name="height" value="0.05" units="cm"/>
+      <inkml:brushProperty name="color" value="#33CCFF"/>
+      <inkml:brushProperty name="ignorePressure" value="1"/>
+    </inkml:brush>
+  </inkml:definitions>
+  <inkml:trace contextRef="#ctx0" brushRef="#br0">0 0</inkml:trace>
+</inkml:ink>
+</file>
+
+<file path=ppt/ink/ink19.xml><?xml version="1.0" encoding="utf-8"?>
+<inkml:ink xmlns:inkml="http://www.w3.org/2003/InkML">
+  <inkml:definitions>
+    <inkml:context xml:id="ctx0">
+      <inkml:inkSource xml:id="inkSrc0">
+        <inkml:traceFormat>
+          <inkml:channel name="X" type="integer" min="-2.14748E9" max="2.14748E9" units="cm"/>
+          <inkml:channel name="Y" type="integer" min="-2.14748E9" max="2.14748E9" units="cm"/>
+        </inkml:traceFormat>
+        <inkml:channelProperties>
+          <inkml:channelProperty channel="X" name="resolution" value="1000" units="1/cm"/>
+          <inkml:channelProperty channel="Y" name="resolution" value="1000" units="1/cm"/>
+        </inkml:channelProperties>
+      </inkml:inkSource>
+      <inkml:timestamp xml:id="ts0" timeString="2019-12-08T16:38:28.187"/>
+    </inkml:context>
+    <inkml:brush xml:id="br0">
+      <inkml:brushProperty name="width" value="0.05" units="cm"/>
+      <inkml:brushProperty name="height" value="0.05" units="cm"/>
+      <inkml:brushProperty name="color" value="#33CCFF"/>
+      <inkml:brushProperty name="ignorePressure" value="1"/>
+    </inkml:brush>
+  </inkml:definitions>
+  <inkml:trace contextRef="#ctx0" brushRef="#br0">0 0</inkml:trace>
 </inkml:ink>
 </file>
 
@@ -497,60 +504,6 @@
           <inkml:channelProperty channel="Y" name="resolution" value="1000" units="1/cm"/>
         </inkml:channelProperties>
       </inkml:inkSource>
-      <inkml:timestamp xml:id="ts0" timeString="2019-12-08T16:38:27.853"/>
-    </inkml:context>
-    <inkml:brush xml:id="br0">
-      <inkml:brushProperty name="width" value="0.05" units="cm"/>
-      <inkml:brushProperty name="height" value="0.05" units="cm"/>
-      <inkml:brushProperty name="color" value="#33CCFF"/>
-      <inkml:brushProperty name="ignorePressure" value="1"/>
-    </inkml:brush>
-  </inkml:definitions>
-  <inkml:trace contextRef="#ctx0" brushRef="#br0">0 0</inkml:trace>
-</inkml:ink>
-</file>
-
-<file path=ppt/ink/ink21.xml><?xml version="1.0" encoding="utf-8"?>
-<inkml:ink xmlns:inkml="http://www.w3.org/2003/InkML">
-  <inkml:definitions>
-    <inkml:context xml:id="ctx0">
-      <inkml:inkSource xml:id="inkSrc0">
-        <inkml:traceFormat>
-          <inkml:channel name="X" type="integer" min="-2.14748E9" max="2.14748E9" units="cm"/>
-          <inkml:channel name="Y" type="integer" min="-2.14748E9" max="2.14748E9" units="cm"/>
-        </inkml:traceFormat>
-        <inkml:channelProperties>
-          <inkml:channelProperty channel="X" name="resolution" value="1000" units="1/cm"/>
-          <inkml:channelProperty channel="Y" name="resolution" value="1000" units="1/cm"/>
-        </inkml:channelProperties>
-      </inkml:inkSource>
-      <inkml:timestamp xml:id="ts0" timeString="2019-12-08T16:38:28.187"/>
-    </inkml:context>
-    <inkml:brush xml:id="br0">
-      <inkml:brushProperty name="width" value="0.05" units="cm"/>
-      <inkml:brushProperty name="height" value="0.05" units="cm"/>
-      <inkml:brushProperty name="color" value="#33CCFF"/>
-      <inkml:brushProperty name="ignorePressure" value="1"/>
-    </inkml:brush>
-  </inkml:definitions>
-  <inkml:trace contextRef="#ctx0" brushRef="#br0">0 0</inkml:trace>
-</inkml:ink>
-</file>
-
-<file path=ppt/ink/ink22.xml><?xml version="1.0" encoding="utf-8"?>
-<inkml:ink xmlns:inkml="http://www.w3.org/2003/InkML">
-  <inkml:definitions>
-    <inkml:context xml:id="ctx0">
-      <inkml:inkSource xml:id="inkSrc0">
-        <inkml:traceFormat>
-          <inkml:channel name="X" type="integer" min="-2.14748E9" max="2.14748E9" units="cm"/>
-          <inkml:channel name="Y" type="integer" min="-2.14748E9" max="2.14748E9" units="cm"/>
-        </inkml:traceFormat>
-        <inkml:channelProperties>
-          <inkml:channelProperty channel="X" name="resolution" value="1000" units="1/cm"/>
-          <inkml:channelProperty channel="Y" name="resolution" value="1000" units="1/cm"/>
-        </inkml:channelProperties>
-      </inkml:inkSource>
       <inkml:timestamp xml:id="ts0" timeString="2019-12-08T16:38:28.531"/>
     </inkml:context>
     <inkml:brush xml:id="br0">
@@ -563,195 +516,6 @@
   <inkml:trace contextRef="#ctx0" brushRef="#br0">1 17</inkml:trace>
   <inkml:trace contextRef="#ctx0" brushRef="#br0" timeOffset="1">1 17</inkml:trace>
   <inkml:trace contextRef="#ctx0" brushRef="#br0" timeOffset="2">1 17,'0'-7,"0"-3</inkml:trace>
-</inkml:ink>
-</file>
-
-<file path=ppt/ink/ink23.xml><?xml version="1.0" encoding="utf-8"?>
-<inkml:ink xmlns:inkml="http://www.w3.org/2003/InkML">
-  <inkml:definitions>
-    <inkml:context xml:id="ctx0">
-      <inkml:inkSource xml:id="inkSrc0">
-        <inkml:traceFormat>
-          <inkml:channel name="X" type="integer" min="-2.14748E9" max="2.14748E9" units="cm"/>
-          <inkml:channel name="Y" type="integer" min="-2.14748E9" max="2.14748E9" units="cm"/>
-        </inkml:traceFormat>
-        <inkml:channelProperties>
-          <inkml:channelProperty channel="X" name="resolution" value="1000" units="1/cm"/>
-          <inkml:channelProperty channel="Y" name="resolution" value="1000" units="1/cm"/>
-        </inkml:channelProperties>
-      </inkml:inkSource>
-      <inkml:timestamp xml:id="ts0" timeString="2019-12-08T16:38:10.918"/>
-    </inkml:context>
-    <inkml:brush xml:id="br0">
-      <inkml:brushProperty name="width" value="0.05" units="cm"/>
-      <inkml:brushProperty name="height" value="0.05" units="cm"/>
-      <inkml:brushProperty name="color" value="#33CCFF"/>
-      <inkml:brushProperty name="ignorePressure" value="1"/>
-    </inkml:brush>
-  </inkml:definitions>
-  <inkml:trace contextRef="#ctx0" brushRef="#br0">0 0</inkml:trace>
-</inkml:ink>
-</file>
-
-<file path=ppt/ink/ink24.xml><?xml version="1.0" encoding="utf-8"?>
-<inkml:ink xmlns:inkml="http://www.w3.org/2003/InkML">
-  <inkml:definitions>
-    <inkml:context xml:id="ctx0">
-      <inkml:inkSource xml:id="inkSrc0">
-        <inkml:traceFormat>
-          <inkml:channel name="X" type="integer" min="-2.14748E9" max="2.14748E9" units="cm"/>
-          <inkml:channel name="Y" type="integer" min="-2.14748E9" max="2.14748E9" units="cm"/>
-        </inkml:traceFormat>
-        <inkml:channelProperties>
-          <inkml:channelProperty channel="X" name="resolution" value="1000" units="1/cm"/>
-          <inkml:channelProperty channel="Y" name="resolution" value="1000" units="1/cm"/>
-        </inkml:channelProperties>
-      </inkml:inkSource>
-      <inkml:timestamp xml:id="ts0" timeString="2019-12-08T16:38:11.251"/>
-    </inkml:context>
-    <inkml:brush xml:id="br0">
-      <inkml:brushProperty name="width" value="0.05" units="cm"/>
-      <inkml:brushProperty name="height" value="0.05" units="cm"/>
-      <inkml:brushProperty name="color" value="#33CCFF"/>
-      <inkml:brushProperty name="ignorePressure" value="1"/>
-    </inkml:brush>
-  </inkml:definitions>
-  <inkml:trace contextRef="#ctx0" brushRef="#br0">0 0</inkml:trace>
-</inkml:ink>
-</file>
-
-<file path=ppt/ink/ink25.xml><?xml version="1.0" encoding="utf-8"?>
-<inkml:ink xmlns:inkml="http://www.w3.org/2003/InkML">
-  <inkml:definitions>
-    <inkml:context xml:id="ctx0">
-      <inkml:inkSource xml:id="inkSrc0">
-        <inkml:traceFormat>
-          <inkml:channel name="X" type="integer" min="-2.14748E9" max="2.14748E9" units="cm"/>
-          <inkml:channel name="Y" type="integer" min="-2.14748E9" max="2.14748E9" units="cm"/>
-        </inkml:traceFormat>
-        <inkml:channelProperties>
-          <inkml:channelProperty channel="X" name="resolution" value="1000" units="1/cm"/>
-          <inkml:channelProperty channel="Y" name="resolution" value="1000" units="1/cm"/>
-        </inkml:channelProperties>
-      </inkml:inkSource>
-      <inkml:timestamp xml:id="ts0" timeString="2019-12-08T16:38:11.635"/>
-    </inkml:context>
-    <inkml:brush xml:id="br0">
-      <inkml:brushProperty name="width" value="0.05" units="cm"/>
-      <inkml:brushProperty name="height" value="0.05" units="cm"/>
-      <inkml:brushProperty name="color" value="#33CCFF"/>
-      <inkml:brushProperty name="ignorePressure" value="1"/>
-    </inkml:brush>
-  </inkml:definitions>
-  <inkml:trace contextRef="#ctx0" brushRef="#br0">0 1</inkml:trace>
-</inkml:ink>
-</file>
-
-<file path=ppt/ink/ink26.xml><?xml version="1.0" encoding="utf-8"?>
-<inkml:ink xmlns:inkml="http://www.w3.org/2003/InkML">
-  <inkml:definitions>
-    <inkml:context xml:id="ctx0">
-      <inkml:inkSource xml:id="inkSrc0">
-        <inkml:traceFormat>
-          <inkml:channel name="X" type="integer" min="-2.14748E9" max="2.14748E9" units="cm"/>
-          <inkml:channel name="Y" type="integer" min="-2.14748E9" max="2.14748E9" units="cm"/>
-        </inkml:traceFormat>
-        <inkml:channelProperties>
-          <inkml:channelProperty channel="X" name="resolution" value="1000" units="1/cm"/>
-          <inkml:channelProperty channel="Y" name="resolution" value="1000" units="1/cm"/>
-        </inkml:channelProperties>
-      </inkml:inkSource>
-      <inkml:timestamp xml:id="ts0" timeString="2019-12-08T16:38:11.968"/>
-    </inkml:context>
-    <inkml:brush xml:id="br0">
-      <inkml:brushProperty name="width" value="0.05" units="cm"/>
-      <inkml:brushProperty name="height" value="0.05" units="cm"/>
-      <inkml:brushProperty name="color" value="#33CCFF"/>
-      <inkml:brushProperty name="ignorePressure" value="1"/>
-    </inkml:brush>
-  </inkml:definitions>
-  <inkml:trace contextRef="#ctx0" brushRef="#br0">0 1</inkml:trace>
-</inkml:ink>
-</file>
-
-<file path=ppt/ink/ink27.xml><?xml version="1.0" encoding="utf-8"?>
-<inkml:ink xmlns:inkml="http://www.w3.org/2003/InkML">
-  <inkml:definitions>
-    <inkml:context xml:id="ctx0">
-      <inkml:inkSource xml:id="inkSrc0">
-        <inkml:traceFormat>
-          <inkml:channel name="X" type="integer" min="-2.14748E9" max="2.14748E9" units="cm"/>
-          <inkml:channel name="Y" type="integer" min="-2.14748E9" max="2.14748E9" units="cm"/>
-        </inkml:traceFormat>
-        <inkml:channelProperties>
-          <inkml:channelProperty channel="X" name="resolution" value="1000" units="1/cm"/>
-          <inkml:channelProperty channel="Y" name="resolution" value="1000" units="1/cm"/>
-        </inkml:channelProperties>
-      </inkml:inkSource>
-      <inkml:timestamp xml:id="ts0" timeString="2019-12-08T16:38:27.520"/>
-    </inkml:context>
-    <inkml:brush xml:id="br0">
-      <inkml:brushProperty name="width" value="0.05" units="cm"/>
-      <inkml:brushProperty name="height" value="0.05" units="cm"/>
-      <inkml:brushProperty name="color" value="#33CCFF"/>
-      <inkml:brushProperty name="ignorePressure" value="1"/>
-    </inkml:brush>
-  </inkml:definitions>
-  <inkml:trace contextRef="#ctx0" brushRef="#br0">1 0</inkml:trace>
-</inkml:ink>
-</file>
-
-<file path=ppt/ink/ink28.xml><?xml version="1.0" encoding="utf-8"?>
-<inkml:ink xmlns:inkml="http://www.w3.org/2003/InkML">
-  <inkml:definitions>
-    <inkml:context xml:id="ctx0">
-      <inkml:inkSource xml:id="inkSrc0">
-        <inkml:traceFormat>
-          <inkml:channel name="X" type="integer" min="-2.14748E9" max="2.14748E9" units="cm"/>
-          <inkml:channel name="Y" type="integer" min="-2.14748E9" max="2.14748E9" units="cm"/>
-        </inkml:traceFormat>
-        <inkml:channelProperties>
-          <inkml:channelProperty channel="X" name="resolution" value="1000" units="1/cm"/>
-          <inkml:channelProperty channel="Y" name="resolution" value="1000" units="1/cm"/>
-        </inkml:channelProperties>
-      </inkml:inkSource>
-      <inkml:timestamp xml:id="ts0" timeString="2019-12-08T16:38:27.853"/>
-    </inkml:context>
-    <inkml:brush xml:id="br0">
-      <inkml:brushProperty name="width" value="0.05" units="cm"/>
-      <inkml:brushProperty name="height" value="0.05" units="cm"/>
-      <inkml:brushProperty name="color" value="#33CCFF"/>
-      <inkml:brushProperty name="ignorePressure" value="1"/>
-    </inkml:brush>
-  </inkml:definitions>
-  <inkml:trace contextRef="#ctx0" brushRef="#br0">0 0</inkml:trace>
-</inkml:ink>
-</file>
-
-<file path=ppt/ink/ink29.xml><?xml version="1.0" encoding="utf-8"?>
-<inkml:ink xmlns:inkml="http://www.w3.org/2003/InkML">
-  <inkml:definitions>
-    <inkml:context xml:id="ctx0">
-      <inkml:inkSource xml:id="inkSrc0">
-        <inkml:traceFormat>
-          <inkml:channel name="X" type="integer" min="-2.14748E9" max="2.14748E9" units="cm"/>
-          <inkml:channel name="Y" type="integer" min="-2.14748E9" max="2.14748E9" units="cm"/>
-        </inkml:traceFormat>
-        <inkml:channelProperties>
-          <inkml:channelProperty channel="X" name="resolution" value="1000" units="1/cm"/>
-          <inkml:channelProperty channel="Y" name="resolution" value="1000" units="1/cm"/>
-        </inkml:channelProperties>
-      </inkml:inkSource>
-      <inkml:timestamp xml:id="ts0" timeString="2019-12-08T16:38:28.187"/>
-    </inkml:context>
-    <inkml:brush xml:id="br0">
-      <inkml:brushProperty name="width" value="0.05" units="cm"/>
-      <inkml:brushProperty name="height" value="0.05" units="cm"/>
-      <inkml:brushProperty name="color" value="#33CCFF"/>
-      <inkml:brushProperty name="ignorePressure" value="1"/>
-    </inkml:brush>
-  </inkml:definitions>
-  <inkml:trace contextRef="#ctx0" brushRef="#br0">0 0</inkml:trace>
 </inkml:ink>
 </file>
 
@@ -782,36 +546,7 @@
 </inkml:ink>
 </file>
 
-<file path=ppt/ink/ink30.xml><?xml version="1.0" encoding="utf-8"?>
-<inkml:ink xmlns:inkml="http://www.w3.org/2003/InkML">
-  <inkml:definitions>
-    <inkml:context xml:id="ctx0">
-      <inkml:inkSource xml:id="inkSrc0">
-        <inkml:traceFormat>
-          <inkml:channel name="X" type="integer" min="-2.14748E9" max="2.14748E9" units="cm"/>
-          <inkml:channel name="Y" type="integer" min="-2.14748E9" max="2.14748E9" units="cm"/>
-        </inkml:traceFormat>
-        <inkml:channelProperties>
-          <inkml:channelProperty channel="X" name="resolution" value="1000" units="1/cm"/>
-          <inkml:channelProperty channel="Y" name="resolution" value="1000" units="1/cm"/>
-        </inkml:channelProperties>
-      </inkml:inkSource>
-      <inkml:timestamp xml:id="ts0" timeString="2019-12-08T16:38:28.531"/>
-    </inkml:context>
-    <inkml:brush xml:id="br0">
-      <inkml:brushProperty name="width" value="0.05" units="cm"/>
-      <inkml:brushProperty name="height" value="0.05" units="cm"/>
-      <inkml:brushProperty name="color" value="#33CCFF"/>
-      <inkml:brushProperty name="ignorePressure" value="1"/>
-    </inkml:brush>
-  </inkml:definitions>
-  <inkml:trace contextRef="#ctx0" brushRef="#br0">1 17</inkml:trace>
-  <inkml:trace contextRef="#ctx0" brushRef="#br0" timeOffset="1">1 17</inkml:trace>
-  <inkml:trace contextRef="#ctx0" brushRef="#br0" timeOffset="2">1 17,'0'-7,"0"-3</inkml:trace>
-</inkml:ink>
-</file>
-
-<file path=ppt/ink/ink31.xml><?xml version="1.0" encoding="utf-8"?>
+<file path=ppt/ink/ink4.xml><?xml version="1.0" encoding="utf-8"?>
 <inkml:ink xmlns:inkml="http://www.w3.org/2003/InkML">
   <inkml:definitions>
     <inkml:context xml:id="ctx0">
@@ -838,7 +573,7 @@
 </inkml:ink>
 </file>
 
-<file path=ppt/ink/ink32.xml><?xml version="1.0" encoding="utf-8"?>
+<file path=ppt/ink/ink5.xml><?xml version="1.0" encoding="utf-8"?>
 <inkml:ink xmlns:inkml="http://www.w3.org/2003/InkML">
   <inkml:definitions>
     <inkml:context xml:id="ctx0">
@@ -865,7 +600,7 @@
 </inkml:ink>
 </file>
 
-<file path=ppt/ink/ink33.xml><?xml version="1.0" encoding="utf-8"?>
+<file path=ppt/ink/ink6.xml><?xml version="1.0" encoding="utf-8"?>
 <inkml:ink xmlns:inkml="http://www.w3.org/2003/InkML">
   <inkml:definitions>
     <inkml:context xml:id="ctx0">
@@ -892,7 +627,7 @@
 </inkml:ink>
 </file>
 
-<file path=ppt/ink/ink34.xml><?xml version="1.0" encoding="utf-8"?>
+<file path=ppt/ink/ink7.xml><?xml version="1.0" encoding="utf-8"?>
 <inkml:ink xmlns:inkml="http://www.w3.org/2003/InkML">
   <inkml:definitions>
     <inkml:context xml:id="ctx0">
@@ -919,7 +654,7 @@
 </inkml:ink>
 </file>
 
-<file path=ppt/ink/ink35.xml><?xml version="1.0" encoding="utf-8"?>
+<file path=ppt/ink/ink8.xml><?xml version="1.0" encoding="utf-8"?>
 <inkml:ink xmlns:inkml="http://www.w3.org/2003/InkML">
   <inkml:definitions>
     <inkml:context xml:id="ctx0">
@@ -946,7 +681,7 @@
 </inkml:ink>
 </file>
 
-<file path=ppt/ink/ink36.xml><?xml version="1.0" encoding="utf-8"?>
+<file path=ppt/ink/ink9.xml><?xml version="1.0" encoding="utf-8"?>
 <inkml:ink xmlns:inkml="http://www.w3.org/2003/InkML">
   <inkml:definitions>
     <inkml:context xml:id="ctx0">
@@ -970,1119 +705,6 @@
     </inkml:brush>
   </inkml:definitions>
   <inkml:trace contextRef="#ctx0" brushRef="#br0">0 0</inkml:trace>
-</inkml:ink>
-</file>
-
-<file path=ppt/ink/ink37.xml><?xml version="1.0" encoding="utf-8"?>
-<inkml:ink xmlns:inkml="http://www.w3.org/2003/InkML">
-  <inkml:definitions>
-    <inkml:context xml:id="ctx0">
-      <inkml:inkSource xml:id="inkSrc0">
-        <inkml:traceFormat>
-          <inkml:channel name="X" type="integer" min="-2.14748E9" max="2.14748E9" units="cm"/>
-          <inkml:channel name="Y" type="integer" min="-2.14748E9" max="2.14748E9" units="cm"/>
-        </inkml:traceFormat>
-        <inkml:channelProperties>
-          <inkml:channelProperty channel="X" name="resolution" value="1000" units="1/cm"/>
-          <inkml:channelProperty channel="Y" name="resolution" value="1000" units="1/cm"/>
-        </inkml:channelProperties>
-      </inkml:inkSource>
-      <inkml:timestamp xml:id="ts0" timeString="2019-12-08T16:38:28.187"/>
-    </inkml:context>
-    <inkml:brush xml:id="br0">
-      <inkml:brushProperty name="width" value="0.05" units="cm"/>
-      <inkml:brushProperty name="height" value="0.05" units="cm"/>
-      <inkml:brushProperty name="color" value="#33CCFF"/>
-      <inkml:brushProperty name="ignorePressure" value="1"/>
-    </inkml:brush>
-  </inkml:definitions>
-  <inkml:trace contextRef="#ctx0" brushRef="#br0">0 0</inkml:trace>
-</inkml:ink>
-</file>
-
-<file path=ppt/ink/ink38.xml><?xml version="1.0" encoding="utf-8"?>
-<inkml:ink xmlns:inkml="http://www.w3.org/2003/InkML">
-  <inkml:definitions>
-    <inkml:context xml:id="ctx0">
-      <inkml:inkSource xml:id="inkSrc0">
-        <inkml:traceFormat>
-          <inkml:channel name="X" type="integer" min="-2.14748E9" max="2.14748E9" units="cm"/>
-          <inkml:channel name="Y" type="integer" min="-2.14748E9" max="2.14748E9" units="cm"/>
-        </inkml:traceFormat>
-        <inkml:channelProperties>
-          <inkml:channelProperty channel="X" name="resolution" value="1000" units="1/cm"/>
-          <inkml:channelProperty channel="Y" name="resolution" value="1000" units="1/cm"/>
-        </inkml:channelProperties>
-      </inkml:inkSource>
-      <inkml:timestamp xml:id="ts0" timeString="2019-12-08T16:38:28.531"/>
-    </inkml:context>
-    <inkml:brush xml:id="br0">
-      <inkml:brushProperty name="width" value="0.05" units="cm"/>
-      <inkml:brushProperty name="height" value="0.05" units="cm"/>
-      <inkml:brushProperty name="color" value="#33CCFF"/>
-      <inkml:brushProperty name="ignorePressure" value="1"/>
-    </inkml:brush>
-  </inkml:definitions>
-  <inkml:trace contextRef="#ctx0" brushRef="#br0">1 17</inkml:trace>
-  <inkml:trace contextRef="#ctx0" brushRef="#br0" timeOffset="1">1 17</inkml:trace>
-  <inkml:trace contextRef="#ctx0" brushRef="#br0" timeOffset="2">1 17,'0'-7,"0"-3</inkml:trace>
-</inkml:ink>
-</file>
-
-<file path=ppt/ink/ink39.xml><?xml version="1.0" encoding="utf-8"?>
-<inkml:ink xmlns:inkml="http://www.w3.org/2003/InkML">
-  <inkml:definitions>
-    <inkml:context xml:id="ctx0">
-      <inkml:inkSource xml:id="inkSrc0">
-        <inkml:traceFormat>
-          <inkml:channel name="X" type="integer" min="-2.14748E9" max="2.14748E9" units="cm"/>
-          <inkml:channel name="Y" type="integer" min="-2.14748E9" max="2.14748E9" units="cm"/>
-        </inkml:traceFormat>
-        <inkml:channelProperties>
-          <inkml:channelProperty channel="X" name="resolution" value="1000" units="1/cm"/>
-          <inkml:channelProperty channel="Y" name="resolution" value="1000" units="1/cm"/>
-        </inkml:channelProperties>
-      </inkml:inkSource>
-      <inkml:timestamp xml:id="ts0" timeString="2019-12-08T16:38:08.574"/>
-    </inkml:context>
-    <inkml:brush xml:id="br0">
-      <inkml:brushProperty name="width" value="0.05" units="cm"/>
-      <inkml:brushProperty name="height" value="0.05" units="cm"/>
-      <inkml:brushProperty name="color" value="#33CCFF"/>
-      <inkml:brushProperty name="ignorePressure" value="1"/>
-    </inkml:brush>
-  </inkml:definitions>
-  <inkml:trace contextRef="#ctx0" brushRef="#br0">1 0</inkml:trace>
-</inkml:ink>
-</file>
-
-<file path=ppt/ink/ink4.xml><?xml version="1.0" encoding="utf-8"?>
-<inkml:ink xmlns:inkml="http://www.w3.org/2003/InkML">
-  <inkml:definitions>
-    <inkml:context xml:id="ctx0">
-      <inkml:inkSource xml:id="inkSrc0">
-        <inkml:traceFormat>
-          <inkml:channel name="X" type="integer" min="-2.14748E9" max="2.14748E9" units="cm"/>
-          <inkml:channel name="Y" type="integer" min="-2.14748E9" max="2.14748E9" units="cm"/>
-        </inkml:traceFormat>
-        <inkml:channelProperties>
-          <inkml:channelProperty channel="X" name="resolution" value="1000" units="1/cm"/>
-          <inkml:channelProperty channel="Y" name="resolution" value="1000" units="1/cm"/>
-        </inkml:channelProperties>
-      </inkml:inkSource>
-      <inkml:timestamp xml:id="ts0" timeString="2019-12-08T16:38:08.574"/>
-    </inkml:context>
-    <inkml:brush xml:id="br0">
-      <inkml:brushProperty name="width" value="0.05" units="cm"/>
-      <inkml:brushProperty name="height" value="0.05" units="cm"/>
-      <inkml:brushProperty name="color" value="#33CCFF"/>
-      <inkml:brushProperty name="ignorePressure" value="1"/>
-    </inkml:brush>
-  </inkml:definitions>
-  <inkml:trace contextRef="#ctx0" brushRef="#br0">1 0</inkml:trace>
-</inkml:ink>
-</file>
-
-<file path=ppt/ink/ink40.xml><?xml version="1.0" encoding="utf-8"?>
-<inkml:ink xmlns:inkml="http://www.w3.org/2003/InkML">
-  <inkml:definitions>
-    <inkml:context xml:id="ctx0">
-      <inkml:inkSource xml:id="inkSrc0">
-        <inkml:traceFormat>
-          <inkml:channel name="X" type="integer" min="-2.14748E9" max="2.14748E9" units="cm"/>
-          <inkml:channel name="Y" type="integer" min="-2.14748E9" max="2.14748E9" units="cm"/>
-        </inkml:traceFormat>
-        <inkml:channelProperties>
-          <inkml:channelProperty channel="X" name="resolution" value="1000" units="1/cm"/>
-          <inkml:channelProperty channel="Y" name="resolution" value="1000" units="1/cm"/>
-        </inkml:channelProperties>
-      </inkml:inkSource>
-      <inkml:timestamp xml:id="ts0" timeString="2019-12-08T16:38:22.113"/>
-    </inkml:context>
-    <inkml:brush xml:id="br0">
-      <inkml:brushProperty name="width" value="0.05" units="cm"/>
-      <inkml:brushProperty name="height" value="0.05" units="cm"/>
-      <inkml:brushProperty name="color" value="#33CCFF"/>
-      <inkml:brushProperty name="ignorePressure" value="1"/>
-    </inkml:brush>
-  </inkml:definitions>
-  <inkml:trace contextRef="#ctx0" brushRef="#br0">1 1</inkml:trace>
-</inkml:ink>
-</file>
-
-<file path=ppt/ink/ink41.xml><?xml version="1.0" encoding="utf-8"?>
-<inkml:ink xmlns:inkml="http://www.w3.org/2003/InkML">
-  <inkml:definitions>
-    <inkml:context xml:id="ctx0">
-      <inkml:inkSource xml:id="inkSrc0">
-        <inkml:traceFormat>
-          <inkml:channel name="X" type="integer" min="-2.14748E9" max="2.14748E9" units="cm"/>
-          <inkml:channel name="Y" type="integer" min="-2.14748E9" max="2.14748E9" units="cm"/>
-        </inkml:traceFormat>
-        <inkml:channelProperties>
-          <inkml:channelProperty channel="X" name="resolution" value="1000" units="1/cm"/>
-          <inkml:channelProperty channel="Y" name="resolution" value="1000" units="1/cm"/>
-        </inkml:channelProperties>
-      </inkml:inkSource>
-      <inkml:timestamp xml:id="ts0" timeString="2019-12-08T16:38:22.614"/>
-    </inkml:context>
-    <inkml:brush xml:id="br0">
-      <inkml:brushProperty name="width" value="0.05" units="cm"/>
-      <inkml:brushProperty name="height" value="0.05" units="cm"/>
-      <inkml:brushProperty name="color" value="#33CCFF"/>
-      <inkml:brushProperty name="ignorePressure" value="1"/>
-    </inkml:brush>
-  </inkml:definitions>
-  <inkml:trace contextRef="#ctx0" brushRef="#br0">1 0</inkml:trace>
-</inkml:ink>
-</file>
-
-<file path=ppt/ink/ink42.xml><?xml version="1.0" encoding="utf-8"?>
-<inkml:ink xmlns:inkml="http://www.w3.org/2003/InkML">
-  <inkml:definitions>
-    <inkml:context xml:id="ctx0">
-      <inkml:inkSource xml:id="inkSrc0">
-        <inkml:traceFormat>
-          <inkml:channel name="X" type="integer" min="-2.14748E9" max="2.14748E9" units="cm"/>
-          <inkml:channel name="Y" type="integer" min="-2.14748E9" max="2.14748E9" units="cm"/>
-        </inkml:traceFormat>
-        <inkml:channelProperties>
-          <inkml:channelProperty channel="X" name="resolution" value="1000" units="1/cm"/>
-          <inkml:channelProperty channel="Y" name="resolution" value="1000" units="1/cm"/>
-        </inkml:channelProperties>
-      </inkml:inkSource>
-      <inkml:timestamp xml:id="ts0" timeString="2019-12-08T16:38:22.995"/>
-    </inkml:context>
-    <inkml:brush xml:id="br0">
-      <inkml:brushProperty name="width" value="0.05" units="cm"/>
-      <inkml:brushProperty name="height" value="0.05" units="cm"/>
-      <inkml:brushProperty name="color" value="#33CCFF"/>
-      <inkml:brushProperty name="ignorePressure" value="1"/>
-    </inkml:brush>
-  </inkml:definitions>
-  <inkml:trace contextRef="#ctx0" brushRef="#br0">1 1,'7'0,"3"0</inkml:trace>
-</inkml:ink>
-</file>
-
-<file path=ppt/ink/ink43.xml><?xml version="1.0" encoding="utf-8"?>
-<inkml:ink xmlns:inkml="http://www.w3.org/2003/InkML">
-  <inkml:definitions>
-    <inkml:context xml:id="ctx0">
-      <inkml:inkSource xml:id="inkSrc0">
-        <inkml:traceFormat>
-          <inkml:channel name="X" type="integer" min="-2.14748E9" max="2.14748E9" units="cm"/>
-          <inkml:channel name="Y" type="integer" min="-2.14748E9" max="2.14748E9" units="cm"/>
-        </inkml:traceFormat>
-        <inkml:channelProperties>
-          <inkml:channelProperty channel="X" name="resolution" value="1000" units="1/cm"/>
-          <inkml:channelProperty channel="Y" name="resolution" value="1000" units="1/cm"/>
-        </inkml:channelProperties>
-      </inkml:inkSource>
-      <inkml:timestamp xml:id="ts0" timeString="2019-12-08T16:38:23.320"/>
-    </inkml:context>
-    <inkml:brush xml:id="br0">
-      <inkml:brushProperty name="width" value="0.05" units="cm"/>
-      <inkml:brushProperty name="height" value="0.05" units="cm"/>
-      <inkml:brushProperty name="color" value="#33CCFF"/>
-      <inkml:brushProperty name="ignorePressure" value="1"/>
-    </inkml:brush>
-  </inkml:definitions>
-  <inkml:trace contextRef="#ctx0" brushRef="#br0">0 1</inkml:trace>
-</inkml:ink>
-</file>
-
-<file path=ppt/ink/ink44.xml><?xml version="1.0" encoding="utf-8"?>
-<inkml:ink xmlns:inkml="http://www.w3.org/2003/InkML">
-  <inkml:definitions>
-    <inkml:context xml:id="ctx0">
-      <inkml:inkSource xml:id="inkSrc0">
-        <inkml:traceFormat>
-          <inkml:channel name="X" type="integer" min="-2.14748E9" max="2.14748E9" units="cm"/>
-          <inkml:channel name="Y" type="integer" min="-2.14748E9" max="2.14748E9" units="cm"/>
-        </inkml:traceFormat>
-        <inkml:channelProperties>
-          <inkml:channelProperty channel="X" name="resolution" value="1000" units="1/cm"/>
-          <inkml:channelProperty channel="Y" name="resolution" value="1000" units="1/cm"/>
-        </inkml:channelProperties>
-      </inkml:inkSource>
-      <inkml:timestamp xml:id="ts0" timeString="2019-12-08T16:38:23.651"/>
-    </inkml:context>
-    <inkml:brush xml:id="br0">
-      <inkml:brushProperty name="width" value="0.05" units="cm"/>
-      <inkml:brushProperty name="height" value="0.05" units="cm"/>
-      <inkml:brushProperty name="color" value="#33CCFF"/>
-      <inkml:brushProperty name="ignorePressure" value="1"/>
-    </inkml:brush>
-  </inkml:definitions>
-  <inkml:trace contextRef="#ctx0" brushRef="#br0">1 1</inkml:trace>
-  <inkml:trace contextRef="#ctx0" brushRef="#br0" timeOffset="1">43 1,'7'0,"10"0,2 0</inkml:trace>
-</inkml:ink>
-</file>
-
-<file path=ppt/ink/ink45.xml><?xml version="1.0" encoding="utf-8"?>
-<inkml:ink xmlns:inkml="http://www.w3.org/2003/InkML">
-  <inkml:definitions>
-    <inkml:context xml:id="ctx0">
-      <inkml:inkSource xml:id="inkSrc0">
-        <inkml:traceFormat>
-          <inkml:channel name="X" type="integer" min="-2.14748E9" max="2.14748E9" units="cm"/>
-          <inkml:channel name="Y" type="integer" min="-2.14748E9" max="2.14748E9" units="cm"/>
-        </inkml:traceFormat>
-        <inkml:channelProperties>
-          <inkml:channelProperty channel="X" name="resolution" value="1000" units="1/cm"/>
-          <inkml:channelProperty channel="Y" name="resolution" value="1000" units="1/cm"/>
-        </inkml:channelProperties>
-      </inkml:inkSource>
-      <inkml:timestamp xml:id="ts0" timeString="2019-12-08T16:38:23.981"/>
-    </inkml:context>
-    <inkml:brush xml:id="br0">
-      <inkml:brushProperty name="width" value="0.05" units="cm"/>
-      <inkml:brushProperty name="height" value="0.05" units="cm"/>
-      <inkml:brushProperty name="color" value="#33CCFF"/>
-      <inkml:brushProperty name="ignorePressure" value="1"/>
-    </inkml:brush>
-  </inkml:definitions>
-  <inkml:trace contextRef="#ctx0" brushRef="#br0">0 1</inkml:trace>
-</inkml:ink>
-</file>
-
-<file path=ppt/ink/ink46.xml><?xml version="1.0" encoding="utf-8"?>
-<inkml:ink xmlns:inkml="http://www.w3.org/2003/InkML">
-  <inkml:definitions>
-    <inkml:context xml:id="ctx0">
-      <inkml:inkSource xml:id="inkSrc0">
-        <inkml:traceFormat>
-          <inkml:channel name="X" type="integer" min="-2.14748E9" max="2.14748E9" units="cm"/>
-          <inkml:channel name="Y" type="integer" min="-2.14748E9" max="2.14748E9" units="cm"/>
-        </inkml:traceFormat>
-        <inkml:channelProperties>
-          <inkml:channelProperty channel="X" name="resolution" value="1000" units="1/cm"/>
-          <inkml:channelProperty channel="Y" name="resolution" value="1000" units="1/cm"/>
-        </inkml:channelProperties>
-      </inkml:inkSource>
-      <inkml:timestamp xml:id="ts0" timeString="2019-12-08T16:38:24.318"/>
-    </inkml:context>
-    <inkml:brush xml:id="br0">
-      <inkml:brushProperty name="width" value="0.05" units="cm"/>
-      <inkml:brushProperty name="height" value="0.05" units="cm"/>
-      <inkml:brushProperty name="color" value="#33CCFF"/>
-      <inkml:brushProperty name="ignorePressure" value="1"/>
-    </inkml:brush>
-  </inkml:definitions>
-  <inkml:trace contextRef="#ctx0" brushRef="#br0">1 0</inkml:trace>
-</inkml:ink>
-</file>
-
-<file path=ppt/ink/ink47.xml><?xml version="1.0" encoding="utf-8"?>
-<inkml:ink xmlns:inkml="http://www.w3.org/2003/InkML">
-  <inkml:definitions>
-    <inkml:context xml:id="ctx0">
-      <inkml:inkSource xml:id="inkSrc0">
-        <inkml:traceFormat>
-          <inkml:channel name="X" type="integer" min="-2.14748E9" max="2.14748E9" units="cm"/>
-          <inkml:channel name="Y" type="integer" min="-2.14748E9" max="2.14748E9" units="cm"/>
-        </inkml:traceFormat>
-        <inkml:channelProperties>
-          <inkml:channelProperty channel="X" name="resolution" value="1000" units="1/cm"/>
-          <inkml:channelProperty channel="Y" name="resolution" value="1000" units="1/cm"/>
-        </inkml:channelProperties>
-      </inkml:inkSource>
-      <inkml:timestamp xml:id="ts0" timeString="2019-12-08T16:38:24.651"/>
-    </inkml:context>
-    <inkml:brush xml:id="br0">
-      <inkml:brushProperty name="width" value="0.05" units="cm"/>
-      <inkml:brushProperty name="height" value="0.05" units="cm"/>
-      <inkml:brushProperty name="color" value="#33CCFF"/>
-      <inkml:brushProperty name="ignorePressure" value="1"/>
-    </inkml:brush>
-  </inkml:definitions>
-  <inkml:trace contextRef="#ctx0" brushRef="#br0">19 0,'-8'0,"-2"0</inkml:trace>
-</inkml:ink>
-</file>
-
-<file path=ppt/ink/ink48.xml><?xml version="1.0" encoding="utf-8"?>
-<inkml:ink xmlns:inkml="http://www.w3.org/2003/InkML">
-  <inkml:definitions>
-    <inkml:context xml:id="ctx0">
-      <inkml:inkSource xml:id="inkSrc0">
-        <inkml:traceFormat>
-          <inkml:channel name="X" type="integer" min="-2.14748E9" max="2.14748E9" units="cm"/>
-          <inkml:channel name="Y" type="integer" min="-2.14748E9" max="2.14748E9" units="cm"/>
-        </inkml:traceFormat>
-        <inkml:channelProperties>
-          <inkml:channelProperty channel="X" name="resolution" value="1000" units="1/cm"/>
-          <inkml:channelProperty channel="Y" name="resolution" value="1000" units="1/cm"/>
-        </inkml:channelProperties>
-      </inkml:inkSource>
-      <inkml:timestamp xml:id="ts0" timeString="2019-12-08T16:38:24.990"/>
-    </inkml:context>
-    <inkml:brush xml:id="br0">
-      <inkml:brushProperty name="width" value="0.05" units="cm"/>
-      <inkml:brushProperty name="height" value="0.05" units="cm"/>
-      <inkml:brushProperty name="color" value="#33CCFF"/>
-      <inkml:brushProperty name="ignorePressure" value="1"/>
-    </inkml:brush>
-  </inkml:definitions>
-  <inkml:trace contextRef="#ctx0" brushRef="#br0">1 0,'7'0,"3"0</inkml:trace>
-</inkml:ink>
-</file>
-
-<file path=ppt/ink/ink49.xml><?xml version="1.0" encoding="utf-8"?>
-<inkml:ink xmlns:inkml="http://www.w3.org/2003/InkML">
-  <inkml:definitions>
-    <inkml:context xml:id="ctx0">
-      <inkml:inkSource xml:id="inkSrc0">
-        <inkml:traceFormat>
-          <inkml:channel name="X" type="integer" min="-2.14748E9" max="2.14748E9" units="cm"/>
-          <inkml:channel name="Y" type="integer" min="-2.14748E9" max="2.14748E9" units="cm"/>
-        </inkml:traceFormat>
-        <inkml:channelProperties>
-          <inkml:channelProperty channel="X" name="resolution" value="1000" units="1/cm"/>
-          <inkml:channelProperty channel="Y" name="resolution" value="1000" units="1/cm"/>
-        </inkml:channelProperties>
-      </inkml:inkSource>
-      <inkml:timestamp xml:id="ts0" timeString="2019-12-08T16:39:07.580"/>
-    </inkml:context>
-    <inkml:brush xml:id="br0">
-      <inkml:brushProperty name="width" value="0.05" units="cm"/>
-      <inkml:brushProperty name="height" value="0.05" units="cm"/>
-      <inkml:brushProperty name="color" value="#33CCFF"/>
-      <inkml:brushProperty name="ignorePressure" value="1"/>
-    </inkml:brush>
-  </inkml:definitions>
-  <inkml:trace contextRef="#ctx0" brushRef="#br0">1 1</inkml:trace>
-</inkml:ink>
-</file>
-
-<file path=ppt/ink/ink5.xml><?xml version="1.0" encoding="utf-8"?>
-<inkml:ink xmlns:inkml="http://www.w3.org/2003/InkML">
-  <inkml:definitions>
-    <inkml:context xml:id="ctx0">
-      <inkml:inkSource xml:id="inkSrc0">
-        <inkml:traceFormat>
-          <inkml:channel name="X" type="integer" min="-2.14748E9" max="2.14748E9" units="cm"/>
-          <inkml:channel name="Y" type="integer" min="-2.14748E9" max="2.14748E9" units="cm"/>
-        </inkml:traceFormat>
-        <inkml:channelProperties>
-          <inkml:channelProperty channel="X" name="resolution" value="1000" units="1/cm"/>
-          <inkml:channelProperty channel="Y" name="resolution" value="1000" units="1/cm"/>
-        </inkml:channelProperties>
-      </inkml:inkSource>
-      <inkml:timestamp xml:id="ts0" timeString="2019-12-08T16:38:22.113"/>
-    </inkml:context>
-    <inkml:brush xml:id="br0">
-      <inkml:brushProperty name="width" value="0.05" units="cm"/>
-      <inkml:brushProperty name="height" value="0.05" units="cm"/>
-      <inkml:brushProperty name="color" value="#33CCFF"/>
-      <inkml:brushProperty name="ignorePressure" value="1"/>
-    </inkml:brush>
-  </inkml:definitions>
-  <inkml:trace contextRef="#ctx0" brushRef="#br0">1 1</inkml:trace>
-</inkml:ink>
-</file>
-
-<file path=ppt/ink/ink50.xml><?xml version="1.0" encoding="utf-8"?>
-<inkml:ink xmlns:inkml="http://www.w3.org/2003/InkML">
-  <inkml:definitions>
-    <inkml:context xml:id="ctx0">
-      <inkml:inkSource xml:id="inkSrc0">
-        <inkml:traceFormat>
-          <inkml:channel name="X" type="integer" min="-2.14748E9" max="2.14748E9" units="cm"/>
-          <inkml:channel name="Y" type="integer" min="-2.14748E9" max="2.14748E9" units="cm"/>
-        </inkml:traceFormat>
-        <inkml:channelProperties>
-          <inkml:channelProperty channel="X" name="resolution" value="1000" units="1/cm"/>
-          <inkml:channelProperty channel="Y" name="resolution" value="1000" units="1/cm"/>
-        </inkml:channelProperties>
-      </inkml:inkSource>
-      <inkml:timestamp xml:id="ts0" timeString="2019-12-08T16:38:08.574"/>
-    </inkml:context>
-    <inkml:brush xml:id="br0">
-      <inkml:brushProperty name="width" value="0.05" units="cm"/>
-      <inkml:brushProperty name="height" value="0.05" units="cm"/>
-      <inkml:brushProperty name="color" value="#33CCFF"/>
-      <inkml:brushProperty name="ignorePressure" value="1"/>
-    </inkml:brush>
-  </inkml:definitions>
-  <inkml:trace contextRef="#ctx0" brushRef="#br0">1 0</inkml:trace>
-</inkml:ink>
-</file>
-
-<file path=ppt/ink/ink51.xml><?xml version="1.0" encoding="utf-8"?>
-<inkml:ink xmlns:inkml="http://www.w3.org/2003/InkML">
-  <inkml:definitions>
-    <inkml:context xml:id="ctx0">
-      <inkml:inkSource xml:id="inkSrc0">
-        <inkml:traceFormat>
-          <inkml:channel name="X" type="integer" min="-2.14748E9" max="2.14748E9" units="cm"/>
-          <inkml:channel name="Y" type="integer" min="-2.14748E9" max="2.14748E9" units="cm"/>
-        </inkml:traceFormat>
-        <inkml:channelProperties>
-          <inkml:channelProperty channel="X" name="resolution" value="1000" units="1/cm"/>
-          <inkml:channelProperty channel="Y" name="resolution" value="1000" units="1/cm"/>
-        </inkml:channelProperties>
-      </inkml:inkSource>
-      <inkml:timestamp xml:id="ts0" timeString="2019-12-08T16:38:22.113"/>
-    </inkml:context>
-    <inkml:brush xml:id="br0">
-      <inkml:brushProperty name="width" value="0.05" units="cm"/>
-      <inkml:brushProperty name="height" value="0.05" units="cm"/>
-      <inkml:brushProperty name="color" value="#33CCFF"/>
-      <inkml:brushProperty name="ignorePressure" value="1"/>
-    </inkml:brush>
-  </inkml:definitions>
-  <inkml:trace contextRef="#ctx0" brushRef="#br0">1 1</inkml:trace>
-</inkml:ink>
-</file>
-
-<file path=ppt/ink/ink52.xml><?xml version="1.0" encoding="utf-8"?>
-<inkml:ink xmlns:inkml="http://www.w3.org/2003/InkML">
-  <inkml:definitions>
-    <inkml:context xml:id="ctx0">
-      <inkml:inkSource xml:id="inkSrc0">
-        <inkml:traceFormat>
-          <inkml:channel name="X" type="integer" min="-2.14748E9" max="2.14748E9" units="cm"/>
-          <inkml:channel name="Y" type="integer" min="-2.14748E9" max="2.14748E9" units="cm"/>
-        </inkml:traceFormat>
-        <inkml:channelProperties>
-          <inkml:channelProperty channel="X" name="resolution" value="1000" units="1/cm"/>
-          <inkml:channelProperty channel="Y" name="resolution" value="1000" units="1/cm"/>
-        </inkml:channelProperties>
-      </inkml:inkSource>
-      <inkml:timestamp xml:id="ts0" timeString="2019-12-08T16:38:22.614"/>
-    </inkml:context>
-    <inkml:brush xml:id="br0">
-      <inkml:brushProperty name="width" value="0.05" units="cm"/>
-      <inkml:brushProperty name="height" value="0.05" units="cm"/>
-      <inkml:brushProperty name="color" value="#33CCFF"/>
-      <inkml:brushProperty name="ignorePressure" value="1"/>
-    </inkml:brush>
-  </inkml:definitions>
-  <inkml:trace contextRef="#ctx0" brushRef="#br0">1 0</inkml:trace>
-</inkml:ink>
-</file>
-
-<file path=ppt/ink/ink53.xml><?xml version="1.0" encoding="utf-8"?>
-<inkml:ink xmlns:inkml="http://www.w3.org/2003/InkML">
-  <inkml:definitions>
-    <inkml:context xml:id="ctx0">
-      <inkml:inkSource xml:id="inkSrc0">
-        <inkml:traceFormat>
-          <inkml:channel name="X" type="integer" min="-2.14748E9" max="2.14748E9" units="cm"/>
-          <inkml:channel name="Y" type="integer" min="-2.14748E9" max="2.14748E9" units="cm"/>
-        </inkml:traceFormat>
-        <inkml:channelProperties>
-          <inkml:channelProperty channel="X" name="resolution" value="1000" units="1/cm"/>
-          <inkml:channelProperty channel="Y" name="resolution" value="1000" units="1/cm"/>
-        </inkml:channelProperties>
-      </inkml:inkSource>
-      <inkml:timestamp xml:id="ts0" timeString="2019-12-08T16:38:22.995"/>
-    </inkml:context>
-    <inkml:brush xml:id="br0">
-      <inkml:brushProperty name="width" value="0.05" units="cm"/>
-      <inkml:brushProperty name="height" value="0.05" units="cm"/>
-      <inkml:brushProperty name="color" value="#33CCFF"/>
-      <inkml:brushProperty name="ignorePressure" value="1"/>
-    </inkml:brush>
-  </inkml:definitions>
-  <inkml:trace contextRef="#ctx0" brushRef="#br0">1 1,'7'0,"3"0</inkml:trace>
-</inkml:ink>
-</file>
-
-<file path=ppt/ink/ink54.xml><?xml version="1.0" encoding="utf-8"?>
-<inkml:ink xmlns:inkml="http://www.w3.org/2003/InkML">
-  <inkml:definitions>
-    <inkml:context xml:id="ctx0">
-      <inkml:inkSource xml:id="inkSrc0">
-        <inkml:traceFormat>
-          <inkml:channel name="X" type="integer" min="-2.14748E9" max="2.14748E9" units="cm"/>
-          <inkml:channel name="Y" type="integer" min="-2.14748E9" max="2.14748E9" units="cm"/>
-        </inkml:traceFormat>
-        <inkml:channelProperties>
-          <inkml:channelProperty channel="X" name="resolution" value="1000" units="1/cm"/>
-          <inkml:channelProperty channel="Y" name="resolution" value="1000" units="1/cm"/>
-        </inkml:channelProperties>
-      </inkml:inkSource>
-      <inkml:timestamp xml:id="ts0" timeString="2019-12-08T16:38:23.320"/>
-    </inkml:context>
-    <inkml:brush xml:id="br0">
-      <inkml:brushProperty name="width" value="0.05" units="cm"/>
-      <inkml:brushProperty name="height" value="0.05" units="cm"/>
-      <inkml:brushProperty name="color" value="#33CCFF"/>
-      <inkml:brushProperty name="ignorePressure" value="1"/>
-    </inkml:brush>
-  </inkml:definitions>
-  <inkml:trace contextRef="#ctx0" brushRef="#br0">0 1</inkml:trace>
-</inkml:ink>
-</file>
-
-<file path=ppt/ink/ink55.xml><?xml version="1.0" encoding="utf-8"?>
-<inkml:ink xmlns:inkml="http://www.w3.org/2003/InkML">
-  <inkml:definitions>
-    <inkml:context xml:id="ctx0">
-      <inkml:inkSource xml:id="inkSrc0">
-        <inkml:traceFormat>
-          <inkml:channel name="X" type="integer" min="-2.14748E9" max="2.14748E9" units="cm"/>
-          <inkml:channel name="Y" type="integer" min="-2.14748E9" max="2.14748E9" units="cm"/>
-        </inkml:traceFormat>
-        <inkml:channelProperties>
-          <inkml:channelProperty channel="X" name="resolution" value="1000" units="1/cm"/>
-          <inkml:channelProperty channel="Y" name="resolution" value="1000" units="1/cm"/>
-        </inkml:channelProperties>
-      </inkml:inkSource>
-      <inkml:timestamp xml:id="ts0" timeString="2019-12-08T16:38:23.651"/>
-    </inkml:context>
-    <inkml:brush xml:id="br0">
-      <inkml:brushProperty name="width" value="0.05" units="cm"/>
-      <inkml:brushProperty name="height" value="0.05" units="cm"/>
-      <inkml:brushProperty name="color" value="#33CCFF"/>
-      <inkml:brushProperty name="ignorePressure" value="1"/>
-    </inkml:brush>
-  </inkml:definitions>
-  <inkml:trace contextRef="#ctx0" brushRef="#br0">1 1</inkml:trace>
-  <inkml:trace contextRef="#ctx0" brushRef="#br0" timeOffset="1">43 1,'7'0,"10"0,2 0</inkml:trace>
-</inkml:ink>
-</file>
-
-<file path=ppt/ink/ink56.xml><?xml version="1.0" encoding="utf-8"?>
-<inkml:ink xmlns:inkml="http://www.w3.org/2003/InkML">
-  <inkml:definitions>
-    <inkml:context xml:id="ctx0">
-      <inkml:inkSource xml:id="inkSrc0">
-        <inkml:traceFormat>
-          <inkml:channel name="X" type="integer" min="-2.14748E9" max="2.14748E9" units="cm"/>
-          <inkml:channel name="Y" type="integer" min="-2.14748E9" max="2.14748E9" units="cm"/>
-        </inkml:traceFormat>
-        <inkml:channelProperties>
-          <inkml:channelProperty channel="X" name="resolution" value="1000" units="1/cm"/>
-          <inkml:channelProperty channel="Y" name="resolution" value="1000" units="1/cm"/>
-        </inkml:channelProperties>
-      </inkml:inkSource>
-      <inkml:timestamp xml:id="ts0" timeString="2019-12-08T16:38:23.981"/>
-    </inkml:context>
-    <inkml:brush xml:id="br0">
-      <inkml:brushProperty name="width" value="0.05" units="cm"/>
-      <inkml:brushProperty name="height" value="0.05" units="cm"/>
-      <inkml:brushProperty name="color" value="#33CCFF"/>
-      <inkml:brushProperty name="ignorePressure" value="1"/>
-    </inkml:brush>
-  </inkml:definitions>
-  <inkml:trace contextRef="#ctx0" brushRef="#br0">0 1</inkml:trace>
-</inkml:ink>
-</file>
-
-<file path=ppt/ink/ink57.xml><?xml version="1.0" encoding="utf-8"?>
-<inkml:ink xmlns:inkml="http://www.w3.org/2003/InkML">
-  <inkml:definitions>
-    <inkml:context xml:id="ctx0">
-      <inkml:inkSource xml:id="inkSrc0">
-        <inkml:traceFormat>
-          <inkml:channel name="X" type="integer" min="-2.14748E9" max="2.14748E9" units="cm"/>
-          <inkml:channel name="Y" type="integer" min="-2.14748E9" max="2.14748E9" units="cm"/>
-        </inkml:traceFormat>
-        <inkml:channelProperties>
-          <inkml:channelProperty channel="X" name="resolution" value="1000" units="1/cm"/>
-          <inkml:channelProperty channel="Y" name="resolution" value="1000" units="1/cm"/>
-        </inkml:channelProperties>
-      </inkml:inkSource>
-      <inkml:timestamp xml:id="ts0" timeString="2019-12-08T16:38:24.318"/>
-    </inkml:context>
-    <inkml:brush xml:id="br0">
-      <inkml:brushProperty name="width" value="0.05" units="cm"/>
-      <inkml:brushProperty name="height" value="0.05" units="cm"/>
-      <inkml:brushProperty name="color" value="#33CCFF"/>
-      <inkml:brushProperty name="ignorePressure" value="1"/>
-    </inkml:brush>
-  </inkml:definitions>
-  <inkml:trace contextRef="#ctx0" brushRef="#br0">1 0</inkml:trace>
-</inkml:ink>
-</file>
-
-<file path=ppt/ink/ink58.xml><?xml version="1.0" encoding="utf-8"?>
-<inkml:ink xmlns:inkml="http://www.w3.org/2003/InkML">
-  <inkml:definitions>
-    <inkml:context xml:id="ctx0">
-      <inkml:inkSource xml:id="inkSrc0">
-        <inkml:traceFormat>
-          <inkml:channel name="X" type="integer" min="-2.14748E9" max="2.14748E9" units="cm"/>
-          <inkml:channel name="Y" type="integer" min="-2.14748E9" max="2.14748E9" units="cm"/>
-        </inkml:traceFormat>
-        <inkml:channelProperties>
-          <inkml:channelProperty channel="X" name="resolution" value="1000" units="1/cm"/>
-          <inkml:channelProperty channel="Y" name="resolution" value="1000" units="1/cm"/>
-        </inkml:channelProperties>
-      </inkml:inkSource>
-      <inkml:timestamp xml:id="ts0" timeString="2019-12-08T16:38:24.651"/>
-    </inkml:context>
-    <inkml:brush xml:id="br0">
-      <inkml:brushProperty name="width" value="0.05" units="cm"/>
-      <inkml:brushProperty name="height" value="0.05" units="cm"/>
-      <inkml:brushProperty name="color" value="#33CCFF"/>
-      <inkml:brushProperty name="ignorePressure" value="1"/>
-    </inkml:brush>
-  </inkml:definitions>
-  <inkml:trace contextRef="#ctx0" brushRef="#br0">19 0,'-8'0,"-2"0</inkml:trace>
-</inkml:ink>
-</file>
-
-<file path=ppt/ink/ink59.xml><?xml version="1.0" encoding="utf-8"?>
-<inkml:ink xmlns:inkml="http://www.w3.org/2003/InkML">
-  <inkml:definitions>
-    <inkml:context xml:id="ctx0">
-      <inkml:inkSource xml:id="inkSrc0">
-        <inkml:traceFormat>
-          <inkml:channel name="X" type="integer" min="-2.14748E9" max="2.14748E9" units="cm"/>
-          <inkml:channel name="Y" type="integer" min="-2.14748E9" max="2.14748E9" units="cm"/>
-        </inkml:traceFormat>
-        <inkml:channelProperties>
-          <inkml:channelProperty channel="X" name="resolution" value="1000" units="1/cm"/>
-          <inkml:channelProperty channel="Y" name="resolution" value="1000" units="1/cm"/>
-        </inkml:channelProperties>
-      </inkml:inkSource>
-      <inkml:timestamp xml:id="ts0" timeString="2019-12-08T16:38:24.990"/>
-    </inkml:context>
-    <inkml:brush xml:id="br0">
-      <inkml:brushProperty name="width" value="0.05" units="cm"/>
-      <inkml:brushProperty name="height" value="0.05" units="cm"/>
-      <inkml:brushProperty name="color" value="#33CCFF"/>
-      <inkml:brushProperty name="ignorePressure" value="1"/>
-    </inkml:brush>
-  </inkml:definitions>
-  <inkml:trace contextRef="#ctx0" brushRef="#br0">1 0,'7'0,"3"0</inkml:trace>
-</inkml:ink>
-</file>
-
-<file path=ppt/ink/ink6.xml><?xml version="1.0" encoding="utf-8"?>
-<inkml:ink xmlns:inkml="http://www.w3.org/2003/InkML">
-  <inkml:definitions>
-    <inkml:context xml:id="ctx0">
-      <inkml:inkSource xml:id="inkSrc0">
-        <inkml:traceFormat>
-          <inkml:channel name="X" type="integer" min="-2.14748E9" max="2.14748E9" units="cm"/>
-          <inkml:channel name="Y" type="integer" min="-2.14748E9" max="2.14748E9" units="cm"/>
-        </inkml:traceFormat>
-        <inkml:channelProperties>
-          <inkml:channelProperty channel="X" name="resolution" value="1000" units="1/cm"/>
-          <inkml:channelProperty channel="Y" name="resolution" value="1000" units="1/cm"/>
-        </inkml:channelProperties>
-      </inkml:inkSource>
-      <inkml:timestamp xml:id="ts0" timeString="2019-12-08T16:38:22.614"/>
-    </inkml:context>
-    <inkml:brush xml:id="br0">
-      <inkml:brushProperty name="width" value="0.05" units="cm"/>
-      <inkml:brushProperty name="height" value="0.05" units="cm"/>
-      <inkml:brushProperty name="color" value="#33CCFF"/>
-      <inkml:brushProperty name="ignorePressure" value="1"/>
-    </inkml:brush>
-  </inkml:definitions>
-  <inkml:trace contextRef="#ctx0" brushRef="#br0">1 0</inkml:trace>
-</inkml:ink>
-</file>
-
-<file path=ppt/ink/ink60.xml><?xml version="1.0" encoding="utf-8"?>
-<inkml:ink xmlns:inkml="http://www.w3.org/2003/InkML">
-  <inkml:definitions>
-    <inkml:context xml:id="ctx0">
-      <inkml:inkSource xml:id="inkSrc0">
-        <inkml:traceFormat>
-          <inkml:channel name="X" type="integer" min="-2.14748E9" max="2.14748E9" units="cm"/>
-          <inkml:channel name="Y" type="integer" min="-2.14748E9" max="2.14748E9" units="cm"/>
-        </inkml:traceFormat>
-        <inkml:channelProperties>
-          <inkml:channelProperty channel="X" name="resolution" value="1000" units="1/cm"/>
-          <inkml:channelProperty channel="Y" name="resolution" value="1000" units="1/cm"/>
-        </inkml:channelProperties>
-      </inkml:inkSource>
-      <inkml:timestamp xml:id="ts0" timeString="2019-12-08T16:39:07.580"/>
-    </inkml:context>
-    <inkml:brush xml:id="br0">
-      <inkml:brushProperty name="width" value="0.05" units="cm"/>
-      <inkml:brushProperty name="height" value="0.05" units="cm"/>
-      <inkml:brushProperty name="color" value="#33CCFF"/>
-      <inkml:brushProperty name="ignorePressure" value="1"/>
-    </inkml:brush>
-  </inkml:definitions>
-  <inkml:trace contextRef="#ctx0" brushRef="#br0">1 1</inkml:trace>
-</inkml:ink>
-</file>
-
-<file path=ppt/ink/ink61.xml><?xml version="1.0" encoding="utf-8"?>
-<inkml:ink xmlns:inkml="http://www.w3.org/2003/InkML">
-  <inkml:definitions>
-    <inkml:context xml:id="ctx0">
-      <inkml:inkSource xml:id="inkSrc0">
-        <inkml:traceFormat>
-          <inkml:channel name="X" type="integer" min="-2.14748E9" max="2.14748E9" units="cm"/>
-          <inkml:channel name="Y" type="integer" min="-2.14748E9" max="2.14748E9" units="cm"/>
-        </inkml:traceFormat>
-        <inkml:channelProperties>
-          <inkml:channelProperty channel="X" name="resolution" value="1000" units="1/cm"/>
-          <inkml:channelProperty channel="Y" name="resolution" value="1000" units="1/cm"/>
-        </inkml:channelProperties>
-      </inkml:inkSource>
-      <inkml:timestamp xml:id="ts0" timeString="2019-12-08T16:38:08.574"/>
-    </inkml:context>
-    <inkml:brush xml:id="br0">
-      <inkml:brushProperty name="width" value="0.05" units="cm"/>
-      <inkml:brushProperty name="height" value="0.05" units="cm"/>
-      <inkml:brushProperty name="color" value="#33CCFF"/>
-      <inkml:brushProperty name="ignorePressure" value="1"/>
-    </inkml:brush>
-  </inkml:definitions>
-  <inkml:trace contextRef="#ctx0" brushRef="#br0">1 0</inkml:trace>
-</inkml:ink>
-</file>
-
-<file path=ppt/ink/ink62.xml><?xml version="1.0" encoding="utf-8"?>
-<inkml:ink xmlns:inkml="http://www.w3.org/2003/InkML">
-  <inkml:definitions>
-    <inkml:context xml:id="ctx0">
-      <inkml:inkSource xml:id="inkSrc0">
-        <inkml:traceFormat>
-          <inkml:channel name="X" type="integer" min="-2.14748E9" max="2.14748E9" units="cm"/>
-          <inkml:channel name="Y" type="integer" min="-2.14748E9" max="2.14748E9" units="cm"/>
-        </inkml:traceFormat>
-        <inkml:channelProperties>
-          <inkml:channelProperty channel="X" name="resolution" value="1000" units="1/cm"/>
-          <inkml:channelProperty channel="Y" name="resolution" value="1000" units="1/cm"/>
-        </inkml:channelProperties>
-      </inkml:inkSource>
-      <inkml:timestamp xml:id="ts0" timeString="2019-12-08T16:38:22.113"/>
-    </inkml:context>
-    <inkml:brush xml:id="br0">
-      <inkml:brushProperty name="width" value="0.05" units="cm"/>
-      <inkml:brushProperty name="height" value="0.05" units="cm"/>
-      <inkml:brushProperty name="color" value="#33CCFF"/>
-      <inkml:brushProperty name="ignorePressure" value="1"/>
-    </inkml:brush>
-  </inkml:definitions>
-  <inkml:trace contextRef="#ctx0" brushRef="#br0">1 1</inkml:trace>
-</inkml:ink>
-</file>
-
-<file path=ppt/ink/ink63.xml><?xml version="1.0" encoding="utf-8"?>
-<inkml:ink xmlns:inkml="http://www.w3.org/2003/InkML">
-  <inkml:definitions>
-    <inkml:context xml:id="ctx0">
-      <inkml:inkSource xml:id="inkSrc0">
-        <inkml:traceFormat>
-          <inkml:channel name="X" type="integer" min="-2.14748E9" max="2.14748E9" units="cm"/>
-          <inkml:channel name="Y" type="integer" min="-2.14748E9" max="2.14748E9" units="cm"/>
-        </inkml:traceFormat>
-        <inkml:channelProperties>
-          <inkml:channelProperty channel="X" name="resolution" value="1000" units="1/cm"/>
-          <inkml:channelProperty channel="Y" name="resolution" value="1000" units="1/cm"/>
-        </inkml:channelProperties>
-      </inkml:inkSource>
-      <inkml:timestamp xml:id="ts0" timeString="2019-12-08T16:38:22.614"/>
-    </inkml:context>
-    <inkml:brush xml:id="br0">
-      <inkml:brushProperty name="width" value="0.05" units="cm"/>
-      <inkml:brushProperty name="height" value="0.05" units="cm"/>
-      <inkml:brushProperty name="color" value="#33CCFF"/>
-      <inkml:brushProperty name="ignorePressure" value="1"/>
-    </inkml:brush>
-  </inkml:definitions>
-  <inkml:trace contextRef="#ctx0" brushRef="#br0">1 0</inkml:trace>
-</inkml:ink>
-</file>
-
-<file path=ppt/ink/ink64.xml><?xml version="1.0" encoding="utf-8"?>
-<inkml:ink xmlns:inkml="http://www.w3.org/2003/InkML">
-  <inkml:definitions>
-    <inkml:context xml:id="ctx0">
-      <inkml:inkSource xml:id="inkSrc0">
-        <inkml:traceFormat>
-          <inkml:channel name="X" type="integer" min="-2.14748E9" max="2.14748E9" units="cm"/>
-          <inkml:channel name="Y" type="integer" min="-2.14748E9" max="2.14748E9" units="cm"/>
-        </inkml:traceFormat>
-        <inkml:channelProperties>
-          <inkml:channelProperty channel="X" name="resolution" value="1000" units="1/cm"/>
-          <inkml:channelProperty channel="Y" name="resolution" value="1000" units="1/cm"/>
-        </inkml:channelProperties>
-      </inkml:inkSource>
-      <inkml:timestamp xml:id="ts0" timeString="2019-12-08T16:38:22.995"/>
-    </inkml:context>
-    <inkml:brush xml:id="br0">
-      <inkml:brushProperty name="width" value="0.05" units="cm"/>
-      <inkml:brushProperty name="height" value="0.05" units="cm"/>
-      <inkml:brushProperty name="color" value="#33CCFF"/>
-      <inkml:brushProperty name="ignorePressure" value="1"/>
-    </inkml:brush>
-  </inkml:definitions>
-  <inkml:trace contextRef="#ctx0" brushRef="#br0">1 1,'7'0,"3"0</inkml:trace>
-</inkml:ink>
-</file>
-
-<file path=ppt/ink/ink65.xml><?xml version="1.0" encoding="utf-8"?>
-<inkml:ink xmlns:inkml="http://www.w3.org/2003/InkML">
-  <inkml:definitions>
-    <inkml:context xml:id="ctx0">
-      <inkml:inkSource xml:id="inkSrc0">
-        <inkml:traceFormat>
-          <inkml:channel name="X" type="integer" min="-2.14748E9" max="2.14748E9" units="cm"/>
-          <inkml:channel name="Y" type="integer" min="-2.14748E9" max="2.14748E9" units="cm"/>
-        </inkml:traceFormat>
-        <inkml:channelProperties>
-          <inkml:channelProperty channel="X" name="resolution" value="1000" units="1/cm"/>
-          <inkml:channelProperty channel="Y" name="resolution" value="1000" units="1/cm"/>
-        </inkml:channelProperties>
-      </inkml:inkSource>
-      <inkml:timestamp xml:id="ts0" timeString="2019-12-08T16:38:23.320"/>
-    </inkml:context>
-    <inkml:brush xml:id="br0">
-      <inkml:brushProperty name="width" value="0.05" units="cm"/>
-      <inkml:brushProperty name="height" value="0.05" units="cm"/>
-      <inkml:brushProperty name="color" value="#33CCFF"/>
-      <inkml:brushProperty name="ignorePressure" value="1"/>
-    </inkml:brush>
-  </inkml:definitions>
-  <inkml:trace contextRef="#ctx0" brushRef="#br0">0 1</inkml:trace>
-</inkml:ink>
-</file>
-
-<file path=ppt/ink/ink66.xml><?xml version="1.0" encoding="utf-8"?>
-<inkml:ink xmlns:inkml="http://www.w3.org/2003/InkML">
-  <inkml:definitions>
-    <inkml:context xml:id="ctx0">
-      <inkml:inkSource xml:id="inkSrc0">
-        <inkml:traceFormat>
-          <inkml:channel name="X" type="integer" min="-2.14748E9" max="2.14748E9" units="cm"/>
-          <inkml:channel name="Y" type="integer" min="-2.14748E9" max="2.14748E9" units="cm"/>
-        </inkml:traceFormat>
-        <inkml:channelProperties>
-          <inkml:channelProperty channel="X" name="resolution" value="1000" units="1/cm"/>
-          <inkml:channelProperty channel="Y" name="resolution" value="1000" units="1/cm"/>
-        </inkml:channelProperties>
-      </inkml:inkSource>
-      <inkml:timestamp xml:id="ts0" timeString="2019-12-08T16:38:23.651"/>
-    </inkml:context>
-    <inkml:brush xml:id="br0">
-      <inkml:brushProperty name="width" value="0.05" units="cm"/>
-      <inkml:brushProperty name="height" value="0.05" units="cm"/>
-      <inkml:brushProperty name="color" value="#33CCFF"/>
-      <inkml:brushProperty name="ignorePressure" value="1"/>
-    </inkml:brush>
-  </inkml:definitions>
-  <inkml:trace contextRef="#ctx0" brushRef="#br0">1 1</inkml:trace>
-  <inkml:trace contextRef="#ctx0" brushRef="#br0" timeOffset="1">43 1,'7'0,"10"0,2 0</inkml:trace>
-</inkml:ink>
-</file>
-
-<file path=ppt/ink/ink67.xml><?xml version="1.0" encoding="utf-8"?>
-<inkml:ink xmlns:inkml="http://www.w3.org/2003/InkML">
-  <inkml:definitions>
-    <inkml:context xml:id="ctx0">
-      <inkml:inkSource xml:id="inkSrc0">
-        <inkml:traceFormat>
-          <inkml:channel name="X" type="integer" min="-2.14748E9" max="2.14748E9" units="cm"/>
-          <inkml:channel name="Y" type="integer" min="-2.14748E9" max="2.14748E9" units="cm"/>
-        </inkml:traceFormat>
-        <inkml:channelProperties>
-          <inkml:channelProperty channel="X" name="resolution" value="1000" units="1/cm"/>
-          <inkml:channelProperty channel="Y" name="resolution" value="1000" units="1/cm"/>
-        </inkml:channelProperties>
-      </inkml:inkSource>
-      <inkml:timestamp xml:id="ts0" timeString="2019-12-08T16:38:23.981"/>
-    </inkml:context>
-    <inkml:brush xml:id="br0">
-      <inkml:brushProperty name="width" value="0.05" units="cm"/>
-      <inkml:brushProperty name="height" value="0.05" units="cm"/>
-      <inkml:brushProperty name="color" value="#33CCFF"/>
-      <inkml:brushProperty name="ignorePressure" value="1"/>
-    </inkml:brush>
-  </inkml:definitions>
-  <inkml:trace contextRef="#ctx0" brushRef="#br0">0 1</inkml:trace>
-</inkml:ink>
-</file>
-
-<file path=ppt/ink/ink68.xml><?xml version="1.0" encoding="utf-8"?>
-<inkml:ink xmlns:inkml="http://www.w3.org/2003/InkML">
-  <inkml:definitions>
-    <inkml:context xml:id="ctx0">
-      <inkml:inkSource xml:id="inkSrc0">
-        <inkml:traceFormat>
-          <inkml:channel name="X" type="integer" min="-2.14748E9" max="2.14748E9" units="cm"/>
-          <inkml:channel name="Y" type="integer" min="-2.14748E9" max="2.14748E9" units="cm"/>
-        </inkml:traceFormat>
-        <inkml:channelProperties>
-          <inkml:channelProperty channel="X" name="resolution" value="1000" units="1/cm"/>
-          <inkml:channelProperty channel="Y" name="resolution" value="1000" units="1/cm"/>
-        </inkml:channelProperties>
-      </inkml:inkSource>
-      <inkml:timestamp xml:id="ts0" timeString="2019-12-08T16:38:24.318"/>
-    </inkml:context>
-    <inkml:brush xml:id="br0">
-      <inkml:brushProperty name="width" value="0.05" units="cm"/>
-      <inkml:brushProperty name="height" value="0.05" units="cm"/>
-      <inkml:brushProperty name="color" value="#33CCFF"/>
-      <inkml:brushProperty name="ignorePressure" value="1"/>
-    </inkml:brush>
-  </inkml:definitions>
-  <inkml:trace contextRef="#ctx0" brushRef="#br0">1 0</inkml:trace>
-</inkml:ink>
-</file>
-
-<file path=ppt/ink/ink69.xml><?xml version="1.0" encoding="utf-8"?>
-<inkml:ink xmlns:inkml="http://www.w3.org/2003/InkML">
-  <inkml:definitions>
-    <inkml:context xml:id="ctx0">
-      <inkml:inkSource xml:id="inkSrc0">
-        <inkml:traceFormat>
-          <inkml:channel name="X" type="integer" min="-2.14748E9" max="2.14748E9" units="cm"/>
-          <inkml:channel name="Y" type="integer" min="-2.14748E9" max="2.14748E9" units="cm"/>
-        </inkml:traceFormat>
-        <inkml:channelProperties>
-          <inkml:channelProperty channel="X" name="resolution" value="1000" units="1/cm"/>
-          <inkml:channelProperty channel="Y" name="resolution" value="1000" units="1/cm"/>
-        </inkml:channelProperties>
-      </inkml:inkSource>
-      <inkml:timestamp xml:id="ts0" timeString="2019-12-08T16:38:24.651"/>
-    </inkml:context>
-    <inkml:brush xml:id="br0">
-      <inkml:brushProperty name="width" value="0.05" units="cm"/>
-      <inkml:brushProperty name="height" value="0.05" units="cm"/>
-      <inkml:brushProperty name="color" value="#33CCFF"/>
-      <inkml:brushProperty name="ignorePressure" value="1"/>
-    </inkml:brush>
-  </inkml:definitions>
-  <inkml:trace contextRef="#ctx0" brushRef="#br0">19 0,'-8'0,"-2"0</inkml:trace>
-</inkml:ink>
-</file>
-
-<file path=ppt/ink/ink7.xml><?xml version="1.0" encoding="utf-8"?>
-<inkml:ink xmlns:inkml="http://www.w3.org/2003/InkML">
-  <inkml:definitions>
-    <inkml:context xml:id="ctx0">
-      <inkml:inkSource xml:id="inkSrc0">
-        <inkml:traceFormat>
-          <inkml:channel name="X" type="integer" min="-2.14748E9" max="2.14748E9" units="cm"/>
-          <inkml:channel name="Y" type="integer" min="-2.14748E9" max="2.14748E9" units="cm"/>
-        </inkml:traceFormat>
-        <inkml:channelProperties>
-          <inkml:channelProperty channel="X" name="resolution" value="1000" units="1/cm"/>
-          <inkml:channelProperty channel="Y" name="resolution" value="1000" units="1/cm"/>
-        </inkml:channelProperties>
-      </inkml:inkSource>
-      <inkml:timestamp xml:id="ts0" timeString="2019-12-08T16:38:22.995"/>
-    </inkml:context>
-    <inkml:brush xml:id="br0">
-      <inkml:brushProperty name="width" value="0.05" units="cm"/>
-      <inkml:brushProperty name="height" value="0.05" units="cm"/>
-      <inkml:brushProperty name="color" value="#33CCFF"/>
-      <inkml:brushProperty name="ignorePressure" value="1"/>
-    </inkml:brush>
-  </inkml:definitions>
-  <inkml:trace contextRef="#ctx0" brushRef="#br0">1 1,'7'0,"3"0</inkml:trace>
-</inkml:ink>
-</file>
-
-<file path=ppt/ink/ink70.xml><?xml version="1.0" encoding="utf-8"?>
-<inkml:ink xmlns:inkml="http://www.w3.org/2003/InkML">
-  <inkml:definitions>
-    <inkml:context xml:id="ctx0">
-      <inkml:inkSource xml:id="inkSrc0">
-        <inkml:traceFormat>
-          <inkml:channel name="X" type="integer" min="-2.14748E9" max="2.14748E9" units="cm"/>
-          <inkml:channel name="Y" type="integer" min="-2.14748E9" max="2.14748E9" units="cm"/>
-        </inkml:traceFormat>
-        <inkml:channelProperties>
-          <inkml:channelProperty channel="X" name="resolution" value="1000" units="1/cm"/>
-          <inkml:channelProperty channel="Y" name="resolution" value="1000" units="1/cm"/>
-        </inkml:channelProperties>
-      </inkml:inkSource>
-      <inkml:timestamp xml:id="ts0" timeString="2019-12-08T16:38:24.990"/>
-    </inkml:context>
-    <inkml:brush xml:id="br0">
-      <inkml:brushProperty name="width" value="0.05" units="cm"/>
-      <inkml:brushProperty name="height" value="0.05" units="cm"/>
-      <inkml:brushProperty name="color" value="#33CCFF"/>
-      <inkml:brushProperty name="ignorePressure" value="1"/>
-    </inkml:brush>
-  </inkml:definitions>
-  <inkml:trace contextRef="#ctx0" brushRef="#br0">1 0,'7'0,"3"0</inkml:trace>
-</inkml:ink>
-</file>
-
-<file path=ppt/ink/ink71.xml><?xml version="1.0" encoding="utf-8"?>
-<inkml:ink xmlns:inkml="http://www.w3.org/2003/InkML">
-  <inkml:definitions>
-    <inkml:context xml:id="ctx0">
-      <inkml:inkSource xml:id="inkSrc0">
-        <inkml:traceFormat>
-          <inkml:channel name="X" type="integer" min="-2.14748E9" max="2.14748E9" units="cm"/>
-          <inkml:channel name="Y" type="integer" min="-2.14748E9" max="2.14748E9" units="cm"/>
-        </inkml:traceFormat>
-        <inkml:channelProperties>
-          <inkml:channelProperty channel="X" name="resolution" value="1000" units="1/cm"/>
-          <inkml:channelProperty channel="Y" name="resolution" value="1000" units="1/cm"/>
-        </inkml:channelProperties>
-      </inkml:inkSource>
-      <inkml:timestamp xml:id="ts0" timeString="2019-12-08T16:39:07.580"/>
-    </inkml:context>
-    <inkml:brush xml:id="br0">
-      <inkml:brushProperty name="width" value="0.05" units="cm"/>
-      <inkml:brushProperty name="height" value="0.05" units="cm"/>
-      <inkml:brushProperty name="color" value="#33CCFF"/>
-      <inkml:brushProperty name="ignorePressure" value="1"/>
-    </inkml:brush>
-  </inkml:definitions>
-  <inkml:trace contextRef="#ctx0" brushRef="#br0">1 1</inkml:trace>
-</inkml:ink>
-</file>
-
-<file path=ppt/ink/ink8.xml><?xml version="1.0" encoding="utf-8"?>
-<inkml:ink xmlns:inkml="http://www.w3.org/2003/InkML">
-  <inkml:definitions>
-    <inkml:context xml:id="ctx0">
-      <inkml:inkSource xml:id="inkSrc0">
-        <inkml:traceFormat>
-          <inkml:channel name="X" type="integer" min="-2.14748E9" max="2.14748E9" units="cm"/>
-          <inkml:channel name="Y" type="integer" min="-2.14748E9" max="2.14748E9" units="cm"/>
-        </inkml:traceFormat>
-        <inkml:channelProperties>
-          <inkml:channelProperty channel="X" name="resolution" value="1000" units="1/cm"/>
-          <inkml:channelProperty channel="Y" name="resolution" value="1000" units="1/cm"/>
-        </inkml:channelProperties>
-      </inkml:inkSource>
-      <inkml:timestamp xml:id="ts0" timeString="2019-12-08T16:38:23.320"/>
-    </inkml:context>
-    <inkml:brush xml:id="br0">
-      <inkml:brushProperty name="width" value="0.05" units="cm"/>
-      <inkml:brushProperty name="height" value="0.05" units="cm"/>
-      <inkml:brushProperty name="color" value="#33CCFF"/>
-      <inkml:brushProperty name="ignorePressure" value="1"/>
-    </inkml:brush>
-  </inkml:definitions>
-  <inkml:trace contextRef="#ctx0" brushRef="#br0">0 1</inkml:trace>
-</inkml:ink>
-</file>
-
-<file path=ppt/ink/ink9.xml><?xml version="1.0" encoding="utf-8"?>
-<inkml:ink xmlns:inkml="http://www.w3.org/2003/InkML">
-  <inkml:definitions>
-    <inkml:context xml:id="ctx0">
-      <inkml:inkSource xml:id="inkSrc0">
-        <inkml:traceFormat>
-          <inkml:channel name="X" type="integer" min="-2.14748E9" max="2.14748E9" units="cm"/>
-          <inkml:channel name="Y" type="integer" min="-2.14748E9" max="2.14748E9" units="cm"/>
-        </inkml:traceFormat>
-        <inkml:channelProperties>
-          <inkml:channelProperty channel="X" name="resolution" value="1000" units="1/cm"/>
-          <inkml:channelProperty channel="Y" name="resolution" value="1000" units="1/cm"/>
-        </inkml:channelProperties>
-      </inkml:inkSource>
-      <inkml:timestamp xml:id="ts0" timeString="2019-12-08T16:38:23.651"/>
-    </inkml:context>
-    <inkml:brush xml:id="br0">
-      <inkml:brushProperty name="width" value="0.05" units="cm"/>
-      <inkml:brushProperty name="height" value="0.05" units="cm"/>
-      <inkml:brushProperty name="color" value="#33CCFF"/>
-      <inkml:brushProperty name="ignorePressure" value="1"/>
-    </inkml:brush>
-  </inkml:definitions>
-  <inkml:trace contextRef="#ctx0" brushRef="#br0">1 1</inkml:trace>
-  <inkml:trace contextRef="#ctx0" brushRef="#br0" timeOffset="1">43 1,'7'0,"10"0,2 0</inkml:trace>
 </inkml:ink>
 </file>
 
@@ -2168,7 +790,7 @@
           <a:p>
             <a:fld id="{CD06B52C-3F10-4B90-9BE6-1ADE42CEABA9}" type="datetimeFigureOut">
               <a:rPr lang="en-US" smtClean="0"/>
-              <a:t>12/8/2019</a:t>
+              <a:t>12/9/2019</a:t>
             </a:fld>
             <a:endParaRPr lang="en-US"/>
           </a:p>
@@ -2582,7 +1204,7 @@
           <a:p>
             <a:fld id="{E59572B0-5700-4630-B79F-D07B9556420B}" type="datetime1">
               <a:rPr lang="en-US" smtClean="0"/>
-              <a:t>12/8/2019</a:t>
+              <a:t>12/9/2019</a:t>
             </a:fld>
             <a:endParaRPr lang="en-US"/>
           </a:p>
@@ -2784,7 +1406,7 @@
           <a:p>
             <a:fld id="{1C5B680F-33A2-4D05-A092-A9E025302A77}" type="datetime1">
               <a:rPr lang="en-US" smtClean="0"/>
-              <a:t>12/8/2019</a:t>
+              <a:t>12/9/2019</a:t>
             </a:fld>
             <a:endParaRPr lang="en-US"/>
           </a:p>
@@ -2996,7 +1618,7 @@
           <a:p>
             <a:fld id="{1B2BAEBD-A9AC-467B-AAC8-A2CA280CE543}" type="datetime1">
               <a:rPr lang="en-US" smtClean="0"/>
-              <a:t>12/8/2019</a:t>
+              <a:t>12/9/2019</a:t>
             </a:fld>
             <a:endParaRPr lang="en-US"/>
           </a:p>
@@ -3198,7 +1820,7 @@
           <a:p>
             <a:fld id="{44367C75-1799-4362-A9DE-3FDE54076EAF}" type="datetime1">
               <a:rPr lang="en-US" smtClean="0"/>
-              <a:t>12/8/2019</a:t>
+              <a:t>12/9/2019</a:t>
             </a:fld>
             <a:endParaRPr lang="en-US"/>
           </a:p>
@@ -3477,7 +2099,7 @@
           <a:p>
             <a:fld id="{9BAEAA11-FEFE-418F-8896-B1A46D174DB7}" type="datetime1">
               <a:rPr lang="en-US" smtClean="0"/>
-              <a:t>12/8/2019</a:t>
+              <a:t>12/9/2019</a:t>
             </a:fld>
             <a:endParaRPr lang="en-US"/>
           </a:p>
@@ -3746,7 +2368,7 @@
           <a:p>
             <a:fld id="{6EA92849-6F8D-4A47-923F-F911FD0E9B31}" type="datetime1">
               <a:rPr lang="en-US" smtClean="0"/>
-              <a:t>12/8/2019</a:t>
+              <a:t>12/9/2019</a:t>
             </a:fld>
             <a:endParaRPr lang="en-US"/>
           </a:p>
@@ -4162,7 +2784,7 @@
           <a:p>
             <a:fld id="{C26E06F9-3776-4B81-BA98-A0A42F9F2506}" type="datetime1">
               <a:rPr lang="en-US" smtClean="0"/>
-              <a:t>12/8/2019</a:t>
+              <a:t>12/9/2019</a:t>
             </a:fld>
             <a:endParaRPr lang="en-US"/>
           </a:p>
@@ -4307,7 +2929,7 @@
           <a:p>
             <a:fld id="{177F0780-98A5-4575-9AD5-B6323986CAD1}" type="datetime1">
               <a:rPr lang="en-US" smtClean="0"/>
-              <a:t>12/8/2019</a:t>
+              <a:t>12/9/2019</a:t>
             </a:fld>
             <a:endParaRPr lang="en-US"/>
           </a:p>
@@ -4424,7 +3046,7 @@
           <a:p>
             <a:fld id="{F06B78EC-3078-4240-9222-3D4A61C92B21}" type="datetime1">
               <a:rPr lang="en-US" smtClean="0"/>
-              <a:t>12/8/2019</a:t>
+              <a:t>12/9/2019</a:t>
             </a:fld>
             <a:endParaRPr lang="en-US"/>
           </a:p>
@@ -4739,7 +3361,7 @@
           <a:p>
             <a:fld id="{6E03CDF2-123E-4314-AF57-FB1BDD05DFD3}" type="datetime1">
               <a:rPr lang="en-US" smtClean="0"/>
-              <a:t>12/8/2019</a:t>
+              <a:t>12/9/2019</a:t>
             </a:fld>
             <a:endParaRPr lang="en-US"/>
           </a:p>
@@ -5031,7 +3653,7 @@
           <a:p>
             <a:fld id="{D7F24677-0E3E-4670-90EB-D7CFD2D79959}" type="datetime1">
               <a:rPr lang="en-US" smtClean="0"/>
-              <a:t>12/8/2019</a:t>
+              <a:t>12/9/2019</a:t>
             </a:fld>
             <a:endParaRPr lang="en-US"/>
           </a:p>
@@ -5276,7 +3898,7 @@
           <a:p>
             <a:fld id="{C3FBE815-F4E5-4676-A816-26E7C8F64B3E}" type="datetime1">
               <a:rPr lang="en-US" smtClean="0"/>
-              <a:t>12/8/2019</a:t>
+              <a:t>12/9/2019</a:t>
             </a:fld>
             <a:endParaRPr lang="en-US"/>
           </a:p>
@@ -6347,6 +4969,13 @@
   <p:clrMapOvr>
     <a:masterClrMapping/>
   </p:clrMapOvr>
+  <p:timing>
+    <p:tnLst>
+      <p:par>
+        <p:cTn id="1" dur="indefinite" restart="never" nodeType="tmRoot"/>
+      </p:par>
+    </p:tnLst>
+  </p:timing>
 </p:sld>
 </file>
 
@@ -6404,608 +5033,38 @@
           <a:lstStyle/>
           <a:p>
             <a:r>
-              <a:rPr lang="en-US" sz="5400" dirty="0">
+              <a:rPr lang="en-US" sz="5400" dirty="0" smtClean="0">
                 <a:solidFill>
                   <a:schemeClr val="bg1"/>
                 </a:solidFill>
               </a:rPr>
-              <a:t>Correlation</a:t>
-            </a:r>
+              <a:t>Approach</a:t>
+            </a:r>
+            <a:endParaRPr lang="en-US" sz="5400" dirty="0">
+              <a:solidFill>
+                <a:schemeClr val="bg1"/>
+              </a:solidFill>
+            </a:endParaRPr>
           </a:p>
         </p:txBody>
       </p:sp>
-      <mc:AlternateContent xmlns:mc="http://schemas.openxmlformats.org/markup-compatibility/2006" xmlns:p14="http://schemas.microsoft.com/office/powerpoint/2010/main">
-        <mc:Choice Requires="p14">
-          <p:contentPart p14:bwMode="auto" r:id="rId2">
-            <p14:nvContentPartPr>
-              <p14:cNvPr id="4" name="Ink 3">
-                <a:extLst>
-                  <a:ext uri="{FF2B5EF4-FFF2-40B4-BE49-F238E27FC236}">
-                    <a16:creationId xmlns:a16="http://schemas.microsoft.com/office/drawing/2014/main" id="{5DB6223E-7E18-48A0-BBB6-336F112F6700}"/>
-                  </a:ext>
-                </a:extLst>
-              </p14:cNvPr>
-              <p14:cNvContentPartPr/>
-              <p14:nvPr/>
-            </p14:nvContentPartPr>
-            <p14:xfrm>
-              <a:off x="5697544" y="551679"/>
-              <a:ext cx="360" cy="360"/>
-            </p14:xfrm>
-          </p:contentPart>
-        </mc:Choice>
-        <mc:Fallback xmlns="">
-          <p:pic>
-            <p:nvPicPr>
-              <p:cNvPr id="4" name="Ink 3">
-                <a:extLst>
-                  <a:ext uri="{FF2B5EF4-FFF2-40B4-BE49-F238E27FC236}">
-                    <a16:creationId xmlns:a16="http://schemas.microsoft.com/office/drawing/2014/main" id="{5DB6223E-7E18-48A0-BBB6-336F112F6700}"/>
-                  </a:ext>
-                </a:extLst>
-              </p:cNvPr>
-              <p:cNvPicPr/>
-              <p:nvPr/>
-            </p:nvPicPr>
-            <p:blipFill>
-              <a:blip r:embed="rId3"/>
-              <a:stretch>
-                <a:fillRect/>
-              </a:stretch>
-            </p:blipFill>
-            <p:spPr>
-              <a:xfrm>
-                <a:off x="5688904" y="542679"/>
-                <a:ext cx="18000" cy="18000"/>
-              </a:xfrm>
-              <a:prstGeom prst="rect">
-                <a:avLst/>
-              </a:prstGeom>
-            </p:spPr>
-          </p:pic>
-        </mc:Fallback>
-      </mc:AlternateContent>
-      <mc:AlternateContent xmlns:mc="http://schemas.openxmlformats.org/markup-compatibility/2006" xmlns:p14="http://schemas.microsoft.com/office/powerpoint/2010/main">
-        <mc:Choice Requires="p14">
-          <p:contentPart p14:bwMode="auto" r:id="rId4">
-            <p14:nvContentPartPr>
-              <p14:cNvPr id="5" name="Ink 4">
-                <a:extLst>
-                  <a:ext uri="{FF2B5EF4-FFF2-40B4-BE49-F238E27FC236}">
-                    <a16:creationId xmlns:a16="http://schemas.microsoft.com/office/drawing/2014/main" id="{9CBBC32A-A252-4EB3-AAA8-67286F3D7C00}"/>
-                  </a:ext>
-                </a:extLst>
-              </p14:cNvPr>
-              <p14:cNvContentPartPr/>
-              <p14:nvPr/>
-            </p14:nvContentPartPr>
-            <p14:xfrm>
-              <a:off x="2013584" y="541025"/>
-              <a:ext cx="360" cy="360"/>
-            </p14:xfrm>
-          </p:contentPart>
-        </mc:Choice>
-        <mc:Fallback xmlns="">
-          <p:pic>
-            <p:nvPicPr>
-              <p:cNvPr id="5" name="Ink 4">
-                <a:extLst>
-                  <a:ext uri="{FF2B5EF4-FFF2-40B4-BE49-F238E27FC236}">
-                    <a16:creationId xmlns:a16="http://schemas.microsoft.com/office/drawing/2014/main" id="{9CBBC32A-A252-4EB3-AAA8-67286F3D7C00}"/>
-                  </a:ext>
-                </a:extLst>
-              </p:cNvPr>
-              <p:cNvPicPr/>
-              <p:nvPr/>
-            </p:nvPicPr>
-            <p:blipFill>
-              <a:blip r:embed="rId3"/>
-              <a:stretch>
-                <a:fillRect/>
-              </a:stretch>
-            </p:blipFill>
-            <p:spPr>
-              <a:xfrm>
-                <a:off x="2004944" y="532385"/>
-                <a:ext cx="18000" cy="18000"/>
-              </a:xfrm>
-              <a:prstGeom prst="rect">
-                <a:avLst/>
-              </a:prstGeom>
-            </p:spPr>
-          </p:pic>
-        </mc:Fallback>
-      </mc:AlternateContent>
-      <mc:AlternateContent xmlns:mc="http://schemas.openxmlformats.org/markup-compatibility/2006" xmlns:p14="http://schemas.microsoft.com/office/powerpoint/2010/main">
-        <mc:Choice Requires="p14">
-          <p:contentPart p14:bwMode="auto" r:id="rId5">
-            <p14:nvContentPartPr>
-              <p14:cNvPr id="6" name="Ink 5">
-                <a:extLst>
-                  <a:ext uri="{FF2B5EF4-FFF2-40B4-BE49-F238E27FC236}">
-                    <a16:creationId xmlns:a16="http://schemas.microsoft.com/office/drawing/2014/main" id="{D700A363-91E8-40C5-9C5E-3E09689D5399}"/>
-                  </a:ext>
-                </a:extLst>
-              </p14:cNvPr>
-              <p14:cNvContentPartPr/>
-              <p14:nvPr/>
-            </p14:nvContentPartPr>
-            <p14:xfrm>
-              <a:off x="2060384" y="339785"/>
-              <a:ext cx="360" cy="360"/>
-            </p14:xfrm>
-          </p:contentPart>
-        </mc:Choice>
-        <mc:Fallback xmlns="">
-          <p:pic>
-            <p:nvPicPr>
-              <p:cNvPr id="6" name="Ink 5">
-                <a:extLst>
-                  <a:ext uri="{FF2B5EF4-FFF2-40B4-BE49-F238E27FC236}">
-                    <a16:creationId xmlns:a16="http://schemas.microsoft.com/office/drawing/2014/main" id="{D700A363-91E8-40C5-9C5E-3E09689D5399}"/>
-                  </a:ext>
-                </a:extLst>
-              </p:cNvPr>
-              <p:cNvPicPr/>
-              <p:nvPr/>
-            </p:nvPicPr>
-            <p:blipFill>
-              <a:blip r:embed="rId3"/>
-              <a:stretch>
-                <a:fillRect/>
-              </a:stretch>
-            </p:blipFill>
-            <p:spPr>
-              <a:xfrm>
-                <a:off x="2051744" y="330785"/>
-                <a:ext cx="18000" cy="18000"/>
-              </a:xfrm>
-              <a:prstGeom prst="rect">
-                <a:avLst/>
-              </a:prstGeom>
-            </p:spPr>
-          </p:pic>
-        </mc:Fallback>
-      </mc:AlternateContent>
-      <p:grpSp>
-        <p:nvGrpSpPr>
-          <p:cNvPr id="14" name="Group 13">
-            <a:extLst>
-              <a:ext uri="{FF2B5EF4-FFF2-40B4-BE49-F238E27FC236}">
-                <a16:creationId xmlns:a16="http://schemas.microsoft.com/office/drawing/2014/main" id="{918E7E0B-F2D8-4897-9067-5F6C3C7D2DF3}"/>
-              </a:ext>
-            </a:extLst>
-          </p:cNvPr>
-          <p:cNvGrpSpPr/>
-          <p:nvPr/>
-        </p:nvGrpSpPr>
-        <p:grpSpPr>
-          <a:xfrm>
-            <a:off x="3672464" y="836225"/>
-            <a:ext cx="15840" cy="360"/>
-            <a:chOff x="3672464" y="836225"/>
-            <a:chExt cx="15840" cy="360"/>
-          </a:xfrm>
-        </p:grpSpPr>
-        <mc:AlternateContent xmlns:mc="http://schemas.openxmlformats.org/markup-compatibility/2006" xmlns:p14="http://schemas.microsoft.com/office/powerpoint/2010/main">
-          <mc:Choice Requires="p14">
-            <p:contentPart p14:bwMode="auto" r:id="rId6">
-              <p14:nvContentPartPr>
-                <p14:cNvPr id="7" name="Ink 6">
-                  <a:extLst>
-                    <a:ext uri="{FF2B5EF4-FFF2-40B4-BE49-F238E27FC236}">
-                      <a16:creationId xmlns:a16="http://schemas.microsoft.com/office/drawing/2014/main" id="{D6BE931A-0DE8-4032-957D-E843569A49C4}"/>
-                    </a:ext>
-                  </a:extLst>
-                </p14:cNvPr>
-                <p14:cNvContentPartPr/>
-                <p14:nvPr/>
-              </p14:nvContentPartPr>
-              <p14:xfrm>
-                <a:off x="3672464" y="836225"/>
-                <a:ext cx="6480" cy="360"/>
-              </p14:xfrm>
-            </p:contentPart>
-          </mc:Choice>
-          <mc:Fallback xmlns="">
-            <p:pic>
-              <p:nvPicPr>
-                <p:cNvPr id="7" name="Ink 6">
-                  <a:extLst>
-                    <a:ext uri="{FF2B5EF4-FFF2-40B4-BE49-F238E27FC236}">
-                      <a16:creationId xmlns:a16="http://schemas.microsoft.com/office/drawing/2014/main" id="{D6BE931A-0DE8-4032-957D-E843569A49C4}"/>
-                    </a:ext>
-                  </a:extLst>
-                </p:cNvPr>
-                <p:cNvPicPr/>
-                <p:nvPr/>
-              </p:nvPicPr>
-              <p:blipFill>
-                <a:blip r:embed="rId7"/>
-                <a:stretch>
-                  <a:fillRect/>
-                </a:stretch>
-              </p:blipFill>
-              <p:spPr>
-                <a:xfrm>
-                  <a:off x="3663824" y="827585"/>
-                  <a:ext cx="24120" cy="18000"/>
-                </a:xfrm>
-                <a:prstGeom prst="rect">
-                  <a:avLst/>
-                </a:prstGeom>
-              </p:spPr>
-            </p:pic>
-          </mc:Fallback>
-        </mc:AlternateContent>
-        <mc:AlternateContent xmlns:mc="http://schemas.openxmlformats.org/markup-compatibility/2006" xmlns:p14="http://schemas.microsoft.com/office/powerpoint/2010/main">
-          <mc:Choice Requires="p14">
-            <p:contentPart p14:bwMode="auto" r:id="rId8">
-              <p14:nvContentPartPr>
-                <p14:cNvPr id="8" name="Ink 7">
-                  <a:extLst>
-                    <a:ext uri="{FF2B5EF4-FFF2-40B4-BE49-F238E27FC236}">
-                      <a16:creationId xmlns:a16="http://schemas.microsoft.com/office/drawing/2014/main" id="{9C2F711C-CE74-404B-BA9B-185AAE899C1A}"/>
-                    </a:ext>
-                  </a:extLst>
-                </p14:cNvPr>
-                <p14:cNvContentPartPr/>
-                <p14:nvPr/>
-              </p14:nvContentPartPr>
-              <p14:xfrm>
-                <a:off x="3687944" y="836225"/>
-                <a:ext cx="360" cy="360"/>
-              </p14:xfrm>
-            </p:contentPart>
-          </mc:Choice>
-          <mc:Fallback xmlns="">
-            <p:pic>
-              <p:nvPicPr>
-                <p:cNvPr id="8" name="Ink 7">
-                  <a:extLst>
-                    <a:ext uri="{FF2B5EF4-FFF2-40B4-BE49-F238E27FC236}">
-                      <a16:creationId xmlns:a16="http://schemas.microsoft.com/office/drawing/2014/main" id="{9C2F711C-CE74-404B-BA9B-185AAE899C1A}"/>
-                    </a:ext>
-                  </a:extLst>
-                </p:cNvPr>
-                <p:cNvPicPr/>
-                <p:nvPr/>
-              </p:nvPicPr>
-              <p:blipFill>
-                <a:blip r:embed="rId3"/>
-                <a:stretch>
-                  <a:fillRect/>
-                </a:stretch>
-              </p:blipFill>
-              <p:spPr>
-                <a:xfrm>
-                  <a:off x="3678944" y="827585"/>
-                  <a:ext cx="18000" cy="18000"/>
-                </a:xfrm>
-                <a:prstGeom prst="rect">
-                  <a:avLst/>
-                </a:prstGeom>
-              </p:spPr>
-            </p:pic>
-          </mc:Fallback>
-        </mc:AlternateContent>
-      </p:grpSp>
-      <mc:AlternateContent xmlns:mc="http://schemas.openxmlformats.org/markup-compatibility/2006" xmlns:p14="http://schemas.microsoft.com/office/powerpoint/2010/main">
-        <mc:Choice Requires="p14">
-          <p:contentPart p14:bwMode="auto" r:id="rId9">
-            <p14:nvContentPartPr>
-              <p14:cNvPr id="9" name="Ink 8">
-                <a:extLst>
-                  <a:ext uri="{FF2B5EF4-FFF2-40B4-BE49-F238E27FC236}">
-                    <a16:creationId xmlns:a16="http://schemas.microsoft.com/office/drawing/2014/main" id="{EF1348A3-35BF-402A-A17D-EA9DA7B8A095}"/>
-                  </a:ext>
-                </a:extLst>
-              </p14:cNvPr>
-              <p14:cNvContentPartPr/>
-              <p14:nvPr/>
-            </p14:nvContentPartPr>
-            <p14:xfrm>
-              <a:off x="5082944" y="1037825"/>
-              <a:ext cx="30960" cy="360"/>
-            </p14:xfrm>
-          </p:contentPart>
-        </mc:Choice>
-        <mc:Fallback xmlns="">
-          <p:pic>
-            <p:nvPicPr>
-              <p:cNvPr id="9" name="Ink 8">
-                <a:extLst>
-                  <a:ext uri="{FF2B5EF4-FFF2-40B4-BE49-F238E27FC236}">
-                    <a16:creationId xmlns:a16="http://schemas.microsoft.com/office/drawing/2014/main" id="{EF1348A3-35BF-402A-A17D-EA9DA7B8A095}"/>
-                  </a:ext>
-                </a:extLst>
-              </p:cNvPr>
-              <p:cNvPicPr/>
-              <p:nvPr/>
-            </p:nvPicPr>
-            <p:blipFill>
-              <a:blip r:embed="rId10"/>
-              <a:stretch>
-                <a:fillRect/>
-              </a:stretch>
-            </p:blipFill>
-            <p:spPr>
-              <a:xfrm>
-                <a:off x="5074304" y="1029185"/>
-                <a:ext cx="48600" cy="18000"/>
-              </a:xfrm>
-              <a:prstGeom prst="rect">
-                <a:avLst/>
-              </a:prstGeom>
-            </p:spPr>
-          </p:pic>
-        </mc:Fallback>
-      </mc:AlternateContent>
-      <mc:AlternateContent xmlns:mc="http://schemas.openxmlformats.org/markup-compatibility/2006" xmlns:p14="http://schemas.microsoft.com/office/powerpoint/2010/main">
-        <mc:Choice Requires="p14">
-          <p:contentPart p14:bwMode="auto" r:id="rId11">
-            <p14:nvContentPartPr>
-              <p14:cNvPr id="10" name="Ink 9">
-                <a:extLst>
-                  <a:ext uri="{FF2B5EF4-FFF2-40B4-BE49-F238E27FC236}">
-                    <a16:creationId xmlns:a16="http://schemas.microsoft.com/office/drawing/2014/main" id="{906A6EFD-0AAA-46AB-8396-B3D1A96ED5A8}"/>
-                  </a:ext>
-                </a:extLst>
-              </p14:cNvPr>
-              <p14:cNvContentPartPr/>
-              <p14:nvPr/>
-            </p14:nvContentPartPr>
-            <p14:xfrm>
-              <a:off x="5656064" y="1037825"/>
-              <a:ext cx="360" cy="360"/>
-            </p14:xfrm>
-          </p:contentPart>
-        </mc:Choice>
-        <mc:Fallback xmlns="">
-          <p:pic>
-            <p:nvPicPr>
-              <p:cNvPr id="10" name="Ink 9">
-                <a:extLst>
-                  <a:ext uri="{FF2B5EF4-FFF2-40B4-BE49-F238E27FC236}">
-                    <a16:creationId xmlns:a16="http://schemas.microsoft.com/office/drawing/2014/main" id="{906A6EFD-0AAA-46AB-8396-B3D1A96ED5A8}"/>
-                  </a:ext>
-                </a:extLst>
-              </p:cNvPr>
-              <p:cNvPicPr/>
-              <p:nvPr/>
-            </p:nvPicPr>
-            <p:blipFill>
-              <a:blip r:embed="rId3"/>
-              <a:stretch>
-                <a:fillRect/>
-              </a:stretch>
-            </p:blipFill>
-            <p:spPr>
-              <a:xfrm>
-                <a:off x="5647064" y="1029185"/>
-                <a:ext cx="18000" cy="18000"/>
-              </a:xfrm>
-              <a:prstGeom prst="rect">
-                <a:avLst/>
-              </a:prstGeom>
-            </p:spPr>
-          </p:pic>
-        </mc:Fallback>
-      </mc:AlternateContent>
-      <mc:AlternateContent xmlns:mc="http://schemas.openxmlformats.org/markup-compatibility/2006" xmlns:p14="http://schemas.microsoft.com/office/powerpoint/2010/main">
-        <mc:Choice Requires="p14">
-          <p:contentPart p14:bwMode="auto" r:id="rId12">
-            <p14:nvContentPartPr>
-              <p14:cNvPr id="11" name="Ink 10">
-                <a:extLst>
-                  <a:ext uri="{FF2B5EF4-FFF2-40B4-BE49-F238E27FC236}">
-                    <a16:creationId xmlns:a16="http://schemas.microsoft.com/office/drawing/2014/main" id="{99B549C4-EB64-406E-BEDD-3A0070366590}"/>
-                  </a:ext>
-                </a:extLst>
-              </p14:cNvPr>
-              <p14:cNvContentPartPr/>
-              <p14:nvPr/>
-            </p14:nvContentPartPr>
-            <p14:xfrm>
-              <a:off x="5934704" y="1022705"/>
-              <a:ext cx="360" cy="360"/>
-            </p14:xfrm>
-          </p:contentPart>
-        </mc:Choice>
-        <mc:Fallback xmlns="">
-          <p:pic>
-            <p:nvPicPr>
-              <p:cNvPr id="11" name="Ink 10">
-                <a:extLst>
-                  <a:ext uri="{FF2B5EF4-FFF2-40B4-BE49-F238E27FC236}">
-                    <a16:creationId xmlns:a16="http://schemas.microsoft.com/office/drawing/2014/main" id="{99B549C4-EB64-406E-BEDD-3A0070366590}"/>
-                  </a:ext>
-                </a:extLst>
-              </p:cNvPr>
-              <p:cNvPicPr/>
-              <p:nvPr/>
-            </p:nvPicPr>
-            <p:blipFill>
-              <a:blip r:embed="rId3"/>
-              <a:stretch>
-                <a:fillRect/>
-              </a:stretch>
-            </p:blipFill>
-            <p:spPr>
-              <a:xfrm>
-                <a:off x="5926064" y="1013705"/>
-                <a:ext cx="18000" cy="18000"/>
-              </a:xfrm>
-              <a:prstGeom prst="rect">
-                <a:avLst/>
-              </a:prstGeom>
-            </p:spPr>
-          </p:pic>
-        </mc:Fallback>
-      </mc:AlternateContent>
-      <mc:AlternateContent xmlns:mc="http://schemas.openxmlformats.org/markup-compatibility/2006" xmlns:p14="http://schemas.microsoft.com/office/powerpoint/2010/main">
-        <mc:Choice Requires="p14">
-          <p:contentPart p14:bwMode="auto" r:id="rId13">
-            <p14:nvContentPartPr>
-              <p14:cNvPr id="12" name="Ink 11">
-                <a:extLst>
-                  <a:ext uri="{FF2B5EF4-FFF2-40B4-BE49-F238E27FC236}">
-                    <a16:creationId xmlns:a16="http://schemas.microsoft.com/office/drawing/2014/main" id="{3DD9F89E-1E89-45A8-9B64-27330DDC16D5}"/>
-                  </a:ext>
-                </a:extLst>
-              </p14:cNvPr>
-              <p14:cNvContentPartPr/>
-              <p14:nvPr/>
-            </p14:nvContentPartPr>
-            <p14:xfrm>
-              <a:off x="2503904" y="991025"/>
-              <a:ext cx="6840" cy="360"/>
-            </p14:xfrm>
-          </p:contentPart>
-        </mc:Choice>
-        <mc:Fallback xmlns="">
-          <p:pic>
-            <p:nvPicPr>
-              <p:cNvPr id="12" name="Ink 11">
-                <a:extLst>
-                  <a:ext uri="{FF2B5EF4-FFF2-40B4-BE49-F238E27FC236}">
-                    <a16:creationId xmlns:a16="http://schemas.microsoft.com/office/drawing/2014/main" id="{3DD9F89E-1E89-45A8-9B64-27330DDC16D5}"/>
-                  </a:ext>
-                </a:extLst>
-              </p:cNvPr>
-              <p:cNvPicPr/>
-              <p:nvPr/>
-            </p:nvPicPr>
-            <p:blipFill>
-              <a:blip r:embed="rId14"/>
-              <a:stretch>
-                <a:fillRect/>
-              </a:stretch>
-            </p:blipFill>
-            <p:spPr>
-              <a:xfrm>
-                <a:off x="2495264" y="982025"/>
-                <a:ext cx="24480" cy="18000"/>
-              </a:xfrm>
-              <a:prstGeom prst="rect">
-                <a:avLst/>
-              </a:prstGeom>
-            </p:spPr>
-          </p:pic>
-        </mc:Fallback>
-      </mc:AlternateContent>
-      <mc:AlternateContent xmlns:mc="http://schemas.openxmlformats.org/markup-compatibility/2006" xmlns:p14="http://schemas.microsoft.com/office/powerpoint/2010/main">
-        <mc:Choice Requires="p14">
-          <p:contentPart p14:bwMode="auto" r:id="rId15">
-            <p14:nvContentPartPr>
-              <p14:cNvPr id="13" name="Ink 12">
-                <a:extLst>
-                  <a:ext uri="{FF2B5EF4-FFF2-40B4-BE49-F238E27FC236}">
-                    <a16:creationId xmlns:a16="http://schemas.microsoft.com/office/drawing/2014/main" id="{B70F82F8-7C29-4F2E-B95E-31A4224FB92A}"/>
-                  </a:ext>
-                </a:extLst>
-              </p14:cNvPr>
-              <p14:cNvContentPartPr/>
-              <p14:nvPr/>
-            </p14:nvContentPartPr>
-            <p14:xfrm>
-              <a:off x="2773904" y="2603105"/>
-              <a:ext cx="6480" cy="360"/>
-            </p14:xfrm>
-          </p:contentPart>
-        </mc:Choice>
-        <mc:Fallback xmlns="">
-          <p:pic>
-            <p:nvPicPr>
-              <p:cNvPr id="13" name="Ink 12">
-                <a:extLst>
-                  <a:ext uri="{FF2B5EF4-FFF2-40B4-BE49-F238E27FC236}">
-                    <a16:creationId xmlns:a16="http://schemas.microsoft.com/office/drawing/2014/main" id="{B70F82F8-7C29-4F2E-B95E-31A4224FB92A}"/>
-                  </a:ext>
-                </a:extLst>
-              </p:cNvPr>
-              <p:cNvPicPr/>
-              <p:nvPr/>
-            </p:nvPicPr>
-            <p:blipFill>
-              <a:blip r:embed="rId7"/>
-              <a:stretch>
-                <a:fillRect/>
-              </a:stretch>
-            </p:blipFill>
-            <p:spPr>
-              <a:xfrm>
-                <a:off x="2765264" y="2594105"/>
-                <a:ext cx="24120" cy="18000"/>
-              </a:xfrm>
-              <a:prstGeom prst="rect">
-                <a:avLst/>
-              </a:prstGeom>
-            </p:spPr>
-          </p:pic>
-        </mc:Fallback>
-      </mc:AlternateContent>
-      <mc:AlternateContent xmlns:mc="http://schemas.openxmlformats.org/markup-compatibility/2006" xmlns:p14="http://schemas.microsoft.com/office/powerpoint/2010/main">
-        <mc:Choice Requires="p14">
-          <p:contentPart p14:bwMode="auto" r:id="rId16">
-            <p14:nvContentPartPr>
-              <p14:cNvPr id="15" name="Ink 14">
-                <a:extLst>
-                  <a:ext uri="{FF2B5EF4-FFF2-40B4-BE49-F238E27FC236}">
-                    <a16:creationId xmlns:a16="http://schemas.microsoft.com/office/drawing/2014/main" id="{E2B673A4-A277-47FF-A0EF-E7FE4CA5EC62}"/>
-                  </a:ext>
-                </a:extLst>
-              </p14:cNvPr>
-              <p14:cNvContentPartPr/>
-              <p14:nvPr/>
-            </p14:nvContentPartPr>
-            <p14:xfrm>
-              <a:off x="3408944" y="928745"/>
-              <a:ext cx="360" cy="360"/>
-            </p14:xfrm>
-          </p:contentPart>
-        </mc:Choice>
-        <mc:Fallback xmlns="">
-          <p:pic>
-            <p:nvPicPr>
-              <p:cNvPr id="15" name="Ink 14">
-                <a:extLst>
-                  <a:ext uri="{FF2B5EF4-FFF2-40B4-BE49-F238E27FC236}">
-                    <a16:creationId xmlns:a16="http://schemas.microsoft.com/office/drawing/2014/main" id="{E2B673A4-A277-47FF-A0EF-E7FE4CA5EC62}"/>
-                  </a:ext>
-                </a:extLst>
-              </p:cNvPr>
-              <p:cNvPicPr/>
-              <p:nvPr/>
-            </p:nvPicPr>
-            <p:blipFill>
-              <a:blip r:embed="rId3"/>
-              <a:stretch>
-                <a:fillRect/>
-              </a:stretch>
-            </p:blipFill>
-            <p:spPr>
-              <a:xfrm>
-                <a:off x="3400304" y="920105"/>
-                <a:ext cx="18000" cy="18000"/>
-              </a:xfrm>
-              <a:prstGeom prst="rect">
-                <a:avLst/>
-              </a:prstGeom>
-            </p:spPr>
-          </p:pic>
-        </mc:Fallback>
-      </mc:AlternateContent>
     </p:spTree>
     <p:extLst>
       <p:ext uri="{BB962C8B-B14F-4D97-AF65-F5344CB8AC3E}">
-        <p14:creationId xmlns:p14="http://schemas.microsoft.com/office/powerpoint/2010/main" val="387436064"/>
+        <p14:creationId xmlns:p14="http://schemas.microsoft.com/office/powerpoint/2010/main" val="3923766709"/>
       </p:ext>
     </p:extLst>
   </p:cSld>
   <p:clrMapOvr>
     <a:masterClrMapping/>
   </p:clrMapOvr>
+  <p:timing>
+    <p:tnLst>
+      <p:par>
+        <p:cTn id="1" dur="indefinite" restart="never" nodeType="tmRoot"/>
+      </p:par>
+    </p:tnLst>
+  </p:timing>
 </p:sld>
 </file>
 
@@ -7026,181 +5085,596 @@
           <a:chExt cx="0" cy="0"/>
         </a:xfrm>
       </p:grpSpPr>
+      <p:graphicFrame>
+        <p:nvGraphicFramePr>
+          <p:cNvPr id="6" name="Table 5"/>
+          <p:cNvGraphicFramePr>
+            <a:graphicFrameLocks noGrp="1"/>
+          </p:cNvGraphicFramePr>
+          <p:nvPr>
+            <p:extLst>
+              <p:ext uri="{D42A27DB-BD31-4B8C-83A1-F6EECF244321}">
+                <p14:modId xmlns:p14="http://schemas.microsoft.com/office/powerpoint/2010/main" val="2499053355"/>
+              </p:ext>
+            </p:extLst>
+          </p:nvPr>
+        </p:nvGraphicFramePr>
+        <p:xfrm>
+          <a:off x="2075329" y="2290537"/>
+          <a:ext cx="8041342" cy="2728522"/>
+        </p:xfrm>
+        <a:graphic>
+          <a:graphicData uri="http://schemas.openxmlformats.org/drawingml/2006/table">
+            <a:tbl>
+              <a:tblPr firstRow="1" bandRow="1">
+                <a:tableStyleId>{2D5ABB26-0587-4C30-8999-92F81FD0307C}</a:tableStyleId>
+              </a:tblPr>
+              <a:tblGrid>
+                <a:gridCol w="4020671">
+                  <a:extLst>
+                    <a:ext uri="{9D8B030D-6E8A-4147-A177-3AD203B41FA5}">
+                      <a16:colId xmlns:a16="http://schemas.microsoft.com/office/drawing/2014/main" val="332067994"/>
+                    </a:ext>
+                  </a:extLst>
+                </a:gridCol>
+                <a:gridCol w="4020671">
+                  <a:extLst>
+                    <a:ext uri="{9D8B030D-6E8A-4147-A177-3AD203B41FA5}">
+                      <a16:colId xmlns:a16="http://schemas.microsoft.com/office/drawing/2014/main" val="1362365864"/>
+                    </a:ext>
+                  </a:extLst>
+                </a:gridCol>
+              </a:tblGrid>
+              <a:tr h="552983">
+                <a:tc>
+                  <a:txBody>
+                    <a:bodyPr/>
+                    <a:lstStyle/>
+                    <a:p>
+                      <a:pPr marL="0" marR="0" indent="0" algn="ctr" defTabSz="914400" rtl="0" eaLnBrk="1" fontAlgn="auto" latinLnBrk="0" hangingPunct="1">
+                        <a:lnSpc>
+                          <a:spcPct val="100000"/>
+                        </a:lnSpc>
+                        <a:spcBef>
+                          <a:spcPts val="0"/>
+                        </a:spcBef>
+                        <a:spcAft>
+                          <a:spcPts val="0"/>
+                        </a:spcAft>
+                        <a:buClrTx/>
+                        <a:buSzTx/>
+                        <a:buFontTx/>
+                        <a:buNone/>
+                        <a:tabLst/>
+                        <a:defRPr/>
+                      </a:pPr>
+                      <a:r>
+                        <a:rPr lang="en-US" sz="2000" b="1" dirty="0" smtClean="0"/>
+                        <a:t>Algorithm</a:t>
+                      </a:r>
+                      <a:endParaRPr lang="en-CA" sz="2000" b="1" dirty="0" smtClean="0"/>
+                    </a:p>
+                  </a:txBody>
+                  <a:tcPr>
+                    <a:lnR w="12700" cap="flat" cmpd="sng" algn="ctr">
+                      <a:solidFill>
+                        <a:schemeClr val="tx1"/>
+                      </a:solidFill>
+                      <a:prstDash val="solid"/>
+                      <a:round/>
+                      <a:headEnd type="none" w="med" len="med"/>
+                      <a:tailEnd type="none" w="med" len="med"/>
+                    </a:lnR>
+                    <a:lnB w="12700" cap="flat" cmpd="sng" algn="ctr">
+                      <a:solidFill>
+                        <a:schemeClr val="tx1"/>
+                      </a:solidFill>
+                      <a:prstDash val="solid"/>
+                      <a:round/>
+                      <a:headEnd type="none" w="med" len="med"/>
+                      <a:tailEnd type="none" w="med" len="med"/>
+                    </a:lnB>
+                  </a:tcPr>
+                </a:tc>
+                <a:tc>
+                  <a:txBody>
+                    <a:bodyPr/>
+                    <a:lstStyle/>
+                    <a:p>
+                      <a:pPr algn="ctr"/>
+                      <a:r>
+                        <a:rPr lang="en-US" sz="2000" b="1" dirty="0" smtClean="0"/>
+                        <a:t>Data</a:t>
+                      </a:r>
+                      <a:endParaRPr lang="en-CA" sz="2000" b="1" dirty="0"/>
+                    </a:p>
+                  </a:txBody>
+                  <a:tcPr>
+                    <a:lnL w="12700" cap="flat" cmpd="sng" algn="ctr">
+                      <a:solidFill>
+                        <a:schemeClr val="tx1"/>
+                      </a:solidFill>
+                      <a:prstDash val="solid"/>
+                      <a:round/>
+                      <a:headEnd type="none" w="med" len="med"/>
+                      <a:tailEnd type="none" w="med" len="med"/>
+                    </a:lnL>
+                    <a:lnB w="12700" cap="flat" cmpd="sng" algn="ctr">
+                      <a:solidFill>
+                        <a:schemeClr val="tx1"/>
+                      </a:solidFill>
+                      <a:prstDash val="solid"/>
+                      <a:round/>
+                      <a:headEnd type="none" w="med" len="med"/>
+                      <a:tailEnd type="none" w="med" len="med"/>
+                    </a:lnB>
+                  </a:tcPr>
+                </a:tc>
+                <a:extLst>
+                  <a:ext uri="{0D108BD9-81ED-4DB2-BD59-A6C34878D82A}">
+                    <a16:rowId xmlns:a16="http://schemas.microsoft.com/office/drawing/2014/main" val="1967748775"/>
+                  </a:ext>
+                </a:extLst>
+              </a:tr>
+              <a:tr h="552983">
+                <a:tc>
+                  <a:txBody>
+                    <a:bodyPr/>
+                    <a:lstStyle/>
+                    <a:p>
+                      <a:pPr algn="ctr"/>
+                      <a:r>
+                        <a:rPr lang="en-US" sz="2000" dirty="0" smtClean="0"/>
+                        <a:t>Correlation</a:t>
+                      </a:r>
+                      <a:endParaRPr lang="en-CA" sz="2000" dirty="0"/>
+                    </a:p>
+                  </a:txBody>
+                  <a:tcPr>
+                    <a:lnL>
+                      <a:noFill/>
+                    </a:lnL>
+                    <a:lnR w="12700" cap="flat" cmpd="sng" algn="ctr">
+                      <a:solidFill>
+                        <a:schemeClr val="tx1"/>
+                      </a:solidFill>
+                      <a:prstDash val="solid"/>
+                      <a:round/>
+                      <a:headEnd type="none" w="med" len="med"/>
+                      <a:tailEnd type="none" w="med" len="med"/>
+                    </a:lnR>
+                    <a:lnT w="12700" cap="flat" cmpd="sng" algn="ctr">
+                      <a:solidFill>
+                        <a:schemeClr val="tx1"/>
+                      </a:solidFill>
+                      <a:prstDash val="solid"/>
+                      <a:round/>
+                      <a:headEnd type="none" w="med" len="med"/>
+                      <a:tailEnd type="none" w="med" len="med"/>
+                    </a:lnT>
+                    <a:lnB w="12700" cap="flat" cmpd="sng" algn="ctr">
+                      <a:noFill/>
+                      <a:prstDash val="solid"/>
+                      <a:round/>
+                      <a:headEnd type="none" w="med" len="med"/>
+                      <a:tailEnd type="none" w="med" len="med"/>
+                    </a:lnB>
+                    <a:lnTlToBr w="12700" cmpd="sng">
+                      <a:noFill/>
+                      <a:prstDash val="solid"/>
+                    </a:lnTlToBr>
+                    <a:lnBlToTr w="12700" cmpd="sng">
+                      <a:noFill/>
+                      <a:prstDash val="solid"/>
+                    </a:lnBlToTr>
+                  </a:tcPr>
+                </a:tc>
+                <a:tc>
+                  <a:txBody>
+                    <a:bodyPr/>
+                    <a:lstStyle/>
+                    <a:p>
+                      <a:pPr algn="ctr"/>
+                      <a:r>
+                        <a:rPr lang="en-US" sz="2000" dirty="0" smtClean="0"/>
+                        <a:t>Ratings</a:t>
+                      </a:r>
+                      <a:endParaRPr lang="en-CA" sz="2000" dirty="0"/>
+                    </a:p>
+                  </a:txBody>
+                  <a:tcPr>
+                    <a:lnL w="12700" cap="flat" cmpd="sng" algn="ctr">
+                      <a:solidFill>
+                        <a:schemeClr val="tx1"/>
+                      </a:solidFill>
+                      <a:prstDash val="solid"/>
+                      <a:round/>
+                      <a:headEnd type="none" w="med" len="med"/>
+                      <a:tailEnd type="none" w="med" len="med"/>
+                    </a:lnL>
+                    <a:lnR>
+                      <a:noFill/>
+                    </a:lnR>
+                    <a:lnT w="12700" cap="flat" cmpd="sng" algn="ctr">
+                      <a:solidFill>
+                        <a:schemeClr val="tx1"/>
+                      </a:solidFill>
+                      <a:prstDash val="solid"/>
+                      <a:round/>
+                      <a:headEnd type="none" w="med" len="med"/>
+                      <a:tailEnd type="none" w="med" len="med"/>
+                    </a:lnT>
+                    <a:lnB w="12700" cap="flat" cmpd="sng" algn="ctr">
+                      <a:noFill/>
+                      <a:prstDash val="solid"/>
+                      <a:round/>
+                      <a:headEnd type="none" w="med" len="med"/>
+                      <a:tailEnd type="none" w="med" len="med"/>
+                    </a:lnB>
+                    <a:lnTlToBr w="12700" cmpd="sng">
+                      <a:noFill/>
+                      <a:prstDash val="solid"/>
+                    </a:lnTlToBr>
+                    <a:lnBlToTr w="12700" cmpd="sng">
+                      <a:noFill/>
+                      <a:prstDash val="solid"/>
+                    </a:lnBlToTr>
+                  </a:tcPr>
+                </a:tc>
+                <a:extLst>
+                  <a:ext uri="{0D108BD9-81ED-4DB2-BD59-A6C34878D82A}">
+                    <a16:rowId xmlns:a16="http://schemas.microsoft.com/office/drawing/2014/main" val="3922883017"/>
+                  </a:ext>
+                </a:extLst>
+              </a:tr>
+              <a:tr h="552983">
+                <a:tc>
+                  <a:txBody>
+                    <a:bodyPr/>
+                    <a:lstStyle/>
+                    <a:p>
+                      <a:pPr algn="ctr"/>
+                      <a:r>
+                        <a:rPr lang="en-US" sz="2000" dirty="0" smtClean="0"/>
+                        <a:t>Singular value decomposition (SVD)</a:t>
+                      </a:r>
+                      <a:endParaRPr lang="en-CA" sz="2000" dirty="0"/>
+                    </a:p>
+                  </a:txBody>
+                  <a:tcPr>
+                    <a:lnR w="12700" cap="flat" cmpd="sng" algn="ctr">
+                      <a:solidFill>
+                        <a:schemeClr val="tx1"/>
+                      </a:solidFill>
+                      <a:prstDash val="solid"/>
+                      <a:round/>
+                      <a:headEnd type="none" w="med" len="med"/>
+                      <a:tailEnd type="none" w="med" len="med"/>
+                    </a:lnR>
+                    <a:lnT w="12700" cap="flat" cmpd="sng" algn="ctr">
+                      <a:noFill/>
+                      <a:prstDash val="solid"/>
+                      <a:round/>
+                      <a:headEnd type="none" w="med" len="med"/>
+                      <a:tailEnd type="none" w="med" len="med"/>
+                    </a:lnT>
+                  </a:tcPr>
+                </a:tc>
+                <a:tc>
+                  <a:txBody>
+                    <a:bodyPr/>
+                    <a:lstStyle/>
+                    <a:p>
+                      <a:pPr marL="0" marR="0" indent="0" algn="ctr" defTabSz="914400" rtl="0" eaLnBrk="1" fontAlgn="auto" latinLnBrk="0" hangingPunct="1">
+                        <a:lnSpc>
+                          <a:spcPct val="100000"/>
+                        </a:lnSpc>
+                        <a:spcBef>
+                          <a:spcPts val="0"/>
+                        </a:spcBef>
+                        <a:spcAft>
+                          <a:spcPts val="0"/>
+                        </a:spcAft>
+                        <a:buClrTx/>
+                        <a:buSzTx/>
+                        <a:buFontTx/>
+                        <a:buNone/>
+                        <a:tabLst/>
+                        <a:defRPr/>
+                      </a:pPr>
+                      <a:r>
+                        <a:rPr lang="en-US" sz="2000" dirty="0" smtClean="0"/>
+                        <a:t>Ratings </a:t>
+                      </a:r>
+                      <a:endParaRPr lang="en-CA" sz="2000" dirty="0"/>
+                    </a:p>
+                  </a:txBody>
+                  <a:tcPr>
+                    <a:lnL w="12700" cap="flat" cmpd="sng" algn="ctr">
+                      <a:solidFill>
+                        <a:schemeClr val="tx1"/>
+                      </a:solidFill>
+                      <a:prstDash val="solid"/>
+                      <a:round/>
+                      <a:headEnd type="none" w="med" len="med"/>
+                      <a:tailEnd type="none" w="med" len="med"/>
+                    </a:lnL>
+                    <a:lnT w="12700" cap="flat" cmpd="sng" algn="ctr">
+                      <a:noFill/>
+                      <a:prstDash val="solid"/>
+                      <a:round/>
+                      <a:headEnd type="none" w="med" len="med"/>
+                      <a:tailEnd type="none" w="med" len="med"/>
+                    </a:lnT>
+                  </a:tcPr>
+                </a:tc>
+                <a:extLst>
+                  <a:ext uri="{0D108BD9-81ED-4DB2-BD59-A6C34878D82A}">
+                    <a16:rowId xmlns:a16="http://schemas.microsoft.com/office/drawing/2014/main" val="747147129"/>
+                  </a:ext>
+                </a:extLst>
+              </a:tr>
+              <a:tr h="516590">
+                <a:tc>
+                  <a:txBody>
+                    <a:bodyPr/>
+                    <a:lstStyle/>
+                    <a:p>
+                      <a:pPr marL="0" marR="0" indent="0" algn="ctr" defTabSz="914400" rtl="0" eaLnBrk="1" fontAlgn="auto" latinLnBrk="0" hangingPunct="1">
+                        <a:lnSpc>
+                          <a:spcPct val="100000"/>
+                        </a:lnSpc>
+                        <a:spcBef>
+                          <a:spcPts val="0"/>
+                        </a:spcBef>
+                        <a:spcAft>
+                          <a:spcPts val="0"/>
+                        </a:spcAft>
+                        <a:buClrTx/>
+                        <a:buSzTx/>
+                        <a:buFontTx/>
+                        <a:buNone/>
+                        <a:tabLst/>
+                        <a:defRPr/>
+                      </a:pPr>
+                      <a:r>
+                        <a:rPr lang="en-US" sz="2000" dirty="0" smtClean="0"/>
+                        <a:t>Linear regression:</a:t>
+                      </a:r>
+                      <a:r>
+                        <a:rPr lang="en-US" sz="2000" baseline="0" dirty="0" smtClean="0"/>
+                        <a:t> OLS, Ridge</a:t>
+                      </a:r>
+                      <a:endParaRPr lang="en-CA" sz="2000" dirty="0" smtClean="0"/>
+                    </a:p>
+                  </a:txBody>
+                  <a:tcPr>
+                    <a:lnR w="12700" cap="flat" cmpd="sng" algn="ctr">
+                      <a:solidFill>
+                        <a:schemeClr val="tx1"/>
+                      </a:solidFill>
+                      <a:prstDash val="solid"/>
+                      <a:round/>
+                      <a:headEnd type="none" w="med" len="med"/>
+                      <a:tailEnd type="none" w="med" len="med"/>
+                    </a:lnR>
+                  </a:tcPr>
+                </a:tc>
+                <a:tc>
+                  <a:txBody>
+                    <a:bodyPr/>
+                    <a:lstStyle/>
+                    <a:p>
+                      <a:pPr marL="0" marR="0" indent="0" algn="ctr" defTabSz="914400" rtl="0" eaLnBrk="1" fontAlgn="auto" latinLnBrk="0" hangingPunct="1">
+                        <a:lnSpc>
+                          <a:spcPct val="100000"/>
+                        </a:lnSpc>
+                        <a:spcBef>
+                          <a:spcPts val="0"/>
+                        </a:spcBef>
+                        <a:spcAft>
+                          <a:spcPts val="0"/>
+                        </a:spcAft>
+                        <a:buClrTx/>
+                        <a:buSzTx/>
+                        <a:buFontTx/>
+                        <a:buNone/>
+                        <a:tabLst/>
+                        <a:defRPr/>
+                      </a:pPr>
+                      <a:r>
+                        <a:rPr lang="en-US" sz="2000" baseline="0" dirty="0" smtClean="0"/>
+                        <a:t>User &amp; Movie info (Metadata)</a:t>
+                      </a:r>
+                      <a:endParaRPr lang="en-CA" sz="2000" dirty="0" smtClean="0"/>
+                    </a:p>
+                  </a:txBody>
+                  <a:tcPr>
+                    <a:lnL w="12700" cap="flat" cmpd="sng" algn="ctr">
+                      <a:solidFill>
+                        <a:schemeClr val="tx1"/>
+                      </a:solidFill>
+                      <a:prstDash val="solid"/>
+                      <a:round/>
+                      <a:headEnd type="none" w="med" len="med"/>
+                      <a:tailEnd type="none" w="med" len="med"/>
+                    </a:lnL>
+                  </a:tcPr>
+                </a:tc>
+                <a:extLst>
+                  <a:ext uri="{0D108BD9-81ED-4DB2-BD59-A6C34878D82A}">
+                    <a16:rowId xmlns:a16="http://schemas.microsoft.com/office/drawing/2014/main" val="1432139158"/>
+                  </a:ext>
+                </a:extLst>
+              </a:tr>
+              <a:tr h="552983">
+                <a:tc>
+                  <a:txBody>
+                    <a:bodyPr/>
+                    <a:lstStyle/>
+                    <a:p>
+                      <a:pPr marL="0" marR="0" indent="0" algn="ctr" defTabSz="914400" rtl="0" eaLnBrk="1" fontAlgn="auto" latinLnBrk="0" hangingPunct="1">
+                        <a:lnSpc>
+                          <a:spcPct val="100000"/>
+                        </a:lnSpc>
+                        <a:spcBef>
+                          <a:spcPts val="0"/>
+                        </a:spcBef>
+                        <a:spcAft>
+                          <a:spcPts val="0"/>
+                        </a:spcAft>
+                        <a:buClrTx/>
+                        <a:buSzTx/>
+                        <a:buFontTx/>
+                        <a:buNone/>
+                        <a:tabLst/>
+                        <a:defRPr/>
+                      </a:pPr>
+                      <a:r>
+                        <a:rPr lang="en-US" sz="2000" dirty="0" smtClean="0"/>
+                        <a:t>SVD &amp; Linear regression</a:t>
+                      </a:r>
+                    </a:p>
+                  </a:txBody>
+                  <a:tcPr>
+                    <a:lnR w="12700" cap="flat" cmpd="sng" algn="ctr">
+                      <a:solidFill>
+                        <a:schemeClr val="tx1"/>
+                      </a:solidFill>
+                      <a:prstDash val="solid"/>
+                      <a:round/>
+                      <a:headEnd type="none" w="med" len="med"/>
+                      <a:tailEnd type="none" w="med" len="med"/>
+                    </a:lnR>
+                  </a:tcPr>
+                </a:tc>
+                <a:tc>
+                  <a:txBody>
+                    <a:bodyPr/>
+                    <a:lstStyle/>
+                    <a:p>
+                      <a:pPr marL="0" marR="0" indent="0" algn="ctr" defTabSz="914400" rtl="0" eaLnBrk="1" fontAlgn="auto" latinLnBrk="0" hangingPunct="1">
+                        <a:lnSpc>
+                          <a:spcPct val="100000"/>
+                        </a:lnSpc>
+                        <a:spcBef>
+                          <a:spcPts val="0"/>
+                        </a:spcBef>
+                        <a:spcAft>
+                          <a:spcPts val="0"/>
+                        </a:spcAft>
+                        <a:buClrTx/>
+                        <a:buSzTx/>
+                        <a:buFontTx/>
+                        <a:buNone/>
+                        <a:tabLst/>
+                        <a:defRPr/>
+                      </a:pPr>
+                      <a:r>
+                        <a:rPr lang="en-US" sz="2000" dirty="0" smtClean="0"/>
+                        <a:t>Rating data + Meta</a:t>
+                      </a:r>
+                      <a:r>
+                        <a:rPr lang="en-US" sz="2000" baseline="0" dirty="0" smtClean="0"/>
+                        <a:t> data</a:t>
+                      </a:r>
+                      <a:endParaRPr lang="en-CA" sz="2000" dirty="0" smtClean="0"/>
+                    </a:p>
+                  </a:txBody>
+                  <a:tcPr>
+                    <a:lnL w="12700" cap="flat" cmpd="sng" algn="ctr">
+                      <a:solidFill>
+                        <a:schemeClr val="tx1"/>
+                      </a:solidFill>
+                      <a:prstDash val="solid"/>
+                      <a:round/>
+                      <a:headEnd type="none" w="med" len="med"/>
+                      <a:tailEnd type="none" w="med" len="med"/>
+                    </a:lnL>
+                  </a:tcPr>
+                </a:tc>
+                <a:extLst>
+                  <a:ext uri="{0D108BD9-81ED-4DB2-BD59-A6C34878D82A}">
+                    <a16:rowId xmlns:a16="http://schemas.microsoft.com/office/drawing/2014/main" val="3603448361"/>
+                  </a:ext>
+                </a:extLst>
+              </a:tr>
+            </a:tbl>
+          </a:graphicData>
+        </a:graphic>
+      </p:graphicFrame>
       <p:sp>
         <p:nvSpPr>
-          <p:cNvPr id="2" name="Title 1">
+          <p:cNvPr id="4" name="Title 1">
             <a:extLst>
               <a:ext uri="{FF2B5EF4-FFF2-40B4-BE49-F238E27FC236}">
                 <a16:creationId xmlns:a16="http://schemas.microsoft.com/office/drawing/2014/main" id="{E89B5767-F270-494B-A038-622C4293CC81}"/>
               </a:ext>
             </a:extLst>
           </p:cNvPr>
-          <p:cNvSpPr>
-            <a:spLocks noGrp="1"/>
+          <p:cNvSpPr txBox="1">
+            <a:spLocks/>
           </p:cNvSpPr>
-          <p:nvPr>
-            <p:ph type="title"/>
-          </p:nvPr>
+          <p:nvPr/>
         </p:nvSpPr>
-        <p:spPr/>
-        <p:txBody>
-          <a:bodyPr/>
-          <a:lstStyle/>
-          <a:p>
-            <a:r>
-              <a:rPr lang="en-US" dirty="0"/>
-              <a:t>Correlation – </a:t>
-            </a:r>
-            <a:r>
-              <a:rPr lang="en-US" dirty="0" err="1"/>
-              <a:t>MovieLens</a:t>
-            </a:r>
-            <a:r>
-              <a:rPr lang="en-US" dirty="0"/>
-              <a:t> 1M</a:t>
-            </a:r>
-          </a:p>
-        </p:txBody>
-      </p:sp>
-      <p:sp>
-        <p:nvSpPr>
-          <p:cNvPr id="7" name="Content Placeholder 6">
-            <a:extLst>
-              <a:ext uri="{FF2B5EF4-FFF2-40B4-BE49-F238E27FC236}">
-                <a16:creationId xmlns:a16="http://schemas.microsoft.com/office/drawing/2014/main" id="{99CF3D1F-9DE7-4365-8D87-2CE00CE8A630}"/>
-              </a:ext>
-            </a:extLst>
-          </p:cNvPr>
-          <p:cNvSpPr>
-            <a:spLocks noGrp="1"/>
-          </p:cNvSpPr>
-          <p:nvPr>
-            <p:ph sz="half" idx="1"/>
-          </p:nvPr>
-        </p:nvSpPr>
-        <p:spPr/>
-        <p:txBody>
-          <a:bodyPr>
-            <a:normAutofit fontScale="85000" lnSpcReduction="20000"/>
-          </a:bodyPr>
-          <a:lstStyle/>
-          <a:p>
-            <a:pPr marL="0" indent="0">
-              <a:buNone/>
-            </a:pPr>
-            <a:r>
-              <a:rPr lang="en-US" b="1" dirty="0"/>
-              <a:t>Observations</a:t>
-            </a:r>
-          </a:p>
-          <a:p>
-            <a:pPr>
-              <a:buSzPct val="80000"/>
-              <a:buFont typeface="Wingdings" panose="05000000000000000000" pitchFamily="2" charset="2"/>
-              <a:buChar char="§"/>
-            </a:pPr>
-            <a:r>
-              <a:rPr lang="en-US" dirty="0"/>
-              <a:t>Most coefficients are roughly zero</a:t>
-            </a:r>
-          </a:p>
-          <a:p>
-            <a:pPr>
-              <a:buSzPct val="80000"/>
-              <a:buFont typeface="Wingdings" panose="05000000000000000000" pitchFamily="2" charset="2"/>
-              <a:buChar char="§"/>
-            </a:pPr>
-            <a:r>
-              <a:rPr lang="en-US" dirty="0"/>
-              <a:t>Changing the metric from persons to spearman's yielded little to no difference</a:t>
-            </a:r>
-          </a:p>
-          <a:p>
-            <a:pPr>
-              <a:buSzPct val="80000"/>
-              <a:buFont typeface="Wingdings" panose="05000000000000000000" pitchFamily="2" charset="2"/>
-              <a:buChar char="§"/>
-            </a:pPr>
-            <a:r>
-              <a:rPr lang="en-US" dirty="0"/>
-              <a:t>The notion of correlation is slightly ambiguous with extremely sparse vectors</a:t>
-            </a:r>
-          </a:p>
-          <a:p>
-            <a:pPr marL="0" indent="0">
-              <a:buNone/>
-            </a:pPr>
-            <a:endParaRPr lang="en-US" b="1" dirty="0"/>
-          </a:p>
-          <a:p>
-            <a:pPr marL="0" indent="0">
-              <a:buNone/>
-            </a:pPr>
-            <a:r>
-              <a:rPr lang="en-US" b="1" dirty="0"/>
-              <a:t>Main Issue</a:t>
-            </a:r>
-          </a:p>
-          <a:p>
-            <a:pPr marL="0" indent="0">
-              <a:buNone/>
-            </a:pPr>
-            <a:r>
-              <a:rPr lang="en-US" dirty="0"/>
-              <a:t>Recommendations are given based </a:t>
-            </a:r>
-            <a:br>
-              <a:rPr lang="en-US" dirty="0"/>
-            </a:br>
-            <a:r>
-              <a:rPr lang="en-US" dirty="0"/>
-              <a:t>on aggregate user behavior, ignoring variations in user to user preferences</a:t>
-            </a:r>
-          </a:p>
-        </p:txBody>
-      </p:sp>
-      <p:pic>
-        <p:nvPicPr>
-          <p:cNvPr id="10" name="Content Placeholder 9">
-            <a:extLst>
-              <a:ext uri="{FF2B5EF4-FFF2-40B4-BE49-F238E27FC236}">
-                <a16:creationId xmlns:a16="http://schemas.microsoft.com/office/drawing/2014/main" id="{C097C41C-5FC6-4620-B21C-74425836FCBB}"/>
-              </a:ext>
-            </a:extLst>
-          </p:cNvPr>
-          <p:cNvPicPr>
-            <a:picLocks noGrp="1"/>
-          </p:cNvPicPr>
-          <p:nvPr>
-            <p:ph sz="half" idx="2"/>
-          </p:nvPr>
-        </p:nvPicPr>
-        <p:blipFill>
-          <a:blip r:embed="rId2"/>
-          <a:stretch>
-            <a:fillRect/>
-          </a:stretch>
-        </p:blipFill>
         <p:spPr>
           <a:xfrm>
-            <a:off x="6038822" y="2220687"/>
-            <a:ext cx="5448356" cy="3561214"/>
+            <a:off x="838200" y="365125"/>
+            <a:ext cx="10515600" cy="1325563"/>
           </a:xfrm>
           <a:prstGeom prst="rect">
             <a:avLst/>
           </a:prstGeom>
         </p:spPr>
-      </p:pic>
+        <p:txBody>
+          <a:bodyPr vert="horz" lIns="91440" tIns="45720" rIns="91440" bIns="45720" rtlCol="0" anchor="ctr">
+            <a:normAutofit/>
+          </a:bodyPr>
+          <a:lstStyle>
+            <a:lvl1pPr algn="l" defTabSz="914400" rtl="0" eaLnBrk="1" latinLnBrk="0" hangingPunct="1">
+              <a:lnSpc>
+                <a:spcPct val="90000"/>
+              </a:lnSpc>
+              <a:spcBef>
+                <a:spcPct val="0"/>
+              </a:spcBef>
+              <a:buNone/>
+              <a:defRPr sz="4400" kern="1200">
+                <a:solidFill>
+                  <a:schemeClr val="tx1"/>
+                </a:solidFill>
+                <a:latin typeface="+mj-lt"/>
+                <a:ea typeface="+mj-ea"/>
+                <a:cs typeface="+mj-cs"/>
+              </a:defRPr>
+            </a:lvl1pPr>
+          </a:lstStyle>
+          <a:p>
+            <a:r>
+              <a:rPr lang="en-US" dirty="0" smtClean="0"/>
+              <a:t>Approach</a:t>
+            </a:r>
+            <a:endParaRPr lang="en-US" dirty="0"/>
+          </a:p>
+        </p:txBody>
+      </p:sp>
     </p:spTree>
     <p:extLst>
       <p:ext uri="{BB962C8B-B14F-4D97-AF65-F5344CB8AC3E}">
-        <p14:creationId xmlns:p14="http://schemas.microsoft.com/office/powerpoint/2010/main" val="315103504"/>
+        <p14:creationId xmlns:p14="http://schemas.microsoft.com/office/powerpoint/2010/main" val="1598937018"/>
       </p:ext>
     </p:extLst>
   </p:cSld>
   <p:clrMapOvr>
     <a:masterClrMapping/>
   </p:clrMapOvr>
+  <p:timing>
+    <p:tnLst>
+      <p:par>
+        <p:cTn id="1" dur="indefinite" restart="never" nodeType="tmRoot"/>
+      </p:par>
+    </p:tnLst>
+  </p:timing>
 </p:sld>
 </file>
 
@@ -7263,593 +5737,329 @@
                   <a:schemeClr val="bg1"/>
                 </a:solidFill>
               </a:rPr>
-              <a:t>SVD</a:t>
+              <a:t>Correlation</a:t>
             </a:r>
           </a:p>
         </p:txBody>
       </p:sp>
-      <mc:AlternateContent xmlns:mc="http://schemas.openxmlformats.org/markup-compatibility/2006" xmlns:p14="http://schemas.microsoft.com/office/powerpoint/2010/main">
-        <mc:Choice Requires="p14">
-          <p:contentPart p14:bwMode="auto" r:id="rId2">
-            <p14:nvContentPartPr>
-              <p14:cNvPr id="4" name="Ink 3">
-                <a:extLst>
-                  <a:ext uri="{FF2B5EF4-FFF2-40B4-BE49-F238E27FC236}">
-                    <a16:creationId xmlns:a16="http://schemas.microsoft.com/office/drawing/2014/main" id="{5DB6223E-7E18-48A0-BBB6-336F112F6700}"/>
-                  </a:ext>
-                </a:extLst>
-              </p14:cNvPr>
-              <p14:cNvContentPartPr/>
-              <p14:nvPr/>
-            </p14:nvContentPartPr>
-            <p14:xfrm>
-              <a:off x="5697544" y="551679"/>
-              <a:ext cx="360" cy="360"/>
-            </p14:xfrm>
-          </p:contentPart>
-        </mc:Choice>
-        <mc:Fallback xmlns="">
-          <p:pic>
-            <p:nvPicPr>
-              <p:cNvPr id="4" name="Ink 3">
-                <a:extLst>
-                  <a:ext uri="{FF2B5EF4-FFF2-40B4-BE49-F238E27FC236}">
-                    <a16:creationId xmlns:a16="http://schemas.microsoft.com/office/drawing/2014/main" id="{5DB6223E-7E18-48A0-BBB6-336F112F6700}"/>
-                  </a:ext>
-                </a:extLst>
-              </p:cNvPr>
-              <p:cNvPicPr/>
-              <p:nvPr/>
-            </p:nvPicPr>
-            <p:blipFill>
-              <a:blip r:embed="rId3"/>
-              <a:stretch>
-                <a:fillRect/>
-              </a:stretch>
-            </p:blipFill>
-            <p:spPr>
-              <a:xfrm>
-                <a:off x="5688904" y="542679"/>
-                <a:ext cx="18000" cy="18000"/>
-              </a:xfrm>
-              <a:prstGeom prst="rect">
-                <a:avLst/>
-              </a:prstGeom>
-            </p:spPr>
-          </p:pic>
-        </mc:Fallback>
-      </mc:AlternateContent>
-      <mc:AlternateContent xmlns:mc="http://schemas.openxmlformats.org/markup-compatibility/2006" xmlns:p14="http://schemas.microsoft.com/office/powerpoint/2010/main">
-        <mc:Choice Requires="p14">
-          <p:contentPart p14:bwMode="auto" r:id="rId4">
-            <p14:nvContentPartPr>
-              <p14:cNvPr id="5" name="Ink 4">
-                <a:extLst>
-                  <a:ext uri="{FF2B5EF4-FFF2-40B4-BE49-F238E27FC236}">
-                    <a16:creationId xmlns:a16="http://schemas.microsoft.com/office/drawing/2014/main" id="{9CBBC32A-A252-4EB3-AAA8-67286F3D7C00}"/>
-                  </a:ext>
-                </a:extLst>
-              </p14:cNvPr>
-              <p14:cNvContentPartPr/>
-              <p14:nvPr/>
-            </p14:nvContentPartPr>
-            <p14:xfrm>
-              <a:off x="2013584" y="541025"/>
-              <a:ext cx="360" cy="360"/>
-            </p14:xfrm>
-          </p:contentPart>
-        </mc:Choice>
-        <mc:Fallback xmlns="">
-          <p:pic>
-            <p:nvPicPr>
-              <p:cNvPr id="5" name="Ink 4">
-                <a:extLst>
-                  <a:ext uri="{FF2B5EF4-FFF2-40B4-BE49-F238E27FC236}">
-                    <a16:creationId xmlns:a16="http://schemas.microsoft.com/office/drawing/2014/main" id="{9CBBC32A-A252-4EB3-AAA8-67286F3D7C00}"/>
-                  </a:ext>
-                </a:extLst>
-              </p:cNvPr>
-              <p:cNvPicPr/>
-              <p:nvPr/>
-            </p:nvPicPr>
-            <p:blipFill>
-              <a:blip r:embed="rId3"/>
-              <a:stretch>
-                <a:fillRect/>
-              </a:stretch>
-            </p:blipFill>
-            <p:spPr>
-              <a:xfrm>
-                <a:off x="2004944" y="532385"/>
-                <a:ext cx="18000" cy="18000"/>
-              </a:xfrm>
-              <a:prstGeom prst="rect">
-                <a:avLst/>
-              </a:prstGeom>
-            </p:spPr>
-          </p:pic>
-        </mc:Fallback>
-      </mc:AlternateContent>
-      <mc:AlternateContent xmlns:mc="http://schemas.openxmlformats.org/markup-compatibility/2006" xmlns:p14="http://schemas.microsoft.com/office/powerpoint/2010/main">
-        <mc:Choice Requires="p14">
-          <p:contentPart p14:bwMode="auto" r:id="rId5">
-            <p14:nvContentPartPr>
-              <p14:cNvPr id="6" name="Ink 5">
-                <a:extLst>
-                  <a:ext uri="{FF2B5EF4-FFF2-40B4-BE49-F238E27FC236}">
-                    <a16:creationId xmlns:a16="http://schemas.microsoft.com/office/drawing/2014/main" id="{D700A363-91E8-40C5-9C5E-3E09689D5399}"/>
-                  </a:ext>
-                </a:extLst>
-              </p14:cNvPr>
-              <p14:cNvContentPartPr/>
-              <p14:nvPr/>
-            </p14:nvContentPartPr>
-            <p14:xfrm>
-              <a:off x="2060384" y="339785"/>
-              <a:ext cx="360" cy="360"/>
-            </p14:xfrm>
-          </p:contentPart>
-        </mc:Choice>
-        <mc:Fallback xmlns="">
-          <p:pic>
-            <p:nvPicPr>
-              <p:cNvPr id="6" name="Ink 5">
-                <a:extLst>
-                  <a:ext uri="{FF2B5EF4-FFF2-40B4-BE49-F238E27FC236}">
-                    <a16:creationId xmlns:a16="http://schemas.microsoft.com/office/drawing/2014/main" id="{D700A363-91E8-40C5-9C5E-3E09689D5399}"/>
-                  </a:ext>
-                </a:extLst>
-              </p:cNvPr>
-              <p:cNvPicPr/>
-              <p:nvPr/>
-            </p:nvPicPr>
-            <p:blipFill>
-              <a:blip r:embed="rId3"/>
-              <a:stretch>
-                <a:fillRect/>
-              </a:stretch>
-            </p:blipFill>
-            <p:spPr>
-              <a:xfrm>
-                <a:off x="2051744" y="330785"/>
-                <a:ext cx="18000" cy="18000"/>
-              </a:xfrm>
-              <a:prstGeom prst="rect">
-                <a:avLst/>
-              </a:prstGeom>
-            </p:spPr>
-          </p:pic>
-        </mc:Fallback>
-      </mc:AlternateContent>
-      <p:grpSp>
-        <p:nvGrpSpPr>
-          <p:cNvPr id="14" name="Group 13">
+    </p:spTree>
+    <p:extLst>
+      <p:ext uri="{BB962C8B-B14F-4D97-AF65-F5344CB8AC3E}">
+        <p14:creationId xmlns:p14="http://schemas.microsoft.com/office/powerpoint/2010/main" val="387436064"/>
+      </p:ext>
+    </p:extLst>
+  </p:cSld>
+  <p:clrMapOvr>
+    <a:masterClrMapping/>
+  </p:clrMapOvr>
+  <p:timing>
+    <p:tnLst>
+      <p:par>
+        <p:cTn id="1" dur="indefinite" restart="never" nodeType="tmRoot"/>
+      </p:par>
+    </p:tnLst>
+  </p:timing>
+</p:sld>
+</file>
+
+<file path=ppt/slides/slide14.xml><?xml version="1.0" encoding="utf-8"?>
+<p:sld xmlns:a="http://schemas.openxmlformats.org/drawingml/2006/main" xmlns:r="http://schemas.openxmlformats.org/officeDocument/2006/relationships" xmlns:p="http://schemas.openxmlformats.org/presentationml/2006/main">
+  <p:cSld>
+    <p:spTree>
+      <p:nvGrpSpPr>
+        <p:cNvPr id="1" name=""/>
+        <p:cNvGrpSpPr/>
+        <p:nvPr/>
+      </p:nvGrpSpPr>
+      <p:grpSpPr>
+        <a:xfrm>
+          <a:off x="0" y="0"/>
+          <a:ext cx="0" cy="0"/>
+          <a:chOff x="0" y="0"/>
+          <a:chExt cx="0" cy="0"/>
+        </a:xfrm>
+      </p:grpSpPr>
+      <p:sp>
+        <p:nvSpPr>
+          <p:cNvPr id="2" name="Title 1">
             <a:extLst>
               <a:ext uri="{FF2B5EF4-FFF2-40B4-BE49-F238E27FC236}">
-                <a16:creationId xmlns:a16="http://schemas.microsoft.com/office/drawing/2014/main" id="{918E7E0B-F2D8-4897-9067-5F6C3C7D2DF3}"/>
+                <a16:creationId xmlns:a16="http://schemas.microsoft.com/office/drawing/2014/main" id="{E89B5767-F270-494B-A038-622C4293CC81}"/>
               </a:ext>
             </a:extLst>
           </p:cNvPr>
-          <p:cNvGrpSpPr/>
-          <p:nvPr/>
-        </p:nvGrpSpPr>
-        <p:grpSpPr>
+          <p:cNvSpPr>
+            <a:spLocks noGrp="1"/>
+          </p:cNvSpPr>
+          <p:nvPr>
+            <p:ph type="title"/>
+          </p:nvPr>
+        </p:nvSpPr>
+        <p:spPr/>
+        <p:txBody>
+          <a:bodyPr/>
+          <a:lstStyle/>
+          <a:p>
+            <a:r>
+              <a:rPr lang="en-US" dirty="0"/>
+              <a:t>Correlation – </a:t>
+            </a:r>
+            <a:r>
+              <a:rPr lang="en-US" dirty="0" err="1"/>
+              <a:t>MovieLens</a:t>
+            </a:r>
+            <a:r>
+              <a:rPr lang="en-US" dirty="0"/>
+              <a:t> 1M</a:t>
+            </a:r>
+          </a:p>
+        </p:txBody>
+      </p:sp>
+      <p:sp>
+        <p:nvSpPr>
+          <p:cNvPr id="7" name="Content Placeholder 6">
+            <a:extLst>
+              <a:ext uri="{FF2B5EF4-FFF2-40B4-BE49-F238E27FC236}">
+                <a16:creationId xmlns:a16="http://schemas.microsoft.com/office/drawing/2014/main" id="{99CF3D1F-9DE7-4365-8D87-2CE00CE8A630}"/>
+              </a:ext>
+            </a:extLst>
+          </p:cNvPr>
+          <p:cNvSpPr>
+            <a:spLocks noGrp="1"/>
+          </p:cNvSpPr>
+          <p:nvPr>
+            <p:ph sz="half" idx="1"/>
+          </p:nvPr>
+        </p:nvSpPr>
+        <p:spPr/>
+        <p:txBody>
+          <a:bodyPr>
+            <a:normAutofit fontScale="85000" lnSpcReduction="20000"/>
+          </a:bodyPr>
+          <a:lstStyle/>
+          <a:p>
+            <a:pPr marL="0" indent="0">
+              <a:buNone/>
+            </a:pPr>
+            <a:r>
+              <a:rPr lang="en-US" b="1" dirty="0"/>
+              <a:t>Observations</a:t>
+            </a:r>
+          </a:p>
+          <a:p>
+            <a:pPr>
+              <a:buSzPct val="80000"/>
+              <a:buFont typeface="Wingdings" panose="05000000000000000000" pitchFamily="2" charset="2"/>
+              <a:buChar char="§"/>
+            </a:pPr>
+            <a:r>
+              <a:rPr lang="en-US" dirty="0"/>
+              <a:t>Most coefficients are roughly zero</a:t>
+            </a:r>
+          </a:p>
+          <a:p>
+            <a:pPr>
+              <a:buSzPct val="80000"/>
+              <a:buFont typeface="Wingdings" panose="05000000000000000000" pitchFamily="2" charset="2"/>
+              <a:buChar char="§"/>
+            </a:pPr>
+            <a:r>
+              <a:rPr lang="en-US" dirty="0"/>
+              <a:t>Changing the </a:t>
+            </a:r>
+            <a:r>
+              <a:rPr lang="en-US" dirty="0" smtClean="0"/>
+              <a:t>function from Person </a:t>
+            </a:r>
+            <a:r>
+              <a:rPr lang="en-US" dirty="0"/>
+              <a:t>to </a:t>
+            </a:r>
+            <a:r>
+              <a:rPr lang="en-US" dirty="0" smtClean="0"/>
+              <a:t>S</a:t>
+            </a:r>
+            <a:r>
+              <a:rPr lang="en-US" dirty="0" smtClean="0"/>
+              <a:t>pearman </a:t>
+            </a:r>
+            <a:r>
+              <a:rPr lang="en-US" dirty="0"/>
+              <a:t>yielded little to no difference</a:t>
+            </a:r>
+          </a:p>
+          <a:p>
+            <a:pPr>
+              <a:buSzPct val="80000"/>
+              <a:buFont typeface="Wingdings" panose="05000000000000000000" pitchFamily="2" charset="2"/>
+              <a:buChar char="§"/>
+            </a:pPr>
+            <a:r>
+              <a:rPr lang="en-US" dirty="0"/>
+              <a:t>The notion of correlation is slightly ambiguous with extremely sparse vectors</a:t>
+            </a:r>
+          </a:p>
+          <a:p>
+            <a:pPr marL="0" indent="0">
+              <a:buNone/>
+            </a:pPr>
+            <a:endParaRPr lang="en-US" b="1" dirty="0"/>
+          </a:p>
+          <a:p>
+            <a:pPr marL="0" indent="0">
+              <a:buNone/>
+            </a:pPr>
+            <a:r>
+              <a:rPr lang="en-US" b="1" dirty="0"/>
+              <a:t>Main Issue</a:t>
+            </a:r>
+          </a:p>
+          <a:p>
+            <a:pPr marL="0" indent="0">
+              <a:buNone/>
+            </a:pPr>
+            <a:r>
+              <a:rPr lang="en-US" dirty="0" smtClean="0"/>
+              <a:t>Recommendations are given based </a:t>
+            </a:r>
+            <a:br>
+              <a:rPr lang="en-US" dirty="0" smtClean="0"/>
+            </a:br>
+            <a:r>
+              <a:rPr lang="en-US" dirty="0" smtClean="0"/>
+              <a:t>on </a:t>
+            </a:r>
+            <a:r>
+              <a:rPr lang="en-US" dirty="0"/>
+              <a:t>aggregate user </a:t>
+            </a:r>
+            <a:r>
+              <a:rPr lang="en-US" dirty="0" smtClean="0"/>
+              <a:t>behavior</a:t>
+            </a:r>
+            <a:r>
+              <a:rPr lang="en-US" dirty="0"/>
+              <a:t>, ignoring variations in user to user preferences</a:t>
+            </a:r>
+          </a:p>
+        </p:txBody>
+      </p:sp>
+      <p:pic>
+        <p:nvPicPr>
+          <p:cNvPr id="10" name="Content Placeholder 9">
+            <a:extLst>
+              <a:ext uri="{FF2B5EF4-FFF2-40B4-BE49-F238E27FC236}">
+                <a16:creationId xmlns:a16="http://schemas.microsoft.com/office/drawing/2014/main" id="{C097C41C-5FC6-4620-B21C-74425836FCBB}"/>
+              </a:ext>
+            </a:extLst>
+          </p:cNvPr>
+          <p:cNvPicPr>
+            <a:picLocks noGrp="1"/>
+          </p:cNvPicPr>
+          <p:nvPr>
+            <p:ph sz="half" idx="2"/>
+          </p:nvPr>
+        </p:nvPicPr>
+        <p:blipFill>
+          <a:blip r:embed="rId2"/>
+          <a:stretch>
+            <a:fillRect/>
+          </a:stretch>
+        </p:blipFill>
+        <p:spPr>
           <a:xfrm>
-            <a:off x="3672464" y="836225"/>
-            <a:ext cx="15840" cy="360"/>
-            <a:chOff x="3672464" y="836225"/>
-            <a:chExt cx="15840" cy="360"/>
+            <a:off x="6038822" y="2220687"/>
+            <a:ext cx="5448356" cy="3561214"/>
           </a:xfrm>
-        </p:grpSpPr>
-        <mc:AlternateContent xmlns:mc="http://schemas.openxmlformats.org/markup-compatibility/2006" xmlns:p14="http://schemas.microsoft.com/office/powerpoint/2010/main">
-          <mc:Choice Requires="p14">
-            <p:contentPart p14:bwMode="auto" r:id="rId6">
-              <p14:nvContentPartPr>
-                <p14:cNvPr id="7" name="Ink 6">
-                  <a:extLst>
-                    <a:ext uri="{FF2B5EF4-FFF2-40B4-BE49-F238E27FC236}">
-                      <a16:creationId xmlns:a16="http://schemas.microsoft.com/office/drawing/2014/main" id="{D6BE931A-0DE8-4032-957D-E843569A49C4}"/>
-                    </a:ext>
-                  </a:extLst>
-                </p14:cNvPr>
-                <p14:cNvContentPartPr/>
-                <p14:nvPr/>
-              </p14:nvContentPartPr>
-              <p14:xfrm>
-                <a:off x="3672464" y="836225"/>
-                <a:ext cx="6480" cy="360"/>
-              </p14:xfrm>
-            </p:contentPart>
-          </mc:Choice>
-          <mc:Fallback xmlns="">
-            <p:pic>
-              <p:nvPicPr>
-                <p:cNvPr id="7" name="Ink 6">
-                  <a:extLst>
-                    <a:ext uri="{FF2B5EF4-FFF2-40B4-BE49-F238E27FC236}">
-                      <a16:creationId xmlns:a16="http://schemas.microsoft.com/office/drawing/2014/main" id="{D6BE931A-0DE8-4032-957D-E843569A49C4}"/>
-                    </a:ext>
-                  </a:extLst>
-                </p:cNvPr>
-                <p:cNvPicPr/>
-                <p:nvPr/>
-              </p:nvPicPr>
-              <p:blipFill>
-                <a:blip r:embed="rId7"/>
-                <a:stretch>
-                  <a:fillRect/>
-                </a:stretch>
-              </p:blipFill>
-              <p:spPr>
-                <a:xfrm>
-                  <a:off x="3663824" y="827585"/>
-                  <a:ext cx="24120" cy="18000"/>
-                </a:xfrm>
-                <a:prstGeom prst="rect">
-                  <a:avLst/>
-                </a:prstGeom>
-              </p:spPr>
-            </p:pic>
-          </mc:Fallback>
-        </mc:AlternateContent>
-        <mc:AlternateContent xmlns:mc="http://schemas.openxmlformats.org/markup-compatibility/2006" xmlns:p14="http://schemas.microsoft.com/office/powerpoint/2010/main">
-          <mc:Choice Requires="p14">
-            <p:contentPart p14:bwMode="auto" r:id="rId8">
-              <p14:nvContentPartPr>
-                <p14:cNvPr id="8" name="Ink 7">
-                  <a:extLst>
-                    <a:ext uri="{FF2B5EF4-FFF2-40B4-BE49-F238E27FC236}">
-                      <a16:creationId xmlns:a16="http://schemas.microsoft.com/office/drawing/2014/main" id="{9C2F711C-CE74-404B-BA9B-185AAE899C1A}"/>
-                    </a:ext>
-                  </a:extLst>
-                </p14:cNvPr>
-                <p14:cNvContentPartPr/>
-                <p14:nvPr/>
-              </p14:nvContentPartPr>
-              <p14:xfrm>
-                <a:off x="3687944" y="836225"/>
-                <a:ext cx="360" cy="360"/>
-              </p14:xfrm>
-            </p:contentPart>
-          </mc:Choice>
-          <mc:Fallback xmlns="">
-            <p:pic>
-              <p:nvPicPr>
-                <p:cNvPr id="8" name="Ink 7">
-                  <a:extLst>
-                    <a:ext uri="{FF2B5EF4-FFF2-40B4-BE49-F238E27FC236}">
-                      <a16:creationId xmlns:a16="http://schemas.microsoft.com/office/drawing/2014/main" id="{9C2F711C-CE74-404B-BA9B-185AAE899C1A}"/>
-                    </a:ext>
-                  </a:extLst>
-                </p:cNvPr>
-                <p:cNvPicPr/>
-                <p:nvPr/>
-              </p:nvPicPr>
-              <p:blipFill>
-                <a:blip r:embed="rId3"/>
-                <a:stretch>
-                  <a:fillRect/>
-                </a:stretch>
-              </p:blipFill>
-              <p:spPr>
-                <a:xfrm>
-                  <a:off x="3678944" y="827585"/>
-                  <a:ext cx="18000" cy="18000"/>
-                </a:xfrm>
-                <a:prstGeom prst="rect">
-                  <a:avLst/>
-                </a:prstGeom>
-              </p:spPr>
-            </p:pic>
-          </mc:Fallback>
-        </mc:AlternateContent>
-      </p:grpSp>
-      <mc:AlternateContent xmlns:mc="http://schemas.openxmlformats.org/markup-compatibility/2006" xmlns:p14="http://schemas.microsoft.com/office/powerpoint/2010/main">
-        <mc:Choice Requires="p14">
-          <p:contentPart p14:bwMode="auto" r:id="rId9">
-            <p14:nvContentPartPr>
-              <p14:cNvPr id="9" name="Ink 8">
-                <a:extLst>
-                  <a:ext uri="{FF2B5EF4-FFF2-40B4-BE49-F238E27FC236}">
-                    <a16:creationId xmlns:a16="http://schemas.microsoft.com/office/drawing/2014/main" id="{EF1348A3-35BF-402A-A17D-EA9DA7B8A095}"/>
-                  </a:ext>
-                </a:extLst>
-              </p14:cNvPr>
-              <p14:cNvContentPartPr/>
-              <p14:nvPr/>
-            </p14:nvContentPartPr>
-            <p14:xfrm>
-              <a:off x="5082944" y="1037825"/>
-              <a:ext cx="30960" cy="360"/>
-            </p14:xfrm>
-          </p:contentPart>
-        </mc:Choice>
-        <mc:Fallback xmlns="">
-          <p:pic>
-            <p:nvPicPr>
-              <p:cNvPr id="9" name="Ink 8">
-                <a:extLst>
-                  <a:ext uri="{FF2B5EF4-FFF2-40B4-BE49-F238E27FC236}">
-                    <a16:creationId xmlns:a16="http://schemas.microsoft.com/office/drawing/2014/main" id="{EF1348A3-35BF-402A-A17D-EA9DA7B8A095}"/>
-                  </a:ext>
-                </a:extLst>
-              </p:cNvPr>
-              <p:cNvPicPr/>
-              <p:nvPr/>
-            </p:nvPicPr>
-            <p:blipFill>
-              <a:blip r:embed="rId10"/>
-              <a:stretch>
-                <a:fillRect/>
-              </a:stretch>
-            </p:blipFill>
-            <p:spPr>
-              <a:xfrm>
-                <a:off x="5074304" y="1029185"/>
-                <a:ext cx="48600" cy="18000"/>
-              </a:xfrm>
-              <a:prstGeom prst="rect">
-                <a:avLst/>
-              </a:prstGeom>
-            </p:spPr>
-          </p:pic>
-        </mc:Fallback>
-      </mc:AlternateContent>
-      <mc:AlternateContent xmlns:mc="http://schemas.openxmlformats.org/markup-compatibility/2006" xmlns:p14="http://schemas.microsoft.com/office/powerpoint/2010/main">
-        <mc:Choice Requires="p14">
-          <p:contentPart p14:bwMode="auto" r:id="rId11">
-            <p14:nvContentPartPr>
-              <p14:cNvPr id="10" name="Ink 9">
-                <a:extLst>
-                  <a:ext uri="{FF2B5EF4-FFF2-40B4-BE49-F238E27FC236}">
-                    <a16:creationId xmlns:a16="http://schemas.microsoft.com/office/drawing/2014/main" id="{906A6EFD-0AAA-46AB-8396-B3D1A96ED5A8}"/>
-                  </a:ext>
-                </a:extLst>
-              </p14:cNvPr>
-              <p14:cNvContentPartPr/>
-              <p14:nvPr/>
-            </p14:nvContentPartPr>
-            <p14:xfrm>
-              <a:off x="5656064" y="1037825"/>
-              <a:ext cx="360" cy="360"/>
-            </p14:xfrm>
-          </p:contentPart>
-        </mc:Choice>
-        <mc:Fallback xmlns="">
-          <p:pic>
-            <p:nvPicPr>
-              <p:cNvPr id="10" name="Ink 9">
-                <a:extLst>
-                  <a:ext uri="{FF2B5EF4-FFF2-40B4-BE49-F238E27FC236}">
-                    <a16:creationId xmlns:a16="http://schemas.microsoft.com/office/drawing/2014/main" id="{906A6EFD-0AAA-46AB-8396-B3D1A96ED5A8}"/>
-                  </a:ext>
-                </a:extLst>
-              </p:cNvPr>
-              <p:cNvPicPr/>
-              <p:nvPr/>
-            </p:nvPicPr>
-            <p:blipFill>
-              <a:blip r:embed="rId3"/>
-              <a:stretch>
-                <a:fillRect/>
-              </a:stretch>
-            </p:blipFill>
-            <p:spPr>
-              <a:xfrm>
-                <a:off x="5647064" y="1029185"/>
-                <a:ext cx="18000" cy="18000"/>
-              </a:xfrm>
-              <a:prstGeom prst="rect">
-                <a:avLst/>
-              </a:prstGeom>
-            </p:spPr>
-          </p:pic>
-        </mc:Fallback>
-      </mc:AlternateContent>
-      <mc:AlternateContent xmlns:mc="http://schemas.openxmlformats.org/markup-compatibility/2006" xmlns:p14="http://schemas.microsoft.com/office/powerpoint/2010/main">
-        <mc:Choice Requires="p14">
-          <p:contentPart p14:bwMode="auto" r:id="rId12">
-            <p14:nvContentPartPr>
-              <p14:cNvPr id="11" name="Ink 10">
-                <a:extLst>
-                  <a:ext uri="{FF2B5EF4-FFF2-40B4-BE49-F238E27FC236}">
-                    <a16:creationId xmlns:a16="http://schemas.microsoft.com/office/drawing/2014/main" id="{99B549C4-EB64-406E-BEDD-3A0070366590}"/>
-                  </a:ext>
-                </a:extLst>
-              </p14:cNvPr>
-              <p14:cNvContentPartPr/>
-              <p14:nvPr/>
-            </p14:nvContentPartPr>
-            <p14:xfrm>
-              <a:off x="5934704" y="1022705"/>
-              <a:ext cx="360" cy="360"/>
-            </p14:xfrm>
-          </p:contentPart>
-        </mc:Choice>
-        <mc:Fallback xmlns="">
-          <p:pic>
-            <p:nvPicPr>
-              <p:cNvPr id="11" name="Ink 10">
-                <a:extLst>
-                  <a:ext uri="{FF2B5EF4-FFF2-40B4-BE49-F238E27FC236}">
-                    <a16:creationId xmlns:a16="http://schemas.microsoft.com/office/drawing/2014/main" id="{99B549C4-EB64-406E-BEDD-3A0070366590}"/>
-                  </a:ext>
-                </a:extLst>
-              </p:cNvPr>
-              <p:cNvPicPr/>
-              <p:nvPr/>
-            </p:nvPicPr>
-            <p:blipFill>
-              <a:blip r:embed="rId3"/>
-              <a:stretch>
-                <a:fillRect/>
-              </a:stretch>
-            </p:blipFill>
-            <p:spPr>
-              <a:xfrm>
-                <a:off x="5926064" y="1013705"/>
-                <a:ext cx="18000" cy="18000"/>
-              </a:xfrm>
-              <a:prstGeom prst="rect">
-                <a:avLst/>
-              </a:prstGeom>
-            </p:spPr>
-          </p:pic>
-        </mc:Fallback>
-      </mc:AlternateContent>
-      <mc:AlternateContent xmlns:mc="http://schemas.openxmlformats.org/markup-compatibility/2006" xmlns:p14="http://schemas.microsoft.com/office/powerpoint/2010/main">
-        <mc:Choice Requires="p14">
-          <p:contentPart p14:bwMode="auto" r:id="rId13">
-            <p14:nvContentPartPr>
-              <p14:cNvPr id="12" name="Ink 11">
-                <a:extLst>
-                  <a:ext uri="{FF2B5EF4-FFF2-40B4-BE49-F238E27FC236}">
-                    <a16:creationId xmlns:a16="http://schemas.microsoft.com/office/drawing/2014/main" id="{3DD9F89E-1E89-45A8-9B64-27330DDC16D5}"/>
-                  </a:ext>
-                </a:extLst>
-              </p14:cNvPr>
-              <p14:cNvContentPartPr/>
-              <p14:nvPr/>
-            </p14:nvContentPartPr>
-            <p14:xfrm>
-              <a:off x="2503904" y="991025"/>
-              <a:ext cx="6840" cy="360"/>
-            </p14:xfrm>
-          </p:contentPart>
-        </mc:Choice>
-        <mc:Fallback xmlns="">
-          <p:pic>
-            <p:nvPicPr>
-              <p:cNvPr id="12" name="Ink 11">
-                <a:extLst>
-                  <a:ext uri="{FF2B5EF4-FFF2-40B4-BE49-F238E27FC236}">
-                    <a16:creationId xmlns:a16="http://schemas.microsoft.com/office/drawing/2014/main" id="{3DD9F89E-1E89-45A8-9B64-27330DDC16D5}"/>
-                  </a:ext>
-                </a:extLst>
-              </p:cNvPr>
-              <p:cNvPicPr/>
-              <p:nvPr/>
-            </p:nvPicPr>
-            <p:blipFill>
-              <a:blip r:embed="rId14"/>
-              <a:stretch>
-                <a:fillRect/>
-              </a:stretch>
-            </p:blipFill>
-            <p:spPr>
-              <a:xfrm>
-                <a:off x="2495264" y="982025"/>
-                <a:ext cx="24480" cy="18000"/>
-              </a:xfrm>
-              <a:prstGeom prst="rect">
-                <a:avLst/>
-              </a:prstGeom>
-            </p:spPr>
-          </p:pic>
-        </mc:Fallback>
-      </mc:AlternateContent>
-      <mc:AlternateContent xmlns:mc="http://schemas.openxmlformats.org/markup-compatibility/2006" xmlns:p14="http://schemas.microsoft.com/office/powerpoint/2010/main">
-        <mc:Choice Requires="p14">
-          <p:contentPart p14:bwMode="auto" r:id="rId15">
-            <p14:nvContentPartPr>
-              <p14:cNvPr id="13" name="Ink 12">
-                <a:extLst>
-                  <a:ext uri="{FF2B5EF4-FFF2-40B4-BE49-F238E27FC236}">
-                    <a16:creationId xmlns:a16="http://schemas.microsoft.com/office/drawing/2014/main" id="{B70F82F8-7C29-4F2E-B95E-31A4224FB92A}"/>
-                  </a:ext>
-                </a:extLst>
-              </p14:cNvPr>
-              <p14:cNvContentPartPr/>
-              <p14:nvPr/>
-            </p14:nvContentPartPr>
-            <p14:xfrm>
-              <a:off x="2773904" y="2603105"/>
-              <a:ext cx="6480" cy="360"/>
-            </p14:xfrm>
-          </p:contentPart>
-        </mc:Choice>
-        <mc:Fallback xmlns="">
-          <p:pic>
-            <p:nvPicPr>
-              <p:cNvPr id="13" name="Ink 12">
-                <a:extLst>
-                  <a:ext uri="{FF2B5EF4-FFF2-40B4-BE49-F238E27FC236}">
-                    <a16:creationId xmlns:a16="http://schemas.microsoft.com/office/drawing/2014/main" id="{B70F82F8-7C29-4F2E-B95E-31A4224FB92A}"/>
-                  </a:ext>
-                </a:extLst>
-              </p:cNvPr>
-              <p:cNvPicPr/>
-              <p:nvPr/>
-            </p:nvPicPr>
-            <p:blipFill>
-              <a:blip r:embed="rId7"/>
-              <a:stretch>
-                <a:fillRect/>
-              </a:stretch>
-            </p:blipFill>
-            <p:spPr>
-              <a:xfrm>
-                <a:off x="2765264" y="2594105"/>
-                <a:ext cx="24120" cy="18000"/>
-              </a:xfrm>
-              <a:prstGeom prst="rect">
-                <a:avLst/>
-              </a:prstGeom>
-            </p:spPr>
-          </p:pic>
-        </mc:Fallback>
-      </mc:AlternateContent>
-      <mc:AlternateContent xmlns:mc="http://schemas.openxmlformats.org/markup-compatibility/2006" xmlns:p14="http://schemas.microsoft.com/office/powerpoint/2010/main">
-        <mc:Choice Requires="p14">
-          <p:contentPart p14:bwMode="auto" r:id="rId16">
-            <p14:nvContentPartPr>
-              <p14:cNvPr id="15" name="Ink 14">
-                <a:extLst>
-                  <a:ext uri="{FF2B5EF4-FFF2-40B4-BE49-F238E27FC236}">
-                    <a16:creationId xmlns:a16="http://schemas.microsoft.com/office/drawing/2014/main" id="{E2B673A4-A277-47FF-A0EF-E7FE4CA5EC62}"/>
-                  </a:ext>
-                </a:extLst>
-              </p14:cNvPr>
-              <p14:cNvContentPartPr/>
-              <p14:nvPr/>
-            </p14:nvContentPartPr>
-            <p14:xfrm>
-              <a:off x="3408944" y="928745"/>
-              <a:ext cx="360" cy="360"/>
-            </p14:xfrm>
-          </p:contentPart>
-        </mc:Choice>
-        <mc:Fallback xmlns="">
-          <p:pic>
-            <p:nvPicPr>
-              <p:cNvPr id="15" name="Ink 14">
-                <a:extLst>
-                  <a:ext uri="{FF2B5EF4-FFF2-40B4-BE49-F238E27FC236}">
-                    <a16:creationId xmlns:a16="http://schemas.microsoft.com/office/drawing/2014/main" id="{E2B673A4-A277-47FF-A0EF-E7FE4CA5EC62}"/>
-                  </a:ext>
-                </a:extLst>
-              </p:cNvPr>
-              <p:cNvPicPr/>
-              <p:nvPr/>
-            </p:nvPicPr>
-            <p:blipFill>
-              <a:blip r:embed="rId3"/>
-              <a:stretch>
-                <a:fillRect/>
-              </a:stretch>
-            </p:blipFill>
-            <p:spPr>
-              <a:xfrm>
-                <a:off x="3400304" y="920105"/>
-                <a:ext cx="18000" cy="18000"/>
-              </a:xfrm>
-              <a:prstGeom prst="rect">
-                <a:avLst/>
-              </a:prstGeom>
-            </p:spPr>
-          </p:pic>
-        </mc:Fallback>
-      </mc:AlternateContent>
+          <a:prstGeom prst="rect">
+            <a:avLst/>
+          </a:prstGeom>
+        </p:spPr>
+      </p:pic>
+    </p:spTree>
+    <p:extLst>
+      <p:ext uri="{BB962C8B-B14F-4D97-AF65-F5344CB8AC3E}">
+        <p14:creationId xmlns:p14="http://schemas.microsoft.com/office/powerpoint/2010/main" val="315103504"/>
+      </p:ext>
+    </p:extLst>
+  </p:cSld>
+  <p:clrMapOvr>
+    <a:masterClrMapping/>
+  </p:clrMapOvr>
+  <p:timing>
+    <p:tnLst>
+      <p:par>
+        <p:cTn id="1" dur="indefinite" restart="never" nodeType="tmRoot"/>
+      </p:par>
+    </p:tnLst>
+  </p:timing>
+</p:sld>
+</file>
+
+<file path=ppt/slides/slide15.xml><?xml version="1.0" encoding="utf-8"?>
+<p:sld xmlns:a="http://schemas.openxmlformats.org/drawingml/2006/main" xmlns:r="http://schemas.openxmlformats.org/officeDocument/2006/relationships" xmlns:p="http://schemas.openxmlformats.org/presentationml/2006/main">
+  <p:cSld>
+    <p:bg>
+      <p:bgPr>
+        <a:solidFill>
+          <a:srgbClr val="0070C0"/>
+        </a:solidFill>
+        <a:effectLst/>
+      </p:bgPr>
+    </p:bg>
+    <p:spTree>
+      <p:nvGrpSpPr>
+        <p:cNvPr id="1" name=""/>
+        <p:cNvGrpSpPr/>
+        <p:nvPr/>
+      </p:nvGrpSpPr>
+      <p:grpSpPr>
+        <a:xfrm>
+          <a:off x="0" y="0"/>
+          <a:ext cx="0" cy="0"/>
+          <a:chOff x="0" y="0"/>
+          <a:chExt cx="0" cy="0"/>
+        </a:xfrm>
+      </p:grpSpPr>
+      <p:sp>
+        <p:nvSpPr>
+          <p:cNvPr id="2" name="Title 1">
+            <a:extLst>
+              <a:ext uri="{FF2B5EF4-FFF2-40B4-BE49-F238E27FC236}">
+                <a16:creationId xmlns:a16="http://schemas.microsoft.com/office/drawing/2014/main" id="{0272FD9F-E644-4A44-BFCA-ED18DB74BF6C}"/>
+              </a:ext>
+            </a:extLst>
+          </p:cNvPr>
+          <p:cNvSpPr>
+            <a:spLocks noGrp="1"/>
+          </p:cNvSpPr>
+          <p:nvPr>
+            <p:ph type="title"/>
+          </p:nvPr>
+        </p:nvSpPr>
+        <p:spPr>
+          <a:xfrm>
+            <a:off x="838200" y="3443321"/>
+            <a:ext cx="10515600" cy="1325563"/>
+          </a:xfrm>
+        </p:spPr>
+        <p:txBody>
+          <a:bodyPr>
+            <a:normAutofit/>
+          </a:bodyPr>
+          <a:lstStyle/>
+          <a:p>
+            <a:r>
+              <a:rPr lang="en-US" sz="5400" dirty="0">
+                <a:solidFill>
+                  <a:schemeClr val="bg1"/>
+                </a:solidFill>
+              </a:rPr>
+              <a:t>SVD</a:t>
+            </a:r>
+          </a:p>
+        </p:txBody>
+      </p:sp>
     </p:spTree>
     <p:extLst>
       <p:ext uri="{BB962C8B-B14F-4D97-AF65-F5344CB8AC3E}">
@@ -7860,10 +6070,17 @@
   <p:clrMapOvr>
     <a:masterClrMapping/>
   </p:clrMapOvr>
+  <p:timing>
+    <p:tnLst>
+      <p:par>
+        <p:cTn id="1" dur="indefinite" restart="never" nodeType="tmRoot"/>
+      </p:par>
+    </p:tnLst>
+  </p:timing>
 </p:sld>
 </file>
 
-<file path=ppt/slides/slide14.xml><?xml version="1.0" encoding="utf-8"?>
+<file path=ppt/slides/slide16.xml><?xml version="1.0" encoding="utf-8"?>
 <p:sld xmlns:a="http://schemas.openxmlformats.org/drawingml/2006/main" xmlns:r="http://schemas.openxmlformats.org/officeDocument/2006/relationships" xmlns:p="http://schemas.openxmlformats.org/presentationml/2006/main">
   <p:cSld>
     <p:spTree>
@@ -7908,8 +6125,8 @@
           </a:p>
         </p:txBody>
       </p:sp>
-      <mc:AlternateContent xmlns:mc="http://schemas.openxmlformats.org/markup-compatibility/2006" xmlns:a14="http://schemas.microsoft.com/office/drawing/2010/main">
-        <mc:Choice Requires="a14">
+      <mc:AlternateContent xmlns:mc="http://schemas.openxmlformats.org/markup-compatibility/2006">
+        <mc:Choice xmlns:a14="http://schemas.microsoft.com/office/drawing/2010/main" Requires="a14">
           <p:sp>
             <p:nvSpPr>
               <p:cNvPr id="8" name="Content Placeholder 7">
@@ -7937,7 +6154,9 @@
                   <a:buNone/>
                 </a:pPr>
                 <a:r>
-                  <a:rPr lang="en-US" dirty="0"/>
+                  <a:rPr lang="en-US" dirty="0">
+                    <a:latin typeface="+mj-lt"/>
+                  </a:rPr>
                   <a:t>Any full matrix (R) can be decomposed into 3 matrices</a:t>
                 </a:r>
               </a:p>
@@ -7945,7 +6164,9 @@
                 <a:pPr marL="0" indent="0">
                   <a:buNone/>
                 </a:pPr>
-                <a:endParaRPr lang="en-US" i="1" dirty="0"/>
+                <a:endParaRPr lang="en-US" i="1" dirty="0">
+                  <a:latin typeface="+mj-lt"/>
+                </a:endParaRPr>
               </a:p>
               <a:p>
                 <a:pPr marL="0" indent="0">
@@ -7959,19 +6180,19 @@
                     <m:oMath xmlns:m="http://schemas.openxmlformats.org/officeDocument/2006/math">
                       <m:r>
                         <a:rPr lang="en-CA" i="1">
-                          <a:latin typeface="Cambria Math" panose="02040503050406030204" pitchFamily="18" charset="0"/>
+                          <a:latin typeface="+mj-lt"/>
                         </a:rPr>
                         <m:t>𝑅</m:t>
                       </m:r>
                       <m:r>
                         <a:rPr lang="en-CA" i="1">
-                          <a:latin typeface="Cambria Math" panose="02040503050406030204" pitchFamily="18" charset="0"/>
+                          <a:latin typeface="+mj-lt"/>
                         </a:rPr>
                         <m:t>=</m:t>
                       </m:r>
                       <m:r>
                         <a:rPr lang="en-CA" i="1">
-                          <a:latin typeface="Cambria Math" panose="02040503050406030204" pitchFamily="18" charset="0"/>
+                          <a:latin typeface="+mj-lt"/>
                         </a:rPr>
                         <m:t>𝑈</m:t>
                       </m:r>
@@ -7980,7 +6201,7 @@
                           <m:sty m:val="p"/>
                         </m:rPr>
                         <a:rPr lang="en-CA">
-                          <a:latin typeface="Cambria Math" panose="02040503050406030204" pitchFamily="18" charset="0"/>
+                          <a:latin typeface="+mj-lt"/>
                         </a:rPr>
                         <m:t>Σ</m:t>
                       </m:r>
@@ -7988,14 +6209,14 @@
                         <m:sSupPr>
                           <m:ctrlPr>
                             <a:rPr lang="en-US" i="1">
-                              <a:latin typeface="Cambria Math" panose="02040503050406030204" pitchFamily="18" charset="0"/>
+                              <a:latin typeface="+mj-lt"/>
                             </a:rPr>
                           </m:ctrlPr>
                         </m:sSupPr>
                         <m:e>
                           <m:r>
                             <a:rPr lang="en-CA" i="1">
-                              <a:latin typeface="Cambria Math" panose="02040503050406030204" pitchFamily="18" charset="0"/>
+                              <a:latin typeface="+mj-lt"/>
                             </a:rPr>
                             <m:t>𝑉</m:t>
                           </m:r>
@@ -8003,7 +6224,7 @@
                         <m:sup>
                           <m:r>
                             <a:rPr lang="en-CA" i="1">
-                              <a:latin typeface="Cambria Math" panose="02040503050406030204" pitchFamily="18" charset="0"/>
+                              <a:latin typeface="+mj-lt"/>
                             </a:rPr>
                             <m:t>𝑇</m:t>
                           </m:r>
@@ -8012,21 +6233,27 @@
                     </m:oMath>
                   </m:oMathPara>
                 </a14:m>
-                <a:endParaRPr lang="en-US" dirty="0"/>
+                <a:endParaRPr lang="en-US" dirty="0">
+                  <a:latin typeface="+mj-lt"/>
+                </a:endParaRPr>
               </a:p>
               <a:p>
                 <a:pPr marL="0" indent="0">
                   <a:buNone/>
                 </a:pPr>
-                <a:endParaRPr lang="en-US" dirty="0"/>
+                <a:endParaRPr lang="en-US" dirty="0">
+                  <a:latin typeface="+mj-lt"/>
+                </a:endParaRPr>
               </a:p>
               <a:p>
                 <a:pPr marL="0" indent="0">
                   <a:buNone/>
                 </a:pPr>
                 <a:r>
-                  <a:rPr lang="en-US" dirty="0"/>
-                  <a:t>In our problem, the matrices will hold the following [3]</a:t>
+                  <a:rPr lang="en-US" dirty="0">
+                    <a:latin typeface="+mj-lt"/>
+                  </a:rPr>
+                  <a:t>In our problem, the matrices will hold the following </a:t>
                 </a:r>
               </a:p>
               <a:p>
@@ -8034,21 +6261,25 @@
                   <a:buNone/>
                 </a:pPr>
                 <a:r>
-                  <a:rPr lang="en-CA" dirty="0"/>
+                  <a:rPr lang="en-CA" dirty="0">
+                    <a:latin typeface="+mj-lt"/>
+                  </a:rPr>
                   <a:t>	</a:t>
                 </a:r>
                 <a14:m>
                   <m:oMath xmlns:m="http://schemas.openxmlformats.org/officeDocument/2006/math">
                     <m:r>
                       <a:rPr lang="en-CA" i="1">
-                        <a:latin typeface="Cambria Math" panose="02040503050406030204" pitchFamily="18" charset="0"/>
+                        <a:latin typeface="+mj-lt"/>
                       </a:rPr>
                       <m:t>𝑈</m:t>
                     </m:r>
                   </m:oMath>
                 </a14:m>
                 <a:r>
-                  <a:rPr lang="en-US" dirty="0"/>
+                  <a:rPr lang="en-US" dirty="0">
+                    <a:latin typeface="+mj-lt"/>
+                  </a:rPr>
                   <a:t>:  insight into user preference</a:t>
                 </a:r>
               </a:p>
@@ -8057,7 +6288,9 @@
                   <a:buNone/>
                 </a:pPr>
                 <a:r>
-                  <a:rPr lang="en-CA" dirty="0"/>
+                  <a:rPr lang="en-CA" dirty="0">
+                    <a:latin typeface="+mj-lt"/>
+                  </a:rPr>
                   <a:t>	</a:t>
                 </a:r>
                 <a14:m>
@@ -8067,14 +6300,16 @@
                         <m:sty m:val="p"/>
                       </m:rPr>
                       <a:rPr lang="en-CA">
-                        <a:latin typeface="Cambria Math" panose="02040503050406030204" pitchFamily="18" charset="0"/>
+                        <a:latin typeface="+mj-lt"/>
                       </a:rPr>
                       <m:t>Σ</m:t>
                     </m:r>
                   </m:oMath>
                 </a14:m>
                 <a:r>
-                  <a:rPr lang="en-US" dirty="0"/>
+                  <a:rPr lang="en-US" dirty="0">
+                    <a:latin typeface="+mj-lt"/>
+                  </a:rPr>
                   <a:t>: diagonal matrix to weighting the information from U and V </a:t>
                 </a:r>
               </a:p>
@@ -8083,7 +6318,9 @@
                   <a:buNone/>
                 </a:pPr>
                 <a:r>
-                  <a:rPr lang="en-US" dirty="0"/>
+                  <a:rPr lang="en-US" dirty="0">
+                    <a:latin typeface="+mj-lt"/>
+                  </a:rPr>
                   <a:t>	</a:t>
                 </a:r>
                 <a14:m>
@@ -8092,14 +6329,14 @@
                       <m:sSupPr>
                         <m:ctrlPr>
                           <a:rPr lang="en-US" i="1">
-                            <a:latin typeface="Cambria Math" panose="02040503050406030204" pitchFamily="18" charset="0"/>
+                            <a:latin typeface="+mj-lt"/>
                           </a:rPr>
                         </m:ctrlPr>
                       </m:sSupPr>
                       <m:e>
                         <m:r>
                           <a:rPr lang="en-CA" i="1">
-                            <a:latin typeface="Cambria Math" panose="02040503050406030204" pitchFamily="18" charset="0"/>
+                            <a:latin typeface="+mj-lt"/>
                           </a:rPr>
                           <m:t>𝑉</m:t>
                         </m:r>
@@ -8107,7 +6344,7 @@
                       <m:sup>
                         <m:r>
                           <a:rPr lang="en-CA" i="1">
-                            <a:latin typeface="Cambria Math" panose="02040503050406030204" pitchFamily="18" charset="0"/>
+                            <a:latin typeface="+mj-lt"/>
                           </a:rPr>
                           <m:t>𝑇</m:t>
                         </m:r>
@@ -8116,7 +6353,9 @@
                   </m:oMath>
                 </a14:m>
                 <a:r>
-                  <a:rPr lang="en-US" dirty="0"/>
+                  <a:rPr lang="en-US" dirty="0">
+                    <a:latin typeface="+mj-lt"/>
+                  </a:rPr>
                   <a:t>: understanding of movie features</a:t>
                 </a:r>
               </a:p>
@@ -8124,22 +6363,28 @@
                 <a:pPr marL="0" indent="0">
                   <a:buNone/>
                 </a:pPr>
-                <a:endParaRPr lang="en-US" dirty="0"/>
+                <a:endParaRPr lang="en-US" dirty="0">
+                  <a:latin typeface="+mj-lt"/>
+                </a:endParaRPr>
               </a:p>
               <a:p>
                 <a:pPr marL="0" indent="0">
                   <a:buNone/>
                 </a:pPr>
                 <a:r>
-                  <a:rPr lang="en-US" dirty="0"/>
+                  <a:rPr lang="en-US" dirty="0">
+                    <a:latin typeface="+mj-lt"/>
+                  </a:rPr>
                   <a:t>A reconstruction can then be created by taking the product of these matrices</a:t>
                 </a:r>
-                <a:endParaRPr lang="en-CA" sz="1400" dirty="0"/>
+                <a:endParaRPr lang="en-CA" sz="1400" dirty="0">
+                  <a:latin typeface="+mj-lt"/>
+                </a:endParaRPr>
               </a:p>
             </p:txBody>
           </p:sp>
         </mc:Choice>
-        <mc:Fallback xmlns="">
+        <mc:Fallback>
           <p:sp>
             <p:nvSpPr>
               <p:cNvPr id="8" name="Content Placeholder 7">
@@ -8160,7 +6405,7 @@
               <a:blipFill>
                 <a:blip r:embed="rId2"/>
                 <a:stretch>
-                  <a:fillRect l="-1043" t="-2801" r="-638" b="-3221"/>
+                  <a:fillRect l="-1043" t="-2801" b="-3361"/>
                 </a:stretch>
               </a:blipFill>
             </p:spPr>
@@ -8169,7 +6414,7 @@
               <a:lstStyle/>
               <a:p>
                 <a:r>
-                  <a:rPr lang="en-US">
+                  <a:rPr lang="en-CA">
                     <a:noFill/>
                   </a:rPr>
                   <a:t> </a:t>
@@ -8181,36 +6426,108 @@
       </mc:AlternateContent>
       <p:sp>
         <p:nvSpPr>
-          <p:cNvPr id="9" name="Footer Placeholder 8">
-            <a:extLst>
-              <a:ext uri="{FF2B5EF4-FFF2-40B4-BE49-F238E27FC236}">
-                <a16:creationId xmlns:a16="http://schemas.microsoft.com/office/drawing/2014/main" id="{8FFAD9AD-7102-4289-BA84-2DD2D17A7D0D}"/>
-              </a:ext>
-            </a:extLst>
-          </p:cNvPr>
-          <p:cNvSpPr>
-            <a:spLocks noGrp="1"/>
-          </p:cNvSpPr>
-          <p:nvPr>
-            <p:ph type="ftr" sz="quarter" idx="11"/>
-          </p:nvPr>
+          <p:cNvPr id="3" name="Rectangle 2"/>
+          <p:cNvSpPr/>
+          <p:nvPr/>
         </p:nvSpPr>
         <p:spPr>
           <a:xfrm>
-            <a:off x="838200" y="6310312"/>
-            <a:ext cx="10515600" cy="365125"/>
+            <a:off x="6136340" y="6488668"/>
+            <a:ext cx="6055660" cy="369332"/>
           </a:xfrm>
+          <a:prstGeom prst="rect">
+            <a:avLst/>
+          </a:prstGeom>
         </p:spPr>
         <p:txBody>
-          <a:bodyPr/>
+          <a:bodyPr wrap="square">
+            <a:spAutoFit/>
+          </a:bodyPr>
           <a:lstStyle/>
           <a:p>
-            <a:pPr algn="l"/>
-            <a:r>
-              <a:rPr lang="en-GB"/>
-              <a:t>𝜆^∗=0.3  intial MAE = 0.766. &amp; final MAE of 0.695</a:t>
-            </a:r>
-            <a:endParaRPr lang="en-US" dirty="0"/>
+            <a:r>
+              <a:rPr lang="en-CA" dirty="0" err="1">
+                <a:solidFill>
+                  <a:srgbClr val="222222"/>
+                </a:solidFill>
+                <a:latin typeface="+mj-lt"/>
+                <a:ea typeface="等线" panose="02010600030101010101" pitchFamily="2" charset="-122"/>
+              </a:rPr>
+              <a:t>Koren</a:t>
+            </a:r>
+            <a:r>
+              <a:rPr lang="en-CA" dirty="0">
+                <a:solidFill>
+                  <a:srgbClr val="222222"/>
+                </a:solidFill>
+                <a:latin typeface="+mj-lt"/>
+                <a:ea typeface="等线" panose="02010600030101010101" pitchFamily="2" charset="-122"/>
+              </a:rPr>
+              <a:t>, Y., Bell, R. and </a:t>
+            </a:r>
+            <a:r>
+              <a:rPr lang="en-CA" dirty="0" err="1">
+                <a:solidFill>
+                  <a:srgbClr val="222222"/>
+                </a:solidFill>
+                <a:latin typeface="+mj-lt"/>
+                <a:ea typeface="等线" panose="02010600030101010101" pitchFamily="2" charset="-122"/>
+              </a:rPr>
+              <a:t>Volinsky</a:t>
+            </a:r>
+            <a:r>
+              <a:rPr lang="en-CA" dirty="0">
+                <a:solidFill>
+                  <a:srgbClr val="222222"/>
+                </a:solidFill>
+                <a:latin typeface="+mj-lt"/>
+                <a:ea typeface="等线" panose="02010600030101010101" pitchFamily="2" charset="-122"/>
+              </a:rPr>
+              <a:t>, C., </a:t>
+            </a:r>
+            <a:r>
+              <a:rPr lang="en-CA" dirty="0" smtClean="0">
+                <a:solidFill>
+                  <a:srgbClr val="222222"/>
+                </a:solidFill>
+                <a:latin typeface="+mj-lt"/>
+                <a:ea typeface="等线" panose="02010600030101010101" pitchFamily="2" charset="-122"/>
+              </a:rPr>
+              <a:t>2009.</a:t>
+            </a:r>
+            <a:r>
+              <a:rPr lang="en-CA" dirty="0">
+                <a:solidFill>
+                  <a:srgbClr val="222222"/>
+                </a:solidFill>
+                <a:latin typeface="+mj-lt"/>
+                <a:ea typeface="等线" panose="02010600030101010101" pitchFamily="2" charset="-122"/>
+              </a:rPr>
+              <a:t> </a:t>
+            </a:r>
+            <a:r>
+              <a:rPr lang="en-CA" i="1" dirty="0">
+                <a:solidFill>
+                  <a:srgbClr val="222222"/>
+                </a:solidFill>
+                <a:latin typeface="+mj-lt"/>
+                <a:ea typeface="等线" panose="02010600030101010101" pitchFamily="2" charset="-122"/>
+              </a:rPr>
+              <a:t>Computer</a:t>
+            </a:r>
+            <a:r>
+              <a:rPr lang="en-CA" dirty="0">
+                <a:solidFill>
+                  <a:srgbClr val="222222"/>
+                </a:solidFill>
+                <a:latin typeface="+mj-lt"/>
+                <a:ea typeface="等线" panose="02010600030101010101" pitchFamily="2" charset="-122"/>
+              </a:rPr>
+              <a:t>, (8), pp.30-37</a:t>
+            </a:r>
+            <a:endParaRPr lang="en-CA" dirty="0">
+              <a:latin typeface="+mj-lt"/>
+            </a:endParaRPr>
           </a:p>
         </p:txBody>
       </p:sp>
@@ -8224,10 +6541,17 @@
   <p:clrMapOvr>
     <a:masterClrMapping/>
   </p:clrMapOvr>
+  <p:timing>
+    <p:tnLst>
+      <p:par>
+        <p:cTn id="1" dur="indefinite" restart="never" nodeType="tmRoot"/>
+      </p:par>
+    </p:tnLst>
+  </p:timing>
 </p:sld>
 </file>
 
-<file path=ppt/slides/slide15.xml><?xml version="1.0" encoding="utf-8"?>
+<file path=ppt/slides/slide17.xml><?xml version="1.0" encoding="utf-8"?>
 <p:sld xmlns:a="http://schemas.openxmlformats.org/drawingml/2006/main" xmlns:r="http://schemas.openxmlformats.org/officeDocument/2006/relationships" xmlns:p="http://schemas.openxmlformats.org/presentationml/2006/main">
   <p:cSld>
     <p:spTree>
@@ -8453,10 +6777,17 @@
   <p:clrMapOvr>
     <a:masterClrMapping/>
   </p:clrMapOvr>
+  <p:timing>
+    <p:tnLst>
+      <p:par>
+        <p:cTn id="1" dur="indefinite" restart="never" nodeType="tmRoot"/>
+      </p:par>
+    </p:tnLst>
+  </p:timing>
 </p:sld>
 </file>
 
-<file path=ppt/slides/slide16.xml><?xml version="1.0" encoding="utf-8"?>
+<file path=ppt/slides/slide18.xml><?xml version="1.0" encoding="utf-8"?>
 <p:sld xmlns:a="http://schemas.openxmlformats.org/drawingml/2006/main" xmlns:r="http://schemas.openxmlformats.org/officeDocument/2006/relationships" xmlns:p="http://schemas.openxmlformats.org/presentationml/2006/main">
   <p:cSld>
     <p:spTree>
@@ -8501,104 +6832,177 @@
           </a:p>
         </p:txBody>
       </p:sp>
-      <p:sp>
-        <p:nvSpPr>
-          <p:cNvPr id="5" name="Content Placeholder 4">
-            <a:extLst>
-              <a:ext uri="{FF2B5EF4-FFF2-40B4-BE49-F238E27FC236}">
-                <a16:creationId xmlns:a16="http://schemas.microsoft.com/office/drawing/2014/main" id="{A5F839B1-55BD-46CA-A894-C8CFCDC30693}"/>
-              </a:ext>
-            </a:extLst>
-          </p:cNvPr>
-          <p:cNvSpPr>
-            <a:spLocks noGrp="1"/>
-          </p:cNvSpPr>
-          <p:nvPr>
-            <p:ph sz="half" idx="1"/>
-          </p:nvPr>
-        </p:nvSpPr>
-        <p:spPr/>
-        <p:txBody>
-          <a:bodyPr>
-            <a:normAutofit/>
-          </a:bodyPr>
-          <a:lstStyle/>
-          <a:p>
-            <a:pPr marL="0" indent="0">
-              <a:buNone/>
-            </a:pPr>
-            <a:endParaRPr lang="en-US" sz="1600" dirty="0"/>
-          </a:p>
-          <a:p>
-            <a:pPr marL="0" indent="0">
-              <a:buNone/>
-            </a:pPr>
-            <a:r>
-              <a:rPr lang="en-US" sz="3200" b="1" dirty="0"/>
-              <a:t>Algorithm</a:t>
-            </a:r>
-          </a:p>
-          <a:p>
-            <a:pPr>
-              <a:buSzPct val="80000"/>
-              <a:buFont typeface="Wingdings" panose="05000000000000000000" pitchFamily="2" charset="2"/>
-              <a:buChar char="§"/>
-            </a:pPr>
-            <a:r>
-              <a:rPr lang="en-US" dirty="0"/>
-              <a:t>Perform SVD on full matrix</a:t>
-            </a:r>
-          </a:p>
-          <a:p>
-            <a:pPr>
-              <a:buSzPct val="80000"/>
-              <a:buFont typeface="Wingdings" panose="05000000000000000000" pitchFamily="2" charset="2"/>
-              <a:buChar char="§"/>
-            </a:pPr>
-            <a:r>
-              <a:rPr lang="en-US" dirty="0"/>
-              <a:t>Replace training points in reconstruction with their </a:t>
-            </a:r>
-            <a:br>
-              <a:rPr lang="en-US" dirty="0"/>
-            </a:br>
-            <a:r>
-              <a:rPr lang="en-US" dirty="0"/>
-              <a:t>original entries</a:t>
-            </a:r>
-          </a:p>
-          <a:p>
-            <a:pPr>
-              <a:buSzPct val="80000"/>
-              <a:buFont typeface="Wingdings" panose="05000000000000000000" pitchFamily="2" charset="2"/>
-              <a:buChar char="§"/>
-            </a:pPr>
-            <a:r>
-              <a:rPr lang="en-US" dirty="0"/>
-              <a:t>Re-run SVD on reconstruction</a:t>
-            </a:r>
-          </a:p>
-          <a:p>
-            <a:pPr>
-              <a:buSzPct val="80000"/>
-              <a:buFont typeface="Wingdings" panose="05000000000000000000" pitchFamily="2" charset="2"/>
-              <a:buChar char="§"/>
-            </a:pPr>
-            <a:r>
-              <a:rPr lang="en-US" dirty="0"/>
-              <a:t>Repeat until </a:t>
-            </a:r>
-            <a:r>
-              <a:rPr lang="en-US" dirty="0" err="1"/>
-              <a:t>tmax</a:t>
-            </a:r>
-            <a:r>
-              <a:rPr lang="en-US" dirty="0"/>
-              <a:t> </a:t>
-            </a:r>
-          </a:p>
-        </p:txBody>
-      </p:sp>
+      <mc:AlternateContent xmlns:mc="http://schemas.openxmlformats.org/markup-compatibility/2006">
+        <mc:Choice xmlns:a14="http://schemas.microsoft.com/office/drawing/2010/main" Requires="a14">
+          <p:sp>
+            <p:nvSpPr>
+              <p:cNvPr id="5" name="Content Placeholder 4">
+                <a:extLst>
+                  <a:ext uri="{FF2B5EF4-FFF2-40B4-BE49-F238E27FC236}">
+                    <a16:creationId xmlns:a16="http://schemas.microsoft.com/office/drawing/2014/main" id="{A5F839B1-55BD-46CA-A894-C8CFCDC30693}"/>
+                  </a:ext>
+                </a:extLst>
+              </p:cNvPr>
+              <p:cNvSpPr>
+                <a:spLocks noGrp="1"/>
+              </p:cNvSpPr>
+              <p:nvPr>
+                <p:ph sz="half" idx="1"/>
+              </p:nvPr>
+            </p:nvSpPr>
+            <p:spPr/>
+            <p:txBody>
+              <a:bodyPr>
+                <a:normAutofit/>
+              </a:bodyPr>
+              <a:lstStyle/>
+              <a:p>
+                <a:pPr marL="0" indent="0">
+                  <a:buNone/>
+                </a:pPr>
+                <a:endParaRPr lang="en-US" sz="1600" dirty="0" smtClean="0"/>
+              </a:p>
+              <a:p>
+                <a:pPr marL="0" indent="0">
+                  <a:buNone/>
+                </a:pPr>
+                <a:r>
+                  <a:rPr lang="en-US" sz="3200" b="1" dirty="0"/>
+                  <a:t>Algorithm</a:t>
+                </a:r>
+              </a:p>
+              <a:p>
+                <a:pPr>
+                  <a:buSzPct val="80000"/>
+                  <a:buFont typeface="Wingdings" panose="05000000000000000000" pitchFamily="2" charset="2"/>
+                  <a:buChar char="§"/>
+                </a:pPr>
+                <a:r>
+                  <a:rPr lang="en-US" dirty="0"/>
+                  <a:t>Perform SVD on </a:t>
+                </a:r>
+                <a:r>
+                  <a:rPr lang="en-US" dirty="0" smtClean="0"/>
+                  <a:t>filled </a:t>
+                </a:r>
+                <a:r>
+                  <a:rPr lang="en-US" dirty="0"/>
+                  <a:t>matrix</a:t>
+                </a:r>
+              </a:p>
+              <a:p>
+                <a:pPr>
+                  <a:buSzPct val="80000"/>
+                  <a:buFont typeface="Wingdings" panose="05000000000000000000" pitchFamily="2" charset="2"/>
+                  <a:buChar char="§"/>
+                </a:pPr>
+                <a:r>
+                  <a:rPr lang="en-US" dirty="0"/>
+                  <a:t>Replace training points in reconstruction with their </a:t>
+                </a:r>
+                <a:br>
+                  <a:rPr lang="en-US" dirty="0"/>
+                </a:br>
+                <a:r>
+                  <a:rPr lang="en-US" dirty="0"/>
+                  <a:t>original entries</a:t>
+                </a:r>
+              </a:p>
+              <a:p>
+                <a:pPr>
+                  <a:buSzPct val="80000"/>
+                  <a:buFont typeface="Wingdings" panose="05000000000000000000" pitchFamily="2" charset="2"/>
+                  <a:buChar char="§"/>
+                </a:pPr>
+                <a:r>
+                  <a:rPr lang="en-US" dirty="0"/>
+                  <a:t>Re-run SVD on reconstruction</a:t>
+                </a:r>
+              </a:p>
+              <a:p>
+                <a:pPr>
+                  <a:buSzPct val="80000"/>
+                  <a:buFont typeface="Wingdings" panose="05000000000000000000" pitchFamily="2" charset="2"/>
+                  <a:buChar char="§"/>
+                </a:pPr>
+                <a:r>
+                  <a:rPr lang="en-US" dirty="0"/>
+                  <a:t>Repeat until </a:t>
+                </a:r>
+                <a14:m>
+                  <m:oMath xmlns:m="http://schemas.openxmlformats.org/officeDocument/2006/math">
+                    <m:sSub>
+                      <m:sSubPr>
+                        <m:ctrlPr>
+                          <a:rPr lang="en-US" i="1" smtClean="0">
+                            <a:latin typeface="Cambria Math" panose="02040503050406030204" pitchFamily="18" charset="0"/>
+                          </a:rPr>
+                        </m:ctrlPr>
+                      </m:sSubPr>
+                      <m:e>
+                        <m:r>
+                          <a:rPr lang="en-US" b="0" i="1" smtClean="0">
+                            <a:latin typeface="Cambria Math" panose="02040503050406030204" pitchFamily="18" charset="0"/>
+                          </a:rPr>
+                          <m:t>𝑡</m:t>
+                        </m:r>
+                      </m:e>
+                      <m:sub>
+                        <m:r>
+                          <a:rPr lang="en-US" b="0" i="1" smtClean="0">
+                            <a:latin typeface="Cambria Math" panose="02040503050406030204" pitchFamily="18" charset="0"/>
+                          </a:rPr>
+                          <m:t>𝑚𝑎𝑥</m:t>
+                        </m:r>
+                      </m:sub>
+                    </m:sSub>
+                  </m:oMath>
+                </a14:m>
+                <a:endParaRPr lang="en-US" dirty="0"/>
+              </a:p>
+            </p:txBody>
+          </p:sp>
+        </mc:Choice>
+        <mc:Fallback>
+          <p:sp>
+            <p:nvSpPr>
+              <p:cNvPr id="5" name="Content Placeholder 4">
+                <a:extLst>
+                  <a:ext uri="{FF2B5EF4-FFF2-40B4-BE49-F238E27FC236}">
+                    <a16:creationId xmlns:a16="http://schemas.microsoft.com/office/drawing/2014/main" id="{A5F839B1-55BD-46CA-A894-C8CFCDC30693}"/>
+                  </a:ext>
+                </a:extLst>
+              </p:cNvPr>
+              <p:cNvSpPr>
+                <a:spLocks noGrp="1" noRot="1" noChangeAspect="1" noMove="1" noResize="1" noEditPoints="1" noAdjustHandles="1" noChangeArrowheads="1" noChangeShapeType="1" noTextEdit="1"/>
+              </p:cNvSpPr>
+              <p:nvPr>
+                <p:ph sz="half" idx="1"/>
+              </p:nvPr>
+            </p:nvSpPr>
+            <p:spPr>
+              <a:blipFill>
+                <a:blip r:embed="rId2"/>
+                <a:stretch>
+                  <a:fillRect l="-3059"/>
+                </a:stretch>
+              </a:blipFill>
+            </p:spPr>
+            <p:txBody>
+              <a:bodyPr/>
+              <a:lstStyle/>
+              <a:p>
+                <a:r>
+                  <a:rPr lang="en-CA">
+                    <a:noFill/>
+                  </a:rPr>
+                  <a:t> </a:t>
+                </a:r>
+              </a:p>
+            </p:txBody>
+          </p:sp>
+        </mc:Fallback>
+      </mc:AlternateContent>
       <p:pic>
         <p:nvPicPr>
           <p:cNvPr id="7" name="Content Placeholder 4">
@@ -8616,7 +7020,7 @@
           </p:nvPr>
         </p:nvPicPr>
         <p:blipFill>
-          <a:blip r:embed="rId2"/>
+          <a:blip r:embed="rId3"/>
           <a:stretch>
             <a:fillRect/>
           </a:stretch>
@@ -8641,10 +7045,17 @@
   <p:clrMapOvr>
     <a:masterClrMapping/>
   </p:clrMapOvr>
+  <p:timing>
+    <p:tnLst>
+      <p:par>
+        <p:cTn id="1" dur="indefinite" restart="never" nodeType="tmRoot"/>
+      </p:par>
+    </p:tnLst>
+  </p:timing>
 </p:sld>
 </file>
 
-<file path=ppt/slides/slide17.xml><?xml version="1.0" encoding="utf-8"?>
+<file path=ppt/slides/slide19.xml><?xml version="1.0" encoding="utf-8"?>
 <p:sld xmlns:a="http://schemas.openxmlformats.org/drawingml/2006/main" xmlns:r="http://schemas.openxmlformats.org/officeDocument/2006/relationships" xmlns:p="http://schemas.openxmlformats.org/presentationml/2006/main">
   <p:cSld>
     <p:spTree>
@@ -9590,6 +8001,52 @@
           </a:graphicData>
         </a:graphic>
       </p:graphicFrame>
+      <p:sp>
+        <p:nvSpPr>
+          <p:cNvPr id="3" name="Rectangle 2"/>
+          <p:cNvSpPr/>
+          <p:nvPr/>
+        </p:nvSpPr>
+        <p:spPr>
+          <a:xfrm>
+            <a:off x="1317812" y="4383741"/>
+            <a:ext cx="9009529" cy="460061"/>
+          </a:xfrm>
+          <a:prstGeom prst="rect">
+            <a:avLst/>
+          </a:prstGeom>
+          <a:noFill/>
+          <a:ln w="38100">
+            <a:solidFill>
+              <a:srgbClr val="FF0000"/>
+            </a:solidFill>
+          </a:ln>
+        </p:spPr>
+        <p:style>
+          <a:lnRef idx="2">
+            <a:schemeClr val="accent1">
+              <a:shade val="50000"/>
+            </a:schemeClr>
+          </a:lnRef>
+          <a:fillRef idx="1">
+            <a:schemeClr val="accent1"/>
+          </a:fillRef>
+          <a:effectRef idx="0">
+            <a:schemeClr val="accent1"/>
+          </a:effectRef>
+          <a:fontRef idx="minor">
+            <a:schemeClr val="lt1"/>
+          </a:fontRef>
+        </p:style>
+        <p:txBody>
+          <a:bodyPr rtlCol="0" anchor="ctr"/>
+          <a:lstStyle/>
+          <a:p>
+            <a:pPr algn="ctr"/>
+            <a:endParaRPr lang="en-CA"/>
+          </a:p>
+        </p:txBody>
+      </p:sp>
     </p:spTree>
     <p:extLst>
       <p:ext uri="{BB962C8B-B14F-4D97-AF65-F5344CB8AC3E}">
@@ -9600,10 +8057,94 @@
   <p:clrMapOvr>
     <a:masterClrMapping/>
   </p:clrMapOvr>
+  <p:timing>
+    <p:tnLst>
+      <p:par>
+        <p:cTn id="1" dur="indefinite" restart="never" nodeType="tmRoot"/>
+      </p:par>
+    </p:tnLst>
+  </p:timing>
 </p:sld>
 </file>
 
-<file path=ppt/slides/slide18.xml><?xml version="1.0" encoding="utf-8"?>
+<file path=ppt/slides/slide2.xml><?xml version="1.0" encoding="utf-8"?>
+<p:sld xmlns:a="http://schemas.openxmlformats.org/drawingml/2006/main" xmlns:r="http://schemas.openxmlformats.org/officeDocument/2006/relationships" xmlns:p="http://schemas.openxmlformats.org/presentationml/2006/main">
+  <p:cSld>
+    <p:bg>
+      <p:bgPr>
+        <a:solidFill>
+          <a:srgbClr val="0070C0"/>
+        </a:solidFill>
+        <a:effectLst/>
+      </p:bgPr>
+    </p:bg>
+    <p:spTree>
+      <p:nvGrpSpPr>
+        <p:cNvPr id="1" name=""/>
+        <p:cNvGrpSpPr/>
+        <p:nvPr/>
+      </p:nvGrpSpPr>
+      <p:grpSpPr>
+        <a:xfrm>
+          <a:off x="0" y="0"/>
+          <a:ext cx="0" cy="0"/>
+          <a:chOff x="0" y="0"/>
+          <a:chExt cx="0" cy="0"/>
+        </a:xfrm>
+      </p:grpSpPr>
+      <p:sp>
+        <p:nvSpPr>
+          <p:cNvPr id="2" name="Title 1">
+            <a:extLst>
+              <a:ext uri="{FF2B5EF4-FFF2-40B4-BE49-F238E27FC236}">
+                <a16:creationId xmlns:a16="http://schemas.microsoft.com/office/drawing/2014/main" id="{0272FD9F-E644-4A44-BFCA-ED18DB74BF6C}"/>
+              </a:ext>
+            </a:extLst>
+          </p:cNvPr>
+          <p:cNvSpPr>
+            <a:spLocks noGrp="1"/>
+          </p:cNvSpPr>
+          <p:nvPr>
+            <p:ph type="title"/>
+          </p:nvPr>
+        </p:nvSpPr>
+        <p:spPr>
+          <a:xfrm>
+            <a:off x="838200" y="3443321"/>
+            <a:ext cx="10515600" cy="1325563"/>
+          </a:xfrm>
+        </p:spPr>
+        <p:txBody>
+          <a:bodyPr>
+            <a:normAutofit/>
+          </a:bodyPr>
+          <a:lstStyle/>
+          <a:p>
+            <a:r>
+              <a:rPr lang="en-US" sz="5400" dirty="0">
+                <a:solidFill>
+                  <a:schemeClr val="bg1"/>
+                </a:solidFill>
+              </a:rPr>
+              <a:t>Introduction</a:t>
+            </a:r>
+          </a:p>
+        </p:txBody>
+      </p:sp>
+    </p:spTree>
+    <p:extLst>
+      <p:ext uri="{BB962C8B-B14F-4D97-AF65-F5344CB8AC3E}">
+        <p14:creationId xmlns:p14="http://schemas.microsoft.com/office/powerpoint/2010/main" val="2301727070"/>
+      </p:ext>
+    </p:extLst>
+  </p:cSld>
+  <p:clrMapOvr>
+    <a:masterClrMapping/>
+  </p:clrMapOvr>
+</p:sld>
+</file>
+
+<file path=ppt/slides/slide20.xml><?xml version="1.0" encoding="utf-8"?>
 <p:sld xmlns:a="http://schemas.openxmlformats.org/drawingml/2006/main" xmlns:r="http://schemas.openxmlformats.org/officeDocument/2006/relationships" xmlns:p="http://schemas.openxmlformats.org/presentationml/2006/main">
   <p:cSld>
     <p:spTree>
@@ -10040,7 +8581,7 @@
         </p:blipFill>
         <p:spPr bwMode="auto">
           <a:xfrm>
-            <a:off x="6369039" y="2475434"/>
+            <a:off x="6626214" y="2428804"/>
             <a:ext cx="4509872" cy="3051720"/>
           </a:xfrm>
           <a:prstGeom prst="rect">
@@ -10056,52 +8597,134 @@
           </a:extLst>
         </p:spPr>
       </p:pic>
-      <p:sp>
-        <p:nvSpPr>
-          <p:cNvPr id="8" name="Footer Placeholder 7">
-            <a:extLst>
-              <a:ext uri="{FF2B5EF4-FFF2-40B4-BE49-F238E27FC236}">
-                <a16:creationId xmlns:a16="http://schemas.microsoft.com/office/drawing/2014/main" id="{2D30FA93-029F-4A37-95E9-C3007FC834DE}"/>
-              </a:ext>
-            </a:extLst>
-          </p:cNvPr>
-          <p:cNvSpPr>
-            <a:spLocks noGrp="1"/>
-          </p:cNvSpPr>
-          <p:nvPr>
-            <p:ph type="ftr" sz="quarter" idx="11"/>
-          </p:nvPr>
-        </p:nvSpPr>
-        <p:spPr>
-          <a:xfrm>
-            <a:off x="3634014" y="5527154"/>
-            <a:ext cx="4923971" cy="888921"/>
-          </a:xfrm>
-        </p:spPr>
-        <p:txBody>
-          <a:bodyPr/>
-          <a:lstStyle/>
-          <a:p>
-            <a:r>
-              <a:rPr lang="en-GB" sz="1800" dirty="0"/>
-              <a:t>𝜆∗ = 0.3  </a:t>
-            </a:r>
-          </a:p>
-          <a:p>
-            <a:r>
-              <a:rPr lang="en-GB" sz="1800" dirty="0"/>
-              <a:t>min initial MAE = 0.766</a:t>
-            </a:r>
-          </a:p>
-          <a:p>
-            <a:r>
-              <a:rPr lang="en-GB" sz="1800" dirty="0"/>
-              <a:t>min final MAE of 0.695</a:t>
-            </a:r>
-            <a:endParaRPr lang="en-US" sz="1800" dirty="0"/>
-          </a:p>
-        </p:txBody>
-      </p:sp>
+      <mc:AlternateContent xmlns:mc="http://schemas.openxmlformats.org/markup-compatibility/2006">
+        <mc:Choice xmlns:a14="http://schemas.microsoft.com/office/drawing/2010/main" Requires="a14">
+          <p:sp>
+            <p:nvSpPr>
+              <p:cNvPr id="3" name="Rectangle 2"/>
+              <p:cNvSpPr/>
+              <p:nvPr/>
+            </p:nvSpPr>
+            <p:spPr>
+              <a:xfrm>
+                <a:off x="3048000" y="5253633"/>
+                <a:ext cx="6096000" cy="1015663"/>
+              </a:xfrm>
+              <a:prstGeom prst="rect">
+                <a:avLst/>
+              </a:prstGeom>
+            </p:spPr>
+            <p:txBody>
+              <a:bodyPr>
+                <a:spAutoFit/>
+              </a:bodyPr>
+              <a:lstStyle/>
+              <a:p>
+                <a:pPr algn="ctr"/>
+                <a14:m>
+                  <m:oMath xmlns:m="http://schemas.openxmlformats.org/officeDocument/2006/math">
+                    <m:sSup>
+                      <m:sSupPr>
+                        <m:ctrlPr>
+                          <a:rPr lang="en-GB" sz="2000" i="1" smtClean="0">
+                            <a:latin typeface="Cambria Math" panose="02040503050406030204" pitchFamily="18" charset="0"/>
+                          </a:rPr>
+                        </m:ctrlPr>
+                      </m:sSupPr>
+                      <m:e>
+                        <m:r>
+                          <m:rPr>
+                            <m:nor/>
+                          </m:rPr>
+                          <a:rPr lang="en-GB" sz="2000" dirty="0"/>
+                          <m:t>𝜆</m:t>
+                        </m:r>
+                      </m:e>
+                      <m:sup>
+                        <m:r>
+                          <a:rPr lang="en-US" sz="2000" b="0" i="1" smtClean="0">
+                            <a:latin typeface="Cambria Math" panose="02040503050406030204" pitchFamily="18" charset="0"/>
+                          </a:rPr>
+                          <m:t>∗</m:t>
+                        </m:r>
+                      </m:sup>
+                    </m:sSup>
+                  </m:oMath>
+                </a14:m>
+                <a:r>
+                  <a:rPr lang="en-GB" sz="2000" dirty="0" smtClean="0"/>
+                  <a:t> </a:t>
+                </a:r>
+                <a:r>
+                  <a:rPr lang="en-GB" sz="2000" dirty="0"/>
+                  <a:t>= 0.3  </a:t>
+                </a:r>
+              </a:p>
+              <a:p>
+                <a:pPr algn="ctr"/>
+                <a:r>
+                  <a:rPr lang="en-GB" sz="2000" dirty="0" smtClean="0"/>
+                  <a:t>minimum </a:t>
+                </a:r>
+                <a:r>
+                  <a:rPr lang="en-GB" sz="2000" dirty="0"/>
+                  <a:t>initial MAE = 0.766</a:t>
+                </a:r>
+              </a:p>
+              <a:p>
+                <a:pPr algn="ctr"/>
+                <a:r>
+                  <a:rPr lang="en-GB" sz="2000" dirty="0" smtClean="0"/>
+                  <a:t>minimum </a:t>
+                </a:r>
+                <a:r>
+                  <a:rPr lang="en-GB" sz="2000" dirty="0"/>
+                  <a:t>final MAE of 0.695</a:t>
+                </a:r>
+                <a:endParaRPr lang="en-US" sz="2000" dirty="0"/>
+              </a:p>
+            </p:txBody>
+          </p:sp>
+        </mc:Choice>
+        <mc:Fallback>
+          <p:sp>
+            <p:nvSpPr>
+              <p:cNvPr id="3" name="Rectangle 2"/>
+              <p:cNvSpPr>
+                <a:spLocks noRot="1" noChangeAspect="1" noMove="1" noResize="1" noEditPoints="1" noAdjustHandles="1" noChangeArrowheads="1" noChangeShapeType="1" noTextEdit="1"/>
+              </p:cNvSpPr>
+              <p:nvPr/>
+            </p:nvSpPr>
+            <p:spPr>
+              <a:xfrm>
+                <a:off x="3048000" y="5253633"/>
+                <a:ext cx="6096000" cy="1015663"/>
+              </a:xfrm>
+              <a:prstGeom prst="rect">
+                <a:avLst/>
+              </a:prstGeom>
+              <a:blipFill>
+                <a:blip r:embed="rId5"/>
+                <a:stretch>
+                  <a:fillRect t="-3614" b="-10241"/>
+                </a:stretch>
+              </a:blipFill>
+            </p:spPr>
+            <p:txBody>
+              <a:bodyPr/>
+              <a:lstStyle/>
+              <a:p>
+                <a:r>
+                  <a:rPr lang="en-CA">
+                    <a:noFill/>
+                  </a:rPr>
+                  <a:t> </a:t>
+                </a:r>
+              </a:p>
+            </p:txBody>
+          </p:sp>
+        </mc:Fallback>
+      </mc:AlternateContent>
     </p:spTree>
     <p:extLst>
       <p:ext uri="{BB962C8B-B14F-4D97-AF65-F5344CB8AC3E}">
@@ -10112,10 +8735,17 @@
   <p:clrMapOvr>
     <a:masterClrMapping/>
   </p:clrMapOvr>
+  <p:timing>
+    <p:tnLst>
+      <p:par>
+        <p:cTn id="1" dur="indefinite" restart="never" nodeType="tmRoot"/>
+      </p:par>
+    </p:tnLst>
+  </p:timing>
 </p:sld>
 </file>
 
-<file path=ppt/slides/slide19.xml><?xml version="1.0" encoding="utf-8"?>
+<file path=ppt/slides/slide21.xml><?xml version="1.0" encoding="utf-8"?>
 <p:sld xmlns:a="http://schemas.openxmlformats.org/drawingml/2006/main" xmlns:r="http://schemas.openxmlformats.org/officeDocument/2006/relationships" xmlns:p="http://schemas.openxmlformats.org/presentationml/2006/main">
   <p:cSld>
     <p:bg>
@@ -10179,588 +8809,6 @@
           </a:p>
         </p:txBody>
       </p:sp>
-      <mc:AlternateContent xmlns:mc="http://schemas.openxmlformats.org/markup-compatibility/2006" xmlns:p14="http://schemas.microsoft.com/office/powerpoint/2010/main">
-        <mc:Choice Requires="p14">
-          <p:contentPart p14:bwMode="auto" r:id="rId2">
-            <p14:nvContentPartPr>
-              <p14:cNvPr id="4" name="Ink 3">
-                <a:extLst>
-                  <a:ext uri="{FF2B5EF4-FFF2-40B4-BE49-F238E27FC236}">
-                    <a16:creationId xmlns:a16="http://schemas.microsoft.com/office/drawing/2014/main" id="{5DB6223E-7E18-48A0-BBB6-336F112F6700}"/>
-                  </a:ext>
-                </a:extLst>
-              </p14:cNvPr>
-              <p14:cNvContentPartPr/>
-              <p14:nvPr/>
-            </p14:nvContentPartPr>
-            <p14:xfrm>
-              <a:off x="5697544" y="551679"/>
-              <a:ext cx="360" cy="360"/>
-            </p14:xfrm>
-          </p:contentPart>
-        </mc:Choice>
-        <mc:Fallback xmlns="">
-          <p:pic>
-            <p:nvPicPr>
-              <p:cNvPr id="4" name="Ink 3">
-                <a:extLst>
-                  <a:ext uri="{FF2B5EF4-FFF2-40B4-BE49-F238E27FC236}">
-                    <a16:creationId xmlns:a16="http://schemas.microsoft.com/office/drawing/2014/main" id="{5DB6223E-7E18-48A0-BBB6-336F112F6700}"/>
-                  </a:ext>
-                </a:extLst>
-              </p:cNvPr>
-              <p:cNvPicPr/>
-              <p:nvPr/>
-            </p:nvPicPr>
-            <p:blipFill>
-              <a:blip r:embed="rId3"/>
-              <a:stretch>
-                <a:fillRect/>
-              </a:stretch>
-            </p:blipFill>
-            <p:spPr>
-              <a:xfrm>
-                <a:off x="5688904" y="542679"/>
-                <a:ext cx="18000" cy="18000"/>
-              </a:xfrm>
-              <a:prstGeom prst="rect">
-                <a:avLst/>
-              </a:prstGeom>
-            </p:spPr>
-          </p:pic>
-        </mc:Fallback>
-      </mc:AlternateContent>
-      <mc:AlternateContent xmlns:mc="http://schemas.openxmlformats.org/markup-compatibility/2006" xmlns:p14="http://schemas.microsoft.com/office/powerpoint/2010/main">
-        <mc:Choice Requires="p14">
-          <p:contentPart p14:bwMode="auto" r:id="rId4">
-            <p14:nvContentPartPr>
-              <p14:cNvPr id="5" name="Ink 4">
-                <a:extLst>
-                  <a:ext uri="{FF2B5EF4-FFF2-40B4-BE49-F238E27FC236}">
-                    <a16:creationId xmlns:a16="http://schemas.microsoft.com/office/drawing/2014/main" id="{9CBBC32A-A252-4EB3-AAA8-67286F3D7C00}"/>
-                  </a:ext>
-                </a:extLst>
-              </p14:cNvPr>
-              <p14:cNvContentPartPr/>
-              <p14:nvPr/>
-            </p14:nvContentPartPr>
-            <p14:xfrm>
-              <a:off x="2013584" y="541025"/>
-              <a:ext cx="360" cy="360"/>
-            </p14:xfrm>
-          </p:contentPart>
-        </mc:Choice>
-        <mc:Fallback xmlns="">
-          <p:pic>
-            <p:nvPicPr>
-              <p:cNvPr id="5" name="Ink 4">
-                <a:extLst>
-                  <a:ext uri="{FF2B5EF4-FFF2-40B4-BE49-F238E27FC236}">
-                    <a16:creationId xmlns:a16="http://schemas.microsoft.com/office/drawing/2014/main" id="{9CBBC32A-A252-4EB3-AAA8-67286F3D7C00}"/>
-                  </a:ext>
-                </a:extLst>
-              </p:cNvPr>
-              <p:cNvPicPr/>
-              <p:nvPr/>
-            </p:nvPicPr>
-            <p:blipFill>
-              <a:blip r:embed="rId3"/>
-              <a:stretch>
-                <a:fillRect/>
-              </a:stretch>
-            </p:blipFill>
-            <p:spPr>
-              <a:xfrm>
-                <a:off x="2004944" y="532385"/>
-                <a:ext cx="18000" cy="18000"/>
-              </a:xfrm>
-              <a:prstGeom prst="rect">
-                <a:avLst/>
-              </a:prstGeom>
-            </p:spPr>
-          </p:pic>
-        </mc:Fallback>
-      </mc:AlternateContent>
-      <mc:AlternateContent xmlns:mc="http://schemas.openxmlformats.org/markup-compatibility/2006" xmlns:p14="http://schemas.microsoft.com/office/powerpoint/2010/main">
-        <mc:Choice Requires="p14">
-          <p:contentPart p14:bwMode="auto" r:id="rId5">
-            <p14:nvContentPartPr>
-              <p14:cNvPr id="6" name="Ink 5">
-                <a:extLst>
-                  <a:ext uri="{FF2B5EF4-FFF2-40B4-BE49-F238E27FC236}">
-                    <a16:creationId xmlns:a16="http://schemas.microsoft.com/office/drawing/2014/main" id="{D700A363-91E8-40C5-9C5E-3E09689D5399}"/>
-                  </a:ext>
-                </a:extLst>
-              </p14:cNvPr>
-              <p14:cNvContentPartPr/>
-              <p14:nvPr/>
-            </p14:nvContentPartPr>
-            <p14:xfrm>
-              <a:off x="2060384" y="339785"/>
-              <a:ext cx="360" cy="360"/>
-            </p14:xfrm>
-          </p:contentPart>
-        </mc:Choice>
-        <mc:Fallback xmlns="">
-          <p:pic>
-            <p:nvPicPr>
-              <p:cNvPr id="6" name="Ink 5">
-                <a:extLst>
-                  <a:ext uri="{FF2B5EF4-FFF2-40B4-BE49-F238E27FC236}">
-                    <a16:creationId xmlns:a16="http://schemas.microsoft.com/office/drawing/2014/main" id="{D700A363-91E8-40C5-9C5E-3E09689D5399}"/>
-                  </a:ext>
-                </a:extLst>
-              </p:cNvPr>
-              <p:cNvPicPr/>
-              <p:nvPr/>
-            </p:nvPicPr>
-            <p:blipFill>
-              <a:blip r:embed="rId3"/>
-              <a:stretch>
-                <a:fillRect/>
-              </a:stretch>
-            </p:blipFill>
-            <p:spPr>
-              <a:xfrm>
-                <a:off x="2051744" y="330785"/>
-                <a:ext cx="18000" cy="18000"/>
-              </a:xfrm>
-              <a:prstGeom prst="rect">
-                <a:avLst/>
-              </a:prstGeom>
-            </p:spPr>
-          </p:pic>
-        </mc:Fallback>
-      </mc:AlternateContent>
-      <p:grpSp>
-        <p:nvGrpSpPr>
-          <p:cNvPr id="14" name="Group 13">
-            <a:extLst>
-              <a:ext uri="{FF2B5EF4-FFF2-40B4-BE49-F238E27FC236}">
-                <a16:creationId xmlns:a16="http://schemas.microsoft.com/office/drawing/2014/main" id="{918E7E0B-F2D8-4897-9067-5F6C3C7D2DF3}"/>
-              </a:ext>
-            </a:extLst>
-          </p:cNvPr>
-          <p:cNvGrpSpPr/>
-          <p:nvPr/>
-        </p:nvGrpSpPr>
-        <p:grpSpPr>
-          <a:xfrm>
-            <a:off x="3672464" y="836225"/>
-            <a:ext cx="15840" cy="360"/>
-            <a:chOff x="3672464" y="836225"/>
-            <a:chExt cx="15840" cy="360"/>
-          </a:xfrm>
-        </p:grpSpPr>
-        <mc:AlternateContent xmlns:mc="http://schemas.openxmlformats.org/markup-compatibility/2006" xmlns:p14="http://schemas.microsoft.com/office/powerpoint/2010/main">
-          <mc:Choice Requires="p14">
-            <p:contentPart p14:bwMode="auto" r:id="rId6">
-              <p14:nvContentPartPr>
-                <p14:cNvPr id="7" name="Ink 6">
-                  <a:extLst>
-                    <a:ext uri="{FF2B5EF4-FFF2-40B4-BE49-F238E27FC236}">
-                      <a16:creationId xmlns:a16="http://schemas.microsoft.com/office/drawing/2014/main" id="{D6BE931A-0DE8-4032-957D-E843569A49C4}"/>
-                    </a:ext>
-                  </a:extLst>
-                </p14:cNvPr>
-                <p14:cNvContentPartPr/>
-                <p14:nvPr/>
-              </p14:nvContentPartPr>
-              <p14:xfrm>
-                <a:off x="3672464" y="836225"/>
-                <a:ext cx="6480" cy="360"/>
-              </p14:xfrm>
-            </p:contentPart>
-          </mc:Choice>
-          <mc:Fallback xmlns="">
-            <p:pic>
-              <p:nvPicPr>
-                <p:cNvPr id="7" name="Ink 6">
-                  <a:extLst>
-                    <a:ext uri="{FF2B5EF4-FFF2-40B4-BE49-F238E27FC236}">
-                      <a16:creationId xmlns:a16="http://schemas.microsoft.com/office/drawing/2014/main" id="{D6BE931A-0DE8-4032-957D-E843569A49C4}"/>
-                    </a:ext>
-                  </a:extLst>
-                </p:cNvPr>
-                <p:cNvPicPr/>
-                <p:nvPr/>
-              </p:nvPicPr>
-              <p:blipFill>
-                <a:blip r:embed="rId7"/>
-                <a:stretch>
-                  <a:fillRect/>
-                </a:stretch>
-              </p:blipFill>
-              <p:spPr>
-                <a:xfrm>
-                  <a:off x="3663824" y="827585"/>
-                  <a:ext cx="24120" cy="18000"/>
-                </a:xfrm>
-                <a:prstGeom prst="rect">
-                  <a:avLst/>
-                </a:prstGeom>
-              </p:spPr>
-            </p:pic>
-          </mc:Fallback>
-        </mc:AlternateContent>
-        <mc:AlternateContent xmlns:mc="http://schemas.openxmlformats.org/markup-compatibility/2006" xmlns:p14="http://schemas.microsoft.com/office/powerpoint/2010/main">
-          <mc:Choice Requires="p14">
-            <p:contentPart p14:bwMode="auto" r:id="rId8">
-              <p14:nvContentPartPr>
-                <p14:cNvPr id="8" name="Ink 7">
-                  <a:extLst>
-                    <a:ext uri="{FF2B5EF4-FFF2-40B4-BE49-F238E27FC236}">
-                      <a16:creationId xmlns:a16="http://schemas.microsoft.com/office/drawing/2014/main" id="{9C2F711C-CE74-404B-BA9B-185AAE899C1A}"/>
-                    </a:ext>
-                  </a:extLst>
-                </p14:cNvPr>
-                <p14:cNvContentPartPr/>
-                <p14:nvPr/>
-              </p14:nvContentPartPr>
-              <p14:xfrm>
-                <a:off x="3687944" y="836225"/>
-                <a:ext cx="360" cy="360"/>
-              </p14:xfrm>
-            </p:contentPart>
-          </mc:Choice>
-          <mc:Fallback xmlns="">
-            <p:pic>
-              <p:nvPicPr>
-                <p:cNvPr id="8" name="Ink 7">
-                  <a:extLst>
-                    <a:ext uri="{FF2B5EF4-FFF2-40B4-BE49-F238E27FC236}">
-                      <a16:creationId xmlns:a16="http://schemas.microsoft.com/office/drawing/2014/main" id="{9C2F711C-CE74-404B-BA9B-185AAE899C1A}"/>
-                    </a:ext>
-                  </a:extLst>
-                </p:cNvPr>
-                <p:cNvPicPr/>
-                <p:nvPr/>
-              </p:nvPicPr>
-              <p:blipFill>
-                <a:blip r:embed="rId3"/>
-                <a:stretch>
-                  <a:fillRect/>
-                </a:stretch>
-              </p:blipFill>
-              <p:spPr>
-                <a:xfrm>
-                  <a:off x="3678944" y="827585"/>
-                  <a:ext cx="18000" cy="18000"/>
-                </a:xfrm>
-                <a:prstGeom prst="rect">
-                  <a:avLst/>
-                </a:prstGeom>
-              </p:spPr>
-            </p:pic>
-          </mc:Fallback>
-        </mc:AlternateContent>
-      </p:grpSp>
-      <mc:AlternateContent xmlns:mc="http://schemas.openxmlformats.org/markup-compatibility/2006" xmlns:p14="http://schemas.microsoft.com/office/powerpoint/2010/main">
-        <mc:Choice Requires="p14">
-          <p:contentPart p14:bwMode="auto" r:id="rId9">
-            <p14:nvContentPartPr>
-              <p14:cNvPr id="9" name="Ink 8">
-                <a:extLst>
-                  <a:ext uri="{FF2B5EF4-FFF2-40B4-BE49-F238E27FC236}">
-                    <a16:creationId xmlns:a16="http://schemas.microsoft.com/office/drawing/2014/main" id="{EF1348A3-35BF-402A-A17D-EA9DA7B8A095}"/>
-                  </a:ext>
-                </a:extLst>
-              </p14:cNvPr>
-              <p14:cNvContentPartPr/>
-              <p14:nvPr/>
-            </p14:nvContentPartPr>
-            <p14:xfrm>
-              <a:off x="5082944" y="1037825"/>
-              <a:ext cx="30960" cy="360"/>
-            </p14:xfrm>
-          </p:contentPart>
-        </mc:Choice>
-        <mc:Fallback xmlns="">
-          <p:pic>
-            <p:nvPicPr>
-              <p:cNvPr id="9" name="Ink 8">
-                <a:extLst>
-                  <a:ext uri="{FF2B5EF4-FFF2-40B4-BE49-F238E27FC236}">
-                    <a16:creationId xmlns:a16="http://schemas.microsoft.com/office/drawing/2014/main" id="{EF1348A3-35BF-402A-A17D-EA9DA7B8A095}"/>
-                  </a:ext>
-                </a:extLst>
-              </p:cNvPr>
-              <p:cNvPicPr/>
-              <p:nvPr/>
-            </p:nvPicPr>
-            <p:blipFill>
-              <a:blip r:embed="rId10"/>
-              <a:stretch>
-                <a:fillRect/>
-              </a:stretch>
-            </p:blipFill>
-            <p:spPr>
-              <a:xfrm>
-                <a:off x="5074304" y="1029185"/>
-                <a:ext cx="48600" cy="18000"/>
-              </a:xfrm>
-              <a:prstGeom prst="rect">
-                <a:avLst/>
-              </a:prstGeom>
-            </p:spPr>
-          </p:pic>
-        </mc:Fallback>
-      </mc:AlternateContent>
-      <mc:AlternateContent xmlns:mc="http://schemas.openxmlformats.org/markup-compatibility/2006" xmlns:p14="http://schemas.microsoft.com/office/powerpoint/2010/main">
-        <mc:Choice Requires="p14">
-          <p:contentPart p14:bwMode="auto" r:id="rId11">
-            <p14:nvContentPartPr>
-              <p14:cNvPr id="10" name="Ink 9">
-                <a:extLst>
-                  <a:ext uri="{FF2B5EF4-FFF2-40B4-BE49-F238E27FC236}">
-                    <a16:creationId xmlns:a16="http://schemas.microsoft.com/office/drawing/2014/main" id="{906A6EFD-0AAA-46AB-8396-B3D1A96ED5A8}"/>
-                  </a:ext>
-                </a:extLst>
-              </p14:cNvPr>
-              <p14:cNvContentPartPr/>
-              <p14:nvPr/>
-            </p14:nvContentPartPr>
-            <p14:xfrm>
-              <a:off x="5656064" y="1037825"/>
-              <a:ext cx="360" cy="360"/>
-            </p14:xfrm>
-          </p:contentPart>
-        </mc:Choice>
-        <mc:Fallback xmlns="">
-          <p:pic>
-            <p:nvPicPr>
-              <p:cNvPr id="10" name="Ink 9">
-                <a:extLst>
-                  <a:ext uri="{FF2B5EF4-FFF2-40B4-BE49-F238E27FC236}">
-                    <a16:creationId xmlns:a16="http://schemas.microsoft.com/office/drawing/2014/main" id="{906A6EFD-0AAA-46AB-8396-B3D1A96ED5A8}"/>
-                  </a:ext>
-                </a:extLst>
-              </p:cNvPr>
-              <p:cNvPicPr/>
-              <p:nvPr/>
-            </p:nvPicPr>
-            <p:blipFill>
-              <a:blip r:embed="rId3"/>
-              <a:stretch>
-                <a:fillRect/>
-              </a:stretch>
-            </p:blipFill>
-            <p:spPr>
-              <a:xfrm>
-                <a:off x="5647064" y="1029185"/>
-                <a:ext cx="18000" cy="18000"/>
-              </a:xfrm>
-              <a:prstGeom prst="rect">
-                <a:avLst/>
-              </a:prstGeom>
-            </p:spPr>
-          </p:pic>
-        </mc:Fallback>
-      </mc:AlternateContent>
-      <mc:AlternateContent xmlns:mc="http://schemas.openxmlformats.org/markup-compatibility/2006" xmlns:p14="http://schemas.microsoft.com/office/powerpoint/2010/main">
-        <mc:Choice Requires="p14">
-          <p:contentPart p14:bwMode="auto" r:id="rId12">
-            <p14:nvContentPartPr>
-              <p14:cNvPr id="11" name="Ink 10">
-                <a:extLst>
-                  <a:ext uri="{FF2B5EF4-FFF2-40B4-BE49-F238E27FC236}">
-                    <a16:creationId xmlns:a16="http://schemas.microsoft.com/office/drawing/2014/main" id="{99B549C4-EB64-406E-BEDD-3A0070366590}"/>
-                  </a:ext>
-                </a:extLst>
-              </p14:cNvPr>
-              <p14:cNvContentPartPr/>
-              <p14:nvPr/>
-            </p14:nvContentPartPr>
-            <p14:xfrm>
-              <a:off x="5934704" y="1022705"/>
-              <a:ext cx="360" cy="360"/>
-            </p14:xfrm>
-          </p:contentPart>
-        </mc:Choice>
-        <mc:Fallback xmlns="">
-          <p:pic>
-            <p:nvPicPr>
-              <p:cNvPr id="11" name="Ink 10">
-                <a:extLst>
-                  <a:ext uri="{FF2B5EF4-FFF2-40B4-BE49-F238E27FC236}">
-                    <a16:creationId xmlns:a16="http://schemas.microsoft.com/office/drawing/2014/main" id="{99B549C4-EB64-406E-BEDD-3A0070366590}"/>
-                  </a:ext>
-                </a:extLst>
-              </p:cNvPr>
-              <p:cNvPicPr/>
-              <p:nvPr/>
-            </p:nvPicPr>
-            <p:blipFill>
-              <a:blip r:embed="rId3"/>
-              <a:stretch>
-                <a:fillRect/>
-              </a:stretch>
-            </p:blipFill>
-            <p:spPr>
-              <a:xfrm>
-                <a:off x="5926064" y="1013705"/>
-                <a:ext cx="18000" cy="18000"/>
-              </a:xfrm>
-              <a:prstGeom prst="rect">
-                <a:avLst/>
-              </a:prstGeom>
-            </p:spPr>
-          </p:pic>
-        </mc:Fallback>
-      </mc:AlternateContent>
-      <mc:AlternateContent xmlns:mc="http://schemas.openxmlformats.org/markup-compatibility/2006" xmlns:p14="http://schemas.microsoft.com/office/powerpoint/2010/main">
-        <mc:Choice Requires="p14">
-          <p:contentPart p14:bwMode="auto" r:id="rId13">
-            <p14:nvContentPartPr>
-              <p14:cNvPr id="12" name="Ink 11">
-                <a:extLst>
-                  <a:ext uri="{FF2B5EF4-FFF2-40B4-BE49-F238E27FC236}">
-                    <a16:creationId xmlns:a16="http://schemas.microsoft.com/office/drawing/2014/main" id="{3DD9F89E-1E89-45A8-9B64-27330DDC16D5}"/>
-                  </a:ext>
-                </a:extLst>
-              </p14:cNvPr>
-              <p14:cNvContentPartPr/>
-              <p14:nvPr/>
-            </p14:nvContentPartPr>
-            <p14:xfrm>
-              <a:off x="2503904" y="991025"/>
-              <a:ext cx="6840" cy="360"/>
-            </p14:xfrm>
-          </p:contentPart>
-        </mc:Choice>
-        <mc:Fallback xmlns="">
-          <p:pic>
-            <p:nvPicPr>
-              <p:cNvPr id="12" name="Ink 11">
-                <a:extLst>
-                  <a:ext uri="{FF2B5EF4-FFF2-40B4-BE49-F238E27FC236}">
-                    <a16:creationId xmlns:a16="http://schemas.microsoft.com/office/drawing/2014/main" id="{3DD9F89E-1E89-45A8-9B64-27330DDC16D5}"/>
-                  </a:ext>
-                </a:extLst>
-              </p:cNvPr>
-              <p:cNvPicPr/>
-              <p:nvPr/>
-            </p:nvPicPr>
-            <p:blipFill>
-              <a:blip r:embed="rId14"/>
-              <a:stretch>
-                <a:fillRect/>
-              </a:stretch>
-            </p:blipFill>
-            <p:spPr>
-              <a:xfrm>
-                <a:off x="2495264" y="982025"/>
-                <a:ext cx="24480" cy="18000"/>
-              </a:xfrm>
-              <a:prstGeom prst="rect">
-                <a:avLst/>
-              </a:prstGeom>
-            </p:spPr>
-          </p:pic>
-        </mc:Fallback>
-      </mc:AlternateContent>
-      <mc:AlternateContent xmlns:mc="http://schemas.openxmlformats.org/markup-compatibility/2006" xmlns:p14="http://schemas.microsoft.com/office/powerpoint/2010/main">
-        <mc:Choice Requires="p14">
-          <p:contentPart p14:bwMode="auto" r:id="rId15">
-            <p14:nvContentPartPr>
-              <p14:cNvPr id="13" name="Ink 12">
-                <a:extLst>
-                  <a:ext uri="{FF2B5EF4-FFF2-40B4-BE49-F238E27FC236}">
-                    <a16:creationId xmlns:a16="http://schemas.microsoft.com/office/drawing/2014/main" id="{B70F82F8-7C29-4F2E-B95E-31A4224FB92A}"/>
-                  </a:ext>
-                </a:extLst>
-              </p14:cNvPr>
-              <p14:cNvContentPartPr/>
-              <p14:nvPr/>
-            </p14:nvContentPartPr>
-            <p14:xfrm>
-              <a:off x="2773904" y="2603105"/>
-              <a:ext cx="6480" cy="360"/>
-            </p14:xfrm>
-          </p:contentPart>
-        </mc:Choice>
-        <mc:Fallback xmlns="">
-          <p:pic>
-            <p:nvPicPr>
-              <p:cNvPr id="13" name="Ink 12">
-                <a:extLst>
-                  <a:ext uri="{FF2B5EF4-FFF2-40B4-BE49-F238E27FC236}">
-                    <a16:creationId xmlns:a16="http://schemas.microsoft.com/office/drawing/2014/main" id="{B70F82F8-7C29-4F2E-B95E-31A4224FB92A}"/>
-                  </a:ext>
-                </a:extLst>
-              </p:cNvPr>
-              <p:cNvPicPr/>
-              <p:nvPr/>
-            </p:nvPicPr>
-            <p:blipFill>
-              <a:blip r:embed="rId7"/>
-              <a:stretch>
-                <a:fillRect/>
-              </a:stretch>
-            </p:blipFill>
-            <p:spPr>
-              <a:xfrm>
-                <a:off x="2765264" y="2594105"/>
-                <a:ext cx="24120" cy="18000"/>
-              </a:xfrm>
-              <a:prstGeom prst="rect">
-                <a:avLst/>
-              </a:prstGeom>
-            </p:spPr>
-          </p:pic>
-        </mc:Fallback>
-      </mc:AlternateContent>
-      <mc:AlternateContent xmlns:mc="http://schemas.openxmlformats.org/markup-compatibility/2006" xmlns:p14="http://schemas.microsoft.com/office/powerpoint/2010/main">
-        <mc:Choice Requires="p14">
-          <p:contentPart p14:bwMode="auto" r:id="rId16">
-            <p14:nvContentPartPr>
-              <p14:cNvPr id="15" name="Ink 14">
-                <a:extLst>
-                  <a:ext uri="{FF2B5EF4-FFF2-40B4-BE49-F238E27FC236}">
-                    <a16:creationId xmlns:a16="http://schemas.microsoft.com/office/drawing/2014/main" id="{E2B673A4-A277-47FF-A0EF-E7FE4CA5EC62}"/>
-                  </a:ext>
-                </a:extLst>
-              </p14:cNvPr>
-              <p14:cNvContentPartPr/>
-              <p14:nvPr/>
-            </p14:nvContentPartPr>
-            <p14:xfrm>
-              <a:off x="3408944" y="928745"/>
-              <a:ext cx="360" cy="360"/>
-            </p14:xfrm>
-          </p:contentPart>
-        </mc:Choice>
-        <mc:Fallback xmlns="">
-          <p:pic>
-            <p:nvPicPr>
-              <p:cNvPr id="15" name="Ink 14">
-                <a:extLst>
-                  <a:ext uri="{FF2B5EF4-FFF2-40B4-BE49-F238E27FC236}">
-                    <a16:creationId xmlns:a16="http://schemas.microsoft.com/office/drawing/2014/main" id="{E2B673A4-A277-47FF-A0EF-E7FE4CA5EC62}"/>
-                  </a:ext>
-                </a:extLst>
-              </p:cNvPr>
-              <p:cNvPicPr/>
-              <p:nvPr/>
-            </p:nvPicPr>
-            <p:blipFill>
-              <a:blip r:embed="rId3"/>
-              <a:stretch>
-                <a:fillRect/>
-              </a:stretch>
-            </p:blipFill>
-            <p:spPr>
-              <a:xfrm>
-                <a:off x="3400304" y="920105"/>
-                <a:ext cx="18000" cy="18000"/>
-              </a:xfrm>
-              <a:prstGeom prst="rect">
-                <a:avLst/>
-              </a:prstGeom>
-            </p:spPr>
-          </p:pic>
-        </mc:Fallback>
-      </mc:AlternateContent>
     </p:spTree>
     <p:extLst>
       <p:ext uri="{BB962C8B-B14F-4D97-AF65-F5344CB8AC3E}">
@@ -10771,669 +8819,17 @@
   <p:clrMapOvr>
     <a:masterClrMapping/>
   </p:clrMapOvr>
+  <p:timing>
+    <p:tnLst>
+      <p:par>
+        <p:cTn id="1" dur="indefinite" restart="never" nodeType="tmRoot"/>
+      </p:par>
+    </p:tnLst>
+  </p:timing>
 </p:sld>
 </file>
 
-<file path=ppt/slides/slide2.xml><?xml version="1.0" encoding="utf-8"?>
-<p:sld xmlns:a="http://schemas.openxmlformats.org/drawingml/2006/main" xmlns:r="http://schemas.openxmlformats.org/officeDocument/2006/relationships" xmlns:p="http://schemas.openxmlformats.org/presentationml/2006/main">
-  <p:cSld>
-    <p:bg>
-      <p:bgPr>
-        <a:solidFill>
-          <a:srgbClr val="0070C0"/>
-        </a:solidFill>
-        <a:effectLst/>
-      </p:bgPr>
-    </p:bg>
-    <p:spTree>
-      <p:nvGrpSpPr>
-        <p:cNvPr id="1" name=""/>
-        <p:cNvGrpSpPr/>
-        <p:nvPr/>
-      </p:nvGrpSpPr>
-      <p:grpSpPr>
-        <a:xfrm>
-          <a:off x="0" y="0"/>
-          <a:ext cx="0" cy="0"/>
-          <a:chOff x="0" y="0"/>
-          <a:chExt cx="0" cy="0"/>
-        </a:xfrm>
-      </p:grpSpPr>
-      <p:sp>
-        <p:nvSpPr>
-          <p:cNvPr id="2" name="Title 1">
-            <a:extLst>
-              <a:ext uri="{FF2B5EF4-FFF2-40B4-BE49-F238E27FC236}">
-                <a16:creationId xmlns:a16="http://schemas.microsoft.com/office/drawing/2014/main" id="{0272FD9F-E644-4A44-BFCA-ED18DB74BF6C}"/>
-              </a:ext>
-            </a:extLst>
-          </p:cNvPr>
-          <p:cNvSpPr>
-            <a:spLocks noGrp="1"/>
-          </p:cNvSpPr>
-          <p:nvPr>
-            <p:ph type="title"/>
-          </p:nvPr>
-        </p:nvSpPr>
-        <p:spPr>
-          <a:xfrm>
-            <a:off x="838200" y="3443321"/>
-            <a:ext cx="10515600" cy="1325563"/>
-          </a:xfrm>
-        </p:spPr>
-        <p:txBody>
-          <a:bodyPr>
-            <a:normAutofit/>
-          </a:bodyPr>
-          <a:lstStyle/>
-          <a:p>
-            <a:r>
-              <a:rPr lang="en-US" sz="5400" dirty="0">
-                <a:solidFill>
-                  <a:schemeClr val="bg1"/>
-                </a:solidFill>
-              </a:rPr>
-              <a:t>Introduction</a:t>
-            </a:r>
-          </a:p>
-        </p:txBody>
-      </p:sp>
-      <mc:AlternateContent xmlns:mc="http://schemas.openxmlformats.org/markup-compatibility/2006" xmlns:p14="http://schemas.microsoft.com/office/powerpoint/2010/main">
-        <mc:Choice Requires="p14">
-          <p:contentPart p14:bwMode="auto" r:id="rId2">
-            <p14:nvContentPartPr>
-              <p14:cNvPr id="4" name="Ink 3">
-                <a:extLst>
-                  <a:ext uri="{FF2B5EF4-FFF2-40B4-BE49-F238E27FC236}">
-                    <a16:creationId xmlns:a16="http://schemas.microsoft.com/office/drawing/2014/main" id="{5DB6223E-7E18-48A0-BBB6-336F112F6700}"/>
-                  </a:ext>
-                </a:extLst>
-              </p14:cNvPr>
-              <p14:cNvContentPartPr/>
-              <p14:nvPr/>
-            </p14:nvContentPartPr>
-            <p14:xfrm>
-              <a:off x="5697544" y="551679"/>
-              <a:ext cx="360" cy="360"/>
-            </p14:xfrm>
-          </p:contentPart>
-        </mc:Choice>
-        <mc:Fallback xmlns="">
-          <p:pic>
-            <p:nvPicPr>
-              <p:cNvPr id="4" name="Ink 3">
-                <a:extLst>
-                  <a:ext uri="{FF2B5EF4-FFF2-40B4-BE49-F238E27FC236}">
-                    <a16:creationId xmlns:a16="http://schemas.microsoft.com/office/drawing/2014/main" id="{5DB6223E-7E18-48A0-BBB6-336F112F6700}"/>
-                  </a:ext>
-                </a:extLst>
-              </p:cNvPr>
-              <p:cNvPicPr/>
-              <p:nvPr/>
-            </p:nvPicPr>
-            <p:blipFill>
-              <a:blip r:embed="rId3"/>
-              <a:stretch>
-                <a:fillRect/>
-              </a:stretch>
-            </p:blipFill>
-            <p:spPr>
-              <a:xfrm>
-                <a:off x="5688904" y="542679"/>
-                <a:ext cx="18000" cy="18000"/>
-              </a:xfrm>
-              <a:prstGeom prst="rect">
-                <a:avLst/>
-              </a:prstGeom>
-            </p:spPr>
-          </p:pic>
-        </mc:Fallback>
-      </mc:AlternateContent>
-      <mc:AlternateContent xmlns:mc="http://schemas.openxmlformats.org/markup-compatibility/2006" xmlns:p14="http://schemas.microsoft.com/office/powerpoint/2010/main">
-        <mc:Choice Requires="p14">
-          <p:contentPart p14:bwMode="auto" r:id="rId4">
-            <p14:nvContentPartPr>
-              <p14:cNvPr id="5" name="Ink 4">
-                <a:extLst>
-                  <a:ext uri="{FF2B5EF4-FFF2-40B4-BE49-F238E27FC236}">
-                    <a16:creationId xmlns:a16="http://schemas.microsoft.com/office/drawing/2014/main" id="{9CBBC32A-A252-4EB3-AAA8-67286F3D7C00}"/>
-                  </a:ext>
-                </a:extLst>
-              </p14:cNvPr>
-              <p14:cNvContentPartPr/>
-              <p14:nvPr/>
-            </p14:nvContentPartPr>
-            <p14:xfrm>
-              <a:off x="2013584" y="541025"/>
-              <a:ext cx="360" cy="360"/>
-            </p14:xfrm>
-          </p:contentPart>
-        </mc:Choice>
-        <mc:Fallback xmlns="">
-          <p:pic>
-            <p:nvPicPr>
-              <p:cNvPr id="5" name="Ink 4">
-                <a:extLst>
-                  <a:ext uri="{FF2B5EF4-FFF2-40B4-BE49-F238E27FC236}">
-                    <a16:creationId xmlns:a16="http://schemas.microsoft.com/office/drawing/2014/main" id="{9CBBC32A-A252-4EB3-AAA8-67286F3D7C00}"/>
-                  </a:ext>
-                </a:extLst>
-              </p:cNvPr>
-              <p:cNvPicPr/>
-              <p:nvPr/>
-            </p:nvPicPr>
-            <p:blipFill>
-              <a:blip r:embed="rId3"/>
-              <a:stretch>
-                <a:fillRect/>
-              </a:stretch>
-            </p:blipFill>
-            <p:spPr>
-              <a:xfrm>
-                <a:off x="2004944" y="532385"/>
-                <a:ext cx="18000" cy="18000"/>
-              </a:xfrm>
-              <a:prstGeom prst="rect">
-                <a:avLst/>
-              </a:prstGeom>
-            </p:spPr>
-          </p:pic>
-        </mc:Fallback>
-      </mc:AlternateContent>
-      <mc:AlternateContent xmlns:mc="http://schemas.openxmlformats.org/markup-compatibility/2006" xmlns:p14="http://schemas.microsoft.com/office/powerpoint/2010/main">
-        <mc:Choice Requires="p14">
-          <p:contentPart p14:bwMode="auto" r:id="rId5">
-            <p14:nvContentPartPr>
-              <p14:cNvPr id="6" name="Ink 5">
-                <a:extLst>
-                  <a:ext uri="{FF2B5EF4-FFF2-40B4-BE49-F238E27FC236}">
-                    <a16:creationId xmlns:a16="http://schemas.microsoft.com/office/drawing/2014/main" id="{D700A363-91E8-40C5-9C5E-3E09689D5399}"/>
-                  </a:ext>
-                </a:extLst>
-              </p14:cNvPr>
-              <p14:cNvContentPartPr/>
-              <p14:nvPr/>
-            </p14:nvContentPartPr>
-            <p14:xfrm>
-              <a:off x="2060384" y="339785"/>
-              <a:ext cx="360" cy="360"/>
-            </p14:xfrm>
-          </p:contentPart>
-        </mc:Choice>
-        <mc:Fallback xmlns="">
-          <p:pic>
-            <p:nvPicPr>
-              <p:cNvPr id="6" name="Ink 5">
-                <a:extLst>
-                  <a:ext uri="{FF2B5EF4-FFF2-40B4-BE49-F238E27FC236}">
-                    <a16:creationId xmlns:a16="http://schemas.microsoft.com/office/drawing/2014/main" id="{D700A363-91E8-40C5-9C5E-3E09689D5399}"/>
-                  </a:ext>
-                </a:extLst>
-              </p:cNvPr>
-              <p:cNvPicPr/>
-              <p:nvPr/>
-            </p:nvPicPr>
-            <p:blipFill>
-              <a:blip r:embed="rId3"/>
-              <a:stretch>
-                <a:fillRect/>
-              </a:stretch>
-            </p:blipFill>
-            <p:spPr>
-              <a:xfrm>
-                <a:off x="2051744" y="330785"/>
-                <a:ext cx="18000" cy="18000"/>
-              </a:xfrm>
-              <a:prstGeom prst="rect">
-                <a:avLst/>
-              </a:prstGeom>
-            </p:spPr>
-          </p:pic>
-        </mc:Fallback>
-      </mc:AlternateContent>
-      <p:grpSp>
-        <p:nvGrpSpPr>
-          <p:cNvPr id="14" name="Group 13">
-            <a:extLst>
-              <a:ext uri="{FF2B5EF4-FFF2-40B4-BE49-F238E27FC236}">
-                <a16:creationId xmlns:a16="http://schemas.microsoft.com/office/drawing/2014/main" id="{918E7E0B-F2D8-4897-9067-5F6C3C7D2DF3}"/>
-              </a:ext>
-            </a:extLst>
-          </p:cNvPr>
-          <p:cNvGrpSpPr/>
-          <p:nvPr/>
-        </p:nvGrpSpPr>
-        <p:grpSpPr>
-          <a:xfrm>
-            <a:off x="3672464" y="836225"/>
-            <a:ext cx="15840" cy="360"/>
-            <a:chOff x="3672464" y="836225"/>
-            <a:chExt cx="15840" cy="360"/>
-          </a:xfrm>
-        </p:grpSpPr>
-        <mc:AlternateContent xmlns:mc="http://schemas.openxmlformats.org/markup-compatibility/2006" xmlns:p14="http://schemas.microsoft.com/office/powerpoint/2010/main">
-          <mc:Choice Requires="p14">
-            <p:contentPart p14:bwMode="auto" r:id="rId6">
-              <p14:nvContentPartPr>
-                <p14:cNvPr id="7" name="Ink 6">
-                  <a:extLst>
-                    <a:ext uri="{FF2B5EF4-FFF2-40B4-BE49-F238E27FC236}">
-                      <a16:creationId xmlns:a16="http://schemas.microsoft.com/office/drawing/2014/main" id="{D6BE931A-0DE8-4032-957D-E843569A49C4}"/>
-                    </a:ext>
-                  </a:extLst>
-                </p14:cNvPr>
-                <p14:cNvContentPartPr/>
-                <p14:nvPr/>
-              </p14:nvContentPartPr>
-              <p14:xfrm>
-                <a:off x="3672464" y="836225"/>
-                <a:ext cx="6480" cy="360"/>
-              </p14:xfrm>
-            </p:contentPart>
-          </mc:Choice>
-          <mc:Fallback xmlns="">
-            <p:pic>
-              <p:nvPicPr>
-                <p:cNvPr id="7" name="Ink 6">
-                  <a:extLst>
-                    <a:ext uri="{FF2B5EF4-FFF2-40B4-BE49-F238E27FC236}">
-                      <a16:creationId xmlns:a16="http://schemas.microsoft.com/office/drawing/2014/main" id="{D6BE931A-0DE8-4032-957D-E843569A49C4}"/>
-                    </a:ext>
-                  </a:extLst>
-                </p:cNvPr>
-                <p:cNvPicPr/>
-                <p:nvPr/>
-              </p:nvPicPr>
-              <p:blipFill>
-                <a:blip r:embed="rId7"/>
-                <a:stretch>
-                  <a:fillRect/>
-                </a:stretch>
-              </p:blipFill>
-              <p:spPr>
-                <a:xfrm>
-                  <a:off x="3663824" y="827585"/>
-                  <a:ext cx="24120" cy="18000"/>
-                </a:xfrm>
-                <a:prstGeom prst="rect">
-                  <a:avLst/>
-                </a:prstGeom>
-              </p:spPr>
-            </p:pic>
-          </mc:Fallback>
-        </mc:AlternateContent>
-        <mc:AlternateContent xmlns:mc="http://schemas.openxmlformats.org/markup-compatibility/2006" xmlns:p14="http://schemas.microsoft.com/office/powerpoint/2010/main">
-          <mc:Choice Requires="p14">
-            <p:contentPart p14:bwMode="auto" r:id="rId8">
-              <p14:nvContentPartPr>
-                <p14:cNvPr id="8" name="Ink 7">
-                  <a:extLst>
-                    <a:ext uri="{FF2B5EF4-FFF2-40B4-BE49-F238E27FC236}">
-                      <a16:creationId xmlns:a16="http://schemas.microsoft.com/office/drawing/2014/main" id="{9C2F711C-CE74-404B-BA9B-185AAE899C1A}"/>
-                    </a:ext>
-                  </a:extLst>
-                </p14:cNvPr>
-                <p14:cNvContentPartPr/>
-                <p14:nvPr/>
-              </p14:nvContentPartPr>
-              <p14:xfrm>
-                <a:off x="3687944" y="836225"/>
-                <a:ext cx="360" cy="360"/>
-              </p14:xfrm>
-            </p:contentPart>
-          </mc:Choice>
-          <mc:Fallback xmlns="">
-            <p:pic>
-              <p:nvPicPr>
-                <p:cNvPr id="8" name="Ink 7">
-                  <a:extLst>
-                    <a:ext uri="{FF2B5EF4-FFF2-40B4-BE49-F238E27FC236}">
-                      <a16:creationId xmlns:a16="http://schemas.microsoft.com/office/drawing/2014/main" id="{9C2F711C-CE74-404B-BA9B-185AAE899C1A}"/>
-                    </a:ext>
-                  </a:extLst>
-                </p:cNvPr>
-                <p:cNvPicPr/>
-                <p:nvPr/>
-              </p:nvPicPr>
-              <p:blipFill>
-                <a:blip r:embed="rId3"/>
-                <a:stretch>
-                  <a:fillRect/>
-                </a:stretch>
-              </p:blipFill>
-              <p:spPr>
-                <a:xfrm>
-                  <a:off x="3678944" y="827585"/>
-                  <a:ext cx="18000" cy="18000"/>
-                </a:xfrm>
-                <a:prstGeom prst="rect">
-                  <a:avLst/>
-                </a:prstGeom>
-              </p:spPr>
-            </p:pic>
-          </mc:Fallback>
-        </mc:AlternateContent>
-      </p:grpSp>
-      <mc:AlternateContent xmlns:mc="http://schemas.openxmlformats.org/markup-compatibility/2006" xmlns:p14="http://schemas.microsoft.com/office/powerpoint/2010/main">
-        <mc:Choice Requires="p14">
-          <p:contentPart p14:bwMode="auto" r:id="rId9">
-            <p14:nvContentPartPr>
-              <p14:cNvPr id="9" name="Ink 8">
-                <a:extLst>
-                  <a:ext uri="{FF2B5EF4-FFF2-40B4-BE49-F238E27FC236}">
-                    <a16:creationId xmlns:a16="http://schemas.microsoft.com/office/drawing/2014/main" id="{EF1348A3-35BF-402A-A17D-EA9DA7B8A095}"/>
-                  </a:ext>
-                </a:extLst>
-              </p14:cNvPr>
-              <p14:cNvContentPartPr/>
-              <p14:nvPr/>
-            </p14:nvContentPartPr>
-            <p14:xfrm>
-              <a:off x="5082944" y="1037825"/>
-              <a:ext cx="30960" cy="360"/>
-            </p14:xfrm>
-          </p:contentPart>
-        </mc:Choice>
-        <mc:Fallback xmlns="">
-          <p:pic>
-            <p:nvPicPr>
-              <p:cNvPr id="9" name="Ink 8">
-                <a:extLst>
-                  <a:ext uri="{FF2B5EF4-FFF2-40B4-BE49-F238E27FC236}">
-                    <a16:creationId xmlns:a16="http://schemas.microsoft.com/office/drawing/2014/main" id="{EF1348A3-35BF-402A-A17D-EA9DA7B8A095}"/>
-                  </a:ext>
-                </a:extLst>
-              </p:cNvPr>
-              <p:cNvPicPr/>
-              <p:nvPr/>
-            </p:nvPicPr>
-            <p:blipFill>
-              <a:blip r:embed="rId10"/>
-              <a:stretch>
-                <a:fillRect/>
-              </a:stretch>
-            </p:blipFill>
-            <p:spPr>
-              <a:xfrm>
-                <a:off x="5074304" y="1029185"/>
-                <a:ext cx="48600" cy="18000"/>
-              </a:xfrm>
-              <a:prstGeom prst="rect">
-                <a:avLst/>
-              </a:prstGeom>
-            </p:spPr>
-          </p:pic>
-        </mc:Fallback>
-      </mc:AlternateContent>
-      <mc:AlternateContent xmlns:mc="http://schemas.openxmlformats.org/markup-compatibility/2006" xmlns:p14="http://schemas.microsoft.com/office/powerpoint/2010/main">
-        <mc:Choice Requires="p14">
-          <p:contentPart p14:bwMode="auto" r:id="rId11">
-            <p14:nvContentPartPr>
-              <p14:cNvPr id="10" name="Ink 9">
-                <a:extLst>
-                  <a:ext uri="{FF2B5EF4-FFF2-40B4-BE49-F238E27FC236}">
-                    <a16:creationId xmlns:a16="http://schemas.microsoft.com/office/drawing/2014/main" id="{906A6EFD-0AAA-46AB-8396-B3D1A96ED5A8}"/>
-                  </a:ext>
-                </a:extLst>
-              </p14:cNvPr>
-              <p14:cNvContentPartPr/>
-              <p14:nvPr/>
-            </p14:nvContentPartPr>
-            <p14:xfrm>
-              <a:off x="5656064" y="1037825"/>
-              <a:ext cx="360" cy="360"/>
-            </p14:xfrm>
-          </p:contentPart>
-        </mc:Choice>
-        <mc:Fallback xmlns="">
-          <p:pic>
-            <p:nvPicPr>
-              <p:cNvPr id="10" name="Ink 9">
-                <a:extLst>
-                  <a:ext uri="{FF2B5EF4-FFF2-40B4-BE49-F238E27FC236}">
-                    <a16:creationId xmlns:a16="http://schemas.microsoft.com/office/drawing/2014/main" id="{906A6EFD-0AAA-46AB-8396-B3D1A96ED5A8}"/>
-                  </a:ext>
-                </a:extLst>
-              </p:cNvPr>
-              <p:cNvPicPr/>
-              <p:nvPr/>
-            </p:nvPicPr>
-            <p:blipFill>
-              <a:blip r:embed="rId3"/>
-              <a:stretch>
-                <a:fillRect/>
-              </a:stretch>
-            </p:blipFill>
-            <p:spPr>
-              <a:xfrm>
-                <a:off x="5647064" y="1029185"/>
-                <a:ext cx="18000" cy="18000"/>
-              </a:xfrm>
-              <a:prstGeom prst="rect">
-                <a:avLst/>
-              </a:prstGeom>
-            </p:spPr>
-          </p:pic>
-        </mc:Fallback>
-      </mc:AlternateContent>
-      <mc:AlternateContent xmlns:mc="http://schemas.openxmlformats.org/markup-compatibility/2006" xmlns:p14="http://schemas.microsoft.com/office/powerpoint/2010/main">
-        <mc:Choice Requires="p14">
-          <p:contentPart p14:bwMode="auto" r:id="rId12">
-            <p14:nvContentPartPr>
-              <p14:cNvPr id="11" name="Ink 10">
-                <a:extLst>
-                  <a:ext uri="{FF2B5EF4-FFF2-40B4-BE49-F238E27FC236}">
-                    <a16:creationId xmlns:a16="http://schemas.microsoft.com/office/drawing/2014/main" id="{99B549C4-EB64-406E-BEDD-3A0070366590}"/>
-                  </a:ext>
-                </a:extLst>
-              </p14:cNvPr>
-              <p14:cNvContentPartPr/>
-              <p14:nvPr/>
-            </p14:nvContentPartPr>
-            <p14:xfrm>
-              <a:off x="5934704" y="1022705"/>
-              <a:ext cx="360" cy="360"/>
-            </p14:xfrm>
-          </p:contentPart>
-        </mc:Choice>
-        <mc:Fallback xmlns="">
-          <p:pic>
-            <p:nvPicPr>
-              <p:cNvPr id="11" name="Ink 10">
-                <a:extLst>
-                  <a:ext uri="{FF2B5EF4-FFF2-40B4-BE49-F238E27FC236}">
-                    <a16:creationId xmlns:a16="http://schemas.microsoft.com/office/drawing/2014/main" id="{99B549C4-EB64-406E-BEDD-3A0070366590}"/>
-                  </a:ext>
-                </a:extLst>
-              </p:cNvPr>
-              <p:cNvPicPr/>
-              <p:nvPr/>
-            </p:nvPicPr>
-            <p:blipFill>
-              <a:blip r:embed="rId3"/>
-              <a:stretch>
-                <a:fillRect/>
-              </a:stretch>
-            </p:blipFill>
-            <p:spPr>
-              <a:xfrm>
-                <a:off x="5926064" y="1013705"/>
-                <a:ext cx="18000" cy="18000"/>
-              </a:xfrm>
-              <a:prstGeom prst="rect">
-                <a:avLst/>
-              </a:prstGeom>
-            </p:spPr>
-          </p:pic>
-        </mc:Fallback>
-      </mc:AlternateContent>
-      <mc:AlternateContent xmlns:mc="http://schemas.openxmlformats.org/markup-compatibility/2006" xmlns:p14="http://schemas.microsoft.com/office/powerpoint/2010/main">
-        <mc:Choice Requires="p14">
-          <p:contentPart p14:bwMode="auto" r:id="rId13">
-            <p14:nvContentPartPr>
-              <p14:cNvPr id="12" name="Ink 11">
-                <a:extLst>
-                  <a:ext uri="{FF2B5EF4-FFF2-40B4-BE49-F238E27FC236}">
-                    <a16:creationId xmlns:a16="http://schemas.microsoft.com/office/drawing/2014/main" id="{3DD9F89E-1E89-45A8-9B64-27330DDC16D5}"/>
-                  </a:ext>
-                </a:extLst>
-              </p14:cNvPr>
-              <p14:cNvContentPartPr/>
-              <p14:nvPr/>
-            </p14:nvContentPartPr>
-            <p14:xfrm>
-              <a:off x="2503904" y="991025"/>
-              <a:ext cx="6840" cy="360"/>
-            </p14:xfrm>
-          </p:contentPart>
-        </mc:Choice>
-        <mc:Fallback xmlns="">
-          <p:pic>
-            <p:nvPicPr>
-              <p:cNvPr id="12" name="Ink 11">
-                <a:extLst>
-                  <a:ext uri="{FF2B5EF4-FFF2-40B4-BE49-F238E27FC236}">
-                    <a16:creationId xmlns:a16="http://schemas.microsoft.com/office/drawing/2014/main" id="{3DD9F89E-1E89-45A8-9B64-27330DDC16D5}"/>
-                  </a:ext>
-                </a:extLst>
-              </p:cNvPr>
-              <p:cNvPicPr/>
-              <p:nvPr/>
-            </p:nvPicPr>
-            <p:blipFill>
-              <a:blip r:embed="rId14"/>
-              <a:stretch>
-                <a:fillRect/>
-              </a:stretch>
-            </p:blipFill>
-            <p:spPr>
-              <a:xfrm>
-                <a:off x="2495264" y="982025"/>
-                <a:ext cx="24480" cy="18000"/>
-              </a:xfrm>
-              <a:prstGeom prst="rect">
-                <a:avLst/>
-              </a:prstGeom>
-            </p:spPr>
-          </p:pic>
-        </mc:Fallback>
-      </mc:AlternateContent>
-      <mc:AlternateContent xmlns:mc="http://schemas.openxmlformats.org/markup-compatibility/2006" xmlns:p14="http://schemas.microsoft.com/office/powerpoint/2010/main">
-        <mc:Choice Requires="p14">
-          <p:contentPart p14:bwMode="auto" r:id="rId15">
-            <p14:nvContentPartPr>
-              <p14:cNvPr id="13" name="Ink 12">
-                <a:extLst>
-                  <a:ext uri="{FF2B5EF4-FFF2-40B4-BE49-F238E27FC236}">
-                    <a16:creationId xmlns:a16="http://schemas.microsoft.com/office/drawing/2014/main" id="{B70F82F8-7C29-4F2E-B95E-31A4224FB92A}"/>
-                  </a:ext>
-                </a:extLst>
-              </p14:cNvPr>
-              <p14:cNvContentPartPr/>
-              <p14:nvPr/>
-            </p14:nvContentPartPr>
-            <p14:xfrm>
-              <a:off x="2773904" y="2603105"/>
-              <a:ext cx="6480" cy="360"/>
-            </p14:xfrm>
-          </p:contentPart>
-        </mc:Choice>
-        <mc:Fallback xmlns="">
-          <p:pic>
-            <p:nvPicPr>
-              <p:cNvPr id="13" name="Ink 12">
-                <a:extLst>
-                  <a:ext uri="{FF2B5EF4-FFF2-40B4-BE49-F238E27FC236}">
-                    <a16:creationId xmlns:a16="http://schemas.microsoft.com/office/drawing/2014/main" id="{B70F82F8-7C29-4F2E-B95E-31A4224FB92A}"/>
-                  </a:ext>
-                </a:extLst>
-              </p:cNvPr>
-              <p:cNvPicPr/>
-              <p:nvPr/>
-            </p:nvPicPr>
-            <p:blipFill>
-              <a:blip r:embed="rId7"/>
-              <a:stretch>
-                <a:fillRect/>
-              </a:stretch>
-            </p:blipFill>
-            <p:spPr>
-              <a:xfrm>
-                <a:off x="2765264" y="2594105"/>
-                <a:ext cx="24120" cy="18000"/>
-              </a:xfrm>
-              <a:prstGeom prst="rect">
-                <a:avLst/>
-              </a:prstGeom>
-            </p:spPr>
-          </p:pic>
-        </mc:Fallback>
-      </mc:AlternateContent>
-      <mc:AlternateContent xmlns:mc="http://schemas.openxmlformats.org/markup-compatibility/2006" xmlns:p14="http://schemas.microsoft.com/office/powerpoint/2010/main">
-        <mc:Choice Requires="p14">
-          <p:contentPart p14:bwMode="auto" r:id="rId16">
-            <p14:nvContentPartPr>
-              <p14:cNvPr id="15" name="Ink 14">
-                <a:extLst>
-                  <a:ext uri="{FF2B5EF4-FFF2-40B4-BE49-F238E27FC236}">
-                    <a16:creationId xmlns:a16="http://schemas.microsoft.com/office/drawing/2014/main" id="{E2B673A4-A277-47FF-A0EF-E7FE4CA5EC62}"/>
-                  </a:ext>
-                </a:extLst>
-              </p14:cNvPr>
-              <p14:cNvContentPartPr/>
-              <p14:nvPr/>
-            </p14:nvContentPartPr>
-            <p14:xfrm>
-              <a:off x="3408944" y="928745"/>
-              <a:ext cx="360" cy="360"/>
-            </p14:xfrm>
-          </p:contentPart>
-        </mc:Choice>
-        <mc:Fallback xmlns="">
-          <p:pic>
-            <p:nvPicPr>
-              <p:cNvPr id="15" name="Ink 14">
-                <a:extLst>
-                  <a:ext uri="{FF2B5EF4-FFF2-40B4-BE49-F238E27FC236}">
-                    <a16:creationId xmlns:a16="http://schemas.microsoft.com/office/drawing/2014/main" id="{E2B673A4-A277-47FF-A0EF-E7FE4CA5EC62}"/>
-                  </a:ext>
-                </a:extLst>
-              </p:cNvPr>
-              <p:cNvPicPr/>
-              <p:nvPr/>
-            </p:nvPicPr>
-            <p:blipFill>
-              <a:blip r:embed="rId3"/>
-              <a:stretch>
-                <a:fillRect/>
-              </a:stretch>
-            </p:blipFill>
-            <p:spPr>
-              <a:xfrm>
-                <a:off x="3400304" y="920105"/>
-                <a:ext cx="18000" cy="18000"/>
-              </a:xfrm>
-              <a:prstGeom prst="rect">
-                <a:avLst/>
-              </a:prstGeom>
-            </p:spPr>
-          </p:pic>
-        </mc:Fallback>
-      </mc:AlternateContent>
-    </p:spTree>
-    <p:extLst>
-      <p:ext uri="{BB962C8B-B14F-4D97-AF65-F5344CB8AC3E}">
-        <p14:creationId xmlns:p14="http://schemas.microsoft.com/office/powerpoint/2010/main" val="2301727070"/>
-      </p:ext>
-    </p:extLst>
-  </p:cSld>
-  <p:clrMapOvr>
-    <a:masterClrMapping/>
-  </p:clrMapOvr>
-</p:sld>
-</file>
-
-<file path=ppt/slides/slide20.xml><?xml version="1.0" encoding="utf-8"?>
+<file path=ppt/slides/slide22.xml><?xml version="1.0" encoding="utf-8"?>
 <p:sld xmlns:a="http://schemas.openxmlformats.org/drawingml/2006/main" xmlns:r="http://schemas.openxmlformats.org/officeDocument/2006/relationships" xmlns:p="http://schemas.openxmlformats.org/presentationml/2006/main">
   <p:cSld>
     <p:spTree>
@@ -11506,12 +8902,12 @@
         <p:spPr>
           <a:xfrm>
             <a:off x="838200" y="1825625"/>
-            <a:ext cx="5181600" cy="1689835"/>
+            <a:ext cx="3922059" cy="1689835"/>
           </a:xfrm>
         </p:spPr>
         <p:txBody>
-          <a:bodyPr numCol="2">
-            <a:normAutofit fontScale="92500" lnSpcReduction="20000"/>
+          <a:bodyPr numCol="1">
+            <a:noAutofit/>
           </a:bodyPr>
           <a:lstStyle/>
           <a:p>
@@ -11519,7 +8915,7 @@
               <a:buNone/>
             </a:pPr>
             <a:r>
-              <a:rPr lang="en-US" b="1" dirty="0"/>
+              <a:rPr lang="en-US" sz="2600" b="1" dirty="0"/>
               <a:t>Feature Set 1</a:t>
             </a:r>
           </a:p>
@@ -11530,7 +8926,7 @@
               <a:buChar char="§"/>
             </a:pPr>
             <a:r>
-              <a:rPr lang="en-US" dirty="0"/>
+              <a:rPr lang="en-US" sz="2600" b="1" dirty="0"/>
               <a:t>MovieID</a:t>
             </a:r>
           </a:p>
@@ -11541,7 +8937,7 @@
               <a:buChar char="§"/>
             </a:pPr>
             <a:r>
-              <a:rPr lang="en-US" dirty="0"/>
+              <a:rPr lang="en-US" sz="2600" b="1" dirty="0"/>
               <a:t>UserID</a:t>
             </a:r>
           </a:p>
@@ -11552,16 +8948,9 @@
               <a:buChar char="§"/>
             </a:pPr>
             <a:r>
-              <a:rPr lang="en-US" dirty="0"/>
+              <a:rPr lang="en-US" sz="2600" b="1" dirty="0"/>
               <a:t>Age</a:t>
             </a:r>
-          </a:p>
-          <a:p>
-            <a:pPr marL="0" indent="0">
-              <a:buSzPct val="80000"/>
-              <a:buNone/>
-            </a:pPr>
-            <a:endParaRPr lang="en-US" dirty="0"/>
           </a:p>
           <a:p>
             <a:pPr>
@@ -11570,9 +8959,10 @@
               <a:buChar char="§"/>
             </a:pPr>
             <a:r>
-              <a:rPr lang="en-US" dirty="0"/>
+              <a:rPr lang="en-US" sz="2600" b="1" dirty="0"/>
               <a:t>Occupation</a:t>
             </a:r>
+            <a:endParaRPr lang="en-US" sz="2600" b="1" dirty="0"/>
           </a:p>
           <a:p>
             <a:pPr>
@@ -11581,7 +8971,7 @@
               <a:buChar char="§"/>
             </a:pPr>
             <a:r>
-              <a:rPr lang="en-US" dirty="0"/>
+              <a:rPr lang="en-US" sz="2600" b="1" dirty="0"/>
               <a:t>Gender</a:t>
             </a:r>
           </a:p>
@@ -11592,10 +8982,10 @@
               <a:buChar char="§"/>
             </a:pPr>
             <a:r>
-              <a:rPr lang="en-US" dirty="0"/>
+              <a:rPr lang="en-US" sz="2600" b="1" dirty="0"/>
               <a:t>Genre</a:t>
             </a:r>
-            <a:endParaRPr lang="en-GB" dirty="0"/>
+            <a:endParaRPr lang="en-GB" sz="2600" b="1" dirty="0"/>
           </a:p>
         </p:txBody>
       </p:sp>
@@ -11799,6 +9189,564 @@
           </a:p>
         </p:txBody>
       </p:sp>
+      <p:sp>
+        <p:nvSpPr>
+          <p:cNvPr id="19" name="Rectangle 18">
+            <a:extLst>
+              <a:ext uri="{FF2B5EF4-FFF2-40B4-BE49-F238E27FC236}">
+                <a16:creationId xmlns:a16="http://schemas.microsoft.com/office/drawing/2014/main" id="{2890E0CA-0040-46DE-BD9E-6CA1D47F98F5}"/>
+              </a:ext>
+            </a:extLst>
+          </p:cNvPr>
+          <p:cNvSpPr/>
+          <p:nvPr/>
+        </p:nvSpPr>
+        <p:spPr>
+          <a:xfrm>
+            <a:off x="4096871" y="1825625"/>
+            <a:ext cx="7920318" cy="2297039"/>
+          </a:xfrm>
+          <a:prstGeom prst="rect">
+            <a:avLst/>
+          </a:prstGeom>
+        </p:spPr>
+        <p:txBody>
+          <a:bodyPr wrap="square" numCol="2">
+            <a:spAutoFit/>
+          </a:bodyPr>
+          <a:lstStyle/>
+          <a:p>
+            <a:pPr>
+              <a:lnSpc>
+                <a:spcPct val="70000"/>
+              </a:lnSpc>
+              <a:spcBef>
+                <a:spcPts val="1000"/>
+              </a:spcBef>
+            </a:pPr>
+            <a:r>
+              <a:rPr lang="en-US" sz="2600" b="1" dirty="0"/>
+              <a:t>Feature Set 2</a:t>
+            </a:r>
+          </a:p>
+          <a:p>
+            <a:pPr marL="228600" indent="-228600">
+              <a:lnSpc>
+                <a:spcPct val="70000"/>
+              </a:lnSpc>
+              <a:spcBef>
+                <a:spcPts val="1000"/>
+              </a:spcBef>
+              <a:buSzPct val="80000"/>
+              <a:buFont typeface="Wingdings" panose="05000000000000000000" pitchFamily="2" charset="2"/>
+              <a:buChar char="§"/>
+            </a:pPr>
+            <a:r>
+              <a:rPr lang="en-US" sz="2600" dirty="0"/>
+              <a:t>Feature Set 1</a:t>
+            </a:r>
+          </a:p>
+          <a:p>
+            <a:pPr marL="228600" indent="-228600">
+              <a:lnSpc>
+                <a:spcPct val="70000"/>
+              </a:lnSpc>
+              <a:spcBef>
+                <a:spcPts val="1000"/>
+              </a:spcBef>
+              <a:buSzPct val="80000"/>
+              <a:buFont typeface="Wingdings" panose="05000000000000000000" pitchFamily="2" charset="2"/>
+              <a:buChar char="§"/>
+            </a:pPr>
+            <a:r>
+              <a:rPr lang="en-US" sz="2600" dirty="0"/>
+              <a:t>Average User Rating</a:t>
+            </a:r>
+          </a:p>
+          <a:p>
+            <a:pPr>
+              <a:buSzPct val="80000"/>
+            </a:pPr>
+            <a:endParaRPr lang="en-US" dirty="0" smtClean="0"/>
+          </a:p>
+          <a:p>
+            <a:pPr>
+              <a:buSzPct val="80000"/>
+            </a:pPr>
+            <a:endParaRPr lang="en-US" dirty="0"/>
+          </a:p>
+          <a:p>
+            <a:pPr>
+              <a:buSzPct val="80000"/>
+            </a:pPr>
+            <a:endParaRPr lang="en-US" dirty="0" smtClean="0"/>
+          </a:p>
+          <a:p>
+            <a:pPr>
+              <a:buSzPct val="80000"/>
+            </a:pPr>
+            <a:endParaRPr lang="en-US" dirty="0"/>
+          </a:p>
+          <a:p>
+            <a:pPr>
+              <a:lnSpc>
+                <a:spcPct val="70000"/>
+              </a:lnSpc>
+              <a:spcBef>
+                <a:spcPts val="1000"/>
+              </a:spcBef>
+            </a:pPr>
+            <a:r>
+              <a:rPr lang="en-US" sz="2600" b="1" dirty="0"/>
+              <a:t>Feature Set 3</a:t>
+            </a:r>
+          </a:p>
+          <a:p>
+            <a:pPr marL="228600" indent="-228600">
+              <a:lnSpc>
+                <a:spcPct val="70000"/>
+              </a:lnSpc>
+              <a:spcBef>
+                <a:spcPts val="1000"/>
+              </a:spcBef>
+              <a:buSzPct val="80000"/>
+              <a:buFont typeface="Wingdings" panose="05000000000000000000" pitchFamily="2" charset="2"/>
+              <a:buChar char="§"/>
+            </a:pPr>
+            <a:r>
+              <a:rPr lang="en-US" sz="2600" dirty="0"/>
+              <a:t>Feature Set 2</a:t>
+            </a:r>
+          </a:p>
+          <a:p>
+            <a:pPr marL="228600" indent="-228600">
+              <a:lnSpc>
+                <a:spcPct val="70000"/>
+              </a:lnSpc>
+              <a:spcBef>
+                <a:spcPts val="1000"/>
+              </a:spcBef>
+              <a:buSzPct val="80000"/>
+              <a:buFont typeface="Wingdings" panose="05000000000000000000" pitchFamily="2" charset="2"/>
+              <a:buChar char="§"/>
+            </a:pPr>
+            <a:r>
+              <a:rPr lang="en-US" sz="2600" dirty="0"/>
+              <a:t>Average Movie Rating</a:t>
+            </a:r>
+          </a:p>
+        </p:txBody>
+      </p:sp>
+      <p:pic>
+        <p:nvPicPr>
+          <p:cNvPr id="7" name="Picture 6"/>
+          <p:cNvPicPr>
+            <a:picLocks noChangeAspect="1"/>
+          </p:cNvPicPr>
+          <p:nvPr/>
+        </p:nvPicPr>
+        <p:blipFill>
+          <a:blip r:embed="rId2"/>
+          <a:stretch>
+            <a:fillRect/>
+          </a:stretch>
+        </p:blipFill>
+        <p:spPr>
+          <a:xfrm>
+            <a:off x="4271682" y="3333439"/>
+            <a:ext cx="6522968" cy="3025546"/>
+          </a:xfrm>
+          <a:prstGeom prst="rect">
+            <a:avLst/>
+          </a:prstGeom>
+        </p:spPr>
+      </p:pic>
+    </p:spTree>
+    <p:extLst>
+      <p:ext uri="{BB962C8B-B14F-4D97-AF65-F5344CB8AC3E}">
+        <p14:creationId xmlns:p14="http://schemas.microsoft.com/office/powerpoint/2010/main" val="1847606102"/>
+      </p:ext>
+    </p:extLst>
+  </p:cSld>
+  <p:clrMapOvr>
+    <a:masterClrMapping/>
+  </p:clrMapOvr>
+  <p:timing>
+    <p:tnLst>
+      <p:par>
+        <p:cTn id="1" dur="indefinite" restart="never" nodeType="tmRoot"/>
+      </p:par>
+    </p:tnLst>
+  </p:timing>
+</p:sld>
+</file>
+
+<file path=ppt/slides/slide23.xml><?xml version="1.0" encoding="utf-8"?>
+<p:sld xmlns:a="http://schemas.openxmlformats.org/drawingml/2006/main" xmlns:r="http://schemas.openxmlformats.org/officeDocument/2006/relationships" xmlns:p="http://schemas.openxmlformats.org/presentationml/2006/main">
+  <p:cSld>
+    <p:spTree>
+      <p:nvGrpSpPr>
+        <p:cNvPr id="1" name=""/>
+        <p:cNvGrpSpPr/>
+        <p:nvPr/>
+      </p:nvGrpSpPr>
+      <p:grpSpPr>
+        <a:xfrm>
+          <a:off x="0" y="0"/>
+          <a:ext cx="0" cy="0"/>
+          <a:chOff x="0" y="0"/>
+          <a:chExt cx="0" cy="0"/>
+        </a:xfrm>
+      </p:grpSpPr>
+      <p:sp>
+        <p:nvSpPr>
+          <p:cNvPr id="9" name="Title 6">
+            <a:extLst>
+              <a:ext uri="{FF2B5EF4-FFF2-40B4-BE49-F238E27FC236}">
+                <a16:creationId xmlns:a16="http://schemas.microsoft.com/office/drawing/2014/main" id="{10805FF5-7E6F-4354-904A-E46BAF81E143}"/>
+              </a:ext>
+            </a:extLst>
+          </p:cNvPr>
+          <p:cNvSpPr>
+            <a:spLocks noGrp="1"/>
+          </p:cNvSpPr>
+          <p:nvPr>
+            <p:ph type="title"/>
+          </p:nvPr>
+        </p:nvSpPr>
+        <p:spPr/>
+        <p:txBody>
+          <a:bodyPr>
+            <a:normAutofit/>
+          </a:bodyPr>
+          <a:lstStyle/>
+          <a:p>
+            <a:r>
+              <a:rPr lang="en-US" dirty="0"/>
+              <a:t>Linear Regression</a:t>
+            </a:r>
+            <a:br>
+              <a:rPr lang="en-US" dirty="0"/>
+            </a:br>
+            <a:r>
+              <a:rPr lang="en-US" sz="3100" dirty="0"/>
+              <a:t>Incorporating metadata</a:t>
+            </a:r>
+          </a:p>
+        </p:txBody>
+      </p:sp>
+      <p:sp>
+        <p:nvSpPr>
+          <p:cNvPr id="14" name="Content Placeholder 13">
+            <a:extLst>
+              <a:ext uri="{FF2B5EF4-FFF2-40B4-BE49-F238E27FC236}">
+                <a16:creationId xmlns:a16="http://schemas.microsoft.com/office/drawing/2014/main" id="{C781B11B-116A-4075-83B0-3B087A29F2E0}"/>
+              </a:ext>
+            </a:extLst>
+          </p:cNvPr>
+          <p:cNvSpPr>
+            <a:spLocks noGrp="1"/>
+          </p:cNvSpPr>
+          <p:nvPr>
+            <p:ph sz="half" idx="1"/>
+          </p:nvPr>
+        </p:nvSpPr>
+        <p:spPr>
+          <a:xfrm>
+            <a:off x="838200" y="1825625"/>
+            <a:ext cx="5181600" cy="1689835"/>
+          </a:xfrm>
+        </p:spPr>
+        <p:txBody>
+          <a:bodyPr numCol="2">
+            <a:normAutofit fontScale="92500" lnSpcReduction="20000"/>
+          </a:bodyPr>
+          <a:lstStyle/>
+          <a:p>
+            <a:pPr marL="0" indent="0">
+              <a:buNone/>
+            </a:pPr>
+            <a:r>
+              <a:rPr lang="en-US" b="1" dirty="0"/>
+              <a:t>Feature Set 1</a:t>
+            </a:r>
+          </a:p>
+          <a:p>
+            <a:pPr>
+              <a:buSzPct val="80000"/>
+              <a:buFont typeface="Wingdings" panose="05000000000000000000" pitchFamily="2" charset="2"/>
+              <a:buChar char="§"/>
+            </a:pPr>
+            <a:r>
+              <a:rPr lang="en-US" dirty="0"/>
+              <a:t>MovieID</a:t>
+            </a:r>
+          </a:p>
+          <a:p>
+            <a:pPr>
+              <a:buSzPct val="80000"/>
+              <a:buFont typeface="Wingdings" panose="05000000000000000000" pitchFamily="2" charset="2"/>
+              <a:buChar char="§"/>
+            </a:pPr>
+            <a:r>
+              <a:rPr lang="en-US" dirty="0"/>
+              <a:t>UserID</a:t>
+            </a:r>
+          </a:p>
+          <a:p>
+            <a:pPr>
+              <a:buSzPct val="80000"/>
+              <a:buFont typeface="Wingdings" panose="05000000000000000000" pitchFamily="2" charset="2"/>
+              <a:buChar char="§"/>
+            </a:pPr>
+            <a:r>
+              <a:rPr lang="en-US" dirty="0"/>
+              <a:t>Age</a:t>
+            </a:r>
+          </a:p>
+          <a:p>
+            <a:pPr marL="0" indent="0">
+              <a:buSzPct val="80000"/>
+              <a:buNone/>
+            </a:pPr>
+            <a:endParaRPr lang="en-US" dirty="0"/>
+          </a:p>
+          <a:p>
+            <a:pPr>
+              <a:buSzPct val="80000"/>
+              <a:buFont typeface="Wingdings" panose="05000000000000000000" pitchFamily="2" charset="2"/>
+              <a:buChar char="§"/>
+            </a:pPr>
+            <a:r>
+              <a:rPr lang="en-US" dirty="0"/>
+              <a:t>Occupation</a:t>
+            </a:r>
+          </a:p>
+          <a:p>
+            <a:pPr>
+              <a:buSzPct val="80000"/>
+              <a:buFont typeface="Wingdings" panose="05000000000000000000" pitchFamily="2" charset="2"/>
+              <a:buChar char="§"/>
+            </a:pPr>
+            <a:r>
+              <a:rPr lang="en-US" dirty="0"/>
+              <a:t>Gender</a:t>
+            </a:r>
+          </a:p>
+          <a:p>
+            <a:pPr>
+              <a:buSzPct val="80000"/>
+              <a:buFont typeface="Wingdings" panose="05000000000000000000" pitchFamily="2" charset="2"/>
+              <a:buChar char="§"/>
+            </a:pPr>
+            <a:r>
+              <a:rPr lang="en-US" dirty="0"/>
+              <a:t>Genre</a:t>
+            </a:r>
+            <a:endParaRPr lang="en-GB" dirty="0"/>
+          </a:p>
+        </p:txBody>
+      </p:sp>
+      <p:sp>
+        <p:nvSpPr>
+          <p:cNvPr id="10" name="Content Placeholder 7">
+            <a:extLst>
+              <a:ext uri="{FF2B5EF4-FFF2-40B4-BE49-F238E27FC236}">
+                <a16:creationId xmlns:a16="http://schemas.microsoft.com/office/drawing/2014/main" id="{CCF7644A-27D0-45B0-BD35-03AD56F1BAC8}"/>
+              </a:ext>
+            </a:extLst>
+          </p:cNvPr>
+          <p:cNvSpPr txBox="1">
+            <a:spLocks/>
+          </p:cNvSpPr>
+          <p:nvPr/>
+        </p:nvSpPr>
+        <p:spPr>
+          <a:xfrm>
+            <a:off x="838200" y="1825625"/>
+            <a:ext cx="10515600" cy="4351338"/>
+          </a:xfrm>
+          <a:prstGeom prst="rect">
+            <a:avLst/>
+          </a:prstGeom>
+        </p:spPr>
+        <p:txBody>
+          <a:bodyPr>
+            <a:normAutofit/>
+          </a:bodyPr>
+          <a:lstStyle>
+            <a:lvl1pPr marL="228600" indent="-228600" algn="l" defTabSz="914400" rtl="0" eaLnBrk="1" latinLnBrk="0" hangingPunct="1">
+              <a:lnSpc>
+                <a:spcPct val="90000"/>
+              </a:lnSpc>
+              <a:spcBef>
+                <a:spcPts val="1000"/>
+              </a:spcBef>
+              <a:buFont typeface="Arial" panose="020B0604020202020204" pitchFamily="34" charset="0"/>
+              <a:buChar char="•"/>
+              <a:defRPr sz="2800" kern="1200">
+                <a:solidFill>
+                  <a:schemeClr val="tx1"/>
+                </a:solidFill>
+                <a:latin typeface="+mn-lt"/>
+                <a:ea typeface="+mn-ea"/>
+                <a:cs typeface="+mn-cs"/>
+              </a:defRPr>
+            </a:lvl1pPr>
+            <a:lvl2pPr marL="685800" indent="-228600" algn="l" defTabSz="914400" rtl="0" eaLnBrk="1" latinLnBrk="0" hangingPunct="1">
+              <a:lnSpc>
+                <a:spcPct val="90000"/>
+              </a:lnSpc>
+              <a:spcBef>
+                <a:spcPts val="500"/>
+              </a:spcBef>
+              <a:buFont typeface="Arial" panose="020B0604020202020204" pitchFamily="34" charset="0"/>
+              <a:buChar char="•"/>
+              <a:defRPr sz="2400" kern="1200">
+                <a:solidFill>
+                  <a:schemeClr val="tx1"/>
+                </a:solidFill>
+                <a:latin typeface="+mn-lt"/>
+                <a:ea typeface="+mn-ea"/>
+                <a:cs typeface="+mn-cs"/>
+              </a:defRPr>
+            </a:lvl2pPr>
+            <a:lvl3pPr marL="1143000" indent="-228600" algn="l" defTabSz="914400" rtl="0" eaLnBrk="1" latinLnBrk="0" hangingPunct="1">
+              <a:lnSpc>
+                <a:spcPct val="90000"/>
+              </a:lnSpc>
+              <a:spcBef>
+                <a:spcPts val="500"/>
+              </a:spcBef>
+              <a:buFont typeface="Arial" panose="020B0604020202020204" pitchFamily="34" charset="0"/>
+              <a:buChar char="•"/>
+              <a:defRPr sz="2000" kern="1200">
+                <a:solidFill>
+                  <a:schemeClr val="tx1"/>
+                </a:solidFill>
+                <a:latin typeface="+mn-lt"/>
+                <a:ea typeface="+mn-ea"/>
+                <a:cs typeface="+mn-cs"/>
+              </a:defRPr>
+            </a:lvl3pPr>
+            <a:lvl4pPr marL="1600200" indent="-228600" algn="l" defTabSz="914400" rtl="0" eaLnBrk="1" latinLnBrk="0" hangingPunct="1">
+              <a:lnSpc>
+                <a:spcPct val="90000"/>
+              </a:lnSpc>
+              <a:spcBef>
+                <a:spcPts val="500"/>
+              </a:spcBef>
+              <a:buFont typeface="Arial" panose="020B0604020202020204" pitchFamily="34" charset="0"/>
+              <a:buChar char="•"/>
+              <a:defRPr sz="1800" kern="1200">
+                <a:solidFill>
+                  <a:schemeClr val="tx1"/>
+                </a:solidFill>
+                <a:latin typeface="+mn-lt"/>
+                <a:ea typeface="+mn-ea"/>
+                <a:cs typeface="+mn-cs"/>
+              </a:defRPr>
+            </a:lvl4pPr>
+            <a:lvl5pPr marL="2057400" indent="-228600" algn="l" defTabSz="914400" rtl="0" eaLnBrk="1" latinLnBrk="0" hangingPunct="1">
+              <a:lnSpc>
+                <a:spcPct val="90000"/>
+              </a:lnSpc>
+              <a:spcBef>
+                <a:spcPts val="500"/>
+              </a:spcBef>
+              <a:buFont typeface="Arial" panose="020B0604020202020204" pitchFamily="34" charset="0"/>
+              <a:buChar char="•"/>
+              <a:defRPr sz="1800" kern="1200">
+                <a:solidFill>
+                  <a:schemeClr val="tx1"/>
+                </a:solidFill>
+                <a:latin typeface="+mn-lt"/>
+                <a:ea typeface="+mn-ea"/>
+                <a:cs typeface="+mn-cs"/>
+              </a:defRPr>
+            </a:lvl5pPr>
+            <a:lvl6pPr marL="2514600" indent="-228600" algn="l" defTabSz="914400" rtl="0" eaLnBrk="1" latinLnBrk="0" hangingPunct="1">
+              <a:lnSpc>
+                <a:spcPct val="90000"/>
+              </a:lnSpc>
+              <a:spcBef>
+                <a:spcPts val="500"/>
+              </a:spcBef>
+              <a:buFont typeface="Arial" panose="020B0604020202020204" pitchFamily="34" charset="0"/>
+              <a:buChar char="•"/>
+              <a:defRPr sz="1800" kern="1200">
+                <a:solidFill>
+                  <a:schemeClr val="tx1"/>
+                </a:solidFill>
+                <a:latin typeface="+mn-lt"/>
+                <a:ea typeface="+mn-ea"/>
+                <a:cs typeface="+mn-cs"/>
+              </a:defRPr>
+            </a:lvl6pPr>
+            <a:lvl7pPr marL="2971800" indent="-228600" algn="l" defTabSz="914400" rtl="0" eaLnBrk="1" latinLnBrk="0" hangingPunct="1">
+              <a:lnSpc>
+                <a:spcPct val="90000"/>
+              </a:lnSpc>
+              <a:spcBef>
+                <a:spcPts val="500"/>
+              </a:spcBef>
+              <a:buFont typeface="Arial" panose="020B0604020202020204" pitchFamily="34" charset="0"/>
+              <a:buChar char="•"/>
+              <a:defRPr sz="1800" kern="1200">
+                <a:solidFill>
+                  <a:schemeClr val="tx1"/>
+                </a:solidFill>
+                <a:latin typeface="+mn-lt"/>
+                <a:ea typeface="+mn-ea"/>
+                <a:cs typeface="+mn-cs"/>
+              </a:defRPr>
+            </a:lvl7pPr>
+            <a:lvl8pPr marL="3429000" indent="-228600" algn="l" defTabSz="914400" rtl="0" eaLnBrk="1" latinLnBrk="0" hangingPunct="1">
+              <a:lnSpc>
+                <a:spcPct val="90000"/>
+              </a:lnSpc>
+              <a:spcBef>
+                <a:spcPts val="500"/>
+              </a:spcBef>
+              <a:buFont typeface="Arial" panose="020B0604020202020204" pitchFamily="34" charset="0"/>
+              <a:buChar char="•"/>
+              <a:defRPr sz="1800" kern="1200">
+                <a:solidFill>
+                  <a:schemeClr val="tx1"/>
+                </a:solidFill>
+                <a:latin typeface="+mn-lt"/>
+                <a:ea typeface="+mn-ea"/>
+                <a:cs typeface="+mn-cs"/>
+              </a:defRPr>
+            </a:lvl8pPr>
+            <a:lvl9pPr marL="3886200" indent="-228600" algn="l" defTabSz="914400" rtl="0" eaLnBrk="1" latinLnBrk="0" hangingPunct="1">
+              <a:lnSpc>
+                <a:spcPct val="90000"/>
+              </a:lnSpc>
+              <a:spcBef>
+                <a:spcPts val="500"/>
+              </a:spcBef>
+              <a:buFont typeface="Arial" panose="020B0604020202020204" pitchFamily="34" charset="0"/>
+              <a:buChar char="•"/>
+              <a:defRPr sz="1800" kern="1200">
+                <a:solidFill>
+                  <a:schemeClr val="tx1"/>
+                </a:solidFill>
+                <a:latin typeface="+mn-lt"/>
+                <a:ea typeface="+mn-ea"/>
+                <a:cs typeface="+mn-cs"/>
+              </a:defRPr>
+            </a:lvl9pPr>
+          </a:lstStyle>
+          <a:p>
+            <a:pPr marL="0" indent="0">
+              <a:buFont typeface="Arial" panose="020B0604020202020204" pitchFamily="34" charset="0"/>
+              <a:buNone/>
+            </a:pPr>
+            <a:endParaRPr lang="en-CA" sz="1400" dirty="0"/>
+          </a:p>
+        </p:txBody>
+      </p:sp>
       <p:graphicFrame>
         <p:nvGraphicFramePr>
           <p:cNvPr id="16" name="Table 4">
@@ -13636,10 +11584,17 @@
   <p:clrMapOvr>
     <a:masterClrMapping/>
   </p:clrMapOvr>
+  <p:timing>
+    <p:tnLst>
+      <p:par>
+        <p:cTn id="1" dur="indefinite" restart="never" nodeType="tmRoot"/>
+      </p:par>
+    </p:tnLst>
+  </p:timing>
 </p:sld>
 </file>
 
-<file path=ppt/slides/slide21.xml><?xml version="1.0" encoding="utf-8"?>
+<file path=ppt/slides/slide24.xml><?xml version="1.0" encoding="utf-8"?>
 <p:sld xmlns:a="http://schemas.openxmlformats.org/drawingml/2006/main" xmlns:r="http://schemas.openxmlformats.org/officeDocument/2006/relationships" xmlns:p="http://schemas.openxmlformats.org/presentationml/2006/main">
   <p:cSld>
     <p:spTree>
@@ -13713,29 +11668,6 @@
           </a:p>
         </p:txBody>
       </p:sp>
-      <p:sp>
-        <p:nvSpPr>
-          <p:cNvPr id="5" name="Footer Placeholder 4"/>
-          <p:cNvSpPr>
-            <a:spLocks noGrp="1"/>
-          </p:cNvSpPr>
-          <p:nvPr>
-            <p:ph type="ftr" sz="quarter" idx="11"/>
-          </p:nvPr>
-        </p:nvSpPr>
-        <p:spPr/>
-        <p:txBody>
-          <a:bodyPr/>
-          <a:lstStyle/>
-          <a:p>
-            <a:r>
-              <a:rPr lang="en-GB" smtClean="0"/>
-              <a:t>𝜆^∗=0.3  intial MAE = 0.766. &amp; final MAE of 0.695</a:t>
-            </a:r>
-            <a:endParaRPr lang="en-US"/>
-          </a:p>
-        </p:txBody>
-      </p:sp>
     </p:spTree>
     <p:extLst>
       <p:ext uri="{BB962C8B-B14F-4D97-AF65-F5344CB8AC3E}">
@@ -13746,10 +11678,17 @@
   <p:clrMapOvr>
     <a:masterClrMapping/>
   </p:clrMapOvr>
+  <p:timing>
+    <p:tnLst>
+      <p:par>
+        <p:cTn id="1" dur="indefinite" restart="never" nodeType="tmRoot"/>
+      </p:par>
+    </p:tnLst>
+  </p:timing>
 </p:sld>
 </file>
 
-<file path=ppt/slides/slide22.xml><?xml version="1.0" encoding="utf-8"?>
+<file path=ppt/slides/slide25.xml><?xml version="1.0" encoding="utf-8"?>
 <p:sld xmlns:a="http://schemas.openxmlformats.org/drawingml/2006/main" xmlns:r="http://schemas.openxmlformats.org/officeDocument/2006/relationships" xmlns:p="http://schemas.openxmlformats.org/presentationml/2006/main">
   <p:cSld>
     <p:spTree>
@@ -13827,29 +11766,6 @@
           </a:p>
         </p:txBody>
       </p:sp>
-      <p:sp>
-        <p:nvSpPr>
-          <p:cNvPr id="5" name="Footer Placeholder 4"/>
-          <p:cNvSpPr>
-            <a:spLocks noGrp="1"/>
-          </p:cNvSpPr>
-          <p:nvPr>
-            <p:ph type="ftr" sz="quarter" idx="11"/>
-          </p:nvPr>
-        </p:nvSpPr>
-        <p:spPr/>
-        <p:txBody>
-          <a:bodyPr/>
-          <a:lstStyle/>
-          <a:p>
-            <a:r>
-              <a:rPr lang="en-GB" smtClean="0"/>
-              <a:t>𝜆^∗=0.3  intial MAE = 0.766. &amp; final MAE of 0.695</a:t>
-            </a:r>
-            <a:endParaRPr lang="en-US"/>
-          </a:p>
-        </p:txBody>
-      </p:sp>
     </p:spTree>
     <p:extLst>
       <p:ext uri="{BB962C8B-B14F-4D97-AF65-F5344CB8AC3E}">
@@ -13860,6 +11776,13 @@
   <p:clrMapOvr>
     <a:masterClrMapping/>
   </p:clrMapOvr>
+  <p:timing>
+    <p:tnLst>
+      <p:par>
+        <p:cTn id="1" dur="indefinite" restart="never" nodeType="tmRoot"/>
+      </p:par>
+    </p:tnLst>
+  </p:timing>
 </p:sld>
 </file>
 
@@ -13912,23 +11835,19 @@
               <a:buNone/>
             </a:pPr>
             <a:r>
-              <a:rPr lang="en-US" dirty="0" smtClean="0"/>
-              <a:t>What is recommendation system? </a:t>
-            </a:r>
-            <a:r>
-              <a:rPr lang="en-US" dirty="0" smtClean="0"/>
-              <a:t>Netflix is a good example</a:t>
-            </a:r>
-            <a:r>
-              <a:rPr lang="en-US" dirty="0" smtClean="0"/>
-              <a:t> </a:t>
-            </a:r>
-            <a:endParaRPr lang="en-US" dirty="0"/>
+              <a:rPr lang="en-US" dirty="0" smtClean="0">
+                <a:latin typeface="+mj-lt"/>
+              </a:rPr>
+              <a:t>What is recommendation system? Netflix is a good example </a:t>
+            </a:r>
+            <a:endParaRPr lang="en-US" dirty="0">
+              <a:latin typeface="+mj-lt"/>
+            </a:endParaRPr>
           </a:p>
         </p:txBody>
       </p:sp>
-      <mc:AlternateContent xmlns:mc="http://schemas.openxmlformats.org/markup-compatibility/2006" xmlns:p14="http://schemas.microsoft.com/office/powerpoint/2010/main">
-        <mc:Choice Requires="p14">
+      <mc:AlternateContent xmlns:mc="http://schemas.openxmlformats.org/markup-compatibility/2006">
+        <mc:Choice xmlns:p14="http://schemas.microsoft.com/office/powerpoint/2010/main" Requires="p14">
           <p:contentPart p14:bwMode="auto" r:id="rId2">
             <p14:nvContentPartPr>
               <p14:cNvPr id="4" name="Ink 3">
@@ -13947,7 +11866,7 @@
             </p14:xfrm>
           </p:contentPart>
         </mc:Choice>
-        <mc:Fallback xmlns="">
+        <mc:Fallback>
           <p:pic>
             <p:nvPicPr>
               <p:cNvPr id="4" name="Ink 3">
@@ -13969,7 +11888,7 @@
             <p:spPr>
               <a:xfrm>
                 <a:off x="2499664" y="1733919"/>
-                <a:ext cx="18000" cy="18000"/>
+                <a:ext cx="18360" cy="18360"/>
               </a:xfrm>
               <a:prstGeom prst="rect">
                 <a:avLst/>
@@ -13978,8 +11897,8 @@
           </p:pic>
         </mc:Fallback>
       </mc:AlternateContent>
-      <mc:AlternateContent xmlns:mc="http://schemas.openxmlformats.org/markup-compatibility/2006" xmlns:p14="http://schemas.microsoft.com/office/powerpoint/2010/main">
-        <mc:Choice Requires="p14">
+      <mc:AlternateContent xmlns:mc="http://schemas.openxmlformats.org/markup-compatibility/2006">
+        <mc:Choice xmlns:p14="http://schemas.microsoft.com/office/powerpoint/2010/main" Requires="p14">
           <p:contentPart p14:bwMode="auto" r:id="rId4">
             <p14:nvContentPartPr>
               <p14:cNvPr id="5" name="Ink 4">
@@ -13998,7 +11917,7 @@
             </p14:xfrm>
           </p:contentPart>
         </mc:Choice>
-        <mc:Fallback xmlns="">
+        <mc:Fallback>
           <p:pic>
             <p:nvPicPr>
               <p:cNvPr id="5" name="Ink 4">
@@ -14020,7 +11939,7 @@
             <p:spPr>
               <a:xfrm>
                 <a:off x="2711704" y="883599"/>
-                <a:ext cx="18000" cy="18000"/>
+                <a:ext cx="18360" cy="18360"/>
               </a:xfrm>
               <a:prstGeom prst="rect">
                 <a:avLst/>
@@ -14083,7 +12002,7 @@
                 <p:nvPr/>
               </p:nvPicPr>
               <p:blipFill>
-                <a:blip r:embed="rId3"/>
+                <a:blip r:embed="rId6"/>
                 <a:stretch>
                   <a:fillRect/>
                 </a:stretch>
@@ -14102,7 +12021,7 @@
         </mc:AlternateContent>
         <mc:AlternateContent xmlns:mc="http://schemas.openxmlformats.org/markup-compatibility/2006" xmlns:p14="http://schemas.microsoft.com/office/powerpoint/2010/main">
           <mc:Choice Requires="p14">
-            <p:contentPart p14:bwMode="auto" r:id="rId6">
+            <p:contentPart p14:bwMode="auto" r:id="rId7">
               <p14:nvContentPartPr>
                 <p14:cNvPr id="7" name="Ink 6">
                   <a:extLst>
@@ -14134,7 +12053,7 @@
                 <p:nvPr/>
               </p:nvPicPr>
               <p:blipFill>
-                <a:blip r:embed="rId3"/>
+                <a:blip r:embed="rId6"/>
                 <a:stretch>
                   <a:fillRect/>
                 </a:stretch>
@@ -14152,9 +12071,9 @@
           </mc:Fallback>
         </mc:AlternateContent>
       </p:grpSp>
-      <mc:AlternateContent xmlns:mc="http://schemas.openxmlformats.org/markup-compatibility/2006" xmlns:p14="http://schemas.microsoft.com/office/powerpoint/2010/main">
-        <mc:Choice Requires="p14">
-          <p:contentPart p14:bwMode="auto" r:id="rId7">
+      <mc:AlternateContent xmlns:mc="http://schemas.openxmlformats.org/markup-compatibility/2006">
+        <mc:Choice xmlns:p14="http://schemas.microsoft.com/office/powerpoint/2010/main" Requires="p14">
+          <p:contentPart p14:bwMode="auto" r:id="rId8">
             <p14:nvContentPartPr>
               <p14:cNvPr id="9" name="Ink 8">
                 <a:extLst>
@@ -14172,7 +12091,7 @@
             </p14:xfrm>
           </p:contentPart>
         </mc:Choice>
-        <mc:Fallback xmlns="">
+        <mc:Fallback>
           <p:pic>
             <p:nvPicPr>
               <p:cNvPr id="9" name="Ink 8">
@@ -14193,8 +12112,8 @@
             </p:blipFill>
             <p:spPr>
               <a:xfrm>
-                <a:off x="3074504" y="2082185"/>
-                <a:ext cx="18000" cy="18000"/>
+                <a:off x="3074144" y="2082185"/>
+                <a:ext cx="18360" cy="18360"/>
               </a:xfrm>
               <a:prstGeom prst="rect">
                 <a:avLst/>
@@ -14203,9 +12122,9 @@
           </p:pic>
         </mc:Fallback>
       </mc:AlternateContent>
-      <mc:AlternateContent xmlns:mc="http://schemas.openxmlformats.org/markup-compatibility/2006" xmlns:p14="http://schemas.microsoft.com/office/powerpoint/2010/main">
-        <mc:Choice Requires="p14">
-          <p:contentPart p14:bwMode="auto" r:id="rId8">
+      <mc:AlternateContent xmlns:mc="http://schemas.openxmlformats.org/markup-compatibility/2006">
+        <mc:Choice xmlns:p14="http://schemas.microsoft.com/office/powerpoint/2010/main" Requires="p14">
+          <p:contentPart p14:bwMode="auto" r:id="rId9">
             <p14:nvContentPartPr>
               <p14:cNvPr id="10" name="Ink 9">
                 <a:extLst>
@@ -14223,7 +12142,7 @@
             </p14:xfrm>
           </p:contentPart>
         </mc:Choice>
-        <mc:Fallback xmlns="">
+        <mc:Fallback>
           <p:pic>
             <p:nvPicPr>
               <p:cNvPr id="10" name="Ink 9">
@@ -14245,7 +12164,7 @@
             <p:spPr>
               <a:xfrm>
                 <a:off x="3089624" y="2004785"/>
-                <a:ext cx="18000" cy="18000"/>
+                <a:ext cx="18360" cy="18360"/>
               </a:xfrm>
               <a:prstGeom prst="rect">
                 <a:avLst/>
@@ -14254,9 +12173,9 @@
           </p:pic>
         </mc:Fallback>
       </mc:AlternateContent>
-      <mc:AlternateContent xmlns:mc="http://schemas.openxmlformats.org/markup-compatibility/2006" xmlns:p14="http://schemas.microsoft.com/office/powerpoint/2010/main">
-        <mc:Choice Requires="p14">
-          <p:contentPart p14:bwMode="auto" r:id="rId9">
+      <mc:AlternateContent xmlns:mc="http://schemas.openxmlformats.org/markup-compatibility/2006">
+        <mc:Choice xmlns:p14="http://schemas.microsoft.com/office/powerpoint/2010/main" Requires="p14">
+          <p:contentPart p14:bwMode="auto" r:id="rId10">
             <p14:nvContentPartPr>
               <p14:cNvPr id="11" name="Ink 10">
                 <a:extLst>
@@ -14274,7 +12193,7 @@
             </p14:xfrm>
           </p:contentPart>
         </mc:Choice>
-        <mc:Fallback xmlns="">
+        <mc:Fallback>
           <p:pic>
             <p:nvPicPr>
               <p:cNvPr id="11" name="Ink 10">
@@ -14296,7 +12215,7 @@
             <p:spPr>
               <a:xfrm>
                 <a:off x="3089624" y="2004785"/>
-                <a:ext cx="18000" cy="18000"/>
+                <a:ext cx="18360" cy="18360"/>
               </a:xfrm>
               <a:prstGeom prst="rect">
                 <a:avLst/>
@@ -14305,9 +12224,9 @@
           </p:pic>
         </mc:Fallback>
       </mc:AlternateContent>
-      <mc:AlternateContent xmlns:mc="http://schemas.openxmlformats.org/markup-compatibility/2006" xmlns:p14="http://schemas.microsoft.com/office/powerpoint/2010/main">
-        <mc:Choice Requires="p14">
-          <p:contentPart p14:bwMode="auto" r:id="rId10">
+      <mc:AlternateContent xmlns:mc="http://schemas.openxmlformats.org/markup-compatibility/2006">
+        <mc:Choice xmlns:p14="http://schemas.microsoft.com/office/powerpoint/2010/main" Requires="p14">
+          <p:contentPart p14:bwMode="auto" r:id="rId11">
             <p14:nvContentPartPr>
               <p14:cNvPr id="12" name="Ink 11">
                 <a:extLst>
@@ -14325,7 +12244,7 @@
             </p14:xfrm>
           </p:contentPart>
         </mc:Choice>
-        <mc:Fallback xmlns="">
+        <mc:Fallback>
           <p:pic>
             <p:nvPicPr>
               <p:cNvPr id="12" name="Ink 11">
@@ -14339,15 +12258,15 @@
               <p:nvPr/>
             </p:nvPicPr>
             <p:blipFill>
-              <a:blip r:embed="rId11"/>
+              <a:blip r:embed="rId12"/>
               <a:stretch>
                 <a:fillRect/>
               </a:stretch>
             </p:blipFill>
             <p:spPr>
               <a:xfrm>
-                <a:off x="3276104" y="1425905"/>
-                <a:ext cx="18000" cy="24120"/>
+                <a:off x="3275744" y="1425905"/>
+                <a:ext cx="18360" cy="24480"/>
               </a:xfrm>
               <a:prstGeom prst="rect">
                 <a:avLst/>
@@ -14365,7 +12284,7 @@
           <p:nvPr/>
         </p:nvPicPr>
         <p:blipFill>
-          <a:blip r:embed="rId12">
+          <a:blip r:embed="rId13">
             <a:extLst>
               <a:ext uri="{28A0092B-C50C-407E-A947-70E740481C1C}">
                 <a14:useLocalDpi xmlns:a14="http://schemas.microsoft.com/office/drawing/2010/main" val="0"/>
@@ -14420,32 +12339,32 @@
           <a:p>
             <a:r>
               <a:rPr lang="en-CA" sz="1600" dirty="0">
-                <a:latin typeface="inherit"/>
+                <a:latin typeface="+mj-lt"/>
               </a:rPr>
               <a:t>Kevin </a:t>
             </a:r>
             <a:r>
               <a:rPr lang="en-CA" sz="1600" dirty="0" smtClean="0">
-                <a:latin typeface="inherit"/>
+                <a:latin typeface="+mj-lt"/>
               </a:rPr>
               <a:t>Liao,2018</a:t>
             </a:r>
             <a:r>
               <a:rPr lang="en-CA" sz="1600" dirty="0">
-                <a:latin typeface="inherit"/>
+                <a:latin typeface="+mj-lt"/>
               </a:rPr>
               <a:t>. </a:t>
             </a:r>
             <a:r>
               <a:rPr lang="en-CA" sz="1600" dirty="0">
-                <a:latin typeface="inherit"/>
-                <a:hlinkClick r:id="rId13"/>
+                <a:latin typeface="+mj-lt"/>
+                <a:hlinkClick r:id="rId14"/>
               </a:rPr>
               <a:t>https://towardsdatascience.com/</a:t>
             </a:r>
             <a:r>
               <a:rPr lang="en-CA" sz="1600" dirty="0">
-                <a:latin typeface="inherit"/>
+                <a:latin typeface="+mj-lt"/>
               </a:rPr>
               <a:t> </a:t>
             </a:r>
@@ -14462,6 +12381,13 @@
   <p:clrMapOvr>
     <a:masterClrMapping/>
   </p:clrMapOvr>
+  <p:timing>
+    <p:tnLst>
+      <p:par>
+        <p:cTn id="1" dur="indefinite" restart="never" nodeType="tmRoot"/>
+      </p:par>
+    </p:tnLst>
+  </p:timing>
 </p:sld>
 </file>
 
@@ -14514,394 +12440,20 @@
               <a:buNone/>
             </a:pPr>
             <a:r>
-              <a:rPr lang="en-US" dirty="0" smtClean="0"/>
+              <a:rPr lang="en-US" dirty="0" smtClean="0">
+                <a:latin typeface="+mj-lt"/>
+              </a:rPr>
               <a:t>Why we need recommendation systems? </a:t>
             </a:r>
-            <a:endParaRPr lang="en-US" dirty="0"/>
+            <a:endParaRPr lang="en-US" dirty="0">
+              <a:latin typeface="+mj-lt"/>
+            </a:endParaRPr>
           </a:p>
         </p:txBody>
       </p:sp>
-      <mc:AlternateContent xmlns:mc="http://schemas.openxmlformats.org/markup-compatibility/2006" xmlns:p14="http://schemas.microsoft.com/office/powerpoint/2010/main">
-        <mc:Choice Requires="p14">
+      <mc:AlternateContent xmlns:mc="http://schemas.openxmlformats.org/markup-compatibility/2006">
+        <mc:Choice xmlns:p14="http://schemas.microsoft.com/office/powerpoint/2010/main" Requires="p14">
           <p:contentPart p14:bwMode="auto" r:id="rId2">
-            <p14:nvContentPartPr>
-              <p14:cNvPr id="4" name="Ink 3">
-                <a:extLst>
-                  <a:ext uri="{FF2B5EF4-FFF2-40B4-BE49-F238E27FC236}">
-                    <a16:creationId xmlns:a16="http://schemas.microsoft.com/office/drawing/2014/main" id="{41A310BA-C527-40E3-9F2F-3B5FE2B066C7}"/>
-                  </a:ext>
-                </a:extLst>
-              </p14:cNvPr>
-              <p14:cNvContentPartPr/>
-              <p14:nvPr/>
-            </p14:nvContentPartPr>
-            <p14:xfrm>
-              <a:off x="2508664" y="1742919"/>
-              <a:ext cx="360" cy="360"/>
-            </p14:xfrm>
-          </p:contentPart>
-        </mc:Choice>
-        <mc:Fallback xmlns="">
-          <p:pic>
-            <p:nvPicPr>
-              <p:cNvPr id="4" name="Ink 3">
-                <a:extLst>
-                  <a:ext uri="{FF2B5EF4-FFF2-40B4-BE49-F238E27FC236}">
-                    <a16:creationId xmlns:a16="http://schemas.microsoft.com/office/drawing/2014/main" id="{41A310BA-C527-40E3-9F2F-3B5FE2B066C7}"/>
-                  </a:ext>
-                </a:extLst>
-              </p:cNvPr>
-              <p:cNvPicPr/>
-              <p:nvPr/>
-            </p:nvPicPr>
-            <p:blipFill>
-              <a:blip r:embed="rId3"/>
-              <a:stretch>
-                <a:fillRect/>
-              </a:stretch>
-            </p:blipFill>
-            <p:spPr>
-              <a:xfrm>
-                <a:off x="2499664" y="1733919"/>
-                <a:ext cx="18000" cy="18000"/>
-              </a:xfrm>
-              <a:prstGeom prst="rect">
-                <a:avLst/>
-              </a:prstGeom>
-            </p:spPr>
-          </p:pic>
-        </mc:Fallback>
-      </mc:AlternateContent>
-      <mc:AlternateContent xmlns:mc="http://schemas.openxmlformats.org/markup-compatibility/2006" xmlns:p14="http://schemas.microsoft.com/office/powerpoint/2010/main">
-        <mc:Choice Requires="p14">
-          <p:contentPart p14:bwMode="auto" r:id="rId4">
-            <p14:nvContentPartPr>
-              <p14:cNvPr id="5" name="Ink 4">
-                <a:extLst>
-                  <a:ext uri="{FF2B5EF4-FFF2-40B4-BE49-F238E27FC236}">
-                    <a16:creationId xmlns:a16="http://schemas.microsoft.com/office/drawing/2014/main" id="{A09B1F79-BCD2-4610-9418-3AD8CD639850}"/>
-                  </a:ext>
-                </a:extLst>
-              </p14:cNvPr>
-              <p14:cNvContentPartPr/>
-              <p14:nvPr/>
-            </p14:nvContentPartPr>
-            <p14:xfrm>
-              <a:off x="2720704" y="892599"/>
-              <a:ext cx="360" cy="360"/>
-            </p14:xfrm>
-          </p:contentPart>
-        </mc:Choice>
-        <mc:Fallback xmlns="">
-          <p:pic>
-            <p:nvPicPr>
-              <p:cNvPr id="5" name="Ink 4">
-                <a:extLst>
-                  <a:ext uri="{FF2B5EF4-FFF2-40B4-BE49-F238E27FC236}">
-                    <a16:creationId xmlns:a16="http://schemas.microsoft.com/office/drawing/2014/main" id="{A09B1F79-BCD2-4610-9418-3AD8CD639850}"/>
-                  </a:ext>
-                </a:extLst>
-              </p:cNvPr>
-              <p:cNvPicPr/>
-              <p:nvPr/>
-            </p:nvPicPr>
-            <p:blipFill>
-              <a:blip r:embed="rId3"/>
-              <a:stretch>
-                <a:fillRect/>
-              </a:stretch>
-            </p:blipFill>
-            <p:spPr>
-              <a:xfrm>
-                <a:off x="2711704" y="883599"/>
-                <a:ext cx="18000" cy="18000"/>
-              </a:xfrm>
-              <a:prstGeom prst="rect">
-                <a:avLst/>
-              </a:prstGeom>
-            </p:spPr>
-          </p:pic>
-        </mc:Fallback>
-      </mc:AlternateContent>
-      <p:grpSp>
-        <p:nvGrpSpPr>
-          <p:cNvPr id="8" name="Group 7">
-            <a:extLst>
-              <a:ext uri="{FF2B5EF4-FFF2-40B4-BE49-F238E27FC236}">
-                <a16:creationId xmlns:a16="http://schemas.microsoft.com/office/drawing/2014/main" id="{B0BD59DC-2363-49E0-B1E7-82B1CF7C0AE8}"/>
-              </a:ext>
-            </a:extLst>
-          </p:cNvPr>
-          <p:cNvGrpSpPr/>
-          <p:nvPr/>
-        </p:nvGrpSpPr>
-        <p:grpSpPr>
-          <a:xfrm>
-            <a:off x="2146864" y="763719"/>
-            <a:ext cx="360" cy="360"/>
-            <a:chOff x="2146864" y="763719"/>
-            <a:chExt cx="360" cy="360"/>
-          </a:xfrm>
-        </p:grpSpPr>
-        <mc:AlternateContent xmlns:mc="http://schemas.openxmlformats.org/markup-compatibility/2006" xmlns:p14="http://schemas.microsoft.com/office/powerpoint/2010/main">
-          <mc:Choice Requires="p14">
-            <p:contentPart p14:bwMode="auto" r:id="rId5">
-              <p14:nvContentPartPr>
-                <p14:cNvPr id="6" name="Ink 5">
-                  <a:extLst>
-                    <a:ext uri="{FF2B5EF4-FFF2-40B4-BE49-F238E27FC236}">
-                      <a16:creationId xmlns:a16="http://schemas.microsoft.com/office/drawing/2014/main" id="{38767116-BC8F-40A6-8F76-34A19B4D0EF9}"/>
-                    </a:ext>
-                  </a:extLst>
-                </p14:cNvPr>
-                <p14:cNvContentPartPr/>
-                <p14:nvPr/>
-              </p14:nvContentPartPr>
-              <p14:xfrm>
-                <a:off x="2146864" y="763719"/>
-                <a:ext cx="360" cy="360"/>
-              </p14:xfrm>
-            </p:contentPart>
-          </mc:Choice>
-          <mc:Fallback xmlns="">
-            <p:pic>
-              <p:nvPicPr>
-                <p:cNvPr id="6" name="Ink 5">
-                  <a:extLst>
-                    <a:ext uri="{FF2B5EF4-FFF2-40B4-BE49-F238E27FC236}">
-                      <a16:creationId xmlns:a16="http://schemas.microsoft.com/office/drawing/2014/main" id="{38767116-BC8F-40A6-8F76-34A19B4D0EF9}"/>
-                    </a:ext>
-                  </a:extLst>
-                </p:cNvPr>
-                <p:cNvPicPr/>
-                <p:nvPr/>
-              </p:nvPicPr>
-              <p:blipFill>
-                <a:blip r:embed="rId3"/>
-                <a:stretch>
-                  <a:fillRect/>
-                </a:stretch>
-              </p:blipFill>
-              <p:spPr>
-                <a:xfrm>
-                  <a:off x="2137864" y="755079"/>
-                  <a:ext cx="18000" cy="18000"/>
-                </a:xfrm>
-                <a:prstGeom prst="rect">
-                  <a:avLst/>
-                </a:prstGeom>
-              </p:spPr>
-            </p:pic>
-          </mc:Fallback>
-        </mc:AlternateContent>
-        <mc:AlternateContent xmlns:mc="http://schemas.openxmlformats.org/markup-compatibility/2006" xmlns:p14="http://schemas.microsoft.com/office/powerpoint/2010/main">
-          <mc:Choice Requires="p14">
-            <p:contentPart p14:bwMode="auto" r:id="rId6">
-              <p14:nvContentPartPr>
-                <p14:cNvPr id="7" name="Ink 6">
-                  <a:extLst>
-                    <a:ext uri="{FF2B5EF4-FFF2-40B4-BE49-F238E27FC236}">
-                      <a16:creationId xmlns:a16="http://schemas.microsoft.com/office/drawing/2014/main" id="{95714273-2764-49D6-B63E-21A04D219EA1}"/>
-                    </a:ext>
-                  </a:extLst>
-                </p14:cNvPr>
-                <p14:cNvContentPartPr/>
-                <p14:nvPr/>
-              </p14:nvContentPartPr>
-              <p14:xfrm>
-                <a:off x="2146864" y="763719"/>
-                <a:ext cx="360" cy="360"/>
-              </p14:xfrm>
-            </p:contentPart>
-          </mc:Choice>
-          <mc:Fallback xmlns="">
-            <p:pic>
-              <p:nvPicPr>
-                <p:cNvPr id="7" name="Ink 6">
-                  <a:extLst>
-                    <a:ext uri="{FF2B5EF4-FFF2-40B4-BE49-F238E27FC236}">
-                      <a16:creationId xmlns:a16="http://schemas.microsoft.com/office/drawing/2014/main" id="{95714273-2764-49D6-B63E-21A04D219EA1}"/>
-                    </a:ext>
-                  </a:extLst>
-                </p:cNvPr>
-                <p:cNvPicPr/>
-                <p:nvPr/>
-              </p:nvPicPr>
-              <p:blipFill>
-                <a:blip r:embed="rId3"/>
-                <a:stretch>
-                  <a:fillRect/>
-                </a:stretch>
-              </p:blipFill>
-              <p:spPr>
-                <a:xfrm>
-                  <a:off x="2137864" y="755079"/>
-                  <a:ext cx="18000" cy="18000"/>
-                </a:xfrm>
-                <a:prstGeom prst="rect">
-                  <a:avLst/>
-                </a:prstGeom>
-              </p:spPr>
-            </p:pic>
-          </mc:Fallback>
-        </mc:AlternateContent>
-      </p:grpSp>
-      <mc:AlternateContent xmlns:mc="http://schemas.openxmlformats.org/markup-compatibility/2006" xmlns:p14="http://schemas.microsoft.com/office/powerpoint/2010/main">
-        <mc:Choice Requires="p14">
-          <p:contentPart p14:bwMode="auto" r:id="rId7">
-            <p14:nvContentPartPr>
-              <p14:cNvPr id="9" name="Ink 8">
-                <a:extLst>
-                  <a:ext uri="{FF2B5EF4-FFF2-40B4-BE49-F238E27FC236}">
-                    <a16:creationId xmlns:a16="http://schemas.microsoft.com/office/drawing/2014/main" id="{6D27B076-E4BC-4FE2-BA1C-5A722D3F4982}"/>
-                  </a:ext>
-                </a:extLst>
-              </p14:cNvPr>
-              <p14:cNvContentPartPr/>
-              <p14:nvPr/>
-            </p14:nvContentPartPr>
-            <p14:xfrm>
-              <a:off x="3083144" y="2091185"/>
-              <a:ext cx="360" cy="360"/>
-            </p14:xfrm>
-          </p:contentPart>
-        </mc:Choice>
-        <mc:Fallback xmlns="">
-          <p:pic>
-            <p:nvPicPr>
-              <p:cNvPr id="9" name="Ink 8">
-                <a:extLst>
-                  <a:ext uri="{FF2B5EF4-FFF2-40B4-BE49-F238E27FC236}">
-                    <a16:creationId xmlns:a16="http://schemas.microsoft.com/office/drawing/2014/main" id="{6D27B076-E4BC-4FE2-BA1C-5A722D3F4982}"/>
-                  </a:ext>
-                </a:extLst>
-              </p:cNvPr>
-              <p:cNvPicPr/>
-              <p:nvPr/>
-            </p:nvPicPr>
-            <p:blipFill>
-              <a:blip r:embed="rId3"/>
-              <a:stretch>
-                <a:fillRect/>
-              </a:stretch>
-            </p:blipFill>
-            <p:spPr>
-              <a:xfrm>
-                <a:off x="3074504" y="2082185"/>
-                <a:ext cx="18000" cy="18000"/>
-              </a:xfrm>
-              <a:prstGeom prst="rect">
-                <a:avLst/>
-              </a:prstGeom>
-            </p:spPr>
-          </p:pic>
-        </mc:Fallback>
-      </mc:AlternateContent>
-      <mc:AlternateContent xmlns:mc="http://schemas.openxmlformats.org/markup-compatibility/2006" xmlns:p14="http://schemas.microsoft.com/office/powerpoint/2010/main">
-        <mc:Choice Requires="p14">
-          <p:contentPart p14:bwMode="auto" r:id="rId8">
-            <p14:nvContentPartPr>
-              <p14:cNvPr id="10" name="Ink 9">
-                <a:extLst>
-                  <a:ext uri="{FF2B5EF4-FFF2-40B4-BE49-F238E27FC236}">
-                    <a16:creationId xmlns:a16="http://schemas.microsoft.com/office/drawing/2014/main" id="{849BBCB1-86ED-4A20-B7C4-474A99CA2B22}"/>
-                  </a:ext>
-                </a:extLst>
-              </p14:cNvPr>
-              <p14:cNvContentPartPr/>
-              <p14:nvPr/>
-            </p14:nvContentPartPr>
-            <p14:xfrm>
-              <a:off x="3098624" y="2013785"/>
-              <a:ext cx="360" cy="360"/>
-            </p14:xfrm>
-          </p:contentPart>
-        </mc:Choice>
-        <mc:Fallback xmlns="">
-          <p:pic>
-            <p:nvPicPr>
-              <p:cNvPr id="10" name="Ink 9">
-                <a:extLst>
-                  <a:ext uri="{FF2B5EF4-FFF2-40B4-BE49-F238E27FC236}">
-                    <a16:creationId xmlns:a16="http://schemas.microsoft.com/office/drawing/2014/main" id="{849BBCB1-86ED-4A20-B7C4-474A99CA2B22}"/>
-                  </a:ext>
-                </a:extLst>
-              </p:cNvPr>
-              <p:cNvPicPr/>
-              <p:nvPr/>
-            </p:nvPicPr>
-            <p:blipFill>
-              <a:blip r:embed="rId3"/>
-              <a:stretch>
-                <a:fillRect/>
-              </a:stretch>
-            </p:blipFill>
-            <p:spPr>
-              <a:xfrm>
-                <a:off x="3089624" y="2004785"/>
-                <a:ext cx="18000" cy="18000"/>
-              </a:xfrm>
-              <a:prstGeom prst="rect">
-                <a:avLst/>
-              </a:prstGeom>
-            </p:spPr>
-          </p:pic>
-        </mc:Fallback>
-      </mc:AlternateContent>
-      <mc:AlternateContent xmlns:mc="http://schemas.openxmlformats.org/markup-compatibility/2006" xmlns:p14="http://schemas.microsoft.com/office/powerpoint/2010/main">
-        <mc:Choice Requires="p14">
-          <p:contentPart p14:bwMode="auto" r:id="rId9">
-            <p14:nvContentPartPr>
-              <p14:cNvPr id="11" name="Ink 10">
-                <a:extLst>
-                  <a:ext uri="{FF2B5EF4-FFF2-40B4-BE49-F238E27FC236}">
-                    <a16:creationId xmlns:a16="http://schemas.microsoft.com/office/drawing/2014/main" id="{2A589447-2FE6-4B74-9121-A9DB7A9160B5}"/>
-                  </a:ext>
-                </a:extLst>
-              </p14:cNvPr>
-              <p14:cNvContentPartPr/>
-              <p14:nvPr/>
-            </p14:nvContentPartPr>
-            <p14:xfrm>
-              <a:off x="3098624" y="2013785"/>
-              <a:ext cx="360" cy="360"/>
-            </p14:xfrm>
-          </p:contentPart>
-        </mc:Choice>
-        <mc:Fallback xmlns="">
-          <p:pic>
-            <p:nvPicPr>
-              <p:cNvPr id="11" name="Ink 10">
-                <a:extLst>
-                  <a:ext uri="{FF2B5EF4-FFF2-40B4-BE49-F238E27FC236}">
-                    <a16:creationId xmlns:a16="http://schemas.microsoft.com/office/drawing/2014/main" id="{2A589447-2FE6-4B74-9121-A9DB7A9160B5}"/>
-                  </a:ext>
-                </a:extLst>
-              </p:cNvPr>
-              <p:cNvPicPr/>
-              <p:nvPr/>
-            </p:nvPicPr>
-            <p:blipFill>
-              <a:blip r:embed="rId3"/>
-              <a:stretch>
-                <a:fillRect/>
-              </a:stretch>
-            </p:blipFill>
-            <p:spPr>
-              <a:xfrm>
-                <a:off x="3089624" y="2004785"/>
-                <a:ext cx="18000" cy="18000"/>
-              </a:xfrm>
-              <a:prstGeom prst="rect">
-                <a:avLst/>
-              </a:prstGeom>
-            </p:spPr>
-          </p:pic>
-        </mc:Fallback>
-      </mc:AlternateContent>
-      <mc:AlternateContent xmlns:mc="http://schemas.openxmlformats.org/markup-compatibility/2006" xmlns:p14="http://schemas.microsoft.com/office/powerpoint/2010/main">
-        <mc:Choice Requires="p14">
-          <p:contentPart p14:bwMode="auto" r:id="rId10">
             <p14:nvContentPartPr>
               <p14:cNvPr id="12" name="Ink 11">
                 <a:extLst>
@@ -14919,7 +12471,7 @@
             </p14:xfrm>
           </p:contentPart>
         </mc:Choice>
-        <mc:Fallback xmlns="">
+        <mc:Fallback>
           <p:pic>
             <p:nvPicPr>
               <p:cNvPr id="12" name="Ink 11">
@@ -14933,15 +12485,15 @@
               <p:nvPr/>
             </p:nvPicPr>
             <p:blipFill>
-              <a:blip r:embed="rId11"/>
+              <a:blip r:embed="rId3"/>
               <a:stretch>
                 <a:fillRect/>
               </a:stretch>
             </p:blipFill>
             <p:spPr>
               <a:xfrm>
-                <a:off x="3276104" y="1425905"/>
-                <a:ext cx="18000" cy="24120"/>
+                <a:off x="3275744" y="1425905"/>
+                <a:ext cx="18360" cy="24480"/>
               </a:xfrm>
               <a:prstGeom prst="rect">
                 <a:avLst/>
@@ -14958,7 +12510,7 @@
         </p:nvSpPr>
         <p:spPr>
           <a:xfrm>
-            <a:off x="360627" y="2028048"/>
+            <a:off x="721216" y="2293250"/>
             <a:ext cx="6301430" cy="3539430"/>
           </a:xfrm>
           <a:prstGeom prst="rect">
@@ -14985,7 +12537,9 @@
               <a:buChar char="•"/>
             </a:pPr>
             <a:r>
-              <a:rPr lang="en-US" sz="2800" dirty="0" smtClean="0"/>
+              <a:rPr lang="en-US" sz="2800" dirty="0" smtClean="0">
+                <a:latin typeface="+mj-lt"/>
+              </a:rPr>
               <a:t>Better understand what the user needs. </a:t>
             </a:r>
           </a:p>
@@ -14998,7 +12552,9 @@
               <a:buChar char="•"/>
             </a:pPr>
             <a:r>
-              <a:rPr lang="en-US" sz="2800" dirty="0" smtClean="0"/>
+              <a:rPr lang="en-US" sz="2800" dirty="0" smtClean="0">
+                <a:latin typeface="+mj-lt"/>
+              </a:rPr>
               <a:t>Sell more products and services. </a:t>
             </a:r>
           </a:p>
@@ -15011,7 +12567,9 @@
               <a:buChar char="•"/>
             </a:pPr>
             <a:r>
-              <a:rPr lang="en-US" sz="2800" dirty="0" smtClean="0"/>
+              <a:rPr lang="en-US" sz="2800" dirty="0" smtClean="0">
+                <a:latin typeface="+mj-lt"/>
+              </a:rPr>
               <a:t>Increase the user satisfaction. </a:t>
             </a:r>
           </a:p>
@@ -15024,7 +12582,9 @@
               <a:buChar char="•"/>
             </a:pPr>
             <a:r>
-              <a:rPr lang="en-US" sz="2800" dirty="0" smtClean="0"/>
+              <a:rPr lang="en-US" sz="2800" dirty="0" smtClean="0">
+                <a:latin typeface="+mj-lt"/>
+              </a:rPr>
               <a:t>Increase user fidelity. </a:t>
             </a:r>
           </a:p>
@@ -15039,7 +12599,7 @@
           <p:nvPr/>
         </p:nvPicPr>
         <p:blipFill>
-          <a:blip r:embed="rId12"/>
+          <a:blip r:embed="rId4"/>
           <a:stretch>
             <a:fillRect/>
           </a:stretch>
@@ -15251,10 +12811,14 @@
               <a:buNone/>
             </a:pPr>
             <a:r>
-              <a:rPr lang="en-US" dirty="0" smtClean="0"/>
+              <a:rPr lang="en-US" dirty="0" smtClean="0">
+                <a:latin typeface="+mj-lt"/>
+              </a:rPr>
               <a:t>Motivation</a:t>
             </a:r>
-            <a:endParaRPr lang="en-US" dirty="0"/>
+            <a:endParaRPr lang="en-US" dirty="0">
+              <a:latin typeface="+mj-lt"/>
+            </a:endParaRPr>
           </a:p>
         </p:txBody>
       </p:sp>
@@ -15268,6 +12832,13 @@
   <p:clrMapOvr>
     <a:masterClrMapping/>
   </p:clrMapOvr>
+  <p:timing>
+    <p:tnLst>
+      <p:par>
+        <p:cTn id="1" dur="indefinite" restart="never" nodeType="tmRoot"/>
+      </p:par>
+    </p:tnLst>
+  </p:timing>
 </p:sld>
 </file>
 
@@ -15378,10 +12949,14 @@
           <a:p>
             <a:pPr algn="ctr"/>
             <a:r>
-              <a:rPr lang="en-US" sz="2800" b="1" dirty="0" smtClean="0"/>
+              <a:rPr lang="en-US" sz="2800" b="1" dirty="0" smtClean="0">
+                <a:latin typeface="+mj-lt"/>
+              </a:rPr>
               <a:t>1</a:t>
             </a:r>
-            <a:endParaRPr lang="en-CA" sz="2800" b="1" dirty="0"/>
+            <a:endParaRPr lang="en-CA" sz="2800" b="1" dirty="0">
+              <a:latin typeface="+mj-lt"/>
+            </a:endParaRPr>
           </a:p>
         </p:txBody>
       </p:sp>
@@ -15428,10 +13003,14 @@
           <a:p>
             <a:pPr algn="ctr"/>
             <a:r>
-              <a:rPr lang="en-US" sz="2800" b="1" dirty="0" smtClean="0"/>
+              <a:rPr lang="en-US" sz="2800" b="1" dirty="0" smtClean="0">
+                <a:latin typeface="+mj-lt"/>
+              </a:rPr>
               <a:t>2</a:t>
             </a:r>
-            <a:endParaRPr lang="en-CA" sz="2800" b="1" dirty="0"/>
+            <a:endParaRPr lang="en-CA" sz="2800" b="1" dirty="0">
+              <a:latin typeface="+mj-lt"/>
+            </a:endParaRPr>
           </a:p>
         </p:txBody>
       </p:sp>
@@ -15478,10 +13057,14 @@
           <a:p>
             <a:pPr algn="ctr"/>
             <a:r>
-              <a:rPr lang="en-US" sz="2800" b="1" dirty="0" smtClean="0"/>
+              <a:rPr lang="en-US" sz="2800" b="1" dirty="0" smtClean="0">
+                <a:latin typeface="+mj-lt"/>
+              </a:rPr>
               <a:t>3</a:t>
             </a:r>
-            <a:endParaRPr lang="en-CA" sz="2800" b="1" dirty="0"/>
+            <a:endParaRPr lang="en-CA" sz="2800" b="1" dirty="0">
+              <a:latin typeface="+mj-lt"/>
+            </a:endParaRPr>
           </a:p>
         </p:txBody>
       </p:sp>
@@ -15508,10 +13091,14 @@
           <a:lstStyle/>
           <a:p>
             <a:r>
-              <a:rPr lang="en-US" sz="2000" dirty="0" smtClean="0"/>
+              <a:rPr lang="en-US" sz="2000" dirty="0" smtClean="0">
+                <a:latin typeface="+mj-lt"/>
+              </a:rPr>
               <a:t>HYBRID: a mixture of the above two methods</a:t>
             </a:r>
-            <a:endParaRPr lang="en-CA" sz="2000" dirty="0"/>
+            <a:endParaRPr lang="en-CA" sz="2000" dirty="0">
+              <a:latin typeface="+mj-lt"/>
+            </a:endParaRPr>
           </a:p>
         </p:txBody>
       </p:sp>
@@ -15538,32 +13125,32 @@
           <a:p>
             <a:r>
               <a:rPr lang="en-CA" sz="1600" dirty="0">
-                <a:latin typeface="inherit"/>
+                <a:latin typeface="+mj-lt"/>
               </a:rPr>
               <a:t>Kevin </a:t>
             </a:r>
             <a:r>
               <a:rPr lang="en-CA" sz="1600" dirty="0" smtClean="0">
-                <a:latin typeface="inherit"/>
+                <a:latin typeface="+mj-lt"/>
               </a:rPr>
               <a:t>Liao,2018</a:t>
             </a:r>
             <a:r>
               <a:rPr lang="en-CA" sz="1600" dirty="0">
-                <a:latin typeface="inherit"/>
+                <a:latin typeface="+mj-lt"/>
               </a:rPr>
               <a:t>. </a:t>
             </a:r>
             <a:r>
               <a:rPr lang="en-CA" sz="1600" dirty="0">
-                <a:latin typeface="inherit"/>
+                <a:latin typeface="+mj-lt"/>
                 <a:hlinkClick r:id="rId3"/>
               </a:rPr>
               <a:t>https://towardsdatascience.com/</a:t>
             </a:r>
             <a:r>
               <a:rPr lang="en-CA" sz="1600" dirty="0">
-                <a:latin typeface="inherit"/>
+                <a:latin typeface="+mj-lt"/>
               </a:rPr>
               <a:t> </a:t>
             </a:r>
@@ -15580,6 +13167,13 @@
   <p:clrMapOvr>
     <a:masterClrMapping/>
   </p:clrMapOvr>
+  <p:timing>
+    <p:tnLst>
+      <p:par>
+        <p:cTn id="1" dur="indefinite" restart="never" nodeType="tmRoot"/>
+      </p:par>
+    </p:tnLst>
+  </p:timing>
 </p:sld>
 </file>
 
@@ -16112,7 +13706,9 @@
               <a:buAutoNum type="arabicPeriod"/>
             </a:pPr>
             <a:r>
-              <a:rPr lang="en-US" sz="2800" dirty="0" smtClean="0"/>
+              <a:rPr lang="en-US" sz="2800" dirty="0" smtClean="0">
+                <a:latin typeface="+mj-lt"/>
+              </a:rPr>
               <a:t>Cold start </a:t>
             </a:r>
           </a:p>
@@ -16127,7 +13723,7 @@
         <p:spPr>
           <a:xfrm>
             <a:off x="1377558" y="3456961"/>
-            <a:ext cx="3236784" cy="307777"/>
+            <a:ext cx="2838341" cy="307777"/>
           </a:xfrm>
           <a:prstGeom prst="rect">
             <a:avLst/>
@@ -16141,24 +13737,24 @@
           <a:p>
             <a:r>
               <a:rPr lang="en-CA" sz="1400" dirty="0" err="1">
-                <a:latin typeface="inherit"/>
+                <a:latin typeface="+mj-lt"/>
               </a:rPr>
               <a:t>Huba</a:t>
             </a:r>
             <a:r>
               <a:rPr lang="en-CA" sz="1400" dirty="0">
-                <a:latin typeface="inherit"/>
+                <a:latin typeface="+mj-lt"/>
               </a:rPr>
               <a:t> </a:t>
             </a:r>
             <a:r>
               <a:rPr lang="en-CA" sz="1400" dirty="0" smtClean="0">
-                <a:latin typeface="inherit"/>
+                <a:latin typeface="+mj-lt"/>
               </a:rPr>
               <a:t>Gaspar,2015.yuspify.com/blog/</a:t>
             </a:r>
             <a:endParaRPr lang="en-CA" sz="1400" dirty="0">
-              <a:latin typeface="inherit"/>
+              <a:latin typeface="+mj-lt"/>
             </a:endParaRPr>
           </a:p>
         </p:txBody>
@@ -16185,14 +13781,17 @@
           <a:lstStyle/>
           <a:p>
             <a:r>
-              <a:rPr lang="en-US" dirty="0" smtClean="0"/>
+              <a:rPr lang="en-US" dirty="0" smtClean="0">
+                <a:latin typeface="+mj-lt"/>
+              </a:rPr>
               <a:t>Not </a:t>
             </a:r>
             <a:r>
-              <a:rPr lang="en-US" dirty="0"/>
+              <a:rPr lang="en-US" dirty="0">
+                <a:latin typeface="+mj-lt"/>
+              </a:rPr>
               <a:t>optimal at the beginning </a:t>
             </a:r>
-            <a:endParaRPr lang="en-US" dirty="0"/>
           </a:p>
         </p:txBody>
       </p:sp>
@@ -16241,7 +13840,9 @@
           <a:lstStyle/>
           <a:p>
             <a:r>
-              <a:rPr lang="en-US" sz="2800" dirty="0" smtClean="0"/>
+              <a:rPr lang="en-US" sz="2800" dirty="0" smtClean="0">
+                <a:latin typeface="+mj-lt"/>
+              </a:rPr>
               <a:t>2. Data sparsity</a:t>
             </a:r>
           </a:p>
@@ -16256,7 +13857,7 @@
         <p:spPr>
           <a:xfrm>
             <a:off x="1099457" y="6513661"/>
-            <a:ext cx="4224233" cy="307777"/>
+            <a:ext cx="3500125" cy="307777"/>
           </a:xfrm>
           <a:prstGeom prst="rect">
             <a:avLst/>
@@ -16270,13 +13871,13 @@
           <a:p>
             <a:r>
               <a:rPr lang="en-CA" sz="1400" dirty="0">
-                <a:latin typeface="inherit"/>
+                <a:latin typeface="+mj-lt"/>
                 <a:hlinkClick r:id="rId15"/>
               </a:rPr>
               <a:t>https://web.csulb.edu/~rforsati/research.html</a:t>
             </a:r>
             <a:endParaRPr lang="en-CA" sz="1400" dirty="0">
-              <a:latin typeface="inherit"/>
+              <a:latin typeface="+mj-lt"/>
             </a:endParaRPr>
           </a:p>
         </p:txBody>
@@ -16297,7 +13898,7 @@
         </p:blipFill>
         <p:spPr>
           <a:xfrm>
-            <a:off x="5667103" y="1907416"/>
+            <a:off x="5667103" y="1672067"/>
             <a:ext cx="6141720" cy="3081096"/>
           </a:xfrm>
           <a:prstGeom prst="rect">
@@ -16314,7 +13915,7 @@
         <p:spPr>
           <a:xfrm>
             <a:off x="5667103" y="964236"/>
-            <a:ext cx="2417200" cy="523220"/>
+            <a:ext cx="2308196" cy="523220"/>
           </a:xfrm>
           <a:prstGeom prst="rect">
             <a:avLst/>
@@ -16327,36 +13928,10 @@
           <a:lstStyle/>
           <a:p>
             <a:r>
-              <a:rPr lang="en-US" sz="2800" dirty="0" smtClean="0"/>
+              <a:rPr lang="en-US" sz="2800" dirty="0" smtClean="0">
+                <a:latin typeface="+mj-lt"/>
+              </a:rPr>
               <a:t>3. User privacy</a:t>
-            </a:r>
-          </a:p>
-        </p:txBody>
-      </p:sp>
-      <p:sp>
-        <p:nvSpPr>
-          <p:cNvPr id="24" name="Rectangle 23"/>
-          <p:cNvSpPr/>
-          <p:nvPr/>
-        </p:nvSpPr>
-        <p:spPr>
-          <a:xfrm>
-            <a:off x="5667103" y="5464905"/>
-            <a:ext cx="1996316" cy="523220"/>
-          </a:xfrm>
-          <a:prstGeom prst="rect">
-            <a:avLst/>
-          </a:prstGeom>
-        </p:spPr>
-        <p:txBody>
-          <a:bodyPr wrap="none">
-            <a:spAutoFit/>
-          </a:bodyPr>
-          <a:lstStyle/>
-          <a:p>
-            <a:r>
-              <a:rPr lang="en-US" sz="2800" dirty="0" smtClean="0"/>
-              <a:t>4. Scalability</a:t>
             </a:r>
           </a:p>
         </p:txBody>
@@ -16369,7 +13944,7 @@
         </p:nvSpPr>
         <p:spPr>
           <a:xfrm>
-            <a:off x="5891349" y="5003241"/>
+            <a:off x="5797219" y="4783885"/>
             <a:ext cx="6300651" cy="307777"/>
           </a:xfrm>
           <a:prstGeom prst="rect">
@@ -16384,45 +13959,45 @@
           <a:p>
             <a:r>
               <a:rPr lang="fi-FI" sz="1400" dirty="0">
-                <a:latin typeface="inherit"/>
+                <a:latin typeface="+mj-lt"/>
               </a:rPr>
               <a:t>PULKIT </a:t>
             </a:r>
             <a:r>
               <a:rPr lang="fi-FI" sz="1400" dirty="0" smtClean="0">
-                <a:latin typeface="inherit"/>
+                <a:latin typeface="+mj-lt"/>
               </a:rPr>
               <a:t>SHARMA</a:t>
             </a:r>
             <a:r>
               <a:rPr lang="fi-FI" sz="1400" dirty="0">
-                <a:latin typeface="inherit"/>
+                <a:latin typeface="+mj-lt"/>
               </a:rPr>
               <a:t>, JUNE 21, </a:t>
             </a:r>
             <a:r>
               <a:rPr lang="fi-FI" sz="1400" dirty="0" smtClean="0">
-                <a:latin typeface="inherit"/>
+                <a:latin typeface="+mj-lt"/>
               </a:rPr>
               <a:t>2018,</a:t>
             </a:r>
             <a:r>
               <a:rPr lang="en-CA" sz="1400" dirty="0" smtClean="0">
-                <a:latin typeface="inherit"/>
+                <a:latin typeface="+mj-lt"/>
                 <a:hlinkClick r:id="rId17"/>
               </a:rPr>
               <a:t>https</a:t>
             </a:r>
             <a:r>
               <a:rPr lang="en-CA" sz="1400" dirty="0">
-                <a:latin typeface="inherit"/>
+                <a:latin typeface="+mj-lt"/>
                 <a:hlinkClick r:id="rId17"/>
               </a:rPr>
               <a:t>://www.analyticsvidhya.com/blog/</a:t>
             </a:r>
             <a:r>
               <a:rPr lang="fi-FI" sz="1400" dirty="0">
-                <a:latin typeface="inherit"/>
+                <a:latin typeface="+mj-lt"/>
               </a:rPr>
               <a:t> </a:t>
             </a:r>
@@ -16439,12 +14014,27 @@
   <p:clrMapOvr>
     <a:masterClrMapping/>
   </p:clrMapOvr>
+  <p:timing>
+    <p:tnLst>
+      <p:par>
+        <p:cTn id="1" dur="indefinite" restart="never" nodeType="tmRoot"/>
+      </p:par>
+    </p:tnLst>
+  </p:timing>
 </p:sld>
 </file>
 
 <file path=ppt/slides/slide7.xml><?xml version="1.0" encoding="utf-8"?>
 <p:sld xmlns:a="http://schemas.openxmlformats.org/drawingml/2006/main" xmlns:r="http://schemas.openxmlformats.org/officeDocument/2006/relationships" xmlns:p="http://schemas.openxmlformats.org/presentationml/2006/main">
   <p:cSld>
+    <p:bg>
+      <p:bgPr>
+        <a:solidFill>
+          <a:srgbClr val="0070C0"/>
+        </a:solidFill>
+        <a:effectLst/>
+      </p:bgPr>
+    </p:bg>
     <p:spTree>
       <p:nvGrpSpPr>
         <p:cNvPr id="1" name=""/>
@@ -16461,7 +14051,13 @@
       </p:grpSpPr>
       <p:sp>
         <p:nvSpPr>
-          <p:cNvPr id="2" name="Title 1"/>
+          <p:cNvPr id="2" name="Title 1">
+            <a:extLst>
+              <a:ext uri="{FF2B5EF4-FFF2-40B4-BE49-F238E27FC236}">
+                <a16:creationId xmlns:a16="http://schemas.microsoft.com/office/drawing/2014/main" id="{0272FD9F-E644-4A44-BFCA-ED18DB74BF6C}"/>
+              </a:ext>
+            </a:extLst>
+          </p:cNvPr>
           <p:cNvSpPr>
             <a:spLocks noGrp="1"/>
           </p:cNvSpPr>
@@ -16471,265 +14067,49 @@
         </p:nvSpPr>
         <p:spPr>
           <a:xfrm>
-            <a:off x="287383" y="365125"/>
-            <a:ext cx="11066417" cy="1325563"/>
+            <a:off x="838200" y="3443321"/>
+            <a:ext cx="10515600" cy="1325563"/>
           </a:xfrm>
         </p:spPr>
         <p:txBody>
-          <a:bodyPr/>
+          <a:bodyPr>
+            <a:normAutofit/>
+          </a:bodyPr>
           <a:lstStyle/>
           <a:p>
             <a:r>
-              <a:rPr lang="en-US" dirty="0" smtClean="0"/>
-              <a:t>Our methods to study the Movie Length dataset</a:t>
-            </a:r>
-            <a:endParaRPr lang="en-CA" dirty="0"/>
+              <a:rPr lang="en-US" sz="5400" dirty="0" smtClean="0">
+                <a:solidFill>
+                  <a:schemeClr val="bg1"/>
+                </a:solidFill>
+              </a:rPr>
+              <a:t>Datasets</a:t>
+            </a:r>
+            <a:endParaRPr lang="en-US" sz="5400" dirty="0">
+              <a:solidFill>
+                <a:schemeClr val="bg1"/>
+              </a:solidFill>
+            </a:endParaRPr>
           </a:p>
         </p:txBody>
       </p:sp>
-      <p:graphicFrame>
-        <p:nvGraphicFramePr>
-          <p:cNvPr id="6" name="Table 5"/>
-          <p:cNvGraphicFramePr>
-            <a:graphicFrameLocks noGrp="1"/>
-          </p:cNvGraphicFramePr>
-          <p:nvPr>
-            <p:extLst>
-              <p:ext uri="{D42A27DB-BD31-4B8C-83A1-F6EECF244321}">
-                <p14:modId xmlns:p14="http://schemas.microsoft.com/office/powerpoint/2010/main" val="2154207293"/>
-              </p:ext>
-            </p:extLst>
-          </p:nvPr>
-        </p:nvGraphicFramePr>
-        <p:xfrm>
-          <a:off x="1397090" y="2559479"/>
-          <a:ext cx="8847002" cy="2613412"/>
-        </p:xfrm>
-        <a:graphic>
-          <a:graphicData uri="http://schemas.openxmlformats.org/drawingml/2006/table">
-            <a:tbl>
-              <a:tblPr firstRow="1" bandRow="1">
-                <a:tableStyleId>{5C22544A-7EE6-4342-B048-85BDC9FD1C3A}</a:tableStyleId>
-              </a:tblPr>
-              <a:tblGrid>
-                <a:gridCol w="4423501">
-                  <a:extLst>
-                    <a:ext uri="{9D8B030D-6E8A-4147-A177-3AD203B41FA5}">
-                      <a16:colId xmlns:a16="http://schemas.microsoft.com/office/drawing/2014/main" val="332067994"/>
-                    </a:ext>
-                  </a:extLst>
-                </a:gridCol>
-                <a:gridCol w="4423501">
-                  <a:extLst>
-                    <a:ext uri="{9D8B030D-6E8A-4147-A177-3AD203B41FA5}">
-                      <a16:colId xmlns:a16="http://schemas.microsoft.com/office/drawing/2014/main" val="1362365864"/>
-                    </a:ext>
-                  </a:extLst>
-                </a:gridCol>
-              </a:tblGrid>
-              <a:tr h="552983">
-                <a:tc>
-                  <a:txBody>
-                    <a:bodyPr/>
-                    <a:lstStyle/>
-                    <a:p>
-                      <a:pPr marL="0" marR="0" indent="0" algn="l" defTabSz="914400" rtl="0" eaLnBrk="1" fontAlgn="auto" latinLnBrk="0" hangingPunct="1">
-                        <a:lnSpc>
-                          <a:spcPct val="100000"/>
-                        </a:lnSpc>
-                        <a:spcBef>
-                          <a:spcPts val="0"/>
-                        </a:spcBef>
-                        <a:spcAft>
-                          <a:spcPts val="0"/>
-                        </a:spcAft>
-                        <a:buClrTx/>
-                        <a:buSzTx/>
-                        <a:buFontTx/>
-                        <a:buNone/>
-                        <a:tabLst/>
-                        <a:defRPr/>
-                      </a:pPr>
-                      <a:r>
-                        <a:rPr lang="en-US" dirty="0" smtClean="0"/>
-                        <a:t>Data</a:t>
-                      </a:r>
-                      <a:r>
-                        <a:rPr lang="en-US" baseline="0" dirty="0" smtClean="0"/>
-                        <a:t> for learning</a:t>
-                      </a:r>
-                      <a:endParaRPr lang="en-CA" dirty="0" smtClean="0"/>
-                    </a:p>
-                  </a:txBody>
-                  <a:tcPr/>
-                </a:tc>
-                <a:tc>
-                  <a:txBody>
-                    <a:bodyPr/>
-                    <a:lstStyle/>
-                    <a:p>
-                      <a:r>
-                        <a:rPr lang="en-US" dirty="0" smtClean="0"/>
-                        <a:t>Algorithms</a:t>
-                      </a:r>
-                      <a:endParaRPr lang="en-CA" dirty="0"/>
-                    </a:p>
-                  </a:txBody>
-                  <a:tcPr/>
-                </a:tc>
-                <a:extLst>
-                  <a:ext uri="{0D108BD9-81ED-4DB2-BD59-A6C34878D82A}">
-                    <a16:rowId xmlns:a16="http://schemas.microsoft.com/office/drawing/2014/main" val="1967748775"/>
-                  </a:ext>
-                </a:extLst>
-              </a:tr>
-              <a:tr h="552983">
-                <a:tc>
-                  <a:txBody>
-                    <a:bodyPr/>
-                    <a:lstStyle/>
-                    <a:p>
-                      <a:r>
-                        <a:rPr lang="en-US" dirty="0" err="1" smtClean="0"/>
-                        <a:t>Movie</a:t>
-                      </a:r>
-                      <a:r>
-                        <a:rPr lang="en-US" baseline="0" dirty="0" err="1" smtClean="0"/>
-                        <a:t>ID</a:t>
-                      </a:r>
-                      <a:r>
-                        <a:rPr lang="en-US" baseline="0" dirty="0" smtClean="0"/>
-                        <a:t>, </a:t>
-                      </a:r>
-                      <a:r>
-                        <a:rPr lang="en-US" baseline="0" dirty="0" err="1" smtClean="0"/>
-                        <a:t>UserID</a:t>
-                      </a:r>
-                      <a:r>
-                        <a:rPr lang="en-US" baseline="0" dirty="0" smtClean="0"/>
-                        <a:t>, rating</a:t>
-                      </a:r>
-                      <a:endParaRPr lang="en-CA" dirty="0"/>
-                    </a:p>
-                  </a:txBody>
-                  <a:tcPr/>
-                </a:tc>
-                <a:tc>
-                  <a:txBody>
-                    <a:bodyPr/>
-                    <a:lstStyle/>
-                    <a:p>
-                      <a:r>
-                        <a:rPr lang="en-US" dirty="0" smtClean="0"/>
-                        <a:t> Singular value decomposition (SVD)</a:t>
-                      </a:r>
-                      <a:endParaRPr lang="en-CA" dirty="0"/>
-                    </a:p>
-                  </a:txBody>
-                  <a:tcPr/>
-                </a:tc>
-                <a:extLst>
-                  <a:ext uri="{0D108BD9-81ED-4DB2-BD59-A6C34878D82A}">
-                    <a16:rowId xmlns:a16="http://schemas.microsoft.com/office/drawing/2014/main" val="747147129"/>
-                  </a:ext>
-                </a:extLst>
-              </a:tr>
-              <a:tr h="954463">
-                <a:tc>
-                  <a:txBody>
-                    <a:bodyPr/>
-                    <a:lstStyle/>
-                    <a:p>
-                      <a:r>
-                        <a:rPr lang="en-US" dirty="0" smtClean="0"/>
-                        <a:t>Meta</a:t>
-                      </a:r>
-                      <a:r>
-                        <a:rPr lang="en-US" baseline="0" dirty="0" smtClean="0"/>
-                        <a:t> data: user gender, occupation, ages, movie genres …</a:t>
-                      </a:r>
-                      <a:endParaRPr lang="en-CA" dirty="0"/>
-                    </a:p>
-                  </a:txBody>
-                  <a:tcPr/>
-                </a:tc>
-                <a:tc>
-                  <a:txBody>
-                    <a:bodyPr/>
-                    <a:lstStyle/>
-                    <a:p>
-                      <a:r>
-                        <a:rPr lang="en-US" dirty="0" smtClean="0"/>
-                        <a:t>Linear regression:</a:t>
-                      </a:r>
-                      <a:r>
-                        <a:rPr lang="en-US" baseline="0" dirty="0" smtClean="0"/>
-                        <a:t> OLS, ridge</a:t>
-                      </a:r>
-                      <a:endParaRPr lang="en-CA" dirty="0"/>
-                    </a:p>
-                  </a:txBody>
-                  <a:tcPr/>
-                </a:tc>
-                <a:extLst>
-                  <a:ext uri="{0D108BD9-81ED-4DB2-BD59-A6C34878D82A}">
-                    <a16:rowId xmlns:a16="http://schemas.microsoft.com/office/drawing/2014/main" val="1432139158"/>
-                  </a:ext>
-                </a:extLst>
-              </a:tr>
-              <a:tr h="552983">
-                <a:tc>
-                  <a:txBody>
-                    <a:bodyPr/>
-                    <a:lstStyle/>
-                    <a:p>
-                      <a:r>
-                        <a:rPr lang="en-US" dirty="0" smtClean="0"/>
-                        <a:t>Rating data + Meta</a:t>
-                      </a:r>
-                      <a:r>
-                        <a:rPr lang="en-US" baseline="0" dirty="0" smtClean="0"/>
-                        <a:t> data</a:t>
-                      </a:r>
-                      <a:endParaRPr lang="en-CA" dirty="0"/>
-                    </a:p>
-                  </a:txBody>
-                  <a:tcPr/>
-                </a:tc>
-                <a:tc>
-                  <a:txBody>
-                    <a:bodyPr/>
-                    <a:lstStyle/>
-                    <a:p>
-                      <a:r>
-                        <a:rPr lang="en-US" dirty="0" smtClean="0"/>
-                        <a:t>SVD + linear regression. </a:t>
-                      </a:r>
-                      <a:endParaRPr lang="en-CA" dirty="0"/>
-                    </a:p>
-                  </a:txBody>
-                  <a:tcPr/>
-                </a:tc>
-                <a:extLst>
-                  <a:ext uri="{0D108BD9-81ED-4DB2-BD59-A6C34878D82A}">
-                    <a16:rowId xmlns:a16="http://schemas.microsoft.com/office/drawing/2014/main" val="3603448361"/>
-                  </a:ext>
-                </a:extLst>
-              </a:tr>
-            </a:tbl>
-          </a:graphicData>
-        </a:graphic>
-      </p:graphicFrame>
     </p:spTree>
     <p:extLst>
       <p:ext uri="{BB962C8B-B14F-4D97-AF65-F5344CB8AC3E}">
-        <p14:creationId xmlns:p14="http://schemas.microsoft.com/office/powerpoint/2010/main" val="1598937018"/>
+        <p14:creationId xmlns:p14="http://schemas.microsoft.com/office/powerpoint/2010/main" val="3572113884"/>
       </p:ext>
     </p:extLst>
   </p:cSld>
   <p:clrMapOvr>
     <a:masterClrMapping/>
   </p:clrMapOvr>
+  <p:timing>
+    <p:tnLst>
+      <p:par>
+        <p:cTn id="1" dur="indefinite" restart="never" nodeType="tmRoot"/>
+      </p:par>
+    </p:tnLst>
+  </p:timing>
 </p:sld>
 </file>
 
@@ -16825,20 +14205,23 @@
         <p:spPr>
           <a:xfrm>
             <a:off x="839788" y="2505075"/>
-            <a:ext cx="5157787" cy="3684588"/>
+            <a:ext cx="5157787" cy="2107266"/>
           </a:xfrm>
         </p:spPr>
         <p:txBody>
           <a:bodyPr>
-            <a:normAutofit fontScale="85000" lnSpcReduction="10000"/>
+            <a:noAutofit/>
           </a:bodyPr>
           <a:lstStyle/>
           <a:p>
             <a:pPr marL="0" indent="0">
+              <a:lnSpc>
+                <a:spcPct val="100000"/>
+              </a:lnSpc>
               <a:buNone/>
             </a:pPr>
             <a:r>
-              <a:rPr lang="en-US" dirty="0"/>
+              <a:rPr lang="en-US" sz="2200" dirty="0"/>
               <a:t>Generation</a:t>
             </a:r>
           </a:p>
@@ -16850,25 +14233,46 @@
               <a:buNone/>
             </a:pPr>
             <a:r>
-              <a:rPr lang="en-US" dirty="0"/>
-              <a:t>Looped addition of d dimensional outer-product of  a vector to a rank controlled Identity matrix dxd</a:t>
-            </a:r>
+              <a:rPr lang="en-US" sz="2200" dirty="0"/>
+              <a:t>Looped addition of d dimensional outer-product of  a vector to a rank controlled </a:t>
+            </a:r>
+            <a:r>
+              <a:rPr lang="en-US" sz="2200" dirty="0"/>
+              <a:t>identity </a:t>
+            </a:r>
+            <a:r>
+              <a:rPr lang="en-US" sz="2200" dirty="0"/>
+              <a:t>matrix </a:t>
+            </a:r>
+            <a:r>
+              <a:rPr lang="en-US" sz="2200" dirty="0" err="1"/>
+              <a:t>dxd</a:t>
+            </a:r>
+            <a:endParaRPr lang="en-US" sz="2200" dirty="0"/>
           </a:p>
           <a:p>
             <a:pPr marL="0" indent="0">
-              <a:buFont typeface="Arial" panose="020B0604020202020204" pitchFamily="34" charset="0"/>
+              <a:lnSpc>
+                <a:spcPct val="100000"/>
+              </a:lnSpc>
               <a:buNone/>
             </a:pPr>
-            <a:endParaRPr lang="en-US" sz="3400" dirty="0"/>
+            <a:endParaRPr lang="en-US" sz="2200" dirty="0"/>
           </a:p>
           <a:p>
             <a:pPr marL="0" indent="0">
-              <a:buFont typeface="Arial" panose="020B0604020202020204" pitchFamily="34" charset="0"/>
+              <a:lnSpc>
+                <a:spcPct val="100000"/>
+              </a:lnSpc>
               <a:buNone/>
             </a:pPr>
             <a:r>
-              <a:rPr lang="en-US" sz="2900" dirty="0"/>
-              <a:t>Control Parameters</a:t>
+              <a:rPr lang="en-US" sz="2200" dirty="0"/>
+              <a:t>Control </a:t>
+            </a:r>
+            <a:r>
+              <a:rPr lang="en-US" sz="2200" dirty="0"/>
+              <a:t>Parameters</a:t>
             </a:r>
           </a:p>
           <a:p>
@@ -16884,7 +14288,7 @@
               <a:buChar char="§"/>
             </a:pPr>
             <a:r>
-              <a:rPr lang="en-US" sz="2800" dirty="0"/>
+              <a:rPr lang="en-US" sz="2200" dirty="0"/>
               <a:t>Rank</a:t>
             </a:r>
           </a:p>
@@ -16901,7 +14305,7 @@
               <a:buChar char="§"/>
             </a:pPr>
             <a:r>
-              <a:rPr lang="en-US" sz="2800" dirty="0"/>
+              <a:rPr lang="en-US" sz="2200" dirty="0"/>
               <a:t>Dimension </a:t>
             </a:r>
           </a:p>
@@ -16918,7 +14322,7 @@
               <a:buChar char="§"/>
             </a:pPr>
             <a:r>
-              <a:rPr lang="en-US" sz="2800" dirty="0"/>
+              <a:rPr lang="en-US" sz="2200" dirty="0"/>
               <a:t>Density </a:t>
             </a:r>
           </a:p>
@@ -16980,12 +14384,12 @@
         <p:spPr>
           <a:xfrm>
             <a:off x="6194427" y="2505075"/>
-            <a:ext cx="5183188" cy="3684588"/>
+            <a:ext cx="5183188" cy="3848428"/>
           </a:xfrm>
         </p:spPr>
         <p:txBody>
           <a:bodyPr>
-            <a:normAutofit fontScale="85000" lnSpcReduction="20000"/>
+            <a:normAutofit fontScale="77500" lnSpcReduction="20000"/>
           </a:bodyPr>
           <a:lstStyle/>
           <a:p>
@@ -17059,14 +14463,21 @@
             <a:pPr marL="0" indent="0">
               <a:buNone/>
             </a:pPr>
-            <a:endParaRPr lang="en-US" dirty="0"/>
+            <a:r>
+              <a:rPr lang="en-US" sz="7600" dirty="0" smtClean="0">
+                <a:solidFill>
+                  <a:schemeClr val="bg1"/>
+                </a:solidFill>
+              </a:rPr>
+              <a:t>A</a:t>
+            </a:r>
           </a:p>
           <a:p>
             <a:pPr marL="0" indent="0">
               <a:buNone/>
             </a:pPr>
             <a:r>
-              <a:rPr lang="en-US" dirty="0"/>
+              <a:rPr lang="en-US" dirty="0" smtClean="0"/>
               <a:t>Metadata</a:t>
             </a:r>
           </a:p>
@@ -17083,7 +14494,7 @@
               <a:buChar char="§"/>
             </a:pPr>
             <a:r>
-              <a:rPr lang="en-US" sz="2800" dirty="0"/>
+              <a:rPr lang="en-US" sz="2800" dirty="0" smtClean="0"/>
               <a:t>Age</a:t>
             </a:r>
           </a:p>
@@ -17100,7 +14511,7 @@
               <a:buChar char="§"/>
             </a:pPr>
             <a:r>
-              <a:rPr lang="en-US" sz="2800" dirty="0"/>
+              <a:rPr lang="en-US" sz="2800" dirty="0" smtClean="0"/>
               <a:t>Occupation</a:t>
             </a:r>
           </a:p>
@@ -17117,7 +14528,7 @@
               <a:buChar char="§"/>
             </a:pPr>
             <a:r>
-              <a:rPr lang="en-US" sz="2800" dirty="0"/>
+              <a:rPr lang="en-US" sz="2800" dirty="0" smtClean="0"/>
               <a:t>Gender</a:t>
             </a:r>
           </a:p>
@@ -17134,7 +14545,7 @@
               <a:buChar char="§"/>
             </a:pPr>
             <a:r>
-              <a:rPr lang="en-US" sz="2800" dirty="0"/>
+              <a:rPr lang="en-US" sz="2800" dirty="0" smtClean="0"/>
               <a:t>Genre </a:t>
             </a:r>
           </a:p>
@@ -17153,6 +14564,13 @@
   <p:clrMapOvr>
     <a:masterClrMapping/>
   </p:clrMapOvr>
+  <p:timing>
+    <p:tnLst>
+      <p:par>
+        <p:cTn id="1" dur="indefinite" restart="never" nodeType="tmRoot"/>
+      </p:par>
+    </p:tnLst>
+  </p:timing>
 </p:sld>
 </file>
 
@@ -17346,6 +14764,13 @@
   <p:clrMapOvr>
     <a:masterClrMapping/>
   </p:clrMapOvr>
+  <p:timing>
+    <p:tnLst>
+      <p:par>
+        <p:cTn id="1" dur="indefinite" restart="never" nodeType="tmRoot"/>
+      </p:par>
+    </p:tnLst>
+  </p:timing>
 </p:sld>
 </file>
 

--- a/Understanding Recommendation Systems_Marco.pptx
+++ b/Understanding Recommendation Systems_Marco.pptx
@@ -5,7 +5,7 @@
     <p:sldMasterId id="2147483648" r:id="rId1"/>
   </p:sldMasterIdLst>
   <p:notesMasterIdLst>
-    <p:notesMasterId r:id="rId27"/>
+    <p:notesMasterId r:id="rId29"/>
   </p:notesMasterIdLst>
   <p:sldIdLst>
     <p:sldId id="256" r:id="rId2"/>
@@ -30,9 +30,11 @@
     <p:sldId id="276" r:id="rId21"/>
     <p:sldId id="277" r:id="rId22"/>
     <p:sldId id="292" r:id="rId23"/>
-    <p:sldId id="278" r:id="rId24"/>
-    <p:sldId id="287" r:id="rId25"/>
-    <p:sldId id="288" r:id="rId26"/>
+    <p:sldId id="295" r:id="rId24"/>
+    <p:sldId id="293" r:id="rId25"/>
+    <p:sldId id="296" r:id="rId26"/>
+    <p:sldId id="294" r:id="rId27"/>
+    <p:sldId id="297" r:id="rId28"/>
   </p:sldIdLst>
   <p:sldSz cx="12192000" cy="6858000"/>
   <p:notesSz cx="6858000" cy="9144000"/>
@@ -160,6 +162,3181 @@
     </p:extLst>
   </p:cmAuthor>
 </p:cmAuthorLst>
+</file>
+
+<file path=ppt/charts/chart1.xml><?xml version="1.0" encoding="utf-8"?>
+<c:chartSpace xmlns:c="http://schemas.openxmlformats.org/drawingml/2006/chart" xmlns:a="http://schemas.openxmlformats.org/drawingml/2006/main" xmlns:r="http://schemas.openxmlformats.org/officeDocument/2006/relationships" xmlns:c16r2="http://schemas.microsoft.com/office/drawing/2015/06/chart">
+  <c:date1904 val="0"/>
+  <c:lang val="en-US"/>
+  <c:roundedCorners val="0"/>
+  <mc:AlternateContent xmlns:mc="http://schemas.openxmlformats.org/markup-compatibility/2006">
+    <mc:Choice xmlns:c14="http://schemas.microsoft.com/office/drawing/2007/8/2/chart" Requires="c14">
+      <c14:style val="102"/>
+    </mc:Choice>
+    <mc:Fallback>
+      <c:style val="2"/>
+    </mc:Fallback>
+  </mc:AlternateContent>
+  <c:chart>
+    <c:autoTitleDeleted val="1"/>
+    <c:plotArea>
+      <c:layout/>
+      <c:barChart>
+        <c:barDir val="col"/>
+        <c:grouping val="clustered"/>
+        <c:varyColors val="0"/>
+        <c:ser>
+          <c:idx val="0"/>
+          <c:order val="0"/>
+          <c:spPr>
+            <a:solidFill>
+              <a:schemeClr val="accent1"/>
+            </a:solidFill>
+            <a:ln>
+              <a:noFill/>
+            </a:ln>
+            <a:effectLst/>
+          </c:spPr>
+          <c:invertIfNegative val="0"/>
+          <c:dLbls>
+            <c:spPr>
+              <a:noFill/>
+              <a:ln>
+                <a:noFill/>
+              </a:ln>
+              <a:effectLst/>
+            </c:spPr>
+            <c:txPr>
+              <a:bodyPr rot="0" spcFirstLastPara="1" vertOverflow="ellipsis" vert="horz" wrap="square" lIns="38100" tIns="19050" rIns="38100" bIns="19050" anchor="ctr" anchorCtr="1">
+                <a:spAutoFit/>
+              </a:bodyPr>
+              <a:lstStyle/>
+              <a:p>
+                <a:pPr>
+                  <a:defRPr sz="1600" b="0" i="0" u="none" strike="noStrike" kern="1200" baseline="0">
+                    <a:solidFill>
+                      <a:schemeClr val="tx1">
+                        <a:lumMod val="75000"/>
+                        <a:lumOff val="25000"/>
+                      </a:schemeClr>
+                    </a:solidFill>
+                    <a:latin typeface="+mn-lt"/>
+                    <a:ea typeface="+mn-ea"/>
+                    <a:cs typeface="+mn-cs"/>
+                  </a:defRPr>
+                </a:pPr>
+                <a:endParaRPr lang="en-US"/>
+              </a:p>
+            </c:txPr>
+            <c:showLegendKey val="0"/>
+            <c:showVal val="1"/>
+            <c:showCatName val="0"/>
+            <c:showSerName val="0"/>
+            <c:showPercent val="0"/>
+            <c:showBubbleSize val="0"/>
+            <c:showLeaderLines val="0"/>
+            <c:extLst>
+              <c:ext xmlns:c15="http://schemas.microsoft.com/office/drawing/2012/chart" uri="{CE6537A1-D6FC-4f65-9D91-7224C49458BB}">
+                <c15:showLeaderLines val="1"/>
+                <c15:leaderLines>
+                  <c:spPr>
+                    <a:ln w="9525" cap="flat" cmpd="sng" algn="ctr">
+                      <a:solidFill>
+                        <a:schemeClr val="tx1">
+                          <a:lumMod val="35000"/>
+                          <a:lumOff val="65000"/>
+                        </a:schemeClr>
+                      </a:solidFill>
+                      <a:round/>
+                    </a:ln>
+                    <a:effectLst/>
+                  </c:spPr>
+                </c15:leaderLines>
+              </c:ext>
+            </c:extLst>
+          </c:dLbls>
+          <c:cat>
+            <c:multiLvlStrRef>
+              <c:f>Sheet1!$B$1:$D$6</c:f>
+              <c:multiLvlStrCache>
+                <c:ptCount val="6"/>
+                <c:lvl>
+                  <c:pt idx="0">
+                    <c:v>set 1</c:v>
+                  </c:pt>
+                  <c:pt idx="1">
+                    <c:v>set 2</c:v>
+                  </c:pt>
+                  <c:pt idx="2">
+                    <c:v>set 3</c:v>
+                  </c:pt>
+                  <c:pt idx="3">
+                    <c:v>set 1</c:v>
+                  </c:pt>
+                  <c:pt idx="4">
+                    <c:v>set 2</c:v>
+                  </c:pt>
+                  <c:pt idx="5">
+                    <c:v>set 3</c:v>
+                  </c:pt>
+                </c:lvl>
+                <c:lvl>
+                  <c:pt idx="0">
+                    <c:v>Normal</c:v>
+                  </c:pt>
+                  <c:pt idx="3">
+                    <c:v>Rounded</c:v>
+                  </c:pt>
+                </c:lvl>
+                <c:lvl>
+                  <c:pt idx="0">
+                    <c:v>OLS</c:v>
+                  </c:pt>
+                </c:lvl>
+              </c:multiLvlStrCache>
+            </c:multiLvlStrRef>
+          </c:cat>
+          <c:val>
+            <c:numRef>
+              <c:f>Sheet1!$E$1:$E$6</c:f>
+              <c:numCache>
+                <c:formatCode>General</c:formatCode>
+                <c:ptCount val="6"/>
+                <c:pt idx="0">
+                  <c:v>0.90100000000000002</c:v>
+                </c:pt>
+                <c:pt idx="1">
+                  <c:v>0.81100000000000005</c:v>
+                </c:pt>
+                <c:pt idx="2">
+                  <c:v>0.72399999999999998</c:v>
+                </c:pt>
+                <c:pt idx="3">
+                  <c:v>0.90100000000000002</c:v>
+                </c:pt>
+                <c:pt idx="4">
+                  <c:v>0.80300000000000005</c:v>
+                </c:pt>
+                <c:pt idx="5">
+                  <c:v>0.71499999999999997</c:v>
+                </c:pt>
+              </c:numCache>
+            </c:numRef>
+          </c:val>
+          <c:extLst>
+            <c:ext xmlns:c16="http://schemas.microsoft.com/office/drawing/2014/chart" uri="{C3380CC4-5D6E-409C-BE32-E72D297353CC}">
+              <c16:uniqueId val="{00000000-431D-1547-94A6-CCCE9A8B88A9}"/>
+            </c:ext>
+          </c:extLst>
+        </c:ser>
+        <c:dLbls>
+          <c:showLegendKey val="0"/>
+          <c:showVal val="0"/>
+          <c:showCatName val="0"/>
+          <c:showSerName val="0"/>
+          <c:showPercent val="0"/>
+          <c:showBubbleSize val="0"/>
+        </c:dLbls>
+        <c:gapWidth val="137"/>
+        <c:overlap val="-59"/>
+        <c:axId val="1718512128"/>
+        <c:axId val="1718206896"/>
+      </c:barChart>
+      <c:catAx>
+        <c:axId val="1718512128"/>
+        <c:scaling>
+          <c:orientation val="minMax"/>
+        </c:scaling>
+        <c:delete val="0"/>
+        <c:axPos val="b"/>
+        <c:numFmt formatCode="General" sourceLinked="1"/>
+        <c:majorTickMark val="none"/>
+        <c:minorTickMark val="none"/>
+        <c:tickLblPos val="nextTo"/>
+        <c:spPr>
+          <a:noFill/>
+          <a:ln w="9525" cap="flat" cmpd="sng" algn="ctr">
+            <a:solidFill>
+              <a:schemeClr val="tx1">
+                <a:lumMod val="15000"/>
+                <a:lumOff val="85000"/>
+              </a:schemeClr>
+            </a:solidFill>
+            <a:round/>
+          </a:ln>
+          <a:effectLst/>
+        </c:spPr>
+        <c:txPr>
+          <a:bodyPr rot="-60000000" spcFirstLastPara="1" vertOverflow="ellipsis" vert="horz" wrap="square" anchor="ctr" anchorCtr="1"/>
+          <a:lstStyle/>
+          <a:p>
+            <a:pPr>
+              <a:defRPr sz="900" b="0" i="0" u="none" strike="noStrike" kern="1200" baseline="0">
+                <a:solidFill>
+                  <a:schemeClr val="tx1">
+                    <a:lumMod val="65000"/>
+                    <a:lumOff val="35000"/>
+                  </a:schemeClr>
+                </a:solidFill>
+                <a:latin typeface="+mn-lt"/>
+                <a:ea typeface="+mn-ea"/>
+                <a:cs typeface="+mn-cs"/>
+              </a:defRPr>
+            </a:pPr>
+            <a:endParaRPr lang="en-US"/>
+          </a:p>
+        </c:txPr>
+        <c:crossAx val="1718206896"/>
+        <c:crosses val="autoZero"/>
+        <c:auto val="1"/>
+        <c:lblAlgn val="ctr"/>
+        <c:lblOffset val="100"/>
+        <c:noMultiLvlLbl val="0"/>
+      </c:catAx>
+      <c:valAx>
+        <c:axId val="1718206896"/>
+        <c:scaling>
+          <c:orientation val="minMax"/>
+        </c:scaling>
+        <c:delete val="1"/>
+        <c:axPos val="l"/>
+        <c:numFmt formatCode="General" sourceLinked="1"/>
+        <c:majorTickMark val="none"/>
+        <c:minorTickMark val="none"/>
+        <c:tickLblPos val="nextTo"/>
+        <c:crossAx val="1718512128"/>
+        <c:crosses val="autoZero"/>
+        <c:crossBetween val="between"/>
+      </c:valAx>
+      <c:spPr>
+        <a:noFill/>
+        <a:ln>
+          <a:noFill/>
+        </a:ln>
+        <a:effectLst/>
+      </c:spPr>
+    </c:plotArea>
+    <c:plotVisOnly val="1"/>
+    <c:dispBlanksAs val="gap"/>
+    <c:extLst>
+      <c:ext xmlns:c16r3="http://schemas.microsoft.com/office/drawing/2017/03/chart" uri="{56B9EC1D-385E-4148-901F-78D8002777C0}">
+        <c16r3:dataDisplayOptions16>
+          <c16r3:dispNaAsBlank val="1"/>
+        </c16r3:dataDisplayOptions16>
+      </c:ext>
+    </c:extLst>
+    <c:showDLblsOverMax val="0"/>
+  </c:chart>
+  <c:spPr>
+    <a:noFill/>
+    <a:ln>
+      <a:noFill/>
+    </a:ln>
+    <a:effectLst/>
+  </c:spPr>
+  <c:txPr>
+    <a:bodyPr/>
+    <a:lstStyle/>
+    <a:p>
+      <a:pPr>
+        <a:defRPr/>
+      </a:pPr>
+      <a:endParaRPr lang="en-US"/>
+    </a:p>
+  </c:txPr>
+  <c:externalData r:id="rId3">
+    <c:autoUpdate val="0"/>
+  </c:externalData>
+</c:chartSpace>
+</file>
+
+<file path=ppt/charts/chart2.xml><?xml version="1.0" encoding="utf-8"?>
+<c:chartSpace xmlns:c="http://schemas.openxmlformats.org/drawingml/2006/chart" xmlns:a="http://schemas.openxmlformats.org/drawingml/2006/main" xmlns:r="http://schemas.openxmlformats.org/officeDocument/2006/relationships" xmlns:c16r2="http://schemas.microsoft.com/office/drawing/2015/06/chart">
+  <c:date1904 val="0"/>
+  <c:lang val="en-US"/>
+  <c:roundedCorners val="0"/>
+  <mc:AlternateContent xmlns:mc="http://schemas.openxmlformats.org/markup-compatibility/2006">
+    <mc:Choice xmlns:c14="http://schemas.microsoft.com/office/drawing/2007/8/2/chart" Requires="c14">
+      <c14:style val="102"/>
+    </mc:Choice>
+    <mc:Fallback>
+      <c:style val="2"/>
+    </mc:Fallback>
+  </mc:AlternateContent>
+  <c:chart>
+    <c:autoTitleDeleted val="1"/>
+    <c:plotArea>
+      <c:layout/>
+      <c:barChart>
+        <c:barDir val="col"/>
+        <c:grouping val="clustered"/>
+        <c:varyColors val="0"/>
+        <c:ser>
+          <c:idx val="0"/>
+          <c:order val="0"/>
+          <c:spPr>
+            <a:solidFill>
+              <a:schemeClr val="accent1"/>
+            </a:solidFill>
+            <a:ln>
+              <a:noFill/>
+            </a:ln>
+            <a:effectLst/>
+          </c:spPr>
+          <c:invertIfNegative val="0"/>
+          <c:dLbls>
+            <c:spPr>
+              <a:noFill/>
+              <a:ln>
+                <a:noFill/>
+              </a:ln>
+              <a:effectLst/>
+            </c:spPr>
+            <c:txPr>
+              <a:bodyPr rot="0" spcFirstLastPara="1" vertOverflow="ellipsis" vert="horz" wrap="square" lIns="38100" tIns="19050" rIns="38100" bIns="19050" anchor="ctr" anchorCtr="1">
+                <a:spAutoFit/>
+              </a:bodyPr>
+              <a:lstStyle/>
+              <a:p>
+                <a:pPr>
+                  <a:defRPr sz="1400" b="0" i="0" u="none" strike="noStrike" kern="1200" baseline="0">
+                    <a:solidFill>
+                      <a:schemeClr val="tx1">
+                        <a:lumMod val="75000"/>
+                        <a:lumOff val="25000"/>
+                      </a:schemeClr>
+                    </a:solidFill>
+                    <a:latin typeface="+mn-lt"/>
+                    <a:ea typeface="+mn-ea"/>
+                    <a:cs typeface="+mn-cs"/>
+                  </a:defRPr>
+                </a:pPr>
+                <a:endParaRPr lang="en-US"/>
+              </a:p>
+            </c:txPr>
+            <c:showLegendKey val="0"/>
+            <c:showVal val="1"/>
+            <c:showCatName val="0"/>
+            <c:showSerName val="0"/>
+            <c:showPercent val="0"/>
+            <c:showBubbleSize val="0"/>
+            <c:showLeaderLines val="0"/>
+            <c:extLst>
+              <c:ext xmlns:c15="http://schemas.microsoft.com/office/drawing/2012/chart" uri="{CE6537A1-D6FC-4f65-9D91-7224C49458BB}">
+                <c15:showLeaderLines val="1"/>
+                <c15:leaderLines>
+                  <c:spPr>
+                    <a:ln w="9525" cap="flat" cmpd="sng" algn="ctr">
+                      <a:solidFill>
+                        <a:schemeClr val="tx1">
+                          <a:lumMod val="35000"/>
+                          <a:lumOff val="65000"/>
+                        </a:schemeClr>
+                      </a:solidFill>
+                      <a:round/>
+                    </a:ln>
+                    <a:effectLst/>
+                  </c:spPr>
+                </c15:leaderLines>
+              </c:ext>
+            </c:extLst>
+          </c:dLbls>
+          <c:cat>
+            <c:multiLvlStrRef>
+              <c:f>Sheet1!$B$9:$D$14</c:f>
+              <c:multiLvlStrCache>
+                <c:ptCount val="6"/>
+                <c:lvl>
+                  <c:pt idx="0">
+                    <c:v>set 1</c:v>
+                  </c:pt>
+                  <c:pt idx="1">
+                    <c:v>set 2</c:v>
+                  </c:pt>
+                  <c:pt idx="2">
+                    <c:v>set 3</c:v>
+                  </c:pt>
+                  <c:pt idx="3">
+                    <c:v>set 1</c:v>
+                  </c:pt>
+                  <c:pt idx="4">
+                    <c:v>set 2</c:v>
+                  </c:pt>
+                  <c:pt idx="5">
+                    <c:v>set 3</c:v>
+                  </c:pt>
+                </c:lvl>
+                <c:lvl>
+                  <c:pt idx="0">
+                    <c:v>Normal</c:v>
+                  </c:pt>
+                  <c:pt idx="3">
+                    <c:v>Rounded</c:v>
+                  </c:pt>
+                </c:lvl>
+                <c:lvl>
+                  <c:pt idx="0">
+                    <c:v>Ridge</c:v>
+                  </c:pt>
+                </c:lvl>
+              </c:multiLvlStrCache>
+            </c:multiLvlStrRef>
+          </c:cat>
+          <c:val>
+            <c:numRef>
+              <c:f>Sheet1!$E$9:$E$14</c:f>
+              <c:numCache>
+                <c:formatCode>General</c:formatCode>
+                <c:ptCount val="6"/>
+                <c:pt idx="0">
+                  <c:v>0.90300000000000002</c:v>
+                </c:pt>
+                <c:pt idx="1">
+                  <c:v>0.81399999999999995</c:v>
+                </c:pt>
+                <c:pt idx="2">
+                  <c:v>0.72799999999999998</c:v>
+                </c:pt>
+                <c:pt idx="3">
+                  <c:v>0.90500000000000003</c:v>
+                </c:pt>
+                <c:pt idx="4">
+                  <c:v>0.80600000000000005</c:v>
+                </c:pt>
+                <c:pt idx="5">
+                  <c:v>0.71899999999999997</c:v>
+                </c:pt>
+              </c:numCache>
+            </c:numRef>
+          </c:val>
+          <c:extLst>
+            <c:ext xmlns:c16="http://schemas.microsoft.com/office/drawing/2014/chart" uri="{C3380CC4-5D6E-409C-BE32-E72D297353CC}">
+              <c16:uniqueId val="{00000000-A675-254C-A5DE-C7CC4CAC61D1}"/>
+            </c:ext>
+          </c:extLst>
+        </c:ser>
+        <c:dLbls>
+          <c:showLegendKey val="0"/>
+          <c:showVal val="0"/>
+          <c:showCatName val="0"/>
+          <c:showSerName val="0"/>
+          <c:showPercent val="0"/>
+          <c:showBubbleSize val="0"/>
+        </c:dLbls>
+        <c:gapWidth val="154"/>
+        <c:overlap val="-27"/>
+        <c:axId val="1754439216"/>
+        <c:axId val="1717775744"/>
+      </c:barChart>
+      <c:catAx>
+        <c:axId val="1754439216"/>
+        <c:scaling>
+          <c:orientation val="minMax"/>
+        </c:scaling>
+        <c:delete val="0"/>
+        <c:axPos val="b"/>
+        <c:numFmt formatCode="General" sourceLinked="1"/>
+        <c:majorTickMark val="none"/>
+        <c:minorTickMark val="none"/>
+        <c:tickLblPos val="nextTo"/>
+        <c:spPr>
+          <a:noFill/>
+          <a:ln w="9525" cap="flat" cmpd="sng" algn="ctr">
+            <a:solidFill>
+              <a:schemeClr val="tx1">
+                <a:lumMod val="15000"/>
+                <a:lumOff val="85000"/>
+              </a:schemeClr>
+            </a:solidFill>
+            <a:round/>
+          </a:ln>
+          <a:effectLst/>
+        </c:spPr>
+        <c:txPr>
+          <a:bodyPr rot="-60000000" spcFirstLastPara="1" vertOverflow="ellipsis" vert="horz" wrap="square" anchor="ctr" anchorCtr="1"/>
+          <a:lstStyle/>
+          <a:p>
+            <a:pPr>
+              <a:defRPr sz="900" b="0" i="0" u="none" strike="noStrike" kern="1200" baseline="0">
+                <a:solidFill>
+                  <a:schemeClr val="tx1">
+                    <a:lumMod val="65000"/>
+                    <a:lumOff val="35000"/>
+                  </a:schemeClr>
+                </a:solidFill>
+                <a:latin typeface="+mn-lt"/>
+                <a:ea typeface="+mn-ea"/>
+                <a:cs typeface="+mn-cs"/>
+              </a:defRPr>
+            </a:pPr>
+            <a:endParaRPr lang="en-US"/>
+          </a:p>
+        </c:txPr>
+        <c:crossAx val="1717775744"/>
+        <c:crosses val="autoZero"/>
+        <c:auto val="1"/>
+        <c:lblAlgn val="ctr"/>
+        <c:lblOffset val="100"/>
+        <c:noMultiLvlLbl val="0"/>
+      </c:catAx>
+      <c:valAx>
+        <c:axId val="1717775744"/>
+        <c:scaling>
+          <c:orientation val="minMax"/>
+        </c:scaling>
+        <c:delete val="1"/>
+        <c:axPos val="l"/>
+        <c:numFmt formatCode="General" sourceLinked="1"/>
+        <c:majorTickMark val="none"/>
+        <c:minorTickMark val="none"/>
+        <c:tickLblPos val="nextTo"/>
+        <c:crossAx val="1754439216"/>
+        <c:crosses val="autoZero"/>
+        <c:crossBetween val="between"/>
+      </c:valAx>
+      <c:spPr>
+        <a:noFill/>
+        <a:ln>
+          <a:noFill/>
+        </a:ln>
+        <a:effectLst/>
+      </c:spPr>
+    </c:plotArea>
+    <c:plotVisOnly val="1"/>
+    <c:dispBlanksAs val="gap"/>
+    <c:extLst>
+      <c:ext xmlns:c16r3="http://schemas.microsoft.com/office/drawing/2017/03/chart" uri="{56B9EC1D-385E-4148-901F-78D8002777C0}">
+        <c16r3:dataDisplayOptions16>
+          <c16r3:dispNaAsBlank val="1"/>
+        </c16r3:dataDisplayOptions16>
+      </c:ext>
+    </c:extLst>
+    <c:showDLblsOverMax val="0"/>
+  </c:chart>
+  <c:spPr>
+    <a:noFill/>
+    <a:ln>
+      <a:noFill/>
+    </a:ln>
+    <a:effectLst/>
+  </c:spPr>
+  <c:txPr>
+    <a:bodyPr/>
+    <a:lstStyle/>
+    <a:p>
+      <a:pPr>
+        <a:defRPr/>
+      </a:pPr>
+      <a:endParaRPr lang="en-US"/>
+    </a:p>
+  </c:txPr>
+  <c:externalData r:id="rId3">
+    <c:autoUpdate val="0"/>
+  </c:externalData>
+</c:chartSpace>
+</file>
+
+<file path=ppt/charts/chart3.xml><?xml version="1.0" encoding="utf-8"?>
+<c:chartSpace xmlns:c="http://schemas.openxmlformats.org/drawingml/2006/chart" xmlns:a="http://schemas.openxmlformats.org/drawingml/2006/main" xmlns:r="http://schemas.openxmlformats.org/officeDocument/2006/relationships" xmlns:c16r2="http://schemas.microsoft.com/office/drawing/2015/06/chart">
+  <c:date1904 val="0"/>
+  <c:lang val="en-US"/>
+  <c:roundedCorners val="0"/>
+  <mc:AlternateContent xmlns:mc="http://schemas.openxmlformats.org/markup-compatibility/2006">
+    <mc:Choice xmlns:c14="http://schemas.microsoft.com/office/drawing/2007/8/2/chart" Requires="c14">
+      <c14:style val="102"/>
+    </mc:Choice>
+    <mc:Fallback>
+      <c:style val="2"/>
+    </mc:Fallback>
+  </mc:AlternateContent>
+  <c:chart>
+    <c:autoTitleDeleted val="1"/>
+    <c:plotArea>
+      <c:layout/>
+      <c:barChart>
+        <c:barDir val="col"/>
+        <c:grouping val="clustered"/>
+        <c:varyColors val="0"/>
+        <c:dLbls>
+          <c:showLegendKey val="0"/>
+          <c:showVal val="0"/>
+          <c:showCatName val="0"/>
+          <c:showSerName val="0"/>
+          <c:showPercent val="0"/>
+          <c:showBubbleSize val="0"/>
+        </c:dLbls>
+        <c:gapWidth val="144"/>
+        <c:overlap val="-27"/>
+        <c:axId val="1756704544"/>
+        <c:axId val="1657018000"/>
+      </c:barChart>
+      <c:catAx>
+        <c:axId val="1756704544"/>
+        <c:scaling>
+          <c:orientation val="minMax"/>
+        </c:scaling>
+        <c:delete val="0"/>
+        <c:axPos val="b"/>
+        <c:numFmt formatCode="General" sourceLinked="1"/>
+        <c:majorTickMark val="none"/>
+        <c:minorTickMark val="none"/>
+        <c:tickLblPos val="nextTo"/>
+        <c:spPr>
+          <a:noFill/>
+          <a:ln w="9525" cap="flat" cmpd="sng" algn="ctr">
+            <a:solidFill>
+              <a:schemeClr val="tx1">
+                <a:lumMod val="15000"/>
+                <a:lumOff val="85000"/>
+              </a:schemeClr>
+            </a:solidFill>
+            <a:round/>
+          </a:ln>
+          <a:effectLst/>
+        </c:spPr>
+        <c:txPr>
+          <a:bodyPr rot="-60000000" spcFirstLastPara="1" vertOverflow="ellipsis" vert="horz" wrap="square" anchor="ctr" anchorCtr="1"/>
+          <a:lstStyle/>
+          <a:p>
+            <a:pPr>
+              <a:defRPr sz="900" b="0" i="0" u="none" strike="noStrike" kern="1200" baseline="0">
+                <a:solidFill>
+                  <a:schemeClr val="tx1">
+                    <a:lumMod val="65000"/>
+                    <a:lumOff val="35000"/>
+                  </a:schemeClr>
+                </a:solidFill>
+                <a:latin typeface="+mn-lt"/>
+                <a:ea typeface="+mn-ea"/>
+                <a:cs typeface="+mn-cs"/>
+              </a:defRPr>
+            </a:pPr>
+            <a:endParaRPr lang="en-US"/>
+          </a:p>
+        </c:txPr>
+        <c:crossAx val="1657018000"/>
+        <c:crosses val="autoZero"/>
+        <c:auto val="1"/>
+        <c:lblAlgn val="ctr"/>
+        <c:lblOffset val="100"/>
+        <c:noMultiLvlLbl val="0"/>
+      </c:catAx>
+      <c:valAx>
+        <c:axId val="1657018000"/>
+        <c:scaling>
+          <c:orientation val="minMax"/>
+        </c:scaling>
+        <c:delete val="1"/>
+        <c:axPos val="l"/>
+        <c:numFmt formatCode="General" sourceLinked="1"/>
+        <c:majorTickMark val="none"/>
+        <c:minorTickMark val="none"/>
+        <c:tickLblPos val="nextTo"/>
+        <c:crossAx val="1756704544"/>
+        <c:crosses val="autoZero"/>
+        <c:crossBetween val="between"/>
+      </c:valAx>
+      <c:spPr>
+        <a:noFill/>
+        <a:ln>
+          <a:noFill/>
+        </a:ln>
+        <a:effectLst/>
+      </c:spPr>
+    </c:plotArea>
+    <c:plotVisOnly val="1"/>
+    <c:dispBlanksAs val="gap"/>
+    <c:extLst>
+      <c:ext xmlns:c16r3="http://schemas.microsoft.com/office/drawing/2017/03/chart" uri="{56B9EC1D-385E-4148-901F-78D8002777C0}">
+        <c16r3:dataDisplayOptions16>
+          <c16r3:dispNaAsBlank val="1"/>
+        </c16r3:dataDisplayOptions16>
+      </c:ext>
+    </c:extLst>
+    <c:showDLblsOverMax val="0"/>
+  </c:chart>
+  <c:spPr>
+    <a:noFill/>
+    <a:ln>
+      <a:noFill/>
+    </a:ln>
+    <a:effectLst/>
+  </c:spPr>
+  <c:txPr>
+    <a:bodyPr/>
+    <a:lstStyle/>
+    <a:p>
+      <a:pPr>
+        <a:defRPr/>
+      </a:pPr>
+      <a:endParaRPr lang="en-US"/>
+    </a:p>
+  </c:txPr>
+  <c:externalData r:id="rId3">
+    <c:autoUpdate val="0"/>
+  </c:externalData>
+</c:chartSpace>
+</file>
+
+<file path=ppt/charts/chart4.xml><?xml version="1.0" encoding="utf-8"?>
+<c:chartSpace xmlns:c="http://schemas.openxmlformats.org/drawingml/2006/chart" xmlns:a="http://schemas.openxmlformats.org/drawingml/2006/main" xmlns:r="http://schemas.openxmlformats.org/officeDocument/2006/relationships" xmlns:c16r2="http://schemas.microsoft.com/office/drawing/2015/06/chart">
+  <c:date1904 val="0"/>
+  <c:lang val="en-US"/>
+  <c:roundedCorners val="0"/>
+  <mc:AlternateContent xmlns:mc="http://schemas.openxmlformats.org/markup-compatibility/2006">
+    <mc:Choice xmlns:c14="http://schemas.microsoft.com/office/drawing/2007/8/2/chart" Requires="c14">
+      <c14:style val="102"/>
+    </mc:Choice>
+    <mc:Fallback>
+      <c:style val="2"/>
+    </mc:Fallback>
+  </mc:AlternateContent>
+  <c:chart>
+    <c:autoTitleDeleted val="1"/>
+    <c:plotArea>
+      <c:layout/>
+      <c:barChart>
+        <c:barDir val="col"/>
+        <c:grouping val="clustered"/>
+        <c:varyColors val="0"/>
+        <c:ser>
+          <c:idx val="0"/>
+          <c:order val="0"/>
+          <c:spPr>
+            <a:solidFill>
+              <a:schemeClr val="accent1"/>
+            </a:solidFill>
+            <a:ln>
+              <a:noFill/>
+            </a:ln>
+            <a:effectLst/>
+          </c:spPr>
+          <c:invertIfNegative val="0"/>
+          <c:dLbls>
+            <c:spPr>
+              <a:noFill/>
+              <a:ln>
+                <a:noFill/>
+              </a:ln>
+              <a:effectLst/>
+            </c:spPr>
+            <c:txPr>
+              <a:bodyPr rot="0" spcFirstLastPara="1" vertOverflow="ellipsis" vert="horz" wrap="square" lIns="38100" tIns="19050" rIns="38100" bIns="19050" anchor="ctr" anchorCtr="1">
+                <a:spAutoFit/>
+              </a:bodyPr>
+              <a:lstStyle/>
+              <a:p>
+                <a:pPr>
+                  <a:defRPr sz="1400" b="0" i="0" u="none" strike="noStrike" kern="1200" baseline="0">
+                    <a:solidFill>
+                      <a:schemeClr val="tx1">
+                        <a:lumMod val="75000"/>
+                        <a:lumOff val="25000"/>
+                      </a:schemeClr>
+                    </a:solidFill>
+                    <a:latin typeface="+mn-lt"/>
+                    <a:ea typeface="+mn-ea"/>
+                    <a:cs typeface="+mn-cs"/>
+                  </a:defRPr>
+                </a:pPr>
+                <a:endParaRPr lang="en-US"/>
+              </a:p>
+            </c:txPr>
+            <c:showLegendKey val="0"/>
+            <c:showVal val="1"/>
+            <c:showCatName val="0"/>
+            <c:showSerName val="0"/>
+            <c:showPercent val="0"/>
+            <c:showBubbleSize val="0"/>
+            <c:showLeaderLines val="0"/>
+            <c:extLst>
+              <c:ext xmlns:c15="http://schemas.microsoft.com/office/drawing/2012/chart" uri="{CE6537A1-D6FC-4f65-9D91-7224C49458BB}">
+                <c15:showLeaderLines val="1"/>
+                <c15:leaderLines>
+                  <c:spPr>
+                    <a:ln w="9525" cap="flat" cmpd="sng" algn="ctr">
+                      <a:solidFill>
+                        <a:schemeClr val="tx1">
+                          <a:lumMod val="35000"/>
+                          <a:lumOff val="65000"/>
+                        </a:schemeClr>
+                      </a:solidFill>
+                      <a:round/>
+                    </a:ln>
+                    <a:effectLst/>
+                  </c:spPr>
+                </c15:leaderLines>
+              </c:ext>
+            </c:extLst>
+          </c:dLbls>
+          <c:cat>
+            <c:multiLvlStrRef>
+              <c:f>Sheet1!$B$2:$D$7</c:f>
+              <c:multiLvlStrCache>
+                <c:ptCount val="6"/>
+                <c:lvl>
+                  <c:pt idx="0">
+                    <c:v>Test</c:v>
+                  </c:pt>
+                  <c:pt idx="1">
+                    <c:v>Train</c:v>
+                  </c:pt>
+                  <c:pt idx="2">
+                    <c:v>Test</c:v>
+                  </c:pt>
+                  <c:pt idx="3">
+                    <c:v>Train</c:v>
+                  </c:pt>
+                  <c:pt idx="4">
+                    <c:v>Test</c:v>
+                  </c:pt>
+                  <c:pt idx="5">
+                    <c:v>Train</c:v>
+                  </c:pt>
+                </c:lvl>
+                <c:lvl>
+                  <c:pt idx="0">
+                    <c:v>Set 1</c:v>
+                  </c:pt>
+                  <c:pt idx="2">
+                    <c:v>Set 2</c:v>
+                  </c:pt>
+                  <c:pt idx="4">
+                    <c:v>Set 3</c:v>
+                  </c:pt>
+                </c:lvl>
+                <c:lvl>
+                  <c:pt idx="0">
+                    <c:v>OLS</c:v>
+                  </c:pt>
+                </c:lvl>
+              </c:multiLvlStrCache>
+            </c:multiLvlStrRef>
+          </c:cat>
+          <c:val>
+            <c:numRef>
+              <c:f>Sheet1!$E$2:$E$7</c:f>
+              <c:numCache>
+                <c:formatCode>General</c:formatCode>
+                <c:ptCount val="6"/>
+                <c:pt idx="0">
+                  <c:v>0.94</c:v>
+                </c:pt>
+                <c:pt idx="1">
+                  <c:v>0.37</c:v>
+                </c:pt>
+                <c:pt idx="2">
+                  <c:v>0.88</c:v>
+                </c:pt>
+                <c:pt idx="3">
+                  <c:v>0.37</c:v>
+                </c:pt>
+                <c:pt idx="4">
+                  <c:v>0.83</c:v>
+                </c:pt>
+                <c:pt idx="5">
+                  <c:v>7.0000000000000007E-2</c:v>
+                </c:pt>
+              </c:numCache>
+            </c:numRef>
+          </c:val>
+          <c:extLst>
+            <c:ext xmlns:c16="http://schemas.microsoft.com/office/drawing/2014/chart" uri="{C3380CC4-5D6E-409C-BE32-E72D297353CC}">
+              <c16:uniqueId val="{00000000-F221-554B-AE31-A528DA078B91}"/>
+            </c:ext>
+          </c:extLst>
+        </c:ser>
+        <c:dLbls>
+          <c:showLegendKey val="0"/>
+          <c:showVal val="0"/>
+          <c:showCatName val="0"/>
+          <c:showSerName val="0"/>
+          <c:showPercent val="0"/>
+          <c:showBubbleSize val="0"/>
+        </c:dLbls>
+        <c:gapWidth val="144"/>
+        <c:overlap val="-27"/>
+        <c:axId val="1756704544"/>
+        <c:axId val="1657018000"/>
+      </c:barChart>
+      <c:catAx>
+        <c:axId val="1756704544"/>
+        <c:scaling>
+          <c:orientation val="minMax"/>
+        </c:scaling>
+        <c:delete val="0"/>
+        <c:axPos val="b"/>
+        <c:numFmt formatCode="General" sourceLinked="1"/>
+        <c:majorTickMark val="none"/>
+        <c:minorTickMark val="none"/>
+        <c:tickLblPos val="nextTo"/>
+        <c:spPr>
+          <a:noFill/>
+          <a:ln w="9525" cap="flat" cmpd="sng" algn="ctr">
+            <a:solidFill>
+              <a:schemeClr val="tx1">
+                <a:lumMod val="15000"/>
+                <a:lumOff val="85000"/>
+              </a:schemeClr>
+            </a:solidFill>
+            <a:round/>
+          </a:ln>
+          <a:effectLst/>
+        </c:spPr>
+        <c:txPr>
+          <a:bodyPr rot="-60000000" spcFirstLastPara="1" vertOverflow="ellipsis" vert="horz" wrap="square" anchor="ctr" anchorCtr="1"/>
+          <a:lstStyle/>
+          <a:p>
+            <a:pPr>
+              <a:defRPr sz="900" b="0" i="0" u="none" strike="noStrike" kern="1200" baseline="0">
+                <a:solidFill>
+                  <a:schemeClr val="tx1">
+                    <a:lumMod val="65000"/>
+                    <a:lumOff val="35000"/>
+                  </a:schemeClr>
+                </a:solidFill>
+                <a:latin typeface="+mn-lt"/>
+                <a:ea typeface="+mn-ea"/>
+                <a:cs typeface="+mn-cs"/>
+              </a:defRPr>
+            </a:pPr>
+            <a:endParaRPr lang="en-US"/>
+          </a:p>
+        </c:txPr>
+        <c:crossAx val="1657018000"/>
+        <c:crosses val="autoZero"/>
+        <c:auto val="1"/>
+        <c:lblAlgn val="ctr"/>
+        <c:lblOffset val="100"/>
+        <c:noMultiLvlLbl val="0"/>
+      </c:catAx>
+      <c:valAx>
+        <c:axId val="1657018000"/>
+        <c:scaling>
+          <c:orientation val="minMax"/>
+        </c:scaling>
+        <c:delete val="1"/>
+        <c:axPos val="l"/>
+        <c:numFmt formatCode="General" sourceLinked="1"/>
+        <c:majorTickMark val="none"/>
+        <c:minorTickMark val="none"/>
+        <c:tickLblPos val="nextTo"/>
+        <c:crossAx val="1756704544"/>
+        <c:crosses val="autoZero"/>
+        <c:crossBetween val="between"/>
+      </c:valAx>
+      <c:spPr>
+        <a:noFill/>
+        <a:ln>
+          <a:noFill/>
+        </a:ln>
+        <a:effectLst/>
+      </c:spPr>
+    </c:plotArea>
+    <c:plotVisOnly val="1"/>
+    <c:dispBlanksAs val="gap"/>
+    <c:extLst>
+      <c:ext xmlns:c16r3="http://schemas.microsoft.com/office/drawing/2017/03/chart" uri="{56B9EC1D-385E-4148-901F-78D8002777C0}">
+        <c16r3:dataDisplayOptions16>
+          <c16r3:dispNaAsBlank val="1"/>
+        </c16r3:dataDisplayOptions16>
+      </c:ext>
+    </c:extLst>
+    <c:showDLblsOverMax val="0"/>
+  </c:chart>
+  <c:spPr>
+    <a:noFill/>
+    <a:ln>
+      <a:noFill/>
+    </a:ln>
+    <a:effectLst/>
+  </c:spPr>
+  <c:txPr>
+    <a:bodyPr/>
+    <a:lstStyle/>
+    <a:p>
+      <a:pPr>
+        <a:defRPr/>
+      </a:pPr>
+      <a:endParaRPr lang="en-US"/>
+    </a:p>
+  </c:txPr>
+  <c:externalData r:id="rId3">
+    <c:autoUpdate val="0"/>
+  </c:externalData>
+</c:chartSpace>
+</file>
+
+<file path=ppt/charts/colors1.xml><?xml version="1.0" encoding="utf-8"?>
+<cs:colorStyle xmlns:cs="http://schemas.microsoft.com/office/drawing/2012/chartStyle" xmlns:a="http://schemas.openxmlformats.org/drawingml/2006/main" meth="cycle" id="10">
+  <a:schemeClr val="accent1"/>
+  <a:schemeClr val="accent2"/>
+  <a:schemeClr val="accent3"/>
+  <a:schemeClr val="accent4"/>
+  <a:schemeClr val="accent5"/>
+  <a:schemeClr val="accent6"/>
+  <cs:variation/>
+  <cs:variation>
+    <a:lumMod val="60000"/>
+  </cs:variation>
+  <cs:variation>
+    <a:lumMod val="80000"/>
+    <a:lumOff val="20000"/>
+  </cs:variation>
+  <cs:variation>
+    <a:lumMod val="80000"/>
+  </cs:variation>
+  <cs:variation>
+    <a:lumMod val="60000"/>
+    <a:lumOff val="40000"/>
+  </cs:variation>
+  <cs:variation>
+    <a:lumMod val="50000"/>
+  </cs:variation>
+  <cs:variation>
+    <a:lumMod val="70000"/>
+    <a:lumOff val="30000"/>
+  </cs:variation>
+  <cs:variation>
+    <a:lumMod val="70000"/>
+  </cs:variation>
+  <cs:variation>
+    <a:lumMod val="50000"/>
+    <a:lumOff val="50000"/>
+  </cs:variation>
+</cs:colorStyle>
+</file>
+
+<file path=ppt/charts/colors2.xml><?xml version="1.0" encoding="utf-8"?>
+<cs:colorStyle xmlns:cs="http://schemas.microsoft.com/office/drawing/2012/chartStyle" xmlns:a="http://schemas.openxmlformats.org/drawingml/2006/main" meth="cycle" id="10">
+  <a:schemeClr val="accent1"/>
+  <a:schemeClr val="accent2"/>
+  <a:schemeClr val="accent3"/>
+  <a:schemeClr val="accent4"/>
+  <a:schemeClr val="accent5"/>
+  <a:schemeClr val="accent6"/>
+  <cs:variation/>
+  <cs:variation>
+    <a:lumMod val="60000"/>
+  </cs:variation>
+  <cs:variation>
+    <a:lumMod val="80000"/>
+    <a:lumOff val="20000"/>
+  </cs:variation>
+  <cs:variation>
+    <a:lumMod val="80000"/>
+  </cs:variation>
+  <cs:variation>
+    <a:lumMod val="60000"/>
+    <a:lumOff val="40000"/>
+  </cs:variation>
+  <cs:variation>
+    <a:lumMod val="50000"/>
+  </cs:variation>
+  <cs:variation>
+    <a:lumMod val="70000"/>
+    <a:lumOff val="30000"/>
+  </cs:variation>
+  <cs:variation>
+    <a:lumMod val="70000"/>
+  </cs:variation>
+  <cs:variation>
+    <a:lumMod val="50000"/>
+    <a:lumOff val="50000"/>
+  </cs:variation>
+</cs:colorStyle>
+</file>
+
+<file path=ppt/charts/colors3.xml><?xml version="1.0" encoding="utf-8"?>
+<cs:colorStyle xmlns:cs="http://schemas.microsoft.com/office/drawing/2012/chartStyle" xmlns:a="http://schemas.openxmlformats.org/drawingml/2006/main" meth="cycle" id="10">
+  <a:schemeClr val="accent1"/>
+  <a:schemeClr val="accent2"/>
+  <a:schemeClr val="accent3"/>
+  <a:schemeClr val="accent4"/>
+  <a:schemeClr val="accent5"/>
+  <a:schemeClr val="accent6"/>
+  <cs:variation/>
+  <cs:variation>
+    <a:lumMod val="60000"/>
+  </cs:variation>
+  <cs:variation>
+    <a:lumMod val="80000"/>
+    <a:lumOff val="20000"/>
+  </cs:variation>
+  <cs:variation>
+    <a:lumMod val="80000"/>
+  </cs:variation>
+  <cs:variation>
+    <a:lumMod val="60000"/>
+    <a:lumOff val="40000"/>
+  </cs:variation>
+  <cs:variation>
+    <a:lumMod val="50000"/>
+  </cs:variation>
+  <cs:variation>
+    <a:lumMod val="70000"/>
+    <a:lumOff val="30000"/>
+  </cs:variation>
+  <cs:variation>
+    <a:lumMod val="70000"/>
+  </cs:variation>
+  <cs:variation>
+    <a:lumMod val="50000"/>
+    <a:lumOff val="50000"/>
+  </cs:variation>
+</cs:colorStyle>
+</file>
+
+<file path=ppt/charts/colors4.xml><?xml version="1.0" encoding="utf-8"?>
+<cs:colorStyle xmlns:cs="http://schemas.microsoft.com/office/drawing/2012/chartStyle" xmlns:a="http://schemas.openxmlformats.org/drawingml/2006/main" meth="cycle" id="10">
+  <a:schemeClr val="accent1"/>
+  <a:schemeClr val="accent2"/>
+  <a:schemeClr val="accent3"/>
+  <a:schemeClr val="accent4"/>
+  <a:schemeClr val="accent5"/>
+  <a:schemeClr val="accent6"/>
+  <cs:variation/>
+  <cs:variation>
+    <a:lumMod val="60000"/>
+  </cs:variation>
+  <cs:variation>
+    <a:lumMod val="80000"/>
+    <a:lumOff val="20000"/>
+  </cs:variation>
+  <cs:variation>
+    <a:lumMod val="80000"/>
+  </cs:variation>
+  <cs:variation>
+    <a:lumMod val="60000"/>
+    <a:lumOff val="40000"/>
+  </cs:variation>
+  <cs:variation>
+    <a:lumMod val="50000"/>
+  </cs:variation>
+  <cs:variation>
+    <a:lumMod val="70000"/>
+    <a:lumOff val="30000"/>
+  </cs:variation>
+  <cs:variation>
+    <a:lumMod val="70000"/>
+  </cs:variation>
+  <cs:variation>
+    <a:lumMod val="50000"/>
+    <a:lumOff val="50000"/>
+  </cs:variation>
+</cs:colorStyle>
+</file>
+
+<file path=ppt/charts/style1.xml><?xml version="1.0" encoding="utf-8"?>
+<cs:chartStyle xmlns:cs="http://schemas.microsoft.com/office/drawing/2012/chartStyle" xmlns:a="http://schemas.openxmlformats.org/drawingml/2006/main" id="201">
+  <cs:axisTitle>
+    <cs:lnRef idx="0"/>
+    <cs:fillRef idx="0"/>
+    <cs:effectRef idx="0"/>
+    <cs:fontRef idx="minor">
+      <a:schemeClr val="tx1">
+        <a:lumMod val="65000"/>
+        <a:lumOff val="35000"/>
+      </a:schemeClr>
+    </cs:fontRef>
+    <cs:defRPr sz="1000" kern="1200"/>
+  </cs:axisTitle>
+  <cs:categoryAxis>
+    <cs:lnRef idx="0"/>
+    <cs:fillRef idx="0"/>
+    <cs:effectRef idx="0"/>
+    <cs:fontRef idx="minor">
+      <a:schemeClr val="tx1">
+        <a:lumMod val="65000"/>
+        <a:lumOff val="35000"/>
+      </a:schemeClr>
+    </cs:fontRef>
+    <cs:spPr>
+      <a:ln w="9525" cap="flat" cmpd="sng" algn="ctr">
+        <a:solidFill>
+          <a:schemeClr val="tx1">
+            <a:lumMod val="15000"/>
+            <a:lumOff val="85000"/>
+          </a:schemeClr>
+        </a:solidFill>
+        <a:round/>
+      </a:ln>
+    </cs:spPr>
+    <cs:defRPr sz="900" kern="1200"/>
+  </cs:categoryAxis>
+  <cs:chartArea mods="allowNoFillOverride allowNoLineOverride">
+    <cs:lnRef idx="0"/>
+    <cs:fillRef idx="0"/>
+    <cs:effectRef idx="0"/>
+    <cs:fontRef idx="minor">
+      <a:schemeClr val="tx1"/>
+    </cs:fontRef>
+    <cs:spPr>
+      <a:solidFill>
+        <a:schemeClr val="bg1"/>
+      </a:solidFill>
+      <a:ln w="9525" cap="flat" cmpd="sng" algn="ctr">
+        <a:solidFill>
+          <a:schemeClr val="tx1">
+            <a:lumMod val="15000"/>
+            <a:lumOff val="85000"/>
+          </a:schemeClr>
+        </a:solidFill>
+        <a:round/>
+      </a:ln>
+    </cs:spPr>
+    <cs:defRPr sz="1000" kern="1200"/>
+  </cs:chartArea>
+  <cs:dataLabel>
+    <cs:lnRef idx="0"/>
+    <cs:fillRef idx="0"/>
+    <cs:effectRef idx="0"/>
+    <cs:fontRef idx="minor">
+      <a:schemeClr val="tx1">
+        <a:lumMod val="75000"/>
+        <a:lumOff val="25000"/>
+      </a:schemeClr>
+    </cs:fontRef>
+    <cs:defRPr sz="900" kern="1200"/>
+  </cs:dataLabel>
+  <cs:dataLabelCallout>
+    <cs:lnRef idx="0"/>
+    <cs:fillRef idx="0"/>
+    <cs:effectRef idx="0"/>
+    <cs:fontRef idx="minor">
+      <a:schemeClr val="dk1">
+        <a:lumMod val="65000"/>
+        <a:lumOff val="35000"/>
+      </a:schemeClr>
+    </cs:fontRef>
+    <cs:spPr>
+      <a:solidFill>
+        <a:schemeClr val="lt1"/>
+      </a:solidFill>
+      <a:ln>
+        <a:solidFill>
+          <a:schemeClr val="dk1">
+            <a:lumMod val="25000"/>
+            <a:lumOff val="75000"/>
+          </a:schemeClr>
+        </a:solidFill>
+      </a:ln>
+    </cs:spPr>
+    <cs:defRPr sz="900" kern="1200"/>
+    <cs:bodyPr rot="0" spcFirstLastPara="1" vertOverflow="clip" horzOverflow="clip" vert="horz" wrap="square" lIns="36576" tIns="18288" rIns="36576" bIns="18288" anchor="ctr" anchorCtr="1">
+      <a:spAutoFit/>
+    </cs:bodyPr>
+  </cs:dataLabelCallout>
+  <cs:dataPoint>
+    <cs:lnRef idx="0"/>
+    <cs:fillRef idx="1">
+      <cs:styleClr val="auto"/>
+    </cs:fillRef>
+    <cs:effectRef idx="0"/>
+    <cs:fontRef idx="minor">
+      <a:schemeClr val="tx1"/>
+    </cs:fontRef>
+  </cs:dataPoint>
+  <cs:dataPoint3D>
+    <cs:lnRef idx="0"/>
+    <cs:fillRef idx="1">
+      <cs:styleClr val="auto"/>
+    </cs:fillRef>
+    <cs:effectRef idx="0"/>
+    <cs:fontRef idx="minor">
+      <a:schemeClr val="tx1"/>
+    </cs:fontRef>
+  </cs:dataPoint3D>
+  <cs:dataPointLine>
+    <cs:lnRef idx="0">
+      <cs:styleClr val="auto"/>
+    </cs:lnRef>
+    <cs:fillRef idx="1"/>
+    <cs:effectRef idx="0"/>
+    <cs:fontRef idx="minor">
+      <a:schemeClr val="tx1"/>
+    </cs:fontRef>
+    <cs:spPr>
+      <a:ln w="28575" cap="rnd">
+        <a:solidFill>
+          <a:schemeClr val="phClr"/>
+        </a:solidFill>
+        <a:round/>
+      </a:ln>
+    </cs:spPr>
+  </cs:dataPointLine>
+  <cs:dataPointMarker>
+    <cs:lnRef idx="0">
+      <cs:styleClr val="auto"/>
+    </cs:lnRef>
+    <cs:fillRef idx="1">
+      <cs:styleClr val="auto"/>
+    </cs:fillRef>
+    <cs:effectRef idx="0"/>
+    <cs:fontRef idx="minor">
+      <a:schemeClr val="tx1"/>
+    </cs:fontRef>
+    <cs:spPr>
+      <a:ln w="9525">
+        <a:solidFill>
+          <a:schemeClr val="phClr"/>
+        </a:solidFill>
+      </a:ln>
+    </cs:spPr>
+  </cs:dataPointMarker>
+  <cs:dataPointMarkerLayout symbol="circle" size="5"/>
+  <cs:dataPointWireframe>
+    <cs:lnRef idx="0">
+      <cs:styleClr val="auto"/>
+    </cs:lnRef>
+    <cs:fillRef idx="1"/>
+    <cs:effectRef idx="0"/>
+    <cs:fontRef idx="minor">
+      <a:schemeClr val="tx1"/>
+    </cs:fontRef>
+    <cs:spPr>
+      <a:ln w="9525" cap="rnd">
+        <a:solidFill>
+          <a:schemeClr val="phClr"/>
+        </a:solidFill>
+        <a:round/>
+      </a:ln>
+    </cs:spPr>
+  </cs:dataPointWireframe>
+  <cs:dataTable>
+    <cs:lnRef idx="0"/>
+    <cs:fillRef idx="0"/>
+    <cs:effectRef idx="0"/>
+    <cs:fontRef idx="minor">
+      <a:schemeClr val="tx1">
+        <a:lumMod val="65000"/>
+        <a:lumOff val="35000"/>
+      </a:schemeClr>
+    </cs:fontRef>
+    <cs:spPr>
+      <a:noFill/>
+      <a:ln w="9525" cap="flat" cmpd="sng" algn="ctr">
+        <a:solidFill>
+          <a:schemeClr val="tx1">
+            <a:lumMod val="15000"/>
+            <a:lumOff val="85000"/>
+          </a:schemeClr>
+        </a:solidFill>
+        <a:round/>
+      </a:ln>
+    </cs:spPr>
+    <cs:defRPr sz="900" kern="1200"/>
+  </cs:dataTable>
+  <cs:downBar>
+    <cs:lnRef idx="0"/>
+    <cs:fillRef idx="0"/>
+    <cs:effectRef idx="0"/>
+    <cs:fontRef idx="minor">
+      <a:schemeClr val="dk1"/>
+    </cs:fontRef>
+    <cs:spPr>
+      <a:solidFill>
+        <a:schemeClr val="dk1">
+          <a:lumMod val="65000"/>
+          <a:lumOff val="35000"/>
+        </a:schemeClr>
+      </a:solidFill>
+      <a:ln w="9525">
+        <a:solidFill>
+          <a:schemeClr val="tx1">
+            <a:lumMod val="65000"/>
+            <a:lumOff val="35000"/>
+          </a:schemeClr>
+        </a:solidFill>
+      </a:ln>
+    </cs:spPr>
+  </cs:downBar>
+  <cs:dropLine>
+    <cs:lnRef idx="0"/>
+    <cs:fillRef idx="0"/>
+    <cs:effectRef idx="0"/>
+    <cs:fontRef idx="minor">
+      <a:schemeClr val="tx1"/>
+    </cs:fontRef>
+    <cs:spPr>
+      <a:ln w="9525" cap="flat" cmpd="sng" algn="ctr">
+        <a:solidFill>
+          <a:schemeClr val="tx1">
+            <a:lumMod val="35000"/>
+            <a:lumOff val="65000"/>
+          </a:schemeClr>
+        </a:solidFill>
+        <a:round/>
+      </a:ln>
+    </cs:spPr>
+  </cs:dropLine>
+  <cs:errorBar>
+    <cs:lnRef idx="0"/>
+    <cs:fillRef idx="0"/>
+    <cs:effectRef idx="0"/>
+    <cs:fontRef idx="minor">
+      <a:schemeClr val="tx1"/>
+    </cs:fontRef>
+    <cs:spPr>
+      <a:ln w="9525" cap="flat" cmpd="sng" algn="ctr">
+        <a:solidFill>
+          <a:schemeClr val="tx1">
+            <a:lumMod val="65000"/>
+            <a:lumOff val="35000"/>
+          </a:schemeClr>
+        </a:solidFill>
+        <a:round/>
+      </a:ln>
+    </cs:spPr>
+  </cs:errorBar>
+  <cs:floor>
+    <cs:lnRef idx="0"/>
+    <cs:fillRef idx="0"/>
+    <cs:effectRef idx="0"/>
+    <cs:fontRef idx="minor">
+      <a:schemeClr val="tx1"/>
+    </cs:fontRef>
+    <cs:spPr>
+      <a:noFill/>
+      <a:ln>
+        <a:noFill/>
+      </a:ln>
+    </cs:spPr>
+  </cs:floor>
+  <cs:gridlineMajor>
+    <cs:lnRef idx="0"/>
+    <cs:fillRef idx="0"/>
+    <cs:effectRef idx="0"/>
+    <cs:fontRef idx="minor">
+      <a:schemeClr val="tx1"/>
+    </cs:fontRef>
+    <cs:spPr>
+      <a:ln w="9525" cap="flat" cmpd="sng" algn="ctr">
+        <a:solidFill>
+          <a:schemeClr val="tx1">
+            <a:lumMod val="15000"/>
+            <a:lumOff val="85000"/>
+          </a:schemeClr>
+        </a:solidFill>
+        <a:round/>
+      </a:ln>
+    </cs:spPr>
+  </cs:gridlineMajor>
+  <cs:gridlineMinor>
+    <cs:lnRef idx="0"/>
+    <cs:fillRef idx="0"/>
+    <cs:effectRef idx="0"/>
+    <cs:fontRef idx="minor">
+      <a:schemeClr val="tx1"/>
+    </cs:fontRef>
+    <cs:spPr>
+      <a:ln w="9525" cap="flat" cmpd="sng" algn="ctr">
+        <a:solidFill>
+          <a:schemeClr val="tx1">
+            <a:lumMod val="5000"/>
+            <a:lumOff val="95000"/>
+          </a:schemeClr>
+        </a:solidFill>
+        <a:round/>
+      </a:ln>
+    </cs:spPr>
+  </cs:gridlineMinor>
+  <cs:hiLoLine>
+    <cs:lnRef idx="0"/>
+    <cs:fillRef idx="0"/>
+    <cs:effectRef idx="0"/>
+    <cs:fontRef idx="minor">
+      <a:schemeClr val="tx1"/>
+    </cs:fontRef>
+    <cs:spPr>
+      <a:ln w="9525" cap="flat" cmpd="sng" algn="ctr">
+        <a:solidFill>
+          <a:schemeClr val="tx1">
+            <a:lumMod val="75000"/>
+            <a:lumOff val="25000"/>
+          </a:schemeClr>
+        </a:solidFill>
+        <a:round/>
+      </a:ln>
+    </cs:spPr>
+  </cs:hiLoLine>
+  <cs:leaderLine>
+    <cs:lnRef idx="0"/>
+    <cs:fillRef idx="0"/>
+    <cs:effectRef idx="0"/>
+    <cs:fontRef idx="minor">
+      <a:schemeClr val="tx1"/>
+    </cs:fontRef>
+    <cs:spPr>
+      <a:ln w="9525" cap="flat" cmpd="sng" algn="ctr">
+        <a:solidFill>
+          <a:schemeClr val="tx1">
+            <a:lumMod val="35000"/>
+            <a:lumOff val="65000"/>
+          </a:schemeClr>
+        </a:solidFill>
+        <a:round/>
+      </a:ln>
+    </cs:spPr>
+  </cs:leaderLine>
+  <cs:legend>
+    <cs:lnRef idx="0"/>
+    <cs:fillRef idx="0"/>
+    <cs:effectRef idx="0"/>
+    <cs:fontRef idx="minor">
+      <a:schemeClr val="tx1">
+        <a:lumMod val="65000"/>
+        <a:lumOff val="35000"/>
+      </a:schemeClr>
+    </cs:fontRef>
+    <cs:defRPr sz="900" kern="1200"/>
+  </cs:legend>
+  <cs:plotArea mods="allowNoFillOverride allowNoLineOverride">
+    <cs:lnRef idx="0"/>
+    <cs:fillRef idx="0"/>
+    <cs:effectRef idx="0"/>
+    <cs:fontRef idx="minor">
+      <a:schemeClr val="tx1"/>
+    </cs:fontRef>
+  </cs:plotArea>
+  <cs:plotArea3D mods="allowNoFillOverride allowNoLineOverride">
+    <cs:lnRef idx="0"/>
+    <cs:fillRef idx="0"/>
+    <cs:effectRef idx="0"/>
+    <cs:fontRef idx="minor">
+      <a:schemeClr val="tx1"/>
+    </cs:fontRef>
+  </cs:plotArea3D>
+  <cs:seriesAxis>
+    <cs:lnRef idx="0"/>
+    <cs:fillRef idx="0"/>
+    <cs:effectRef idx="0"/>
+    <cs:fontRef idx="minor">
+      <a:schemeClr val="tx1">
+        <a:lumMod val="65000"/>
+        <a:lumOff val="35000"/>
+      </a:schemeClr>
+    </cs:fontRef>
+    <cs:defRPr sz="900" kern="1200"/>
+  </cs:seriesAxis>
+  <cs:seriesLine>
+    <cs:lnRef idx="0"/>
+    <cs:fillRef idx="0"/>
+    <cs:effectRef idx="0"/>
+    <cs:fontRef idx="minor">
+      <a:schemeClr val="tx1"/>
+    </cs:fontRef>
+    <cs:spPr>
+      <a:ln w="9525" cap="flat" cmpd="sng" algn="ctr">
+        <a:solidFill>
+          <a:schemeClr val="tx1">
+            <a:lumMod val="35000"/>
+            <a:lumOff val="65000"/>
+          </a:schemeClr>
+        </a:solidFill>
+        <a:round/>
+      </a:ln>
+    </cs:spPr>
+  </cs:seriesLine>
+  <cs:title>
+    <cs:lnRef idx="0"/>
+    <cs:fillRef idx="0"/>
+    <cs:effectRef idx="0"/>
+    <cs:fontRef idx="minor">
+      <a:schemeClr val="tx1">
+        <a:lumMod val="65000"/>
+        <a:lumOff val="35000"/>
+      </a:schemeClr>
+    </cs:fontRef>
+    <cs:defRPr sz="1400" b="0" kern="1200" spc="0" baseline="0"/>
+  </cs:title>
+  <cs:trendline>
+    <cs:lnRef idx="0">
+      <cs:styleClr val="auto"/>
+    </cs:lnRef>
+    <cs:fillRef idx="0"/>
+    <cs:effectRef idx="0"/>
+    <cs:fontRef idx="minor">
+      <a:schemeClr val="tx1"/>
+    </cs:fontRef>
+    <cs:spPr>
+      <a:ln w="19050" cap="rnd">
+        <a:solidFill>
+          <a:schemeClr val="phClr"/>
+        </a:solidFill>
+        <a:prstDash val="sysDot"/>
+      </a:ln>
+    </cs:spPr>
+  </cs:trendline>
+  <cs:trendlineLabel>
+    <cs:lnRef idx="0"/>
+    <cs:fillRef idx="0"/>
+    <cs:effectRef idx="0"/>
+    <cs:fontRef idx="minor">
+      <a:schemeClr val="tx1">
+        <a:lumMod val="65000"/>
+        <a:lumOff val="35000"/>
+      </a:schemeClr>
+    </cs:fontRef>
+    <cs:defRPr sz="900" kern="1200"/>
+  </cs:trendlineLabel>
+  <cs:upBar>
+    <cs:lnRef idx="0"/>
+    <cs:fillRef idx="0"/>
+    <cs:effectRef idx="0"/>
+    <cs:fontRef idx="minor">
+      <a:schemeClr val="dk1"/>
+    </cs:fontRef>
+    <cs:spPr>
+      <a:solidFill>
+        <a:schemeClr val="lt1"/>
+      </a:solidFill>
+      <a:ln w="9525">
+        <a:solidFill>
+          <a:schemeClr val="tx1">
+            <a:lumMod val="15000"/>
+            <a:lumOff val="85000"/>
+          </a:schemeClr>
+        </a:solidFill>
+      </a:ln>
+    </cs:spPr>
+  </cs:upBar>
+  <cs:valueAxis>
+    <cs:lnRef idx="0"/>
+    <cs:fillRef idx="0"/>
+    <cs:effectRef idx="0"/>
+    <cs:fontRef idx="minor">
+      <a:schemeClr val="tx1">
+        <a:lumMod val="65000"/>
+        <a:lumOff val="35000"/>
+      </a:schemeClr>
+    </cs:fontRef>
+    <cs:defRPr sz="900" kern="1200"/>
+  </cs:valueAxis>
+  <cs:wall>
+    <cs:lnRef idx="0"/>
+    <cs:fillRef idx="0"/>
+    <cs:effectRef idx="0"/>
+    <cs:fontRef idx="minor">
+      <a:schemeClr val="tx1"/>
+    </cs:fontRef>
+    <cs:spPr>
+      <a:noFill/>
+      <a:ln>
+        <a:noFill/>
+      </a:ln>
+    </cs:spPr>
+  </cs:wall>
+</cs:chartStyle>
+</file>
+
+<file path=ppt/charts/style2.xml><?xml version="1.0" encoding="utf-8"?>
+<cs:chartStyle xmlns:cs="http://schemas.microsoft.com/office/drawing/2012/chartStyle" xmlns:a="http://schemas.openxmlformats.org/drawingml/2006/main" id="201">
+  <cs:axisTitle>
+    <cs:lnRef idx="0"/>
+    <cs:fillRef idx="0"/>
+    <cs:effectRef idx="0"/>
+    <cs:fontRef idx="minor">
+      <a:schemeClr val="tx1">
+        <a:lumMod val="65000"/>
+        <a:lumOff val="35000"/>
+      </a:schemeClr>
+    </cs:fontRef>
+    <cs:defRPr sz="1000" kern="1200"/>
+  </cs:axisTitle>
+  <cs:categoryAxis>
+    <cs:lnRef idx="0"/>
+    <cs:fillRef idx="0"/>
+    <cs:effectRef idx="0"/>
+    <cs:fontRef idx="minor">
+      <a:schemeClr val="tx1">
+        <a:lumMod val="65000"/>
+        <a:lumOff val="35000"/>
+      </a:schemeClr>
+    </cs:fontRef>
+    <cs:spPr>
+      <a:ln w="9525" cap="flat" cmpd="sng" algn="ctr">
+        <a:solidFill>
+          <a:schemeClr val="tx1">
+            <a:lumMod val="15000"/>
+            <a:lumOff val="85000"/>
+          </a:schemeClr>
+        </a:solidFill>
+        <a:round/>
+      </a:ln>
+    </cs:spPr>
+    <cs:defRPr sz="900" kern="1200"/>
+  </cs:categoryAxis>
+  <cs:chartArea mods="allowNoFillOverride allowNoLineOverride">
+    <cs:lnRef idx="0"/>
+    <cs:fillRef idx="0"/>
+    <cs:effectRef idx="0"/>
+    <cs:fontRef idx="minor">
+      <a:schemeClr val="tx1"/>
+    </cs:fontRef>
+    <cs:spPr>
+      <a:solidFill>
+        <a:schemeClr val="bg1"/>
+      </a:solidFill>
+      <a:ln w="9525" cap="flat" cmpd="sng" algn="ctr">
+        <a:solidFill>
+          <a:schemeClr val="tx1">
+            <a:lumMod val="15000"/>
+            <a:lumOff val="85000"/>
+          </a:schemeClr>
+        </a:solidFill>
+        <a:round/>
+      </a:ln>
+    </cs:spPr>
+    <cs:defRPr sz="1000" kern="1200"/>
+  </cs:chartArea>
+  <cs:dataLabel>
+    <cs:lnRef idx="0"/>
+    <cs:fillRef idx="0"/>
+    <cs:effectRef idx="0"/>
+    <cs:fontRef idx="minor">
+      <a:schemeClr val="tx1">
+        <a:lumMod val="75000"/>
+        <a:lumOff val="25000"/>
+      </a:schemeClr>
+    </cs:fontRef>
+    <cs:defRPr sz="900" kern="1200"/>
+  </cs:dataLabel>
+  <cs:dataLabelCallout>
+    <cs:lnRef idx="0"/>
+    <cs:fillRef idx="0"/>
+    <cs:effectRef idx="0"/>
+    <cs:fontRef idx="minor">
+      <a:schemeClr val="dk1">
+        <a:lumMod val="65000"/>
+        <a:lumOff val="35000"/>
+      </a:schemeClr>
+    </cs:fontRef>
+    <cs:spPr>
+      <a:solidFill>
+        <a:schemeClr val="lt1"/>
+      </a:solidFill>
+      <a:ln>
+        <a:solidFill>
+          <a:schemeClr val="dk1">
+            <a:lumMod val="25000"/>
+            <a:lumOff val="75000"/>
+          </a:schemeClr>
+        </a:solidFill>
+      </a:ln>
+    </cs:spPr>
+    <cs:defRPr sz="900" kern="1200"/>
+    <cs:bodyPr rot="0" spcFirstLastPara="1" vertOverflow="clip" horzOverflow="clip" vert="horz" wrap="square" lIns="36576" tIns="18288" rIns="36576" bIns="18288" anchor="ctr" anchorCtr="1">
+      <a:spAutoFit/>
+    </cs:bodyPr>
+  </cs:dataLabelCallout>
+  <cs:dataPoint>
+    <cs:lnRef idx="0"/>
+    <cs:fillRef idx="1">
+      <cs:styleClr val="auto"/>
+    </cs:fillRef>
+    <cs:effectRef idx="0"/>
+    <cs:fontRef idx="minor">
+      <a:schemeClr val="tx1"/>
+    </cs:fontRef>
+  </cs:dataPoint>
+  <cs:dataPoint3D>
+    <cs:lnRef idx="0"/>
+    <cs:fillRef idx="1">
+      <cs:styleClr val="auto"/>
+    </cs:fillRef>
+    <cs:effectRef idx="0"/>
+    <cs:fontRef idx="minor">
+      <a:schemeClr val="tx1"/>
+    </cs:fontRef>
+  </cs:dataPoint3D>
+  <cs:dataPointLine>
+    <cs:lnRef idx="0">
+      <cs:styleClr val="auto"/>
+    </cs:lnRef>
+    <cs:fillRef idx="1"/>
+    <cs:effectRef idx="0"/>
+    <cs:fontRef idx="minor">
+      <a:schemeClr val="tx1"/>
+    </cs:fontRef>
+    <cs:spPr>
+      <a:ln w="28575" cap="rnd">
+        <a:solidFill>
+          <a:schemeClr val="phClr"/>
+        </a:solidFill>
+        <a:round/>
+      </a:ln>
+    </cs:spPr>
+  </cs:dataPointLine>
+  <cs:dataPointMarker>
+    <cs:lnRef idx="0">
+      <cs:styleClr val="auto"/>
+    </cs:lnRef>
+    <cs:fillRef idx="1">
+      <cs:styleClr val="auto"/>
+    </cs:fillRef>
+    <cs:effectRef idx="0"/>
+    <cs:fontRef idx="minor">
+      <a:schemeClr val="tx1"/>
+    </cs:fontRef>
+    <cs:spPr>
+      <a:ln w="9525">
+        <a:solidFill>
+          <a:schemeClr val="phClr"/>
+        </a:solidFill>
+      </a:ln>
+    </cs:spPr>
+  </cs:dataPointMarker>
+  <cs:dataPointMarkerLayout symbol="circle" size="5"/>
+  <cs:dataPointWireframe>
+    <cs:lnRef idx="0">
+      <cs:styleClr val="auto"/>
+    </cs:lnRef>
+    <cs:fillRef idx="1"/>
+    <cs:effectRef idx="0"/>
+    <cs:fontRef idx="minor">
+      <a:schemeClr val="tx1"/>
+    </cs:fontRef>
+    <cs:spPr>
+      <a:ln w="9525" cap="rnd">
+        <a:solidFill>
+          <a:schemeClr val="phClr"/>
+        </a:solidFill>
+        <a:round/>
+      </a:ln>
+    </cs:spPr>
+  </cs:dataPointWireframe>
+  <cs:dataTable>
+    <cs:lnRef idx="0"/>
+    <cs:fillRef idx="0"/>
+    <cs:effectRef idx="0"/>
+    <cs:fontRef idx="minor">
+      <a:schemeClr val="tx1">
+        <a:lumMod val="65000"/>
+        <a:lumOff val="35000"/>
+      </a:schemeClr>
+    </cs:fontRef>
+    <cs:spPr>
+      <a:noFill/>
+      <a:ln w="9525" cap="flat" cmpd="sng" algn="ctr">
+        <a:solidFill>
+          <a:schemeClr val="tx1">
+            <a:lumMod val="15000"/>
+            <a:lumOff val="85000"/>
+          </a:schemeClr>
+        </a:solidFill>
+        <a:round/>
+      </a:ln>
+    </cs:spPr>
+    <cs:defRPr sz="900" kern="1200"/>
+  </cs:dataTable>
+  <cs:downBar>
+    <cs:lnRef idx="0"/>
+    <cs:fillRef idx="0"/>
+    <cs:effectRef idx="0"/>
+    <cs:fontRef idx="minor">
+      <a:schemeClr val="dk1"/>
+    </cs:fontRef>
+    <cs:spPr>
+      <a:solidFill>
+        <a:schemeClr val="dk1">
+          <a:lumMod val="65000"/>
+          <a:lumOff val="35000"/>
+        </a:schemeClr>
+      </a:solidFill>
+      <a:ln w="9525">
+        <a:solidFill>
+          <a:schemeClr val="tx1">
+            <a:lumMod val="65000"/>
+            <a:lumOff val="35000"/>
+          </a:schemeClr>
+        </a:solidFill>
+      </a:ln>
+    </cs:spPr>
+  </cs:downBar>
+  <cs:dropLine>
+    <cs:lnRef idx="0"/>
+    <cs:fillRef idx="0"/>
+    <cs:effectRef idx="0"/>
+    <cs:fontRef idx="minor">
+      <a:schemeClr val="tx1"/>
+    </cs:fontRef>
+    <cs:spPr>
+      <a:ln w="9525" cap="flat" cmpd="sng" algn="ctr">
+        <a:solidFill>
+          <a:schemeClr val="tx1">
+            <a:lumMod val="35000"/>
+            <a:lumOff val="65000"/>
+          </a:schemeClr>
+        </a:solidFill>
+        <a:round/>
+      </a:ln>
+    </cs:spPr>
+  </cs:dropLine>
+  <cs:errorBar>
+    <cs:lnRef idx="0"/>
+    <cs:fillRef idx="0"/>
+    <cs:effectRef idx="0"/>
+    <cs:fontRef idx="minor">
+      <a:schemeClr val="tx1"/>
+    </cs:fontRef>
+    <cs:spPr>
+      <a:ln w="9525" cap="flat" cmpd="sng" algn="ctr">
+        <a:solidFill>
+          <a:schemeClr val="tx1">
+            <a:lumMod val="65000"/>
+            <a:lumOff val="35000"/>
+          </a:schemeClr>
+        </a:solidFill>
+        <a:round/>
+      </a:ln>
+    </cs:spPr>
+  </cs:errorBar>
+  <cs:floor>
+    <cs:lnRef idx="0"/>
+    <cs:fillRef idx="0"/>
+    <cs:effectRef idx="0"/>
+    <cs:fontRef idx="minor">
+      <a:schemeClr val="tx1"/>
+    </cs:fontRef>
+    <cs:spPr>
+      <a:noFill/>
+      <a:ln>
+        <a:noFill/>
+      </a:ln>
+    </cs:spPr>
+  </cs:floor>
+  <cs:gridlineMajor>
+    <cs:lnRef idx="0"/>
+    <cs:fillRef idx="0"/>
+    <cs:effectRef idx="0"/>
+    <cs:fontRef idx="minor">
+      <a:schemeClr val="tx1"/>
+    </cs:fontRef>
+    <cs:spPr>
+      <a:ln w="9525" cap="flat" cmpd="sng" algn="ctr">
+        <a:solidFill>
+          <a:schemeClr val="tx1">
+            <a:lumMod val="15000"/>
+            <a:lumOff val="85000"/>
+          </a:schemeClr>
+        </a:solidFill>
+        <a:round/>
+      </a:ln>
+    </cs:spPr>
+  </cs:gridlineMajor>
+  <cs:gridlineMinor>
+    <cs:lnRef idx="0"/>
+    <cs:fillRef idx="0"/>
+    <cs:effectRef idx="0"/>
+    <cs:fontRef idx="minor">
+      <a:schemeClr val="tx1"/>
+    </cs:fontRef>
+    <cs:spPr>
+      <a:ln w="9525" cap="flat" cmpd="sng" algn="ctr">
+        <a:solidFill>
+          <a:schemeClr val="tx1">
+            <a:lumMod val="5000"/>
+            <a:lumOff val="95000"/>
+          </a:schemeClr>
+        </a:solidFill>
+        <a:round/>
+      </a:ln>
+    </cs:spPr>
+  </cs:gridlineMinor>
+  <cs:hiLoLine>
+    <cs:lnRef idx="0"/>
+    <cs:fillRef idx="0"/>
+    <cs:effectRef idx="0"/>
+    <cs:fontRef idx="minor">
+      <a:schemeClr val="tx1"/>
+    </cs:fontRef>
+    <cs:spPr>
+      <a:ln w="9525" cap="flat" cmpd="sng" algn="ctr">
+        <a:solidFill>
+          <a:schemeClr val="tx1">
+            <a:lumMod val="75000"/>
+            <a:lumOff val="25000"/>
+          </a:schemeClr>
+        </a:solidFill>
+        <a:round/>
+      </a:ln>
+    </cs:spPr>
+  </cs:hiLoLine>
+  <cs:leaderLine>
+    <cs:lnRef idx="0"/>
+    <cs:fillRef idx="0"/>
+    <cs:effectRef idx="0"/>
+    <cs:fontRef idx="minor">
+      <a:schemeClr val="tx1"/>
+    </cs:fontRef>
+    <cs:spPr>
+      <a:ln w="9525" cap="flat" cmpd="sng" algn="ctr">
+        <a:solidFill>
+          <a:schemeClr val="tx1">
+            <a:lumMod val="35000"/>
+            <a:lumOff val="65000"/>
+          </a:schemeClr>
+        </a:solidFill>
+        <a:round/>
+      </a:ln>
+    </cs:spPr>
+  </cs:leaderLine>
+  <cs:legend>
+    <cs:lnRef idx="0"/>
+    <cs:fillRef idx="0"/>
+    <cs:effectRef idx="0"/>
+    <cs:fontRef idx="minor">
+      <a:schemeClr val="tx1">
+        <a:lumMod val="65000"/>
+        <a:lumOff val="35000"/>
+      </a:schemeClr>
+    </cs:fontRef>
+    <cs:defRPr sz="900" kern="1200"/>
+  </cs:legend>
+  <cs:plotArea mods="allowNoFillOverride allowNoLineOverride">
+    <cs:lnRef idx="0"/>
+    <cs:fillRef idx="0"/>
+    <cs:effectRef idx="0"/>
+    <cs:fontRef idx="minor">
+      <a:schemeClr val="tx1"/>
+    </cs:fontRef>
+  </cs:plotArea>
+  <cs:plotArea3D mods="allowNoFillOverride allowNoLineOverride">
+    <cs:lnRef idx="0"/>
+    <cs:fillRef idx="0"/>
+    <cs:effectRef idx="0"/>
+    <cs:fontRef idx="minor">
+      <a:schemeClr val="tx1"/>
+    </cs:fontRef>
+  </cs:plotArea3D>
+  <cs:seriesAxis>
+    <cs:lnRef idx="0"/>
+    <cs:fillRef idx="0"/>
+    <cs:effectRef idx="0"/>
+    <cs:fontRef idx="minor">
+      <a:schemeClr val="tx1">
+        <a:lumMod val="65000"/>
+        <a:lumOff val="35000"/>
+      </a:schemeClr>
+    </cs:fontRef>
+    <cs:defRPr sz="900" kern="1200"/>
+  </cs:seriesAxis>
+  <cs:seriesLine>
+    <cs:lnRef idx="0"/>
+    <cs:fillRef idx="0"/>
+    <cs:effectRef idx="0"/>
+    <cs:fontRef idx="minor">
+      <a:schemeClr val="tx1"/>
+    </cs:fontRef>
+    <cs:spPr>
+      <a:ln w="9525" cap="flat" cmpd="sng" algn="ctr">
+        <a:solidFill>
+          <a:schemeClr val="tx1">
+            <a:lumMod val="35000"/>
+            <a:lumOff val="65000"/>
+          </a:schemeClr>
+        </a:solidFill>
+        <a:round/>
+      </a:ln>
+    </cs:spPr>
+  </cs:seriesLine>
+  <cs:title>
+    <cs:lnRef idx="0"/>
+    <cs:fillRef idx="0"/>
+    <cs:effectRef idx="0"/>
+    <cs:fontRef idx="minor">
+      <a:schemeClr val="tx1">
+        <a:lumMod val="65000"/>
+        <a:lumOff val="35000"/>
+      </a:schemeClr>
+    </cs:fontRef>
+    <cs:defRPr sz="1400" b="0" kern="1200" spc="0" baseline="0"/>
+  </cs:title>
+  <cs:trendline>
+    <cs:lnRef idx="0">
+      <cs:styleClr val="auto"/>
+    </cs:lnRef>
+    <cs:fillRef idx="0"/>
+    <cs:effectRef idx="0"/>
+    <cs:fontRef idx="minor">
+      <a:schemeClr val="tx1"/>
+    </cs:fontRef>
+    <cs:spPr>
+      <a:ln w="19050" cap="rnd">
+        <a:solidFill>
+          <a:schemeClr val="phClr"/>
+        </a:solidFill>
+        <a:prstDash val="sysDot"/>
+      </a:ln>
+    </cs:spPr>
+  </cs:trendline>
+  <cs:trendlineLabel>
+    <cs:lnRef idx="0"/>
+    <cs:fillRef idx="0"/>
+    <cs:effectRef idx="0"/>
+    <cs:fontRef idx="minor">
+      <a:schemeClr val="tx1">
+        <a:lumMod val="65000"/>
+        <a:lumOff val="35000"/>
+      </a:schemeClr>
+    </cs:fontRef>
+    <cs:defRPr sz="900" kern="1200"/>
+  </cs:trendlineLabel>
+  <cs:upBar>
+    <cs:lnRef idx="0"/>
+    <cs:fillRef idx="0"/>
+    <cs:effectRef idx="0"/>
+    <cs:fontRef idx="minor">
+      <a:schemeClr val="dk1"/>
+    </cs:fontRef>
+    <cs:spPr>
+      <a:solidFill>
+        <a:schemeClr val="lt1"/>
+      </a:solidFill>
+      <a:ln w="9525">
+        <a:solidFill>
+          <a:schemeClr val="tx1">
+            <a:lumMod val="15000"/>
+            <a:lumOff val="85000"/>
+          </a:schemeClr>
+        </a:solidFill>
+      </a:ln>
+    </cs:spPr>
+  </cs:upBar>
+  <cs:valueAxis>
+    <cs:lnRef idx="0"/>
+    <cs:fillRef idx="0"/>
+    <cs:effectRef idx="0"/>
+    <cs:fontRef idx="minor">
+      <a:schemeClr val="tx1">
+        <a:lumMod val="65000"/>
+        <a:lumOff val="35000"/>
+      </a:schemeClr>
+    </cs:fontRef>
+    <cs:defRPr sz="900" kern="1200"/>
+  </cs:valueAxis>
+  <cs:wall>
+    <cs:lnRef idx="0"/>
+    <cs:fillRef idx="0"/>
+    <cs:effectRef idx="0"/>
+    <cs:fontRef idx="minor">
+      <a:schemeClr val="tx1"/>
+    </cs:fontRef>
+    <cs:spPr>
+      <a:noFill/>
+      <a:ln>
+        <a:noFill/>
+      </a:ln>
+    </cs:spPr>
+  </cs:wall>
+</cs:chartStyle>
+</file>
+
+<file path=ppt/charts/style3.xml><?xml version="1.0" encoding="utf-8"?>
+<cs:chartStyle xmlns:cs="http://schemas.microsoft.com/office/drawing/2012/chartStyle" xmlns:a="http://schemas.openxmlformats.org/drawingml/2006/main" id="201">
+  <cs:axisTitle>
+    <cs:lnRef idx="0"/>
+    <cs:fillRef idx="0"/>
+    <cs:effectRef idx="0"/>
+    <cs:fontRef idx="minor">
+      <a:schemeClr val="tx1">
+        <a:lumMod val="65000"/>
+        <a:lumOff val="35000"/>
+      </a:schemeClr>
+    </cs:fontRef>
+    <cs:defRPr sz="1000" kern="1200"/>
+  </cs:axisTitle>
+  <cs:categoryAxis>
+    <cs:lnRef idx="0"/>
+    <cs:fillRef idx="0"/>
+    <cs:effectRef idx="0"/>
+    <cs:fontRef idx="minor">
+      <a:schemeClr val="tx1">
+        <a:lumMod val="65000"/>
+        <a:lumOff val="35000"/>
+      </a:schemeClr>
+    </cs:fontRef>
+    <cs:spPr>
+      <a:ln w="9525" cap="flat" cmpd="sng" algn="ctr">
+        <a:solidFill>
+          <a:schemeClr val="tx1">
+            <a:lumMod val="15000"/>
+            <a:lumOff val="85000"/>
+          </a:schemeClr>
+        </a:solidFill>
+        <a:round/>
+      </a:ln>
+    </cs:spPr>
+    <cs:defRPr sz="900" kern="1200"/>
+  </cs:categoryAxis>
+  <cs:chartArea mods="allowNoFillOverride allowNoLineOverride">
+    <cs:lnRef idx="0"/>
+    <cs:fillRef idx="0"/>
+    <cs:effectRef idx="0"/>
+    <cs:fontRef idx="minor">
+      <a:schemeClr val="tx1"/>
+    </cs:fontRef>
+    <cs:spPr>
+      <a:solidFill>
+        <a:schemeClr val="bg1"/>
+      </a:solidFill>
+      <a:ln w="9525" cap="flat" cmpd="sng" algn="ctr">
+        <a:solidFill>
+          <a:schemeClr val="tx1">
+            <a:lumMod val="15000"/>
+            <a:lumOff val="85000"/>
+          </a:schemeClr>
+        </a:solidFill>
+        <a:round/>
+      </a:ln>
+    </cs:spPr>
+    <cs:defRPr sz="1000" kern="1200"/>
+  </cs:chartArea>
+  <cs:dataLabel>
+    <cs:lnRef idx="0"/>
+    <cs:fillRef idx="0"/>
+    <cs:effectRef idx="0"/>
+    <cs:fontRef idx="minor">
+      <a:schemeClr val="tx1">
+        <a:lumMod val="75000"/>
+        <a:lumOff val="25000"/>
+      </a:schemeClr>
+    </cs:fontRef>
+    <cs:defRPr sz="900" kern="1200"/>
+  </cs:dataLabel>
+  <cs:dataLabelCallout>
+    <cs:lnRef idx="0"/>
+    <cs:fillRef idx="0"/>
+    <cs:effectRef idx="0"/>
+    <cs:fontRef idx="minor">
+      <a:schemeClr val="dk1">
+        <a:lumMod val="65000"/>
+        <a:lumOff val="35000"/>
+      </a:schemeClr>
+    </cs:fontRef>
+    <cs:spPr>
+      <a:solidFill>
+        <a:schemeClr val="lt1"/>
+      </a:solidFill>
+      <a:ln>
+        <a:solidFill>
+          <a:schemeClr val="dk1">
+            <a:lumMod val="25000"/>
+            <a:lumOff val="75000"/>
+          </a:schemeClr>
+        </a:solidFill>
+      </a:ln>
+    </cs:spPr>
+    <cs:defRPr sz="900" kern="1200"/>
+    <cs:bodyPr rot="0" spcFirstLastPara="1" vertOverflow="clip" horzOverflow="clip" vert="horz" wrap="square" lIns="36576" tIns="18288" rIns="36576" bIns="18288" anchor="ctr" anchorCtr="1">
+      <a:spAutoFit/>
+    </cs:bodyPr>
+  </cs:dataLabelCallout>
+  <cs:dataPoint>
+    <cs:lnRef idx="0"/>
+    <cs:fillRef idx="1">
+      <cs:styleClr val="auto"/>
+    </cs:fillRef>
+    <cs:effectRef idx="0"/>
+    <cs:fontRef idx="minor">
+      <a:schemeClr val="tx1"/>
+    </cs:fontRef>
+  </cs:dataPoint>
+  <cs:dataPoint3D>
+    <cs:lnRef idx="0"/>
+    <cs:fillRef idx="1">
+      <cs:styleClr val="auto"/>
+    </cs:fillRef>
+    <cs:effectRef idx="0"/>
+    <cs:fontRef idx="minor">
+      <a:schemeClr val="tx1"/>
+    </cs:fontRef>
+  </cs:dataPoint3D>
+  <cs:dataPointLine>
+    <cs:lnRef idx="0">
+      <cs:styleClr val="auto"/>
+    </cs:lnRef>
+    <cs:fillRef idx="1"/>
+    <cs:effectRef idx="0"/>
+    <cs:fontRef idx="minor">
+      <a:schemeClr val="tx1"/>
+    </cs:fontRef>
+    <cs:spPr>
+      <a:ln w="28575" cap="rnd">
+        <a:solidFill>
+          <a:schemeClr val="phClr"/>
+        </a:solidFill>
+        <a:round/>
+      </a:ln>
+    </cs:spPr>
+  </cs:dataPointLine>
+  <cs:dataPointMarker>
+    <cs:lnRef idx="0">
+      <cs:styleClr val="auto"/>
+    </cs:lnRef>
+    <cs:fillRef idx="1">
+      <cs:styleClr val="auto"/>
+    </cs:fillRef>
+    <cs:effectRef idx="0"/>
+    <cs:fontRef idx="minor">
+      <a:schemeClr val="tx1"/>
+    </cs:fontRef>
+    <cs:spPr>
+      <a:ln w="9525">
+        <a:solidFill>
+          <a:schemeClr val="phClr"/>
+        </a:solidFill>
+      </a:ln>
+    </cs:spPr>
+  </cs:dataPointMarker>
+  <cs:dataPointMarkerLayout symbol="circle" size="5"/>
+  <cs:dataPointWireframe>
+    <cs:lnRef idx="0">
+      <cs:styleClr val="auto"/>
+    </cs:lnRef>
+    <cs:fillRef idx="1"/>
+    <cs:effectRef idx="0"/>
+    <cs:fontRef idx="minor">
+      <a:schemeClr val="tx1"/>
+    </cs:fontRef>
+    <cs:spPr>
+      <a:ln w="9525" cap="rnd">
+        <a:solidFill>
+          <a:schemeClr val="phClr"/>
+        </a:solidFill>
+        <a:round/>
+      </a:ln>
+    </cs:spPr>
+  </cs:dataPointWireframe>
+  <cs:dataTable>
+    <cs:lnRef idx="0"/>
+    <cs:fillRef idx="0"/>
+    <cs:effectRef idx="0"/>
+    <cs:fontRef idx="minor">
+      <a:schemeClr val="tx1">
+        <a:lumMod val="65000"/>
+        <a:lumOff val="35000"/>
+      </a:schemeClr>
+    </cs:fontRef>
+    <cs:spPr>
+      <a:noFill/>
+      <a:ln w="9525" cap="flat" cmpd="sng" algn="ctr">
+        <a:solidFill>
+          <a:schemeClr val="tx1">
+            <a:lumMod val="15000"/>
+            <a:lumOff val="85000"/>
+          </a:schemeClr>
+        </a:solidFill>
+        <a:round/>
+      </a:ln>
+    </cs:spPr>
+    <cs:defRPr sz="900" kern="1200"/>
+  </cs:dataTable>
+  <cs:downBar>
+    <cs:lnRef idx="0"/>
+    <cs:fillRef idx="0"/>
+    <cs:effectRef idx="0"/>
+    <cs:fontRef idx="minor">
+      <a:schemeClr val="dk1"/>
+    </cs:fontRef>
+    <cs:spPr>
+      <a:solidFill>
+        <a:schemeClr val="dk1">
+          <a:lumMod val="65000"/>
+          <a:lumOff val="35000"/>
+        </a:schemeClr>
+      </a:solidFill>
+      <a:ln w="9525">
+        <a:solidFill>
+          <a:schemeClr val="tx1">
+            <a:lumMod val="65000"/>
+            <a:lumOff val="35000"/>
+          </a:schemeClr>
+        </a:solidFill>
+      </a:ln>
+    </cs:spPr>
+  </cs:downBar>
+  <cs:dropLine>
+    <cs:lnRef idx="0"/>
+    <cs:fillRef idx="0"/>
+    <cs:effectRef idx="0"/>
+    <cs:fontRef idx="minor">
+      <a:schemeClr val="tx1"/>
+    </cs:fontRef>
+    <cs:spPr>
+      <a:ln w="9525" cap="flat" cmpd="sng" algn="ctr">
+        <a:solidFill>
+          <a:schemeClr val="tx1">
+            <a:lumMod val="35000"/>
+            <a:lumOff val="65000"/>
+          </a:schemeClr>
+        </a:solidFill>
+        <a:round/>
+      </a:ln>
+    </cs:spPr>
+  </cs:dropLine>
+  <cs:errorBar>
+    <cs:lnRef idx="0"/>
+    <cs:fillRef idx="0"/>
+    <cs:effectRef idx="0"/>
+    <cs:fontRef idx="minor">
+      <a:schemeClr val="tx1"/>
+    </cs:fontRef>
+    <cs:spPr>
+      <a:ln w="9525" cap="flat" cmpd="sng" algn="ctr">
+        <a:solidFill>
+          <a:schemeClr val="tx1">
+            <a:lumMod val="65000"/>
+            <a:lumOff val="35000"/>
+          </a:schemeClr>
+        </a:solidFill>
+        <a:round/>
+      </a:ln>
+    </cs:spPr>
+  </cs:errorBar>
+  <cs:floor>
+    <cs:lnRef idx="0"/>
+    <cs:fillRef idx="0"/>
+    <cs:effectRef idx="0"/>
+    <cs:fontRef idx="minor">
+      <a:schemeClr val="tx1"/>
+    </cs:fontRef>
+    <cs:spPr>
+      <a:noFill/>
+      <a:ln>
+        <a:noFill/>
+      </a:ln>
+    </cs:spPr>
+  </cs:floor>
+  <cs:gridlineMajor>
+    <cs:lnRef idx="0"/>
+    <cs:fillRef idx="0"/>
+    <cs:effectRef idx="0"/>
+    <cs:fontRef idx="minor">
+      <a:schemeClr val="tx1"/>
+    </cs:fontRef>
+    <cs:spPr>
+      <a:ln w="9525" cap="flat" cmpd="sng" algn="ctr">
+        <a:solidFill>
+          <a:schemeClr val="tx1">
+            <a:lumMod val="15000"/>
+            <a:lumOff val="85000"/>
+          </a:schemeClr>
+        </a:solidFill>
+        <a:round/>
+      </a:ln>
+    </cs:spPr>
+  </cs:gridlineMajor>
+  <cs:gridlineMinor>
+    <cs:lnRef idx="0"/>
+    <cs:fillRef idx="0"/>
+    <cs:effectRef idx="0"/>
+    <cs:fontRef idx="minor">
+      <a:schemeClr val="tx1"/>
+    </cs:fontRef>
+    <cs:spPr>
+      <a:ln w="9525" cap="flat" cmpd="sng" algn="ctr">
+        <a:solidFill>
+          <a:schemeClr val="tx1">
+            <a:lumMod val="5000"/>
+            <a:lumOff val="95000"/>
+          </a:schemeClr>
+        </a:solidFill>
+        <a:round/>
+      </a:ln>
+    </cs:spPr>
+  </cs:gridlineMinor>
+  <cs:hiLoLine>
+    <cs:lnRef idx="0"/>
+    <cs:fillRef idx="0"/>
+    <cs:effectRef idx="0"/>
+    <cs:fontRef idx="minor">
+      <a:schemeClr val="tx1"/>
+    </cs:fontRef>
+    <cs:spPr>
+      <a:ln w="9525" cap="flat" cmpd="sng" algn="ctr">
+        <a:solidFill>
+          <a:schemeClr val="tx1">
+            <a:lumMod val="75000"/>
+            <a:lumOff val="25000"/>
+          </a:schemeClr>
+        </a:solidFill>
+        <a:round/>
+      </a:ln>
+    </cs:spPr>
+  </cs:hiLoLine>
+  <cs:leaderLine>
+    <cs:lnRef idx="0"/>
+    <cs:fillRef idx="0"/>
+    <cs:effectRef idx="0"/>
+    <cs:fontRef idx="minor">
+      <a:schemeClr val="tx1"/>
+    </cs:fontRef>
+    <cs:spPr>
+      <a:ln w="9525" cap="flat" cmpd="sng" algn="ctr">
+        <a:solidFill>
+          <a:schemeClr val="tx1">
+            <a:lumMod val="35000"/>
+            <a:lumOff val="65000"/>
+          </a:schemeClr>
+        </a:solidFill>
+        <a:round/>
+      </a:ln>
+    </cs:spPr>
+  </cs:leaderLine>
+  <cs:legend>
+    <cs:lnRef idx="0"/>
+    <cs:fillRef idx="0"/>
+    <cs:effectRef idx="0"/>
+    <cs:fontRef idx="minor">
+      <a:schemeClr val="tx1">
+        <a:lumMod val="65000"/>
+        <a:lumOff val="35000"/>
+      </a:schemeClr>
+    </cs:fontRef>
+    <cs:defRPr sz="900" kern="1200"/>
+  </cs:legend>
+  <cs:plotArea mods="allowNoFillOverride allowNoLineOverride">
+    <cs:lnRef idx="0"/>
+    <cs:fillRef idx="0"/>
+    <cs:effectRef idx="0"/>
+    <cs:fontRef idx="minor">
+      <a:schemeClr val="tx1"/>
+    </cs:fontRef>
+  </cs:plotArea>
+  <cs:plotArea3D mods="allowNoFillOverride allowNoLineOverride">
+    <cs:lnRef idx="0"/>
+    <cs:fillRef idx="0"/>
+    <cs:effectRef idx="0"/>
+    <cs:fontRef idx="minor">
+      <a:schemeClr val="tx1"/>
+    </cs:fontRef>
+  </cs:plotArea3D>
+  <cs:seriesAxis>
+    <cs:lnRef idx="0"/>
+    <cs:fillRef idx="0"/>
+    <cs:effectRef idx="0"/>
+    <cs:fontRef idx="minor">
+      <a:schemeClr val="tx1">
+        <a:lumMod val="65000"/>
+        <a:lumOff val="35000"/>
+      </a:schemeClr>
+    </cs:fontRef>
+    <cs:defRPr sz="900" kern="1200"/>
+  </cs:seriesAxis>
+  <cs:seriesLine>
+    <cs:lnRef idx="0"/>
+    <cs:fillRef idx="0"/>
+    <cs:effectRef idx="0"/>
+    <cs:fontRef idx="minor">
+      <a:schemeClr val="tx1"/>
+    </cs:fontRef>
+    <cs:spPr>
+      <a:ln w="9525" cap="flat" cmpd="sng" algn="ctr">
+        <a:solidFill>
+          <a:schemeClr val="tx1">
+            <a:lumMod val="35000"/>
+            <a:lumOff val="65000"/>
+          </a:schemeClr>
+        </a:solidFill>
+        <a:round/>
+      </a:ln>
+    </cs:spPr>
+  </cs:seriesLine>
+  <cs:title>
+    <cs:lnRef idx="0"/>
+    <cs:fillRef idx="0"/>
+    <cs:effectRef idx="0"/>
+    <cs:fontRef idx="minor">
+      <a:schemeClr val="tx1">
+        <a:lumMod val="65000"/>
+        <a:lumOff val="35000"/>
+      </a:schemeClr>
+    </cs:fontRef>
+    <cs:defRPr sz="1400" b="0" kern="1200" spc="0" baseline="0"/>
+  </cs:title>
+  <cs:trendline>
+    <cs:lnRef idx="0">
+      <cs:styleClr val="auto"/>
+    </cs:lnRef>
+    <cs:fillRef idx="0"/>
+    <cs:effectRef idx="0"/>
+    <cs:fontRef idx="minor">
+      <a:schemeClr val="tx1"/>
+    </cs:fontRef>
+    <cs:spPr>
+      <a:ln w="19050" cap="rnd">
+        <a:solidFill>
+          <a:schemeClr val="phClr"/>
+        </a:solidFill>
+        <a:prstDash val="sysDot"/>
+      </a:ln>
+    </cs:spPr>
+  </cs:trendline>
+  <cs:trendlineLabel>
+    <cs:lnRef idx="0"/>
+    <cs:fillRef idx="0"/>
+    <cs:effectRef idx="0"/>
+    <cs:fontRef idx="minor">
+      <a:schemeClr val="tx1">
+        <a:lumMod val="65000"/>
+        <a:lumOff val="35000"/>
+      </a:schemeClr>
+    </cs:fontRef>
+    <cs:defRPr sz="900" kern="1200"/>
+  </cs:trendlineLabel>
+  <cs:upBar>
+    <cs:lnRef idx="0"/>
+    <cs:fillRef idx="0"/>
+    <cs:effectRef idx="0"/>
+    <cs:fontRef idx="minor">
+      <a:schemeClr val="dk1"/>
+    </cs:fontRef>
+    <cs:spPr>
+      <a:solidFill>
+        <a:schemeClr val="lt1"/>
+      </a:solidFill>
+      <a:ln w="9525">
+        <a:solidFill>
+          <a:schemeClr val="tx1">
+            <a:lumMod val="15000"/>
+            <a:lumOff val="85000"/>
+          </a:schemeClr>
+        </a:solidFill>
+      </a:ln>
+    </cs:spPr>
+  </cs:upBar>
+  <cs:valueAxis>
+    <cs:lnRef idx="0"/>
+    <cs:fillRef idx="0"/>
+    <cs:effectRef idx="0"/>
+    <cs:fontRef idx="minor">
+      <a:schemeClr val="tx1">
+        <a:lumMod val="65000"/>
+        <a:lumOff val="35000"/>
+      </a:schemeClr>
+    </cs:fontRef>
+    <cs:defRPr sz="900" kern="1200"/>
+  </cs:valueAxis>
+  <cs:wall>
+    <cs:lnRef idx="0"/>
+    <cs:fillRef idx="0"/>
+    <cs:effectRef idx="0"/>
+    <cs:fontRef idx="minor">
+      <a:schemeClr val="tx1"/>
+    </cs:fontRef>
+    <cs:spPr>
+      <a:noFill/>
+      <a:ln>
+        <a:noFill/>
+      </a:ln>
+    </cs:spPr>
+  </cs:wall>
+</cs:chartStyle>
+</file>
+
+<file path=ppt/charts/style4.xml><?xml version="1.0" encoding="utf-8"?>
+<cs:chartStyle xmlns:cs="http://schemas.microsoft.com/office/drawing/2012/chartStyle" xmlns:a="http://schemas.openxmlformats.org/drawingml/2006/main" id="201">
+  <cs:axisTitle>
+    <cs:lnRef idx="0"/>
+    <cs:fillRef idx="0"/>
+    <cs:effectRef idx="0"/>
+    <cs:fontRef idx="minor">
+      <a:schemeClr val="tx1">
+        <a:lumMod val="65000"/>
+        <a:lumOff val="35000"/>
+      </a:schemeClr>
+    </cs:fontRef>
+    <cs:defRPr sz="1000" kern="1200"/>
+  </cs:axisTitle>
+  <cs:categoryAxis>
+    <cs:lnRef idx="0"/>
+    <cs:fillRef idx="0"/>
+    <cs:effectRef idx="0"/>
+    <cs:fontRef idx="minor">
+      <a:schemeClr val="tx1">
+        <a:lumMod val="65000"/>
+        <a:lumOff val="35000"/>
+      </a:schemeClr>
+    </cs:fontRef>
+    <cs:spPr>
+      <a:ln w="9525" cap="flat" cmpd="sng" algn="ctr">
+        <a:solidFill>
+          <a:schemeClr val="tx1">
+            <a:lumMod val="15000"/>
+            <a:lumOff val="85000"/>
+          </a:schemeClr>
+        </a:solidFill>
+        <a:round/>
+      </a:ln>
+    </cs:spPr>
+    <cs:defRPr sz="900" kern="1200"/>
+  </cs:categoryAxis>
+  <cs:chartArea mods="allowNoFillOverride allowNoLineOverride">
+    <cs:lnRef idx="0"/>
+    <cs:fillRef idx="0"/>
+    <cs:effectRef idx="0"/>
+    <cs:fontRef idx="minor">
+      <a:schemeClr val="tx1"/>
+    </cs:fontRef>
+    <cs:spPr>
+      <a:solidFill>
+        <a:schemeClr val="bg1"/>
+      </a:solidFill>
+      <a:ln w="9525" cap="flat" cmpd="sng" algn="ctr">
+        <a:solidFill>
+          <a:schemeClr val="tx1">
+            <a:lumMod val="15000"/>
+            <a:lumOff val="85000"/>
+          </a:schemeClr>
+        </a:solidFill>
+        <a:round/>
+      </a:ln>
+    </cs:spPr>
+    <cs:defRPr sz="1000" kern="1200"/>
+  </cs:chartArea>
+  <cs:dataLabel>
+    <cs:lnRef idx="0"/>
+    <cs:fillRef idx="0"/>
+    <cs:effectRef idx="0"/>
+    <cs:fontRef idx="minor">
+      <a:schemeClr val="tx1">
+        <a:lumMod val="75000"/>
+        <a:lumOff val="25000"/>
+      </a:schemeClr>
+    </cs:fontRef>
+    <cs:defRPr sz="900" kern="1200"/>
+  </cs:dataLabel>
+  <cs:dataLabelCallout>
+    <cs:lnRef idx="0"/>
+    <cs:fillRef idx="0"/>
+    <cs:effectRef idx="0"/>
+    <cs:fontRef idx="minor">
+      <a:schemeClr val="dk1">
+        <a:lumMod val="65000"/>
+        <a:lumOff val="35000"/>
+      </a:schemeClr>
+    </cs:fontRef>
+    <cs:spPr>
+      <a:solidFill>
+        <a:schemeClr val="lt1"/>
+      </a:solidFill>
+      <a:ln>
+        <a:solidFill>
+          <a:schemeClr val="dk1">
+            <a:lumMod val="25000"/>
+            <a:lumOff val="75000"/>
+          </a:schemeClr>
+        </a:solidFill>
+      </a:ln>
+    </cs:spPr>
+    <cs:defRPr sz="900" kern="1200"/>
+    <cs:bodyPr rot="0" spcFirstLastPara="1" vertOverflow="clip" horzOverflow="clip" vert="horz" wrap="square" lIns="36576" tIns="18288" rIns="36576" bIns="18288" anchor="ctr" anchorCtr="1">
+      <a:spAutoFit/>
+    </cs:bodyPr>
+  </cs:dataLabelCallout>
+  <cs:dataPoint>
+    <cs:lnRef idx="0"/>
+    <cs:fillRef idx="1">
+      <cs:styleClr val="auto"/>
+    </cs:fillRef>
+    <cs:effectRef idx="0"/>
+    <cs:fontRef idx="minor">
+      <a:schemeClr val="tx1"/>
+    </cs:fontRef>
+  </cs:dataPoint>
+  <cs:dataPoint3D>
+    <cs:lnRef idx="0"/>
+    <cs:fillRef idx="1">
+      <cs:styleClr val="auto"/>
+    </cs:fillRef>
+    <cs:effectRef idx="0"/>
+    <cs:fontRef idx="minor">
+      <a:schemeClr val="tx1"/>
+    </cs:fontRef>
+  </cs:dataPoint3D>
+  <cs:dataPointLine>
+    <cs:lnRef idx="0">
+      <cs:styleClr val="auto"/>
+    </cs:lnRef>
+    <cs:fillRef idx="1"/>
+    <cs:effectRef idx="0"/>
+    <cs:fontRef idx="minor">
+      <a:schemeClr val="tx1"/>
+    </cs:fontRef>
+    <cs:spPr>
+      <a:ln w="28575" cap="rnd">
+        <a:solidFill>
+          <a:schemeClr val="phClr"/>
+        </a:solidFill>
+        <a:round/>
+      </a:ln>
+    </cs:spPr>
+  </cs:dataPointLine>
+  <cs:dataPointMarker>
+    <cs:lnRef idx="0">
+      <cs:styleClr val="auto"/>
+    </cs:lnRef>
+    <cs:fillRef idx="1">
+      <cs:styleClr val="auto"/>
+    </cs:fillRef>
+    <cs:effectRef idx="0"/>
+    <cs:fontRef idx="minor">
+      <a:schemeClr val="tx1"/>
+    </cs:fontRef>
+    <cs:spPr>
+      <a:ln w="9525">
+        <a:solidFill>
+          <a:schemeClr val="phClr"/>
+        </a:solidFill>
+      </a:ln>
+    </cs:spPr>
+  </cs:dataPointMarker>
+  <cs:dataPointMarkerLayout symbol="circle" size="5"/>
+  <cs:dataPointWireframe>
+    <cs:lnRef idx="0">
+      <cs:styleClr val="auto"/>
+    </cs:lnRef>
+    <cs:fillRef idx="1"/>
+    <cs:effectRef idx="0"/>
+    <cs:fontRef idx="minor">
+      <a:schemeClr val="tx1"/>
+    </cs:fontRef>
+    <cs:spPr>
+      <a:ln w="9525" cap="rnd">
+        <a:solidFill>
+          <a:schemeClr val="phClr"/>
+        </a:solidFill>
+        <a:round/>
+      </a:ln>
+    </cs:spPr>
+  </cs:dataPointWireframe>
+  <cs:dataTable>
+    <cs:lnRef idx="0"/>
+    <cs:fillRef idx="0"/>
+    <cs:effectRef idx="0"/>
+    <cs:fontRef idx="minor">
+      <a:schemeClr val="tx1">
+        <a:lumMod val="65000"/>
+        <a:lumOff val="35000"/>
+      </a:schemeClr>
+    </cs:fontRef>
+    <cs:spPr>
+      <a:noFill/>
+      <a:ln w="9525" cap="flat" cmpd="sng" algn="ctr">
+        <a:solidFill>
+          <a:schemeClr val="tx1">
+            <a:lumMod val="15000"/>
+            <a:lumOff val="85000"/>
+          </a:schemeClr>
+        </a:solidFill>
+        <a:round/>
+      </a:ln>
+    </cs:spPr>
+    <cs:defRPr sz="900" kern="1200"/>
+  </cs:dataTable>
+  <cs:downBar>
+    <cs:lnRef idx="0"/>
+    <cs:fillRef idx="0"/>
+    <cs:effectRef idx="0"/>
+    <cs:fontRef idx="minor">
+      <a:schemeClr val="dk1"/>
+    </cs:fontRef>
+    <cs:spPr>
+      <a:solidFill>
+        <a:schemeClr val="dk1">
+          <a:lumMod val="65000"/>
+          <a:lumOff val="35000"/>
+        </a:schemeClr>
+      </a:solidFill>
+      <a:ln w="9525">
+        <a:solidFill>
+          <a:schemeClr val="tx1">
+            <a:lumMod val="65000"/>
+            <a:lumOff val="35000"/>
+          </a:schemeClr>
+        </a:solidFill>
+      </a:ln>
+    </cs:spPr>
+  </cs:downBar>
+  <cs:dropLine>
+    <cs:lnRef idx="0"/>
+    <cs:fillRef idx="0"/>
+    <cs:effectRef idx="0"/>
+    <cs:fontRef idx="minor">
+      <a:schemeClr val="tx1"/>
+    </cs:fontRef>
+    <cs:spPr>
+      <a:ln w="9525" cap="flat" cmpd="sng" algn="ctr">
+        <a:solidFill>
+          <a:schemeClr val="tx1">
+            <a:lumMod val="35000"/>
+            <a:lumOff val="65000"/>
+          </a:schemeClr>
+        </a:solidFill>
+        <a:round/>
+      </a:ln>
+    </cs:spPr>
+  </cs:dropLine>
+  <cs:errorBar>
+    <cs:lnRef idx="0"/>
+    <cs:fillRef idx="0"/>
+    <cs:effectRef idx="0"/>
+    <cs:fontRef idx="minor">
+      <a:schemeClr val="tx1"/>
+    </cs:fontRef>
+    <cs:spPr>
+      <a:ln w="9525" cap="flat" cmpd="sng" algn="ctr">
+        <a:solidFill>
+          <a:schemeClr val="tx1">
+            <a:lumMod val="65000"/>
+            <a:lumOff val="35000"/>
+          </a:schemeClr>
+        </a:solidFill>
+        <a:round/>
+      </a:ln>
+    </cs:spPr>
+  </cs:errorBar>
+  <cs:floor>
+    <cs:lnRef idx="0"/>
+    <cs:fillRef idx="0"/>
+    <cs:effectRef idx="0"/>
+    <cs:fontRef idx="minor">
+      <a:schemeClr val="tx1"/>
+    </cs:fontRef>
+    <cs:spPr>
+      <a:noFill/>
+      <a:ln>
+        <a:noFill/>
+      </a:ln>
+    </cs:spPr>
+  </cs:floor>
+  <cs:gridlineMajor>
+    <cs:lnRef idx="0"/>
+    <cs:fillRef idx="0"/>
+    <cs:effectRef idx="0"/>
+    <cs:fontRef idx="minor">
+      <a:schemeClr val="tx1"/>
+    </cs:fontRef>
+    <cs:spPr>
+      <a:ln w="9525" cap="flat" cmpd="sng" algn="ctr">
+        <a:solidFill>
+          <a:schemeClr val="tx1">
+            <a:lumMod val="15000"/>
+            <a:lumOff val="85000"/>
+          </a:schemeClr>
+        </a:solidFill>
+        <a:round/>
+      </a:ln>
+    </cs:spPr>
+  </cs:gridlineMajor>
+  <cs:gridlineMinor>
+    <cs:lnRef idx="0"/>
+    <cs:fillRef idx="0"/>
+    <cs:effectRef idx="0"/>
+    <cs:fontRef idx="minor">
+      <a:schemeClr val="tx1"/>
+    </cs:fontRef>
+    <cs:spPr>
+      <a:ln w="9525" cap="flat" cmpd="sng" algn="ctr">
+        <a:solidFill>
+          <a:schemeClr val="tx1">
+            <a:lumMod val="5000"/>
+            <a:lumOff val="95000"/>
+          </a:schemeClr>
+        </a:solidFill>
+        <a:round/>
+      </a:ln>
+    </cs:spPr>
+  </cs:gridlineMinor>
+  <cs:hiLoLine>
+    <cs:lnRef idx="0"/>
+    <cs:fillRef idx="0"/>
+    <cs:effectRef idx="0"/>
+    <cs:fontRef idx="minor">
+      <a:schemeClr val="tx1"/>
+    </cs:fontRef>
+    <cs:spPr>
+      <a:ln w="9525" cap="flat" cmpd="sng" algn="ctr">
+        <a:solidFill>
+          <a:schemeClr val="tx1">
+            <a:lumMod val="75000"/>
+            <a:lumOff val="25000"/>
+          </a:schemeClr>
+        </a:solidFill>
+        <a:round/>
+      </a:ln>
+    </cs:spPr>
+  </cs:hiLoLine>
+  <cs:leaderLine>
+    <cs:lnRef idx="0"/>
+    <cs:fillRef idx="0"/>
+    <cs:effectRef idx="0"/>
+    <cs:fontRef idx="minor">
+      <a:schemeClr val="tx1"/>
+    </cs:fontRef>
+    <cs:spPr>
+      <a:ln w="9525" cap="flat" cmpd="sng" algn="ctr">
+        <a:solidFill>
+          <a:schemeClr val="tx1">
+            <a:lumMod val="35000"/>
+            <a:lumOff val="65000"/>
+          </a:schemeClr>
+        </a:solidFill>
+        <a:round/>
+      </a:ln>
+    </cs:spPr>
+  </cs:leaderLine>
+  <cs:legend>
+    <cs:lnRef idx="0"/>
+    <cs:fillRef idx="0"/>
+    <cs:effectRef idx="0"/>
+    <cs:fontRef idx="minor">
+      <a:schemeClr val="tx1">
+        <a:lumMod val="65000"/>
+        <a:lumOff val="35000"/>
+      </a:schemeClr>
+    </cs:fontRef>
+    <cs:defRPr sz="900" kern="1200"/>
+  </cs:legend>
+  <cs:plotArea mods="allowNoFillOverride allowNoLineOverride">
+    <cs:lnRef idx="0"/>
+    <cs:fillRef idx="0"/>
+    <cs:effectRef idx="0"/>
+    <cs:fontRef idx="minor">
+      <a:schemeClr val="tx1"/>
+    </cs:fontRef>
+  </cs:plotArea>
+  <cs:plotArea3D mods="allowNoFillOverride allowNoLineOverride">
+    <cs:lnRef idx="0"/>
+    <cs:fillRef idx="0"/>
+    <cs:effectRef idx="0"/>
+    <cs:fontRef idx="minor">
+      <a:schemeClr val="tx1"/>
+    </cs:fontRef>
+  </cs:plotArea3D>
+  <cs:seriesAxis>
+    <cs:lnRef idx="0"/>
+    <cs:fillRef idx="0"/>
+    <cs:effectRef idx="0"/>
+    <cs:fontRef idx="minor">
+      <a:schemeClr val="tx1">
+        <a:lumMod val="65000"/>
+        <a:lumOff val="35000"/>
+      </a:schemeClr>
+    </cs:fontRef>
+    <cs:defRPr sz="900" kern="1200"/>
+  </cs:seriesAxis>
+  <cs:seriesLine>
+    <cs:lnRef idx="0"/>
+    <cs:fillRef idx="0"/>
+    <cs:effectRef idx="0"/>
+    <cs:fontRef idx="minor">
+      <a:schemeClr val="tx1"/>
+    </cs:fontRef>
+    <cs:spPr>
+      <a:ln w="9525" cap="flat" cmpd="sng" algn="ctr">
+        <a:solidFill>
+          <a:schemeClr val="tx1">
+            <a:lumMod val="35000"/>
+            <a:lumOff val="65000"/>
+          </a:schemeClr>
+        </a:solidFill>
+        <a:round/>
+      </a:ln>
+    </cs:spPr>
+  </cs:seriesLine>
+  <cs:title>
+    <cs:lnRef idx="0"/>
+    <cs:fillRef idx="0"/>
+    <cs:effectRef idx="0"/>
+    <cs:fontRef idx="minor">
+      <a:schemeClr val="tx1">
+        <a:lumMod val="65000"/>
+        <a:lumOff val="35000"/>
+      </a:schemeClr>
+    </cs:fontRef>
+    <cs:defRPr sz="1400" b="0" kern="1200" spc="0" baseline="0"/>
+  </cs:title>
+  <cs:trendline>
+    <cs:lnRef idx="0">
+      <cs:styleClr val="auto"/>
+    </cs:lnRef>
+    <cs:fillRef idx="0"/>
+    <cs:effectRef idx="0"/>
+    <cs:fontRef idx="minor">
+      <a:schemeClr val="tx1"/>
+    </cs:fontRef>
+    <cs:spPr>
+      <a:ln w="19050" cap="rnd">
+        <a:solidFill>
+          <a:schemeClr val="phClr"/>
+        </a:solidFill>
+        <a:prstDash val="sysDot"/>
+      </a:ln>
+    </cs:spPr>
+  </cs:trendline>
+  <cs:trendlineLabel>
+    <cs:lnRef idx="0"/>
+    <cs:fillRef idx="0"/>
+    <cs:effectRef idx="0"/>
+    <cs:fontRef idx="minor">
+      <a:schemeClr val="tx1">
+        <a:lumMod val="65000"/>
+        <a:lumOff val="35000"/>
+      </a:schemeClr>
+    </cs:fontRef>
+    <cs:defRPr sz="900" kern="1200"/>
+  </cs:trendlineLabel>
+  <cs:upBar>
+    <cs:lnRef idx="0"/>
+    <cs:fillRef idx="0"/>
+    <cs:effectRef idx="0"/>
+    <cs:fontRef idx="minor">
+      <a:schemeClr val="dk1"/>
+    </cs:fontRef>
+    <cs:spPr>
+      <a:solidFill>
+        <a:schemeClr val="lt1"/>
+      </a:solidFill>
+      <a:ln w="9525">
+        <a:solidFill>
+          <a:schemeClr val="tx1">
+            <a:lumMod val="15000"/>
+            <a:lumOff val="85000"/>
+          </a:schemeClr>
+        </a:solidFill>
+      </a:ln>
+    </cs:spPr>
+  </cs:upBar>
+  <cs:valueAxis>
+    <cs:lnRef idx="0"/>
+    <cs:fillRef idx="0"/>
+    <cs:effectRef idx="0"/>
+    <cs:fontRef idx="minor">
+      <a:schemeClr val="tx1">
+        <a:lumMod val="65000"/>
+        <a:lumOff val="35000"/>
+      </a:schemeClr>
+    </cs:fontRef>
+    <cs:defRPr sz="900" kern="1200"/>
+  </cs:valueAxis>
+  <cs:wall>
+    <cs:lnRef idx="0"/>
+    <cs:fillRef idx="0"/>
+    <cs:effectRef idx="0"/>
+    <cs:fontRef idx="minor">
+      <a:schemeClr val="tx1"/>
+    </cs:fontRef>
+    <cs:spPr>
+      <a:noFill/>
+      <a:ln>
+        <a:noFill/>
+      </a:ln>
+    </cs:spPr>
+  </cs:wall>
+</cs:chartStyle>
 </file>
 
 <file path=ppt/ink/ink1.xml><?xml version="1.0" encoding="utf-8"?>
@@ -790,7 +3967,7 @@
           <a:p>
             <a:fld id="{CD06B52C-3F10-4B90-9BE6-1ADE42CEABA9}" type="datetimeFigureOut">
               <a:rPr lang="en-US" smtClean="0"/>
-              <a:t>12/9/2019</a:t>
+              <a:t>12/10/19</a:t>
             </a:fld>
             <a:endParaRPr lang="en-US"/>
           </a:p>
@@ -1204,7 +4381,7 @@
           <a:p>
             <a:fld id="{E59572B0-5700-4630-B79F-D07B9556420B}" type="datetime1">
               <a:rPr lang="en-US" smtClean="0"/>
-              <a:t>12/9/2019</a:t>
+              <a:t>12/10/19</a:t>
             </a:fld>
             <a:endParaRPr lang="en-US"/>
           </a:p>
@@ -1406,7 +4583,7 @@
           <a:p>
             <a:fld id="{1C5B680F-33A2-4D05-A092-A9E025302A77}" type="datetime1">
               <a:rPr lang="en-US" smtClean="0"/>
-              <a:t>12/9/2019</a:t>
+              <a:t>12/10/19</a:t>
             </a:fld>
             <a:endParaRPr lang="en-US"/>
           </a:p>
@@ -1618,7 +4795,7 @@
           <a:p>
             <a:fld id="{1B2BAEBD-A9AC-467B-AAC8-A2CA280CE543}" type="datetime1">
               <a:rPr lang="en-US" smtClean="0"/>
-              <a:t>12/9/2019</a:t>
+              <a:t>12/10/19</a:t>
             </a:fld>
             <a:endParaRPr lang="en-US"/>
           </a:p>
@@ -1820,7 +4997,7 @@
           <a:p>
             <a:fld id="{44367C75-1799-4362-A9DE-3FDE54076EAF}" type="datetime1">
               <a:rPr lang="en-US" smtClean="0"/>
-              <a:t>12/9/2019</a:t>
+              <a:t>12/10/19</a:t>
             </a:fld>
             <a:endParaRPr lang="en-US"/>
           </a:p>
@@ -2099,7 +5276,7 @@
           <a:p>
             <a:fld id="{9BAEAA11-FEFE-418F-8896-B1A46D174DB7}" type="datetime1">
               <a:rPr lang="en-US" smtClean="0"/>
-              <a:t>12/9/2019</a:t>
+              <a:t>12/10/19</a:t>
             </a:fld>
             <a:endParaRPr lang="en-US"/>
           </a:p>
@@ -2368,7 +5545,7 @@
           <a:p>
             <a:fld id="{6EA92849-6F8D-4A47-923F-F911FD0E9B31}" type="datetime1">
               <a:rPr lang="en-US" smtClean="0"/>
-              <a:t>12/9/2019</a:t>
+              <a:t>12/10/19</a:t>
             </a:fld>
             <a:endParaRPr lang="en-US"/>
           </a:p>
@@ -2784,7 +5961,7 @@
           <a:p>
             <a:fld id="{C26E06F9-3776-4B81-BA98-A0A42F9F2506}" type="datetime1">
               <a:rPr lang="en-US" smtClean="0"/>
-              <a:t>12/9/2019</a:t>
+              <a:t>12/10/19</a:t>
             </a:fld>
             <a:endParaRPr lang="en-US"/>
           </a:p>
@@ -2929,7 +6106,7 @@
           <a:p>
             <a:fld id="{177F0780-98A5-4575-9AD5-B6323986CAD1}" type="datetime1">
               <a:rPr lang="en-US" smtClean="0"/>
-              <a:t>12/9/2019</a:t>
+              <a:t>12/10/19</a:t>
             </a:fld>
             <a:endParaRPr lang="en-US"/>
           </a:p>
@@ -3046,7 +6223,7 @@
           <a:p>
             <a:fld id="{F06B78EC-3078-4240-9222-3D4A61C92B21}" type="datetime1">
               <a:rPr lang="en-US" smtClean="0"/>
-              <a:t>12/9/2019</a:t>
+              <a:t>12/10/19</a:t>
             </a:fld>
             <a:endParaRPr lang="en-US"/>
           </a:p>
@@ -3361,7 +6538,7 @@
           <a:p>
             <a:fld id="{6E03CDF2-123E-4314-AF57-FB1BDD05DFD3}" type="datetime1">
               <a:rPr lang="en-US" smtClean="0"/>
-              <a:t>12/9/2019</a:t>
+              <a:t>12/10/19</a:t>
             </a:fld>
             <a:endParaRPr lang="en-US"/>
           </a:p>
@@ -3653,7 +6830,7 @@
           <a:p>
             <a:fld id="{D7F24677-0E3E-4670-90EB-D7CFD2D79959}" type="datetime1">
               <a:rPr lang="en-US" smtClean="0"/>
-              <a:t>12/9/2019</a:t>
+              <a:t>12/10/19</a:t>
             </a:fld>
             <a:endParaRPr lang="en-US"/>
           </a:p>
@@ -3898,7 +7075,7 @@
           <a:p>
             <a:fld id="{C3FBE815-F4E5-4676-A816-26E7C8F64B3E}" type="datetime1">
               <a:rPr lang="en-US" smtClean="0"/>
-              <a:t>12/9/2019</a:t>
+              <a:t>12/10/19</a:t>
             </a:fld>
             <a:endParaRPr lang="en-US"/>
           </a:p>
@@ -4889,7 +8066,9 @@
               <a:buNone/>
             </a:pPr>
             <a:r>
-              <a:rPr lang="en-US" b="1" dirty="0"/>
+              <a:rPr lang="en-US" b="1" dirty="0">
+                <a:latin typeface="+mj-lt"/>
+              </a:rPr>
               <a:t>Observations</a:t>
             </a:r>
           </a:p>
@@ -4900,7 +8079,9 @@
               <a:buChar char="§"/>
             </a:pPr>
             <a:r>
-              <a:rPr lang="en-US" dirty="0"/>
+              <a:rPr lang="en-US" dirty="0">
+                <a:latin typeface="+mj-lt"/>
+              </a:rPr>
               <a:t>Most movies have a rating count below 500</a:t>
             </a:r>
           </a:p>
@@ -4911,7 +8092,9 @@
               <a:buChar char="§"/>
             </a:pPr>
             <a:r>
-              <a:rPr lang="en-US" dirty="0"/>
+              <a:rPr lang="en-US" dirty="0">
+                <a:latin typeface="+mj-lt"/>
+              </a:rPr>
               <a:t>The average rating of all entries is roughly 3.7</a:t>
             </a:r>
           </a:p>
@@ -4922,7 +8105,9 @@
               <a:buChar char="§"/>
             </a:pPr>
             <a:r>
-              <a:rPr lang="en-US" dirty="0"/>
+              <a:rPr lang="en-US" dirty="0">
+                <a:latin typeface="+mj-lt"/>
+              </a:rPr>
               <a:t>There seems to be a positive correlation between rating count and average rating</a:t>
             </a:r>
           </a:p>
@@ -4969,13 +8154,6 @@
   <p:clrMapOvr>
     <a:masterClrMapping/>
   </p:clrMapOvr>
-  <p:timing>
-    <p:tnLst>
-      <p:par>
-        <p:cTn id="1" dur="indefinite" restart="never" nodeType="tmRoot"/>
-      </p:par>
-    </p:tnLst>
-  </p:timing>
 </p:sld>
 </file>
 
@@ -5033,18 +8211,13 @@
           <a:lstStyle/>
           <a:p>
             <a:r>
-              <a:rPr lang="en-US" sz="5400" dirty="0" smtClean="0">
+              <a:rPr lang="en-US" sz="5400" dirty="0">
                 <a:solidFill>
                   <a:schemeClr val="bg1"/>
                 </a:solidFill>
               </a:rPr>
               <a:t>Approach</a:t>
             </a:r>
-            <a:endParaRPr lang="en-US" sz="5400" dirty="0">
-              <a:solidFill>
-                <a:schemeClr val="bg1"/>
-              </a:solidFill>
-            </a:endParaRPr>
           </a:p>
         </p:txBody>
       </p:sp>
@@ -5058,13 +8231,6 @@
   <p:clrMapOvr>
     <a:masterClrMapping/>
   </p:clrMapOvr>
-  <p:timing>
-    <p:tnLst>
-      <p:par>
-        <p:cTn id="1" dur="indefinite" restart="never" nodeType="tmRoot"/>
-      </p:par>
-    </p:tnLst>
-  </p:timing>
 </p:sld>
 </file>
 
@@ -5094,14 +8260,14 @@
           <p:nvPr>
             <p:extLst>
               <p:ext uri="{D42A27DB-BD31-4B8C-83A1-F6EECF244321}">
-                <p14:modId xmlns:p14="http://schemas.microsoft.com/office/powerpoint/2010/main" val="2499053355"/>
+                <p14:modId xmlns:p14="http://schemas.microsoft.com/office/powerpoint/2010/main" val="2699535433"/>
               </p:ext>
             </p:extLst>
           </p:nvPr>
         </p:nvGraphicFramePr>
         <p:xfrm>
-          <a:off x="2075329" y="2290537"/>
-          <a:ext cx="8041342" cy="2728522"/>
+          <a:off x="1395217" y="1624925"/>
+          <a:ext cx="9401564" cy="4147407"/>
         </p:xfrm>
         <a:graphic>
           <a:graphicData uri="http://schemas.openxmlformats.org/drawingml/2006/table">
@@ -5110,14 +8276,14 @@
                 <a:tableStyleId>{2D5ABB26-0587-4C30-8999-92F81FD0307C}</a:tableStyleId>
               </a:tblPr>
               <a:tblGrid>
-                <a:gridCol w="4020671">
+                <a:gridCol w="4700782">
                   <a:extLst>
                     <a:ext uri="{9D8B030D-6E8A-4147-A177-3AD203B41FA5}">
                       <a16:colId xmlns:a16="http://schemas.microsoft.com/office/drawing/2014/main" val="332067994"/>
                     </a:ext>
                   </a:extLst>
                 </a:gridCol>
-                <a:gridCol w="4020671">
+                <a:gridCol w="4700782">
                   <a:extLst>
                     <a:ext uri="{9D8B030D-6E8A-4147-A177-3AD203B41FA5}">
                       <a16:colId xmlns:a16="http://schemas.microsoft.com/office/drawing/2014/main" val="1362365864"/>
@@ -5125,7 +8291,7 @@
                   </a:extLst>
                 </a:gridCol>
               </a:tblGrid>
-              <a:tr h="552983">
+              <a:tr h="840545">
                 <a:tc>
                   <a:txBody>
                     <a:bodyPr/>
@@ -5149,13 +8315,17 @@
                         <a:defRPr/>
                       </a:pPr>
                       <a:r>
-                        <a:rPr lang="en-US" sz="2000" b="1" dirty="0" smtClean="0"/>
+                        <a:rPr lang="en-US" sz="2400" b="1" dirty="0">
+                          <a:latin typeface="+mj-lt"/>
+                        </a:rPr>
                         <a:t>Algorithm</a:t>
                       </a:r>
-                      <a:endParaRPr lang="en-CA" sz="2000" b="1" dirty="0" smtClean="0"/>
+                      <a:endParaRPr lang="en-CA" sz="2400" b="1" dirty="0">
+                        <a:latin typeface="+mj-lt"/>
+                      </a:endParaRPr>
                     </a:p>
                   </a:txBody>
-                  <a:tcPr>
+                  <a:tcPr anchor="ctr">
                     <a:lnR w="12700" cap="flat" cmpd="sng" algn="ctr">
                       <a:solidFill>
                         <a:schemeClr val="tx1"/>
@@ -5183,13 +8353,17 @@
                     <a:p>
                       <a:pPr algn="ctr"/>
                       <a:r>
-                        <a:rPr lang="en-US" sz="2000" b="1" dirty="0" smtClean="0"/>
+                        <a:rPr lang="en-US" sz="2400" b="1" dirty="0">
+                          <a:latin typeface="+mj-lt"/>
+                        </a:rPr>
                         <a:t>Data</a:t>
                       </a:r>
-                      <a:endParaRPr lang="en-CA" sz="2000" b="1" dirty="0"/>
+                      <a:endParaRPr lang="en-CA" sz="2400" b="1" dirty="0">
+                        <a:latin typeface="+mj-lt"/>
+                      </a:endParaRPr>
                     </a:p>
                   </a:txBody>
-                  <a:tcPr>
+                  <a:tcPr anchor="ctr">
                     <a:lnL w="12700" cap="flat" cmpd="sng" algn="ctr">
                       <a:solidFill>
                         <a:schemeClr val="tx1"/>
@@ -5216,7 +8390,7 @@
                   </a:ext>
                 </a:extLst>
               </a:tr>
-              <a:tr h="552983">
+              <a:tr h="840545">
                 <a:tc>
                   <a:txBody>
                     <a:bodyPr/>
@@ -5224,13 +8398,17 @@
                     <a:p>
                       <a:pPr algn="ctr"/>
                       <a:r>
-                        <a:rPr lang="en-US" sz="2000" dirty="0" smtClean="0"/>
+                        <a:rPr lang="en-US" sz="2400" dirty="0">
+                          <a:latin typeface="+mj-lt"/>
+                        </a:rPr>
                         <a:t>Correlation</a:t>
                       </a:r>
-                      <a:endParaRPr lang="en-CA" sz="2000" dirty="0"/>
+                      <a:endParaRPr lang="en-CA" sz="2400" dirty="0">
+                        <a:latin typeface="+mj-lt"/>
+                      </a:endParaRPr>
                     </a:p>
                   </a:txBody>
-                  <a:tcPr>
+                  <a:tcPr anchor="ctr">
                     <a:lnL>
                       <a:noFill/>
                     </a:lnL>
@@ -5276,13 +8454,17 @@
                     <a:p>
                       <a:pPr algn="ctr"/>
                       <a:r>
-                        <a:rPr lang="en-US" sz="2000" dirty="0" smtClean="0"/>
+                        <a:rPr lang="en-US" sz="2400" dirty="0">
+                          <a:latin typeface="+mj-lt"/>
+                        </a:rPr>
                         <a:t>Ratings</a:t>
                       </a:r>
-                      <a:endParaRPr lang="en-CA" sz="2000" dirty="0"/>
+                      <a:endParaRPr lang="en-CA" sz="2400" dirty="0">
+                        <a:latin typeface="+mj-lt"/>
+                      </a:endParaRPr>
                     </a:p>
                   </a:txBody>
-                  <a:tcPr>
+                  <a:tcPr anchor="ctr">
                     <a:lnL w="12700" cap="flat" cmpd="sng" algn="ctr">
                       <a:solidFill>
                         <a:schemeClr val="tx1"/>
@@ -5327,7 +8509,7 @@
                   </a:ext>
                 </a:extLst>
               </a:tr>
-              <a:tr h="552983">
+              <a:tr h="840545">
                 <a:tc>
                   <a:txBody>
                     <a:bodyPr/>
@@ -5335,13 +8517,17 @@
                     <a:p>
                       <a:pPr algn="ctr"/>
                       <a:r>
-                        <a:rPr lang="en-US" sz="2000" dirty="0" smtClean="0"/>
+                        <a:rPr lang="en-US" sz="2400" dirty="0">
+                          <a:latin typeface="+mj-lt"/>
+                        </a:rPr>
                         <a:t>Singular value decomposition (SVD)</a:t>
                       </a:r>
-                      <a:endParaRPr lang="en-CA" sz="2000" dirty="0"/>
+                      <a:endParaRPr lang="en-CA" sz="2400" dirty="0">
+                        <a:latin typeface="+mj-lt"/>
+                      </a:endParaRPr>
                     </a:p>
                   </a:txBody>
-                  <a:tcPr>
+                  <a:tcPr anchor="ctr">
                     <a:lnR w="12700" cap="flat" cmpd="sng" algn="ctr">
                       <a:solidFill>
                         <a:schemeClr val="tx1"/>
@@ -5383,13 +8569,17 @@
                         <a:defRPr/>
                       </a:pPr>
                       <a:r>
-                        <a:rPr lang="en-US" sz="2000" dirty="0" smtClean="0"/>
+                        <a:rPr lang="en-US" sz="2400" dirty="0">
+                          <a:latin typeface="+mj-lt"/>
+                        </a:rPr>
                         <a:t>Ratings </a:t>
                       </a:r>
-                      <a:endParaRPr lang="en-CA" sz="2000" dirty="0"/>
+                      <a:endParaRPr lang="en-CA" sz="2400" dirty="0">
+                        <a:latin typeface="+mj-lt"/>
+                      </a:endParaRPr>
                     </a:p>
                   </a:txBody>
-                  <a:tcPr>
+                  <a:tcPr anchor="ctr">
                     <a:lnL w="12700" cap="flat" cmpd="sng" algn="ctr">
                       <a:solidFill>
                         <a:schemeClr val="tx1"/>
@@ -5414,7 +8604,7 @@
                   </a:ext>
                 </a:extLst>
               </a:tr>
-              <a:tr h="516590">
+              <a:tr h="785227">
                 <a:tc>
                   <a:txBody>
                     <a:bodyPr/>
@@ -5438,17 +8628,23 @@
                         <a:defRPr/>
                       </a:pPr>
                       <a:r>
-                        <a:rPr lang="en-US" sz="2000" dirty="0" smtClean="0"/>
+                        <a:rPr lang="en-US" sz="2400" dirty="0">
+                          <a:latin typeface="+mj-lt"/>
+                        </a:rPr>
                         <a:t>Linear regression:</a:t>
                       </a:r>
                       <a:r>
-                        <a:rPr lang="en-US" sz="2000" baseline="0" dirty="0" smtClean="0"/>
+                        <a:rPr lang="en-US" sz="2400" baseline="0" dirty="0">
+                          <a:latin typeface="+mj-lt"/>
+                        </a:rPr>
                         <a:t> OLS, Ridge</a:t>
                       </a:r>
-                      <a:endParaRPr lang="en-CA" sz="2000" dirty="0" smtClean="0"/>
+                      <a:endParaRPr lang="en-CA" sz="2400" dirty="0">
+                        <a:latin typeface="+mj-lt"/>
+                      </a:endParaRPr>
                     </a:p>
                   </a:txBody>
-                  <a:tcPr>
+                  <a:tcPr anchor="ctr">
                     <a:lnR w="12700" cap="flat" cmpd="sng" algn="ctr">
                       <a:solidFill>
                         <a:schemeClr val="tx1"/>
@@ -5483,13 +8679,17 @@
                         <a:defRPr/>
                       </a:pPr>
                       <a:r>
-                        <a:rPr lang="en-US" sz="2000" baseline="0" dirty="0" smtClean="0"/>
+                        <a:rPr lang="en-US" sz="2400" baseline="0" dirty="0">
+                          <a:latin typeface="+mj-lt"/>
+                        </a:rPr>
                         <a:t>User &amp; Movie info (Metadata)</a:t>
                       </a:r>
-                      <a:endParaRPr lang="en-CA" sz="2000" dirty="0" smtClean="0"/>
+                      <a:endParaRPr lang="en-CA" sz="2400" dirty="0">
+                        <a:latin typeface="+mj-lt"/>
+                      </a:endParaRPr>
                     </a:p>
                   </a:txBody>
-                  <a:tcPr>
+                  <a:tcPr anchor="ctr">
                     <a:lnL w="12700" cap="flat" cmpd="sng" algn="ctr">
                       <a:solidFill>
                         <a:schemeClr val="tx1"/>
@@ -5507,7 +8707,7 @@
                   </a:ext>
                 </a:extLst>
               </a:tr>
-              <a:tr h="552983">
+              <a:tr h="840545">
                 <a:tc>
                   <a:txBody>
                     <a:bodyPr/>
@@ -5531,12 +8731,14 @@
                         <a:defRPr/>
                       </a:pPr>
                       <a:r>
-                        <a:rPr lang="en-US" sz="2000" dirty="0" smtClean="0"/>
+                        <a:rPr lang="en-US" sz="2400" dirty="0">
+                          <a:latin typeface="+mj-lt"/>
+                        </a:rPr>
                         <a:t>SVD &amp; Linear regression</a:t>
                       </a:r>
                     </a:p>
                   </a:txBody>
-                  <a:tcPr>
+                  <a:tcPr anchor="ctr">
                     <a:lnR w="12700" cap="flat" cmpd="sng" algn="ctr">
                       <a:solidFill>
                         <a:schemeClr val="tx1"/>
@@ -5571,17 +8773,23 @@
                         <a:defRPr/>
                       </a:pPr>
                       <a:r>
-                        <a:rPr lang="en-US" sz="2000" dirty="0" smtClean="0"/>
+                        <a:rPr lang="en-US" sz="2400" dirty="0">
+                          <a:latin typeface="+mj-lt"/>
+                        </a:rPr>
                         <a:t>Rating data + Meta</a:t>
                       </a:r>
                       <a:r>
-                        <a:rPr lang="en-US" sz="2000" baseline="0" dirty="0" smtClean="0"/>
+                        <a:rPr lang="en-US" sz="2400" baseline="0" dirty="0">
+                          <a:latin typeface="+mj-lt"/>
+                        </a:rPr>
                         <a:t> data</a:t>
                       </a:r>
-                      <a:endParaRPr lang="en-CA" sz="2000" dirty="0" smtClean="0"/>
+                      <a:endParaRPr lang="en-CA" sz="2400" dirty="0">
+                        <a:latin typeface="+mj-lt"/>
+                      </a:endParaRPr>
                     </a:p>
                   </a:txBody>
-                  <a:tcPr>
+                  <a:tcPr anchor="ctr">
                     <a:lnL w="12700" cap="flat" cmpd="sng" algn="ctr">
                       <a:solidFill>
                         <a:schemeClr val="tx1"/>
@@ -5651,10 +8859,46 @@
           </a:lstStyle>
           <a:p>
             <a:r>
-              <a:rPr lang="en-US" dirty="0" smtClean="0"/>
+              <a:rPr lang="en-US" dirty="0"/>
               <a:t>Approach</a:t>
             </a:r>
-            <a:endParaRPr lang="en-US" dirty="0"/>
+          </a:p>
+        </p:txBody>
+      </p:sp>
+      <p:sp>
+        <p:nvSpPr>
+          <p:cNvPr id="2" name="TextBox 1">
+            <a:extLst>
+              <a:ext uri="{FF2B5EF4-FFF2-40B4-BE49-F238E27FC236}">
+                <a16:creationId xmlns:a16="http://schemas.microsoft.com/office/drawing/2014/main" id="{3AADE025-EBAF-0145-8A89-D803BF3754B3}"/>
+              </a:ext>
+            </a:extLst>
+          </p:cNvPr>
+          <p:cNvSpPr txBox="1"/>
+          <p:nvPr/>
+        </p:nvSpPr>
+        <p:spPr>
+          <a:xfrm>
+            <a:off x="4798529" y="6095991"/>
+            <a:ext cx="2594941" cy="369332"/>
+          </a:xfrm>
+          <a:prstGeom prst="rect">
+            <a:avLst/>
+          </a:prstGeom>
+          <a:noFill/>
+        </p:spPr>
+        <p:txBody>
+          <a:bodyPr wrap="none" rtlCol="0">
+            <a:spAutoFit/>
+          </a:bodyPr>
+          <a:lstStyle/>
+          <a:p>
+            <a:r>
+              <a:rPr lang="en-US" dirty="0">
+                <a:latin typeface="+mj-lt"/>
+              </a:rPr>
+              <a:t>Performance Metric: MAE</a:t>
+            </a:r>
           </a:p>
         </p:txBody>
       </p:sp>
@@ -5668,13 +8912,6 @@
   <p:clrMapOvr>
     <a:masterClrMapping/>
   </p:clrMapOvr>
-  <p:timing>
-    <p:tnLst>
-      <p:par>
-        <p:cTn id="1" dur="indefinite" restart="never" nodeType="tmRoot"/>
-      </p:par>
-    </p:tnLst>
-  </p:timing>
 </p:sld>
 </file>
 
@@ -5752,13 +8989,6 @@
   <p:clrMapOvr>
     <a:masterClrMapping/>
   </p:clrMapOvr>
-  <p:timing>
-    <p:tnLst>
-      <p:par>
-        <p:cTn id="1" dur="indefinite" restart="never" nodeType="tmRoot"/>
-      </p:par>
-    </p:tnLst>
-  </p:timing>
 </p:sld>
 </file>
 
@@ -5842,7 +9072,9 @@
               <a:buNone/>
             </a:pPr>
             <a:r>
-              <a:rPr lang="en-US" b="1" dirty="0"/>
+              <a:rPr lang="en-US" b="1" dirty="0">
+                <a:latin typeface="+mj-lt"/>
+              </a:rPr>
               <a:t>Observations</a:t>
             </a:r>
           </a:p>
@@ -5853,7 +9085,9 @@
               <a:buChar char="§"/>
             </a:pPr>
             <a:r>
-              <a:rPr lang="en-US" dirty="0"/>
+              <a:rPr lang="en-US" dirty="0">
+                <a:latin typeface="+mj-lt"/>
+              </a:rPr>
               <a:t>Most coefficients are roughly zero</a:t>
             </a:r>
           </a:p>
@@ -5864,28 +9098,10 @@
               <a:buChar char="§"/>
             </a:pPr>
             <a:r>
-              <a:rPr lang="en-US" dirty="0"/>
-              <a:t>Changing the </a:t>
-            </a:r>
-            <a:r>
-              <a:rPr lang="en-US" dirty="0" smtClean="0"/>
-              <a:t>function from Person </a:t>
-            </a:r>
-            <a:r>
-              <a:rPr lang="en-US" dirty="0"/>
-              <a:t>to </a:t>
-            </a:r>
-            <a:r>
-              <a:rPr lang="en-US" dirty="0" smtClean="0"/>
-              <a:t>S</a:t>
-            </a:r>
-            <a:r>
-              <a:rPr lang="en-US" dirty="0" smtClean="0"/>
-              <a:t>pearman </a:t>
-            </a:r>
-            <a:r>
-              <a:rPr lang="en-US" dirty="0"/>
-              <a:t>yielded little to no difference</a:t>
+              <a:rPr lang="en-US" dirty="0">
+                <a:latin typeface="+mj-lt"/>
+              </a:rPr>
+              <a:t>Changing the function from Person to Spearman yielded little to no difference</a:t>
             </a:r>
           </a:p>
           <a:p>
@@ -5895,7 +9111,9 @@
               <a:buChar char="§"/>
             </a:pPr>
             <a:r>
-              <a:rPr lang="en-US" dirty="0"/>
+              <a:rPr lang="en-US" dirty="0">
+                <a:latin typeface="+mj-lt"/>
+              </a:rPr>
               <a:t>The notion of correlation is slightly ambiguous with extremely sparse vectors</a:t>
             </a:r>
           </a:p>
@@ -5903,14 +9121,18 @@
             <a:pPr marL="0" indent="0">
               <a:buNone/>
             </a:pPr>
-            <a:endParaRPr lang="en-US" b="1" dirty="0"/>
+            <a:endParaRPr lang="en-US" b="1" dirty="0">
+              <a:latin typeface="+mj-lt"/>
+            </a:endParaRPr>
           </a:p>
           <a:p>
             <a:pPr marL="0" indent="0">
               <a:buNone/>
             </a:pPr>
             <a:r>
-              <a:rPr lang="en-US" b="1" dirty="0"/>
+              <a:rPr lang="en-US" b="1" dirty="0">
+                <a:latin typeface="+mj-lt"/>
+              </a:rPr>
               <a:t>Main Issue</a:t>
             </a:r>
           </a:p>
@@ -5919,27 +9141,21 @@
               <a:buNone/>
             </a:pPr>
             <a:r>
-              <a:rPr lang="en-US" dirty="0" smtClean="0"/>
+              <a:rPr lang="en-US" dirty="0">
+                <a:latin typeface="+mj-lt"/>
+              </a:rPr>
               <a:t>Recommendations are given based </a:t>
             </a:r>
             <a:br>
-              <a:rPr lang="en-US" dirty="0" smtClean="0"/>
+              <a:rPr lang="en-US" dirty="0">
+                <a:latin typeface="+mj-lt"/>
+              </a:rPr>
             </a:br>
             <a:r>
-              <a:rPr lang="en-US" dirty="0" smtClean="0"/>
-              <a:t>on </a:t>
-            </a:r>
-            <a:r>
-              <a:rPr lang="en-US" dirty="0"/>
-              <a:t>aggregate user </a:t>
-            </a:r>
-            <a:r>
-              <a:rPr lang="en-US" dirty="0" smtClean="0"/>
-              <a:t>behavior</a:t>
-            </a:r>
-            <a:r>
-              <a:rPr lang="en-US" dirty="0"/>
-              <a:t>, ignoring variations in user to user preferences</a:t>
+              <a:rPr lang="en-US" dirty="0">
+                <a:latin typeface="+mj-lt"/>
+              </a:rPr>
+              <a:t>on aggregate user behavior, ignoring variations in user to user preferences</a:t>
             </a:r>
           </a:p>
         </p:txBody>
@@ -5986,13 +9202,6 @@
   <p:clrMapOvr>
     <a:masterClrMapping/>
   </p:clrMapOvr>
-  <p:timing>
-    <p:tnLst>
-      <p:par>
-        <p:cTn id="1" dur="indefinite" restart="never" nodeType="tmRoot"/>
-      </p:par>
-    </p:tnLst>
-  </p:timing>
 </p:sld>
 </file>
 
@@ -6070,13 +9279,6 @@
   <p:clrMapOvr>
     <a:masterClrMapping/>
   </p:clrMapOvr>
-  <p:timing>
-    <p:tnLst>
-      <p:par>
-        <p:cTn id="1" dur="indefinite" restart="never" nodeType="tmRoot"/>
-      </p:par>
-    </p:tnLst>
-  </p:timing>
 </p:sld>
 </file>
 
@@ -6405,7 +9607,7 @@
               <a:blipFill>
                 <a:blip r:embed="rId2"/>
                 <a:stretch>
-                  <a:fillRect l="-1043" t="-2801" b="-3361"/>
+                  <a:fillRect l="-965" t="-2924" b="-3216"/>
                 </a:stretch>
               </a:blipFill>
             </p:spPr>
@@ -6414,7 +9616,7 @@
               <a:lstStyle/>
               <a:p>
                 <a:r>
-                  <a:rPr lang="en-CA">
+                  <a:rPr lang="en-US">
                     <a:noFill/>
                   </a:rPr>
                   <a:t> </a:t>
@@ -6483,27 +9685,7 @@
                 <a:latin typeface="+mj-lt"/>
                 <a:ea typeface="等线" panose="02010600030101010101" pitchFamily="2" charset="-122"/>
               </a:rPr>
-              <a:t>, C., </a:t>
-            </a:r>
-            <a:r>
-              <a:rPr lang="en-CA" dirty="0" smtClean="0">
-                <a:solidFill>
-                  <a:srgbClr val="222222"/>
-                </a:solidFill>
-                <a:latin typeface="+mj-lt"/>
-                <a:ea typeface="等线" panose="02010600030101010101" pitchFamily="2" charset="-122"/>
-              </a:rPr>
-              <a:t>2009.</a:t>
-            </a:r>
-            <a:r>
-              <a:rPr lang="en-CA" dirty="0">
-                <a:solidFill>
-                  <a:srgbClr val="222222"/>
-                </a:solidFill>
-                <a:latin typeface="+mj-lt"/>
-                <a:ea typeface="等线" panose="02010600030101010101" pitchFamily="2" charset="-122"/>
-              </a:rPr>
-              <a:t> </a:t>
+              <a:t>, C., 2009. </a:t>
             </a:r>
             <a:r>
               <a:rPr lang="en-CA" i="1" dirty="0">
@@ -6541,13 +9723,6 @@
   <p:clrMapOvr>
     <a:masterClrMapping/>
   </p:clrMapOvr>
-  <p:timing>
-    <p:tnLst>
-      <p:par>
-        <p:cTn id="1" dur="indefinite" restart="never" nodeType="tmRoot"/>
-      </p:par>
-    </p:tnLst>
-  </p:timing>
 </p:sld>
 </file>
 
@@ -6635,7 +9810,9 @@
               <a:buNone/>
             </a:pPr>
             <a:r>
-              <a:rPr lang="en-US" dirty="0"/>
+              <a:rPr lang="en-US" dirty="0">
+                <a:latin typeface="+mj-lt"/>
+              </a:rPr>
               <a:t>MAE vs. Matrix Density and Rank</a:t>
             </a:r>
           </a:p>
@@ -6643,13 +9820,17 @@
             <a:pPr marL="0" indent="0" algn="ctr">
               <a:buNone/>
             </a:pPr>
-            <a:endParaRPr lang="en-US" dirty="0"/>
+            <a:endParaRPr lang="en-US" dirty="0">
+              <a:latin typeface="+mj-lt"/>
+            </a:endParaRPr>
           </a:p>
           <a:p>
             <a:pPr marL="0" indent="0" algn="ctr">
               <a:buNone/>
             </a:pPr>
-            <a:endParaRPr lang="en-US" dirty="0"/>
+            <a:endParaRPr lang="en-US" dirty="0">
+              <a:latin typeface="+mj-lt"/>
+            </a:endParaRPr>
           </a:p>
         </p:txBody>
       </p:sp>
@@ -6683,17 +9864,23 @@
               <a:buNone/>
             </a:pPr>
             <a:r>
-              <a:rPr lang="en-US" dirty="0"/>
+              <a:rPr lang="en-US" dirty="0">
+                <a:latin typeface="+mj-lt"/>
+              </a:rPr>
               <a:t>MAE vs. Density (rank  = 10)</a:t>
             </a:r>
           </a:p>
           <a:p>
             <a:pPr algn="ctr"/>
-            <a:endParaRPr lang="en-US" dirty="0"/>
+            <a:endParaRPr lang="en-US" dirty="0">
+              <a:latin typeface="+mj-lt"/>
+            </a:endParaRPr>
           </a:p>
           <a:p>
             <a:pPr algn="ctr"/>
-            <a:endParaRPr lang="en-US" dirty="0"/>
+            <a:endParaRPr lang="en-US" dirty="0">
+              <a:latin typeface="+mj-lt"/>
+            </a:endParaRPr>
           </a:p>
         </p:txBody>
       </p:sp>
@@ -6777,13 +9964,6 @@
   <p:clrMapOvr>
     <a:masterClrMapping/>
   </p:clrMapOvr>
-  <p:timing>
-    <p:tnLst>
-      <p:par>
-        <p:cTn id="1" dur="indefinite" restart="never" nodeType="tmRoot"/>
-      </p:par>
-    </p:tnLst>
-  </p:timing>
 </p:sld>
 </file>
 
@@ -6860,14 +10040,18 @@
                 <a:pPr marL="0" indent="0">
                   <a:buNone/>
                 </a:pPr>
-                <a:endParaRPr lang="en-US" sz="1600" dirty="0" smtClean="0"/>
+                <a:endParaRPr lang="en-US" sz="1600" dirty="0">
+                  <a:latin typeface="+mj-lt"/>
+                </a:endParaRPr>
               </a:p>
               <a:p>
                 <a:pPr marL="0" indent="0">
                   <a:buNone/>
                 </a:pPr>
                 <a:r>
-                  <a:rPr lang="en-US" sz="3200" b="1" dirty="0"/>
+                  <a:rPr lang="en-US" sz="3200" b="1" dirty="0">
+                    <a:latin typeface="+mj-lt"/>
+                  </a:rPr>
                   <a:t>Algorithm</a:t>
                 </a:r>
               </a:p>
@@ -6878,16 +10062,10 @@
                   <a:buChar char="§"/>
                 </a:pPr>
                 <a:r>
-                  <a:rPr lang="en-US" dirty="0"/>
-                  <a:t>Perform SVD on </a:t>
-                </a:r>
-                <a:r>
-                  <a:rPr lang="en-US" dirty="0" smtClean="0"/>
-                  <a:t>filled </a:t>
-                </a:r>
-                <a:r>
-                  <a:rPr lang="en-US" dirty="0"/>
-                  <a:t>matrix</a:t>
+                  <a:rPr lang="en-US" dirty="0">
+                    <a:latin typeface="+mj-lt"/>
+                  </a:rPr>
+                  <a:t>Perform SVD on filled matrix</a:t>
                 </a:r>
               </a:p>
               <a:p>
@@ -6897,14 +10075,20 @@
                   <a:buChar char="§"/>
                 </a:pPr>
                 <a:r>
-                  <a:rPr lang="en-US" dirty="0"/>
+                  <a:rPr lang="en-US" dirty="0">
+                    <a:latin typeface="+mj-lt"/>
+                  </a:rPr>
                   <a:t>Replace training points in reconstruction with their </a:t>
                 </a:r>
                 <a:br>
-                  <a:rPr lang="en-US" dirty="0"/>
+                  <a:rPr lang="en-US" dirty="0">
+                    <a:latin typeface="+mj-lt"/>
+                  </a:rPr>
                 </a:br>
                 <a:r>
-                  <a:rPr lang="en-US" dirty="0"/>
+                  <a:rPr lang="en-US" dirty="0">
+                    <a:latin typeface="+mj-lt"/>
+                  </a:rPr>
                   <a:t>original entries</a:t>
                 </a:r>
               </a:p>
@@ -6915,7 +10099,9 @@
                   <a:buChar char="§"/>
                 </a:pPr>
                 <a:r>
-                  <a:rPr lang="en-US" dirty="0"/>
+                  <a:rPr lang="en-US" dirty="0">
+                    <a:latin typeface="+mj-lt"/>
+                  </a:rPr>
                   <a:t>Re-run SVD on reconstruction</a:t>
                 </a:r>
               </a:p>
@@ -6926,7 +10112,9 @@
                   <a:buChar char="§"/>
                 </a:pPr>
                 <a:r>
-                  <a:rPr lang="en-US" dirty="0"/>
+                  <a:rPr lang="en-US" dirty="0">
+                    <a:latin typeface="+mj-lt"/>
+                  </a:rPr>
                   <a:t>Repeat until </a:t>
                 </a:r>
                 <a14:m>
@@ -6935,14 +10123,14 @@
                       <m:sSubPr>
                         <m:ctrlPr>
                           <a:rPr lang="en-US" i="1" smtClean="0">
-                            <a:latin typeface="Cambria Math" panose="02040503050406030204" pitchFamily="18" charset="0"/>
+                            <a:latin typeface="+mj-lt"/>
                           </a:rPr>
                         </m:ctrlPr>
                       </m:sSubPr>
                       <m:e>
                         <m:r>
                           <a:rPr lang="en-US" b="0" i="1" smtClean="0">
-                            <a:latin typeface="Cambria Math" panose="02040503050406030204" pitchFamily="18" charset="0"/>
+                            <a:latin typeface="+mj-lt"/>
                           </a:rPr>
                           <m:t>𝑡</m:t>
                         </m:r>
@@ -6950,7 +10138,7 @@
                       <m:sub>
                         <m:r>
                           <a:rPr lang="en-US" b="0" i="1" smtClean="0">
-                            <a:latin typeface="Cambria Math" panose="02040503050406030204" pitchFamily="18" charset="0"/>
+                            <a:latin typeface="+mj-lt"/>
                           </a:rPr>
                           <m:t>𝑚𝑎𝑥</m:t>
                         </m:r>
@@ -6958,7 +10146,9 @@
                     </m:sSub>
                   </m:oMath>
                 </a14:m>
-                <a:endParaRPr lang="en-US" dirty="0"/>
+                <a:endParaRPr lang="en-US" dirty="0">
+                  <a:latin typeface="+mj-lt"/>
+                </a:endParaRPr>
               </a:p>
             </p:txBody>
           </p:sp>
@@ -6984,7 +10174,7 @@
               <a:blipFill>
                 <a:blip r:embed="rId2"/>
                 <a:stretch>
-                  <a:fillRect l="-3059"/>
+                  <a:fillRect l="-2934"/>
                 </a:stretch>
               </a:blipFill>
             </p:spPr>
@@ -6993,7 +10183,7 @@
               <a:lstStyle/>
               <a:p>
                 <a:r>
-                  <a:rPr lang="en-CA">
+                  <a:rPr lang="en-US">
                     <a:noFill/>
                   </a:rPr>
                   <a:t> </a:t>
@@ -7045,13 +10235,6 @@
   <p:clrMapOvr>
     <a:masterClrMapping/>
   </p:clrMapOvr>
-  <p:timing>
-    <p:tnLst>
-      <p:par>
-        <p:cTn id="1" dur="indefinite" restart="never" nodeType="tmRoot"/>
-      </p:par>
-    </p:tnLst>
-  </p:timing>
 </p:sld>
 </file>
 
@@ -7131,7 +10314,7 @@
             <p:ph idx="1"/>
             <p:extLst>
               <p:ext uri="{D42A27DB-BD31-4B8C-83A1-F6EECF244321}">
-                <p14:modId xmlns:p14="http://schemas.microsoft.com/office/powerpoint/2010/main" val="3373251765"/>
+                <p14:modId xmlns:p14="http://schemas.microsoft.com/office/powerpoint/2010/main" val="1245120699"/>
               </p:ext>
             </p:extLst>
           </p:nvPr>
@@ -7177,7 +10360,9 @@
                     <a:p>
                       <a:pPr algn="ctr"/>
                       <a:r>
-                        <a:rPr lang="en-US" sz="2400" b="1" dirty="0"/>
+                        <a:rPr lang="en-US" sz="2400" b="1" dirty="0">
+                          <a:latin typeface="+mj-lt"/>
+                        </a:rPr>
                         <a:t>Method</a:t>
                       </a:r>
                     </a:p>
@@ -7224,7 +10409,9 @@
                     <a:p>
                       <a:pPr algn="ctr"/>
                       <a:r>
-                        <a:rPr lang="en-US" sz="2400" b="1" dirty="0"/>
+                        <a:rPr lang="en-US" sz="2400" b="1" dirty="0">
+                          <a:latin typeface="+mj-lt"/>
+                        </a:rPr>
                         <a:t>Initial MAE</a:t>
                       </a:r>
                     </a:p>
@@ -7271,7 +10458,9 @@
                     <a:p>
                       <a:pPr algn="ctr"/>
                       <a:r>
-                        <a:rPr lang="en-US" sz="2400" b="1" dirty="0"/>
+                        <a:rPr lang="en-US" sz="2400" b="1" dirty="0">
+                          <a:latin typeface="+mj-lt"/>
+                        </a:rPr>
                         <a:t>Final MAE</a:t>
                       </a:r>
                     </a:p>
@@ -7321,7 +10510,9 @@
                     <a:p>
                       <a:pPr algn="ctr"/>
                       <a:r>
-                        <a:rPr lang="en-US" sz="2200" dirty="0"/>
+                        <a:rPr lang="en-US" sz="2200" dirty="0">
+                          <a:latin typeface="+mj-lt"/>
+                        </a:rPr>
                         <a:t>Zeros</a:t>
                       </a:r>
                     </a:p>
@@ -7382,7 +10573,7 @@
                           <a:solidFill>
                             <a:schemeClr val="tx1"/>
                           </a:solidFill>
-                          <a:latin typeface="+mn-lt"/>
+                          <a:latin typeface="+mj-lt"/>
                           <a:ea typeface="+mn-ea"/>
                           <a:cs typeface="+mn-cs"/>
                         </a:rPr>
@@ -7442,7 +10633,7 @@
                           <a:solidFill>
                             <a:schemeClr val="tx1"/>
                           </a:solidFill>
-                          <a:latin typeface="+mn-lt"/>
+                          <a:latin typeface="+mj-lt"/>
                           <a:ea typeface="+mn-ea"/>
                           <a:cs typeface="+mn-cs"/>
                         </a:rPr>
@@ -7495,7 +10686,9 @@
                     <a:p>
                       <a:pPr algn="ctr"/>
                       <a:r>
-                        <a:rPr lang="en-US" sz="2200" dirty="0"/>
+                        <a:rPr lang="en-US" sz="2200" dirty="0">
+                          <a:latin typeface="+mj-lt"/>
+                        </a:rPr>
                         <a:t>Average User Rating (AUR)</a:t>
                       </a:r>
                     </a:p>
@@ -7556,7 +10749,7 @@
                           <a:solidFill>
                             <a:schemeClr val="tx1"/>
                           </a:solidFill>
-                          <a:latin typeface="+mn-lt"/>
+                          <a:latin typeface="+mj-lt"/>
                           <a:ea typeface="+mn-ea"/>
                           <a:cs typeface="+mn-cs"/>
                         </a:rPr>
@@ -7616,7 +10809,7 @@
                           <a:solidFill>
                             <a:schemeClr val="tx1"/>
                           </a:solidFill>
-                          <a:latin typeface="+mn-lt"/>
+                          <a:latin typeface="+mj-lt"/>
                           <a:ea typeface="+mn-ea"/>
                           <a:cs typeface="+mn-cs"/>
                         </a:rPr>
@@ -7669,7 +10862,9 @@
                     <a:p>
                       <a:pPr algn="ctr"/>
                       <a:r>
-                        <a:rPr lang="en-US" sz="2200" dirty="0"/>
+                        <a:rPr lang="en-US" sz="2200" dirty="0">
+                          <a:latin typeface="+mj-lt"/>
+                        </a:rPr>
                         <a:t>Average Movie Rating (AMR)</a:t>
                       </a:r>
                     </a:p>
@@ -7730,7 +10925,7 @@
                           <a:solidFill>
                             <a:schemeClr val="tx1"/>
                           </a:solidFill>
-                          <a:latin typeface="+mn-lt"/>
+                          <a:latin typeface="+mj-lt"/>
                           <a:ea typeface="+mn-ea"/>
                           <a:cs typeface="+mn-cs"/>
                         </a:rPr>
@@ -7790,7 +10985,7 @@
                           <a:solidFill>
                             <a:schemeClr val="tx1"/>
                           </a:solidFill>
-                          <a:latin typeface="+mn-lt"/>
+                          <a:latin typeface="+mj-lt"/>
                           <a:ea typeface="+mn-ea"/>
                           <a:cs typeface="+mn-cs"/>
                         </a:rPr>
@@ -7843,7 +11038,9 @@
                     <a:p>
                       <a:pPr algn="ctr"/>
                       <a:r>
-                        <a:rPr lang="en-US" sz="2200" dirty="0"/>
+                        <a:rPr lang="en-US" sz="2200" dirty="0">
+                          <a:latin typeface="+mj-lt"/>
+                        </a:rPr>
                         <a:t>Average of AUR and AMR</a:t>
                       </a:r>
                     </a:p>
@@ -7900,7 +11097,7 @@
                           <a:solidFill>
                             <a:schemeClr val="tx1"/>
                           </a:solidFill>
-                          <a:latin typeface="+mn-lt"/>
+                          <a:latin typeface="+mj-lt"/>
                           <a:ea typeface="+mn-ea"/>
                           <a:cs typeface="+mn-cs"/>
                         </a:rPr>
@@ -7956,7 +11153,7 @@
                           <a:solidFill>
                             <a:schemeClr val="tx1"/>
                           </a:solidFill>
-                          <a:latin typeface="+mn-lt"/>
+                          <a:latin typeface="+mj-lt"/>
                           <a:ea typeface="+mn-ea"/>
                           <a:cs typeface="+mn-cs"/>
                         </a:rPr>
@@ -8057,13 +11254,6 @@
   <p:clrMapOvr>
     <a:masterClrMapping/>
   </p:clrMapOvr>
-  <p:timing>
-    <p:tnLst>
-      <p:par>
-        <p:cTn id="1" dur="indefinite" restart="never" nodeType="tmRoot"/>
-      </p:par>
-    </p:tnLst>
-  </p:timing>
 </p:sld>
 </file>
 
@@ -8161,8 +11351,8 @@
           <a:chExt cx="0" cy="0"/>
         </a:xfrm>
       </p:grpSpPr>
-      <mc:AlternateContent xmlns:mc="http://schemas.openxmlformats.org/markup-compatibility/2006" xmlns:a14="http://schemas.microsoft.com/office/drawing/2010/main">
-        <mc:Choice Requires="a14">
+      <mc:AlternateContent xmlns:mc="http://schemas.openxmlformats.org/markup-compatibility/2006">
+        <mc:Choice xmlns:a14="http://schemas.microsoft.com/office/drawing/2010/main" Requires="a14">
           <p:sp>
             <p:nvSpPr>
               <p:cNvPr id="2" name="Title 1">
@@ -8208,9 +11398,7 @@
                 <a14:m>
                   <m:oMath xmlns:m="http://schemas.openxmlformats.org/officeDocument/2006/math">
                     <m:r>
-                      <a:rPr lang="en-US" sz="3200">
-                        <a:latin typeface="Cambria Math" panose="02040503050406030204" pitchFamily="18" charset="0"/>
-                      </a:rPr>
+                      <a:rPr lang="en-US" sz="3200"/>
                       <m:t>𝜆</m:t>
                     </m:r>
                   </m:oMath>
@@ -8220,7 +11408,7 @@
             </p:txBody>
           </p:sp>
         </mc:Choice>
-        <mc:Fallback xmlns="">
+        <mc:Fallback>
           <p:sp>
             <p:nvSpPr>
               <p:cNvPr id="2" name="Title 1">
@@ -8241,7 +11429,7 @@
               <a:blipFill>
                 <a:blip r:embed="rId2"/>
                 <a:stretch>
-                  <a:fillRect l="-2377" t="-7373" b="-8756"/>
+                  <a:fillRect l="-2292" t="-6667" b="-7619"/>
                 </a:stretch>
               </a:blipFill>
             </p:spPr>
@@ -8260,8 +11448,8 @@
           </p:sp>
         </mc:Fallback>
       </mc:AlternateContent>
-      <mc:AlternateContent xmlns:mc="http://schemas.openxmlformats.org/markup-compatibility/2006" xmlns:a14="http://schemas.microsoft.com/office/drawing/2010/main">
-        <mc:Choice Requires="a14">
+      <mc:AlternateContent xmlns:mc="http://schemas.openxmlformats.org/markup-compatibility/2006">
+        <mc:Choice xmlns:a14="http://schemas.microsoft.com/office/drawing/2010/main" Requires="a14">
           <p:sp>
             <p:nvSpPr>
               <p:cNvPr id="4" name="Content Placeholder 3">
@@ -8293,7 +11481,9 @@
                 <a:pPr marL="0" indent="0">
                   <a:buNone/>
                 </a:pPr>
-                <a:endParaRPr lang="en-US" sz="400" dirty="0"/>
+                <a:endParaRPr lang="en-US" sz="400" dirty="0">
+                  <a:latin typeface="+mj-lt"/>
+                </a:endParaRPr>
               </a:p>
               <a:p>
                 <a:pPr marL="0" indent="0">
@@ -8309,26 +11499,26 @@
                         <m:sSubPr>
                           <m:ctrlPr>
                             <a:rPr lang="en-US" i="1">
-                              <a:latin typeface="Cambria Math" panose="02040503050406030204" pitchFamily="18" charset="0"/>
+                              <a:latin typeface="+mj-lt"/>
                             </a:rPr>
                           </m:ctrlPr>
                         </m:sSubPr>
                         <m:e>
                           <m:r>
                             <a:rPr lang="en-US" b="0" i="1" smtClean="0">
-                              <a:latin typeface="Cambria Math" panose="02040503050406030204" pitchFamily="18" charset="0"/>
+                              <a:latin typeface="+mj-lt"/>
                             </a:rPr>
                             <m:t>𝑀𝑎𝑡𝑟𝑖𝑥</m:t>
                           </m:r>
                           <m:r>
                             <a:rPr lang="en-US" b="0" i="1" smtClean="0">
-                              <a:latin typeface="Cambria Math" panose="02040503050406030204" pitchFamily="18" charset="0"/>
+                              <a:latin typeface="+mj-lt"/>
                             </a:rPr>
                             <m:t> </m:t>
                           </m:r>
                           <m:r>
                             <a:rPr lang="en-US" b="0" i="1" smtClean="0">
-                              <a:latin typeface="Cambria Math" panose="02040503050406030204" pitchFamily="18" charset="0"/>
+                              <a:latin typeface="+mj-lt"/>
                             </a:rPr>
                             <m:t>𝐸𝑛𝑡𝑟𝑦</m:t>
                           </m:r>
@@ -8336,7 +11526,7 @@
                         <m:sub>
                           <m:r>
                             <a:rPr lang="en-US" i="1">
-                              <a:latin typeface="Cambria Math" panose="02040503050406030204" pitchFamily="18" charset="0"/>
+                              <a:latin typeface="+mj-lt"/>
                             </a:rPr>
                             <m:t>𝑢𝑚</m:t>
                           </m:r>
@@ -8344,13 +11534,13 @@
                       </m:sSub>
                       <m:r>
                         <a:rPr lang="en-US" i="1">
-                          <a:latin typeface="Cambria Math" panose="02040503050406030204" pitchFamily="18" charset="0"/>
+                          <a:latin typeface="+mj-lt"/>
                         </a:rPr>
                         <m:t>= </m:t>
                       </m:r>
                       <m:r>
                         <a:rPr lang="en-US" i="1">
-                          <a:latin typeface="Cambria Math" panose="02040503050406030204" pitchFamily="18" charset="0"/>
+                          <a:latin typeface="+mj-lt"/>
                         </a:rPr>
                         <m:t>𝜆</m:t>
                       </m:r>
@@ -8358,26 +11548,26 @@
                         <m:sSubPr>
                           <m:ctrlPr>
                             <a:rPr lang="en-US" i="1">
-                              <a:latin typeface="Cambria Math" panose="02040503050406030204" pitchFamily="18" charset="0"/>
+                              <a:latin typeface="+mj-lt"/>
                             </a:rPr>
                           </m:ctrlPr>
                         </m:sSubPr>
                         <m:e>
                           <m:r>
                             <a:rPr lang="en-US" i="1">
-                              <a:latin typeface="Cambria Math" panose="02040503050406030204" pitchFamily="18" charset="0"/>
+                              <a:latin typeface="+mj-lt"/>
                             </a:rPr>
                             <m:t>(</m:t>
                           </m:r>
                           <m:r>
                             <a:rPr lang="en-US" i="1">
-                              <a:latin typeface="Cambria Math" panose="02040503050406030204" pitchFamily="18" charset="0"/>
+                              <a:latin typeface="+mj-lt"/>
                             </a:rPr>
                             <m:t>𝐴𝑈𝑅</m:t>
                           </m:r>
                           <m:r>
                             <a:rPr lang="en-US" i="1">
-                              <a:latin typeface="Cambria Math" panose="02040503050406030204" pitchFamily="18" charset="0"/>
+                              <a:latin typeface="+mj-lt"/>
                             </a:rPr>
                             <m:t>)</m:t>
                           </m:r>
@@ -8385,7 +11575,7 @@
                         <m:sub>
                           <m:r>
                             <a:rPr lang="en-US" i="1">
-                              <a:latin typeface="Cambria Math" panose="02040503050406030204" pitchFamily="18" charset="0"/>
+                              <a:latin typeface="+mj-lt"/>
                             </a:rPr>
                             <m:t>𝑢</m:t>
                           </m:r>
@@ -8393,7 +11583,7 @@
                       </m:sSub>
                       <m:r>
                         <a:rPr lang="en-US" i="1">
-                          <a:latin typeface="Cambria Math" panose="02040503050406030204" pitchFamily="18" charset="0"/>
+                          <a:latin typeface="+mj-lt"/>
                         </a:rPr>
                         <m:t>+</m:t>
                       </m:r>
@@ -8401,20 +11591,20 @@
                         <m:dPr>
                           <m:ctrlPr>
                             <a:rPr lang="en-US" i="1">
-                              <a:latin typeface="Cambria Math" panose="02040503050406030204" pitchFamily="18" charset="0"/>
+                              <a:latin typeface="+mj-lt"/>
                             </a:rPr>
                           </m:ctrlPr>
                         </m:dPr>
                         <m:e>
                           <m:r>
                             <a:rPr lang="en-US" i="1">
-                              <a:latin typeface="Cambria Math" panose="02040503050406030204" pitchFamily="18" charset="0"/>
+                              <a:latin typeface="+mj-lt"/>
                             </a:rPr>
                             <m:t>1−</m:t>
                           </m:r>
                           <m:r>
                             <a:rPr lang="en-US" i="1">
-                              <a:latin typeface="Cambria Math" panose="02040503050406030204" pitchFamily="18" charset="0"/>
+                              <a:latin typeface="+mj-lt"/>
                             </a:rPr>
                             <m:t>𝜆</m:t>
                           </m:r>
@@ -8424,14 +11614,14 @@
                         <m:sSubPr>
                           <m:ctrlPr>
                             <a:rPr lang="en-US" i="1">
-                              <a:latin typeface="Cambria Math" panose="02040503050406030204" pitchFamily="18" charset="0"/>
+                              <a:latin typeface="+mj-lt"/>
                             </a:rPr>
                           </m:ctrlPr>
                         </m:sSubPr>
                         <m:e>
                           <m:r>
                             <a:rPr lang="en-US" i="1">
-                              <a:latin typeface="Cambria Math" panose="02040503050406030204" pitchFamily="18" charset="0"/>
+                              <a:latin typeface="+mj-lt"/>
                             </a:rPr>
                             <m:t>𝐴𝑀𝑅</m:t>
                           </m:r>
@@ -8439,7 +11629,7 @@
                         <m:sub>
                           <m:r>
                             <a:rPr lang="en-US" i="1">
-                              <a:latin typeface="Cambria Math" panose="02040503050406030204" pitchFamily="18" charset="0"/>
+                              <a:latin typeface="+mj-lt"/>
                             </a:rPr>
                             <m:t>𝑚</m:t>
                           </m:r>
@@ -8448,42 +11638,54 @@
                     </m:oMath>
                   </m:oMathPara>
                 </a14:m>
-                <a:endParaRPr lang="en-US" dirty="0"/>
+                <a:endParaRPr lang="en-US" dirty="0">
+                  <a:latin typeface="+mj-lt"/>
+                </a:endParaRPr>
               </a:p>
               <a:p>
                 <a:pPr marL="0" indent="0">
                   <a:buNone/>
                 </a:pPr>
-                <a:endParaRPr lang="en-US" dirty="0"/>
+                <a:endParaRPr lang="en-US" dirty="0">
+                  <a:latin typeface="+mj-lt"/>
+                </a:endParaRPr>
               </a:p>
               <a:p>
                 <a:pPr marL="0" indent="0">
                   <a:buNone/>
                 </a:pPr>
-                <a:endParaRPr lang="en-US" dirty="0"/>
+                <a:endParaRPr lang="en-US" dirty="0">
+                  <a:latin typeface="+mj-lt"/>
+                </a:endParaRPr>
               </a:p>
               <a:p>
                 <a:pPr marL="0" indent="0">
                   <a:buNone/>
                 </a:pPr>
-                <a:endParaRPr lang="en-US" dirty="0"/>
+                <a:endParaRPr lang="en-US" dirty="0">
+                  <a:latin typeface="+mj-lt"/>
+                </a:endParaRPr>
               </a:p>
               <a:p>
                 <a:pPr marL="0" indent="0">
                   <a:buNone/>
                 </a:pPr>
-                <a:endParaRPr lang="en-US" dirty="0"/>
+                <a:endParaRPr lang="en-US" dirty="0">
+                  <a:latin typeface="+mj-lt"/>
+                </a:endParaRPr>
               </a:p>
               <a:p>
                 <a:pPr marL="0" indent="0">
                   <a:buNone/>
                 </a:pPr>
-                <a:endParaRPr lang="en-US" dirty="0"/>
+                <a:endParaRPr lang="en-US" dirty="0">
+                  <a:latin typeface="+mj-lt"/>
+                </a:endParaRPr>
               </a:p>
             </p:txBody>
           </p:sp>
         </mc:Choice>
-        <mc:Fallback xmlns="">
+        <mc:Fallback>
           <p:sp>
             <p:nvSpPr>
               <p:cNvPr id="4" name="Content Placeholder 3">
@@ -8627,7 +11829,7 @@
                       <m:sSupPr>
                         <m:ctrlPr>
                           <a:rPr lang="en-GB" sz="2000" i="1" smtClean="0">
-                            <a:latin typeface="Cambria Math" panose="02040503050406030204" pitchFamily="18" charset="0"/>
+                            <a:latin typeface="+mj-lt"/>
                           </a:rPr>
                         </m:ctrlPr>
                       </m:sSupPr>
@@ -8636,14 +11838,16 @@
                           <m:rPr>
                             <m:nor/>
                           </m:rPr>
-                          <a:rPr lang="en-GB" sz="2000" dirty="0"/>
+                          <a:rPr lang="en-GB" sz="2000" dirty="0">
+                            <a:latin typeface="+mj-lt"/>
+                          </a:rPr>
                           <m:t>𝜆</m:t>
                         </m:r>
                       </m:e>
                       <m:sup>
                         <m:r>
                           <a:rPr lang="en-US" sz="2000" b="0" i="1" smtClean="0">
-                            <a:latin typeface="Cambria Math" panose="02040503050406030204" pitchFamily="18" charset="0"/>
+                            <a:latin typeface="+mj-lt"/>
                           </a:rPr>
                           <m:t>∗</m:t>
                         </m:r>
@@ -8652,36 +11856,32 @@
                   </m:oMath>
                 </a14:m>
                 <a:r>
-                  <a:rPr lang="en-GB" sz="2000" dirty="0" smtClean="0"/>
-                  <a:t> </a:t>
-                </a:r>
-                <a:r>
-                  <a:rPr lang="en-GB" sz="2000" dirty="0"/>
-                  <a:t>= 0.3  </a:t>
+                  <a:rPr lang="en-GB" sz="2000" dirty="0">
+                    <a:latin typeface="+mj-lt"/>
+                  </a:rPr>
+                  <a:t> = 0.3  </a:t>
                 </a:r>
               </a:p>
               <a:p>
                 <a:pPr algn="ctr"/>
                 <a:r>
-                  <a:rPr lang="en-GB" sz="2000" dirty="0" smtClean="0"/>
-                  <a:t>minimum </a:t>
-                </a:r>
-                <a:r>
-                  <a:rPr lang="en-GB" sz="2000" dirty="0"/>
-                  <a:t>initial MAE = 0.766</a:t>
+                  <a:rPr lang="en-GB" sz="2000" dirty="0">
+                    <a:latin typeface="+mj-lt"/>
+                  </a:rPr>
+                  <a:t>minimum initial MAE = 0.766</a:t>
                 </a:r>
               </a:p>
               <a:p>
                 <a:pPr algn="ctr"/>
                 <a:r>
-                  <a:rPr lang="en-GB" sz="2000" dirty="0" smtClean="0"/>
-                  <a:t>minimum </a:t>
+                  <a:rPr lang="en-GB" sz="2000" dirty="0">
+                    <a:latin typeface="+mj-lt"/>
+                  </a:rPr>
+                  <a:t>minimum final MAE of 0.695</a:t>
                 </a:r>
-                <a:r>
-                  <a:rPr lang="en-GB" sz="2000" dirty="0"/>
-                  <a:t>final MAE of 0.695</a:t>
-                </a:r>
-                <a:endParaRPr lang="en-US" sz="2000" dirty="0"/>
+                <a:endParaRPr lang="en-US" sz="2000" dirty="0">
+                  <a:latin typeface="+mj-lt"/>
+                </a:endParaRPr>
               </a:p>
             </p:txBody>
           </p:sp>
@@ -8706,7 +11906,7 @@
               <a:blipFill>
                 <a:blip r:embed="rId5"/>
                 <a:stretch>
-                  <a:fillRect t="-3614" b="-10241"/>
+                  <a:fillRect t="-3704" b="-8642"/>
                 </a:stretch>
               </a:blipFill>
             </p:spPr>
@@ -8715,7 +11915,7 @@
               <a:lstStyle/>
               <a:p>
                 <a:r>
-                  <a:rPr lang="en-CA">
+                  <a:rPr lang="en-US">
                     <a:noFill/>
                   </a:rPr>
                   <a:t> </a:t>
@@ -8735,13 +11935,6 @@
   <p:clrMapOvr>
     <a:masterClrMapping/>
   </p:clrMapOvr>
-  <p:timing>
-    <p:tnLst>
-      <p:par>
-        <p:cTn id="1" dur="indefinite" restart="never" nodeType="tmRoot"/>
-      </p:par>
-    </p:tnLst>
-  </p:timing>
 </p:sld>
 </file>
 
@@ -8819,13 +12012,6 @@
   <p:clrMapOvr>
     <a:masterClrMapping/>
   </p:clrMapOvr>
-  <p:timing>
-    <p:tnLst>
-      <p:par>
-        <p:cTn id="1" dur="indefinite" restart="never" nodeType="tmRoot"/>
-      </p:par>
-    </p:tnLst>
-  </p:timing>
 </p:sld>
 </file>
 
@@ -8880,112 +12066,6 @@
               <a:rPr lang="en-US" sz="3100" dirty="0"/>
               <a:t>Incorporating metadata</a:t>
             </a:r>
-          </a:p>
-        </p:txBody>
-      </p:sp>
-      <p:sp>
-        <p:nvSpPr>
-          <p:cNvPr id="14" name="Content Placeholder 13">
-            <a:extLst>
-              <a:ext uri="{FF2B5EF4-FFF2-40B4-BE49-F238E27FC236}">
-                <a16:creationId xmlns:a16="http://schemas.microsoft.com/office/drawing/2014/main" id="{C781B11B-116A-4075-83B0-3B087A29F2E0}"/>
-              </a:ext>
-            </a:extLst>
-          </p:cNvPr>
-          <p:cNvSpPr>
-            <a:spLocks noGrp="1"/>
-          </p:cNvSpPr>
-          <p:nvPr>
-            <p:ph sz="half" idx="1"/>
-          </p:nvPr>
-        </p:nvSpPr>
-        <p:spPr>
-          <a:xfrm>
-            <a:off x="838200" y="1825625"/>
-            <a:ext cx="3922059" cy="1689835"/>
-          </a:xfrm>
-        </p:spPr>
-        <p:txBody>
-          <a:bodyPr numCol="1">
-            <a:noAutofit/>
-          </a:bodyPr>
-          <a:lstStyle/>
-          <a:p>
-            <a:pPr marL="0" indent="0">
-              <a:buNone/>
-            </a:pPr>
-            <a:r>
-              <a:rPr lang="en-US" sz="2600" b="1" dirty="0"/>
-              <a:t>Feature Set 1</a:t>
-            </a:r>
-          </a:p>
-          <a:p>
-            <a:pPr>
-              <a:buSzPct val="80000"/>
-              <a:buFont typeface="Wingdings" panose="05000000000000000000" pitchFamily="2" charset="2"/>
-              <a:buChar char="§"/>
-            </a:pPr>
-            <a:r>
-              <a:rPr lang="en-US" sz="2600" b="1" dirty="0"/>
-              <a:t>MovieID</a:t>
-            </a:r>
-          </a:p>
-          <a:p>
-            <a:pPr>
-              <a:buSzPct val="80000"/>
-              <a:buFont typeface="Wingdings" panose="05000000000000000000" pitchFamily="2" charset="2"/>
-              <a:buChar char="§"/>
-            </a:pPr>
-            <a:r>
-              <a:rPr lang="en-US" sz="2600" b="1" dirty="0"/>
-              <a:t>UserID</a:t>
-            </a:r>
-          </a:p>
-          <a:p>
-            <a:pPr>
-              <a:buSzPct val="80000"/>
-              <a:buFont typeface="Wingdings" panose="05000000000000000000" pitchFamily="2" charset="2"/>
-              <a:buChar char="§"/>
-            </a:pPr>
-            <a:r>
-              <a:rPr lang="en-US" sz="2600" b="1" dirty="0"/>
-              <a:t>Age</a:t>
-            </a:r>
-          </a:p>
-          <a:p>
-            <a:pPr>
-              <a:buSzPct val="80000"/>
-              <a:buFont typeface="Wingdings" panose="05000000000000000000" pitchFamily="2" charset="2"/>
-              <a:buChar char="§"/>
-            </a:pPr>
-            <a:r>
-              <a:rPr lang="en-US" sz="2600" b="1" dirty="0"/>
-              <a:t>Occupation</a:t>
-            </a:r>
-            <a:endParaRPr lang="en-US" sz="2600" b="1" dirty="0"/>
-          </a:p>
-          <a:p>
-            <a:pPr>
-              <a:buSzPct val="80000"/>
-              <a:buFont typeface="Wingdings" panose="05000000000000000000" pitchFamily="2" charset="2"/>
-              <a:buChar char="§"/>
-            </a:pPr>
-            <a:r>
-              <a:rPr lang="en-US" sz="2600" b="1" dirty="0"/>
-              <a:t>Gender</a:t>
-            </a:r>
-          </a:p>
-          <a:p>
-            <a:pPr>
-              <a:buSzPct val="80000"/>
-              <a:buFont typeface="Wingdings" panose="05000000000000000000" pitchFamily="2" charset="2"/>
-              <a:buChar char="§"/>
-            </a:pPr>
-            <a:r>
-              <a:rPr lang="en-US" sz="2600" b="1" dirty="0"/>
-              <a:t>Genre</a:t>
-            </a:r>
-            <a:endParaRPr lang="en-GB" sz="2600" b="1" dirty="0"/>
           </a:p>
         </p:txBody>
       </p:sp>
@@ -9191,176 +12271,142 @@
       </p:sp>
       <p:sp>
         <p:nvSpPr>
-          <p:cNvPr id="19" name="Rectangle 18">
+          <p:cNvPr id="4" name="TextBox 3">
             <a:extLst>
               <a:ext uri="{FF2B5EF4-FFF2-40B4-BE49-F238E27FC236}">
-                <a16:creationId xmlns:a16="http://schemas.microsoft.com/office/drawing/2014/main" id="{2890E0CA-0040-46DE-BD9E-6CA1D47F98F5}"/>
+                <a16:creationId xmlns:a16="http://schemas.microsoft.com/office/drawing/2014/main" id="{1DC31D1E-3FA2-4047-BCDB-2DCA70E32452}"/>
               </a:ext>
             </a:extLst>
           </p:cNvPr>
-          <p:cNvSpPr/>
+          <p:cNvSpPr txBox="1"/>
           <p:nvPr/>
         </p:nvSpPr>
         <p:spPr>
           <a:xfrm>
-            <a:off x="4096871" y="1825625"/>
-            <a:ext cx="7920318" cy="2297039"/>
+            <a:off x="838200" y="2082463"/>
+            <a:ext cx="10017369" cy="1969770"/>
           </a:xfrm>
           <a:prstGeom prst="rect">
             <a:avLst/>
           </a:prstGeom>
+          <a:noFill/>
         </p:spPr>
         <p:txBody>
-          <a:bodyPr wrap="square" numCol="2">
+          <a:bodyPr wrap="square" rtlCol="0">
             <a:spAutoFit/>
           </a:bodyPr>
           <a:lstStyle/>
           <a:p>
-            <a:pPr>
-              <a:lnSpc>
-                <a:spcPct val="70000"/>
-              </a:lnSpc>
-              <a:spcBef>
-                <a:spcPts val="1000"/>
-              </a:spcBef>
-            </a:pPr>
-            <a:r>
-              <a:rPr lang="en-US" sz="2600" b="1" dirty="0"/>
-              <a:t>Feature Set 2</a:t>
-            </a:r>
-          </a:p>
-          <a:p>
-            <a:pPr marL="228600" indent="-228600">
-              <a:lnSpc>
-                <a:spcPct val="70000"/>
-              </a:lnSpc>
-              <a:spcBef>
-                <a:spcPts val="1000"/>
-              </a:spcBef>
-              <a:buSzPct val="80000"/>
-              <a:buFont typeface="Wingdings" panose="05000000000000000000" pitchFamily="2" charset="2"/>
-              <a:buChar char="§"/>
-            </a:pPr>
-            <a:r>
-              <a:rPr lang="en-US" sz="2600" dirty="0"/>
-              <a:t>Feature Set 1</a:t>
-            </a:r>
-          </a:p>
-          <a:p>
-            <a:pPr marL="228600" indent="-228600">
-              <a:lnSpc>
-                <a:spcPct val="70000"/>
-              </a:lnSpc>
-              <a:spcBef>
-                <a:spcPts val="1000"/>
-              </a:spcBef>
-              <a:buSzPct val="80000"/>
-              <a:buFont typeface="Wingdings" panose="05000000000000000000" pitchFamily="2" charset="2"/>
-              <a:buChar char="§"/>
-            </a:pPr>
-            <a:r>
-              <a:rPr lang="en-US" sz="2600" dirty="0"/>
-              <a:t>Average User Rating</a:t>
-            </a:r>
-          </a:p>
-          <a:p>
-            <a:pPr>
-              <a:buSzPct val="80000"/>
-            </a:pPr>
-            <a:endParaRPr lang="en-US" dirty="0" smtClean="0"/>
-          </a:p>
-          <a:p>
-            <a:pPr>
-              <a:buSzPct val="80000"/>
-            </a:pPr>
-            <a:endParaRPr lang="en-US" dirty="0"/>
-          </a:p>
-          <a:p>
-            <a:pPr>
-              <a:buSzPct val="80000"/>
-            </a:pPr>
-            <a:endParaRPr lang="en-US" dirty="0" smtClean="0"/>
-          </a:p>
-          <a:p>
-            <a:pPr>
-              <a:buSzPct val="80000"/>
-            </a:pPr>
-            <a:endParaRPr lang="en-US" dirty="0"/>
-          </a:p>
-          <a:p>
-            <a:pPr>
-              <a:lnSpc>
-                <a:spcPct val="70000"/>
-              </a:lnSpc>
-              <a:spcBef>
-                <a:spcPts val="1000"/>
-              </a:spcBef>
-            </a:pPr>
-            <a:r>
-              <a:rPr lang="en-US" sz="2600" b="1" dirty="0"/>
-              <a:t>Feature Set 3</a:t>
-            </a:r>
-          </a:p>
-          <a:p>
-            <a:pPr marL="228600" indent="-228600">
-              <a:lnSpc>
-                <a:spcPct val="70000"/>
-              </a:lnSpc>
-              <a:spcBef>
-                <a:spcPts val="1000"/>
-              </a:spcBef>
-              <a:buSzPct val="80000"/>
-              <a:buFont typeface="Wingdings" panose="05000000000000000000" pitchFamily="2" charset="2"/>
-              <a:buChar char="§"/>
-            </a:pPr>
-            <a:r>
-              <a:rPr lang="en-US" sz="2600" dirty="0"/>
-              <a:t>Feature Set 2</a:t>
-            </a:r>
-          </a:p>
-          <a:p>
-            <a:pPr marL="228600" indent="-228600">
-              <a:lnSpc>
-                <a:spcPct val="70000"/>
-              </a:lnSpc>
-              <a:spcBef>
-                <a:spcPts val="1000"/>
-              </a:spcBef>
-              <a:buSzPct val="80000"/>
-              <a:buFont typeface="Wingdings" panose="05000000000000000000" pitchFamily="2" charset="2"/>
-              <a:buChar char="§"/>
-            </a:pPr>
-            <a:r>
-              <a:rPr lang="en-US" sz="2600" dirty="0"/>
-              <a:t>Average Movie Rating</a:t>
-            </a:r>
+            <a:r>
+              <a:rPr lang="en-CA" sz="2400" dirty="0">
+                <a:latin typeface="+mj-lt"/>
+              </a:rPr>
+              <a:t>Variants of feature-sets used for running Linear Regression</a:t>
+            </a:r>
+          </a:p>
+          <a:p>
+            <a:pPr lvl="1"/>
+            <a:r>
+              <a:rPr lang="en-CA" sz="2000" dirty="0">
+                <a:latin typeface="+mj-lt"/>
+              </a:rPr>
+              <a:t>Set 1 features :   {movie_id, user_id, age, occupation, gender, genre}   </a:t>
+            </a:r>
+          </a:p>
+          <a:p>
+            <a:pPr lvl="1"/>
+            <a:r>
+              <a:rPr lang="en-CA" sz="2000" dirty="0">
+                <a:latin typeface="+mj-lt"/>
+              </a:rPr>
+              <a:t>							(gender and genre – one hot)</a:t>
+            </a:r>
+          </a:p>
+          <a:p>
+            <a:pPr lvl="1"/>
+            <a:r>
+              <a:rPr lang="en-CA" sz="2000" dirty="0">
+                <a:latin typeface="+mj-lt"/>
+              </a:rPr>
+              <a:t>Set 2 features :   {Set 1, average_user_rating}</a:t>
+            </a:r>
+          </a:p>
+          <a:p>
+            <a:pPr lvl="1"/>
+            <a:r>
+              <a:rPr lang="en-CA" sz="2000" dirty="0">
+                <a:latin typeface="+mj-lt"/>
+              </a:rPr>
+              <a:t>Set 3 features :   {Set 2, average_movie_rating}</a:t>
+            </a:r>
+          </a:p>
+          <a:p>
+            <a:endParaRPr lang="en-US" dirty="0">
+              <a:latin typeface="+mj-lt"/>
+            </a:endParaRPr>
           </a:p>
         </p:txBody>
       </p:sp>
-      <p:pic>
-        <p:nvPicPr>
-          <p:cNvPr id="7" name="Picture 6"/>
-          <p:cNvPicPr>
-            <a:picLocks noChangeAspect="1"/>
-          </p:cNvPicPr>
-          <p:nvPr/>
-        </p:nvPicPr>
-        <p:blipFill>
-          <a:blip r:embed="rId2"/>
-          <a:stretch>
-            <a:fillRect/>
-          </a:stretch>
-        </p:blipFill>
-        <p:spPr>
-          <a:xfrm>
-            <a:off x="4271682" y="3333439"/>
-            <a:ext cx="6522968" cy="3025546"/>
-          </a:xfrm>
-          <a:prstGeom prst="rect">
-            <a:avLst/>
-          </a:prstGeom>
-        </p:spPr>
-      </p:pic>
+      <p:graphicFrame>
+        <p:nvGraphicFramePr>
+          <p:cNvPr id="12" name="Chart 11">
+            <a:extLst>
+              <a:ext uri="{FF2B5EF4-FFF2-40B4-BE49-F238E27FC236}">
+                <a16:creationId xmlns:a16="http://schemas.microsoft.com/office/drawing/2014/main" id="{60346175-F606-EC4A-8155-B175FEABA6ED}"/>
+              </a:ext>
+            </a:extLst>
+          </p:cNvPr>
+          <p:cNvGraphicFramePr>
+            <a:graphicFrameLocks/>
+          </p:cNvGraphicFramePr>
+          <p:nvPr>
+            <p:extLst>
+              <p:ext uri="{D42A27DB-BD31-4B8C-83A1-F6EECF244321}">
+                <p14:modId xmlns:p14="http://schemas.microsoft.com/office/powerpoint/2010/main" val="321762959"/>
+              </p:ext>
+            </p:extLst>
+          </p:nvPr>
+        </p:nvGraphicFramePr>
+        <p:xfrm>
+          <a:off x="1274884" y="4001294"/>
+          <a:ext cx="4572000" cy="2743200"/>
+        </p:xfrm>
+        <a:graphic>
+          <a:graphicData uri="http://schemas.openxmlformats.org/drawingml/2006/chart">
+            <c:chart xmlns:c="http://schemas.openxmlformats.org/drawingml/2006/chart" xmlns:r="http://schemas.openxmlformats.org/officeDocument/2006/relationships" r:id="rId2"/>
+          </a:graphicData>
+        </a:graphic>
+      </p:graphicFrame>
+      <p:graphicFrame>
+        <p:nvGraphicFramePr>
+          <p:cNvPr id="15" name="Chart 14">
+            <a:extLst>
+              <a:ext uri="{FF2B5EF4-FFF2-40B4-BE49-F238E27FC236}">
+                <a16:creationId xmlns:a16="http://schemas.microsoft.com/office/drawing/2014/main" id="{A8E8F3C1-4A0B-2D48-9907-28851D610A8F}"/>
+              </a:ext>
+            </a:extLst>
+          </p:cNvPr>
+          <p:cNvGraphicFramePr>
+            <a:graphicFrameLocks/>
+          </p:cNvGraphicFramePr>
+          <p:nvPr>
+            <p:extLst>
+              <p:ext uri="{D42A27DB-BD31-4B8C-83A1-F6EECF244321}">
+                <p14:modId xmlns:p14="http://schemas.microsoft.com/office/powerpoint/2010/main" val="2274162231"/>
+              </p:ext>
+            </p:extLst>
+          </p:nvPr>
+        </p:nvGraphicFramePr>
+        <p:xfrm>
+          <a:off x="6096000" y="4001294"/>
+          <a:ext cx="4572000" cy="2743200"/>
+        </p:xfrm>
+        <a:graphic>
+          <a:graphicData uri="http://schemas.openxmlformats.org/drawingml/2006/chart">
+            <c:chart xmlns:c="http://schemas.openxmlformats.org/drawingml/2006/chart" xmlns:r="http://schemas.openxmlformats.org/officeDocument/2006/relationships" r:id="rId3"/>
+          </a:graphicData>
+        </a:graphic>
+      </p:graphicFrame>
     </p:spTree>
     <p:extLst>
       <p:ext uri="{BB962C8B-B14F-4D97-AF65-F5344CB8AC3E}">
@@ -9371,17 +12417,87 @@
   <p:clrMapOvr>
     <a:masterClrMapping/>
   </p:clrMapOvr>
-  <p:timing>
-    <p:tnLst>
-      <p:par>
-        <p:cTn id="1" dur="indefinite" restart="never" nodeType="tmRoot"/>
-      </p:par>
-    </p:tnLst>
-  </p:timing>
 </p:sld>
 </file>
 
 <file path=ppt/slides/slide23.xml><?xml version="1.0" encoding="utf-8"?>
+<p:sld xmlns:a="http://schemas.openxmlformats.org/drawingml/2006/main" xmlns:r="http://schemas.openxmlformats.org/officeDocument/2006/relationships" xmlns:p="http://schemas.openxmlformats.org/presentationml/2006/main">
+  <p:cSld>
+    <p:bg>
+      <p:bgPr>
+        <a:solidFill>
+          <a:srgbClr val="0070C0"/>
+        </a:solidFill>
+        <a:effectLst/>
+      </p:bgPr>
+    </p:bg>
+    <p:spTree>
+      <p:nvGrpSpPr>
+        <p:cNvPr id="1" name=""/>
+        <p:cNvGrpSpPr/>
+        <p:nvPr/>
+      </p:nvGrpSpPr>
+      <p:grpSpPr>
+        <a:xfrm>
+          <a:off x="0" y="0"/>
+          <a:ext cx="0" cy="0"/>
+          <a:chOff x="0" y="0"/>
+          <a:chExt cx="0" cy="0"/>
+        </a:xfrm>
+      </p:grpSpPr>
+      <p:sp>
+        <p:nvSpPr>
+          <p:cNvPr id="2" name="Title 1">
+            <a:extLst>
+              <a:ext uri="{FF2B5EF4-FFF2-40B4-BE49-F238E27FC236}">
+                <a16:creationId xmlns:a16="http://schemas.microsoft.com/office/drawing/2014/main" id="{0272FD9F-E644-4A44-BFCA-ED18DB74BF6C}"/>
+              </a:ext>
+            </a:extLst>
+          </p:cNvPr>
+          <p:cNvSpPr>
+            <a:spLocks noGrp="1"/>
+          </p:cNvSpPr>
+          <p:nvPr>
+            <p:ph type="title"/>
+          </p:nvPr>
+        </p:nvSpPr>
+        <p:spPr>
+          <a:xfrm>
+            <a:off x="838200" y="3443321"/>
+            <a:ext cx="10515600" cy="1325563"/>
+          </a:xfrm>
+        </p:spPr>
+        <p:txBody>
+          <a:bodyPr>
+            <a:normAutofit/>
+          </a:bodyPr>
+          <a:lstStyle/>
+          <a:p>
+            <a:r>
+              <a:rPr lang="en-US" sz="5400" dirty="0">
+                <a:solidFill>
+                  <a:schemeClr val="bg1"/>
+                </a:solidFill>
+              </a:rPr>
+              <a:t>Combined Approach</a:t>
+            </a:r>
+          </a:p>
+        </p:txBody>
+      </p:sp>
+    </p:spTree>
+    <p:extLst>
+      <p:ext uri="{BB962C8B-B14F-4D97-AF65-F5344CB8AC3E}">
+        <p14:creationId xmlns:p14="http://schemas.microsoft.com/office/powerpoint/2010/main" val="3369979129"/>
+      </p:ext>
+    </p:extLst>
+  </p:cSld>
+  <p:clrMapOvr>
+    <a:masterClrMapping/>
+  </p:clrMapOvr>
+</p:sld>
+</file>
+
+<file path=ppt/slides/slide24.xml><?xml version="1.0" encoding="utf-8"?>
 <p:sld xmlns:a="http://schemas.openxmlformats.org/drawingml/2006/main" xmlns:r="http://schemas.openxmlformats.org/officeDocument/2006/relationships" xmlns:p="http://schemas.openxmlformats.org/presentationml/2006/main">
   <p:cSld>
     <p:spTree>
@@ -9400,10 +12516,10 @@
       </p:grpSpPr>
       <p:sp>
         <p:nvSpPr>
-          <p:cNvPr id="9" name="Title 6">
+          <p:cNvPr id="7" name="Title 6">
             <a:extLst>
               <a:ext uri="{FF2B5EF4-FFF2-40B4-BE49-F238E27FC236}">
-                <a16:creationId xmlns:a16="http://schemas.microsoft.com/office/drawing/2014/main" id="{10805FF5-7E6F-4354-904A-E46BAF81E143}"/>
+                <a16:creationId xmlns:a16="http://schemas.microsoft.com/office/drawing/2014/main" id="{C3525987-BD01-4AC7-A849-0A2B402FB037}"/>
               </a:ext>
             </a:extLst>
           </p:cNvPr>
@@ -9416,143 +12532,267 @@
         </p:nvSpPr>
         <p:spPr/>
         <p:txBody>
-          <a:bodyPr>
-            <a:normAutofit/>
-          </a:bodyPr>
+          <a:bodyPr/>
           <a:lstStyle/>
           <a:p>
             <a:r>
               <a:rPr lang="en-US" dirty="0"/>
-              <a:t>Linear Regression</a:t>
+              <a:t>Combinational Approach</a:t>
             </a:r>
             <a:br>
               <a:rPr lang="en-US" dirty="0"/>
             </a:br>
             <a:r>
-              <a:rPr lang="en-US" sz="3100" dirty="0"/>
-              <a:t>Incorporating metadata</a:t>
-            </a:r>
+              <a:rPr lang="en-US" sz="2800" dirty="0"/>
+              <a:t>Includes User/Movie Ratings and User Metadata</a:t>
+            </a:r>
+            <a:endParaRPr lang="en-US" dirty="0"/>
           </a:p>
         </p:txBody>
       </p:sp>
+      <mc:AlternateContent xmlns:mc="http://schemas.openxmlformats.org/markup-compatibility/2006">
+        <mc:Choice xmlns:a14="http://schemas.microsoft.com/office/drawing/2010/main" Requires="a14">
+          <p:sp>
+            <p:nvSpPr>
+              <p:cNvPr id="8" name="Content Placeholder 7">
+                <a:extLst>
+                  <a:ext uri="{FF2B5EF4-FFF2-40B4-BE49-F238E27FC236}">
+                    <a16:creationId xmlns:a16="http://schemas.microsoft.com/office/drawing/2014/main" id="{F51F3993-5531-474F-ACFD-DC30974BC899}"/>
+                  </a:ext>
+                </a:extLst>
+              </p:cNvPr>
+              <p:cNvSpPr>
+                <a:spLocks noGrp="1"/>
+              </p:cNvSpPr>
+              <p:nvPr>
+                <p:ph idx="1"/>
+              </p:nvPr>
+            </p:nvSpPr>
+            <p:spPr>
+              <a:xfrm>
+                <a:off x="1371601" y="1690688"/>
+                <a:ext cx="9217270" cy="1884729"/>
+              </a:xfrm>
+            </p:spPr>
+            <p:txBody>
+              <a:bodyPr>
+                <a:normAutofit lnSpcReduction="10000"/>
+              </a:bodyPr>
+              <a:lstStyle/>
+              <a:p>
+                <a:pPr marL="0" indent="0">
+                  <a:buNone/>
+                </a:pPr>
+                <a:r>
+                  <a:rPr lang="en-CA" sz="2400" dirty="0">
+                    <a:latin typeface="+mj-lt"/>
+                  </a:rPr>
+                  <a:t>Algorithm</a:t>
+                </a:r>
+              </a:p>
+              <a:p>
+                <a:pPr lvl="1"/>
+                <a:r>
+                  <a:rPr lang="en-CA" sz="2000" dirty="0">
+                    <a:latin typeface="+mj-lt"/>
+                  </a:rPr>
+                  <a:t>Fill the sparse matrix with the below formula and run iterative SVD on the matrix</a:t>
+                </a:r>
+              </a:p>
+              <a:p>
+                <a:pPr marL="457200" lvl="1" indent="0">
+                  <a:lnSpc>
+                    <a:spcPct val="150000"/>
+                  </a:lnSpc>
+                  <a:buNone/>
+                </a:pPr>
+                <a14:m>
+                  <m:oMathPara xmlns:m="http://schemas.openxmlformats.org/officeDocument/2006/math">
+                    <m:oMathParaPr>
+                      <m:jc m:val="centerGroup"/>
+                    </m:oMathParaPr>
+                    <m:oMath xmlns:m="http://schemas.openxmlformats.org/officeDocument/2006/math">
+                      <m:r>
+                        <a:rPr lang="en-US" sz="2000" i="1">
+                          <a:latin typeface="Cambria Math" panose="02040503050406030204" pitchFamily="18" charset="0"/>
+                        </a:rPr>
+                        <m:t>𝜆</m:t>
+                      </m:r>
+                      <m:sSub>
+                        <m:sSubPr>
+                          <m:ctrlPr>
+                            <a:rPr lang="en-US" sz="2000" i="1">
+                              <a:latin typeface="Cambria Math" panose="02040503050406030204" pitchFamily="18" charset="0"/>
+                            </a:rPr>
+                          </m:ctrlPr>
+                        </m:sSubPr>
+                        <m:e>
+                          <m:r>
+                            <a:rPr lang="en-US" sz="2000" i="1">
+                              <a:latin typeface="Cambria Math" panose="02040503050406030204" pitchFamily="18" charset="0"/>
+                            </a:rPr>
+                            <m:t>(</m:t>
+                          </m:r>
+                          <m:r>
+                            <a:rPr lang="en-US" sz="2000" i="1">
+                              <a:latin typeface="Cambria Math" panose="02040503050406030204" pitchFamily="18" charset="0"/>
+                            </a:rPr>
+                            <m:t>𝐴𝑈𝑅</m:t>
+                          </m:r>
+                          <m:r>
+                            <a:rPr lang="en-US" sz="2000" i="1">
+                              <a:latin typeface="Cambria Math" panose="02040503050406030204" pitchFamily="18" charset="0"/>
+                            </a:rPr>
+                            <m:t>)</m:t>
+                          </m:r>
+                        </m:e>
+                        <m:sub>
+                          <m:r>
+                            <a:rPr lang="en-US" sz="2000" i="1">
+                              <a:latin typeface="Cambria Math" panose="02040503050406030204" pitchFamily="18" charset="0"/>
+                            </a:rPr>
+                            <m:t>𝑢</m:t>
+                          </m:r>
+                        </m:sub>
+                      </m:sSub>
+                      <m:r>
+                        <a:rPr lang="en-US" sz="2000" i="1">
+                          <a:latin typeface="Cambria Math" panose="02040503050406030204" pitchFamily="18" charset="0"/>
+                        </a:rPr>
+                        <m:t>+</m:t>
+                      </m:r>
+                      <m:d>
+                        <m:dPr>
+                          <m:ctrlPr>
+                            <a:rPr lang="en-US" sz="2000" i="1">
+                              <a:latin typeface="Cambria Math" panose="02040503050406030204" pitchFamily="18" charset="0"/>
+                            </a:rPr>
+                          </m:ctrlPr>
+                        </m:dPr>
+                        <m:e>
+                          <m:r>
+                            <a:rPr lang="en-US" sz="2000" i="1">
+                              <a:latin typeface="Cambria Math" panose="02040503050406030204" pitchFamily="18" charset="0"/>
+                            </a:rPr>
+                            <m:t>1−</m:t>
+                          </m:r>
+                          <m:r>
+                            <a:rPr lang="en-US" sz="2000" i="1">
+                              <a:latin typeface="Cambria Math" panose="02040503050406030204" pitchFamily="18" charset="0"/>
+                            </a:rPr>
+                            <m:t>𝜆</m:t>
+                          </m:r>
+                        </m:e>
+                      </m:d>
+                      <m:sSub>
+                        <m:sSubPr>
+                          <m:ctrlPr>
+                            <a:rPr lang="en-US" sz="2000" i="1">
+                              <a:latin typeface="Cambria Math" panose="02040503050406030204" pitchFamily="18" charset="0"/>
+                            </a:rPr>
+                          </m:ctrlPr>
+                        </m:sSubPr>
+                        <m:e>
+                          <m:r>
+                            <a:rPr lang="en-US" sz="2000" i="1">
+                              <a:latin typeface="Cambria Math" panose="02040503050406030204" pitchFamily="18" charset="0"/>
+                            </a:rPr>
+                            <m:t>𝐴𝑀𝑅</m:t>
+                          </m:r>
+                        </m:e>
+                        <m:sub>
+                          <m:r>
+                            <a:rPr lang="en-US" sz="2000" i="1">
+                              <a:latin typeface="Cambria Math" panose="02040503050406030204" pitchFamily="18" charset="0"/>
+                            </a:rPr>
+                            <m:t>𝑚</m:t>
+                          </m:r>
+                        </m:sub>
+                      </m:sSub>
+                    </m:oMath>
+                  </m:oMathPara>
+                </a14:m>
+                <a:endParaRPr lang="en-CA" sz="2000" dirty="0">
+                  <a:latin typeface="+mj-lt"/>
+                </a:endParaRPr>
+              </a:p>
+              <a:p>
+                <a:pPr lvl="1"/>
+                <a:r>
+                  <a:rPr lang="en-CA" sz="2000" dirty="0">
+                    <a:latin typeface="+mj-lt"/>
+                  </a:rPr>
+                  <a:t>Decompose the filled matrix iteratively to get the data points and their features</a:t>
+                </a:r>
+              </a:p>
+              <a:p>
+                <a:pPr lvl="1"/>
+                <a:r>
+                  <a:rPr lang="en-CA" sz="2000" dirty="0">
+                    <a:latin typeface="+mj-lt"/>
+                  </a:rPr>
+                  <a:t>Run Linear Regression on the decomposed data</a:t>
+                </a:r>
+              </a:p>
+              <a:p>
+                <a:pPr lvl="1"/>
+                <a:endParaRPr lang="en-CA" sz="2000" dirty="0">
+                  <a:latin typeface="+mj-lt"/>
+                </a:endParaRPr>
+              </a:p>
+            </p:txBody>
+          </p:sp>
+        </mc:Choice>
+        <mc:Fallback>
+          <p:sp>
+            <p:nvSpPr>
+              <p:cNvPr id="8" name="Content Placeholder 7">
+                <a:extLst>
+                  <a:ext uri="{FF2B5EF4-FFF2-40B4-BE49-F238E27FC236}">
+                    <a16:creationId xmlns:a16="http://schemas.microsoft.com/office/drawing/2014/main" id="{F51F3993-5531-474F-ACFD-DC30974BC899}"/>
+                  </a:ext>
+                </a:extLst>
+              </p:cNvPr>
+              <p:cNvSpPr>
+                <a:spLocks noGrp="1" noRot="1" noChangeAspect="1" noMove="1" noResize="1" noEditPoints="1" noAdjustHandles="1" noChangeArrowheads="1" noChangeShapeType="1" noTextEdit="1"/>
+              </p:cNvSpPr>
+              <p:nvPr>
+                <p:ph idx="1"/>
+              </p:nvPr>
+            </p:nvSpPr>
+            <p:spPr>
+              <a:xfrm>
+                <a:off x="1371601" y="1690688"/>
+                <a:ext cx="9217270" cy="1884729"/>
+              </a:xfrm>
+              <a:blipFill>
+                <a:blip r:embed="rId2"/>
+                <a:stretch>
+                  <a:fillRect l="-1102" t="-5333"/>
+                </a:stretch>
+              </a:blipFill>
+            </p:spPr>
+            <p:txBody>
+              <a:bodyPr/>
+              <a:lstStyle/>
+              <a:p>
+                <a:r>
+                  <a:rPr lang="en-US">
+                    <a:noFill/>
+                  </a:rPr>
+                  <a:t> </a:t>
+                </a:r>
+              </a:p>
+            </p:txBody>
+          </p:sp>
+        </mc:Fallback>
+      </mc:AlternateContent>
       <p:sp>
         <p:nvSpPr>
-          <p:cNvPr id="14" name="Content Placeholder 13">
+          <p:cNvPr id="5" name="Content Placeholder 7">
             <a:extLst>
               <a:ext uri="{FF2B5EF4-FFF2-40B4-BE49-F238E27FC236}">
-                <a16:creationId xmlns:a16="http://schemas.microsoft.com/office/drawing/2014/main" id="{C781B11B-116A-4075-83B0-3B087A29F2E0}"/>
-              </a:ext>
-            </a:extLst>
-          </p:cNvPr>
-          <p:cNvSpPr>
-            <a:spLocks noGrp="1"/>
-          </p:cNvSpPr>
-          <p:nvPr>
-            <p:ph sz="half" idx="1"/>
-          </p:nvPr>
-        </p:nvSpPr>
-        <p:spPr>
-          <a:xfrm>
-            <a:off x="838200" y="1825625"/>
-            <a:ext cx="5181600" cy="1689835"/>
-          </a:xfrm>
-        </p:spPr>
-        <p:txBody>
-          <a:bodyPr numCol="2">
-            <a:normAutofit fontScale="92500" lnSpcReduction="20000"/>
-          </a:bodyPr>
-          <a:lstStyle/>
-          <a:p>
-            <a:pPr marL="0" indent="0">
-              <a:buNone/>
-            </a:pPr>
-            <a:r>
-              <a:rPr lang="en-US" b="1" dirty="0"/>
-              <a:t>Feature Set 1</a:t>
-            </a:r>
-          </a:p>
-          <a:p>
-            <a:pPr>
-              <a:buSzPct val="80000"/>
-              <a:buFont typeface="Wingdings" panose="05000000000000000000" pitchFamily="2" charset="2"/>
-              <a:buChar char="§"/>
-            </a:pPr>
-            <a:r>
-              <a:rPr lang="en-US" dirty="0"/>
-              <a:t>MovieID</a:t>
-            </a:r>
-          </a:p>
-          <a:p>
-            <a:pPr>
-              <a:buSzPct val="80000"/>
-              <a:buFont typeface="Wingdings" panose="05000000000000000000" pitchFamily="2" charset="2"/>
-              <a:buChar char="§"/>
-            </a:pPr>
-            <a:r>
-              <a:rPr lang="en-US" dirty="0"/>
-              <a:t>UserID</a:t>
-            </a:r>
-          </a:p>
-          <a:p>
-            <a:pPr>
-              <a:buSzPct val="80000"/>
-              <a:buFont typeface="Wingdings" panose="05000000000000000000" pitchFamily="2" charset="2"/>
-              <a:buChar char="§"/>
-            </a:pPr>
-            <a:r>
-              <a:rPr lang="en-US" dirty="0"/>
-              <a:t>Age</a:t>
-            </a:r>
-          </a:p>
-          <a:p>
-            <a:pPr marL="0" indent="0">
-              <a:buSzPct val="80000"/>
-              <a:buNone/>
-            </a:pPr>
-            <a:endParaRPr lang="en-US" dirty="0"/>
-          </a:p>
-          <a:p>
-            <a:pPr>
-              <a:buSzPct val="80000"/>
-              <a:buFont typeface="Wingdings" panose="05000000000000000000" pitchFamily="2" charset="2"/>
-              <a:buChar char="§"/>
-            </a:pPr>
-            <a:r>
-              <a:rPr lang="en-US" dirty="0"/>
-              <a:t>Occupation</a:t>
-            </a:r>
-          </a:p>
-          <a:p>
-            <a:pPr>
-              <a:buSzPct val="80000"/>
-              <a:buFont typeface="Wingdings" panose="05000000000000000000" pitchFamily="2" charset="2"/>
-              <a:buChar char="§"/>
-            </a:pPr>
-            <a:r>
-              <a:rPr lang="en-US" dirty="0"/>
-              <a:t>Gender</a:t>
-            </a:r>
-          </a:p>
-          <a:p>
-            <a:pPr>
-              <a:buSzPct val="80000"/>
-              <a:buFont typeface="Wingdings" panose="05000000000000000000" pitchFamily="2" charset="2"/>
-              <a:buChar char="§"/>
-            </a:pPr>
-            <a:r>
-              <a:rPr lang="en-US" dirty="0"/>
-              <a:t>Genre</a:t>
-            </a:r>
-            <a:endParaRPr lang="en-GB" dirty="0"/>
-          </a:p>
-        </p:txBody>
-      </p:sp>
-      <p:sp>
-        <p:nvSpPr>
-          <p:cNvPr id="10" name="Content Placeholder 7">
-            <a:extLst>
-              <a:ext uri="{FF2B5EF4-FFF2-40B4-BE49-F238E27FC236}">
-                <a16:creationId xmlns:a16="http://schemas.microsoft.com/office/drawing/2014/main" id="{CCF7644A-27D0-45B0-BD35-03AD56F1BAC8}"/>
+                <a16:creationId xmlns:a16="http://schemas.microsoft.com/office/drawing/2014/main" id="{9D82E2A1-38C9-3147-AB9B-4A2C9A82A541}"/>
               </a:ext>
             </a:extLst>
           </p:cNvPr>
@@ -9563,15 +12803,15 @@
         </p:nvSpPr>
         <p:spPr>
           <a:xfrm>
-            <a:off x="838200" y="1825625"/>
-            <a:ext cx="10515600" cy="4351338"/>
+            <a:off x="878540" y="4157147"/>
+            <a:ext cx="10515600" cy="2500190"/>
           </a:xfrm>
           <a:prstGeom prst="rect">
             <a:avLst/>
           </a:prstGeom>
         </p:spPr>
         <p:txBody>
-          <a:bodyPr>
+          <a:bodyPr vert="horz" lIns="91440" tIns="45720" rIns="91440" bIns="45720" rtlCol="0">
             <a:normAutofit/>
           </a:bodyPr>
           <a:lstStyle>
@@ -9739,20 +12979,234 @@
             </a:lvl9pPr>
           </a:lstStyle>
           <a:p>
+            <a:pPr marL="457200" lvl="1" indent="0">
+              <a:buNone/>
+            </a:pPr>
+            <a:endParaRPr lang="en-CA" sz="2000" dirty="0">
+              <a:latin typeface="+mj-lt"/>
+            </a:endParaRPr>
+          </a:p>
+        </p:txBody>
+      </p:sp>
+      <p:sp>
+        <p:nvSpPr>
+          <p:cNvPr id="11" name="Content Placeholder 7">
+            <a:extLst>
+              <a:ext uri="{FF2B5EF4-FFF2-40B4-BE49-F238E27FC236}">
+                <a16:creationId xmlns:a16="http://schemas.microsoft.com/office/drawing/2014/main" id="{EFA576FC-BE86-9145-952B-61071AC1842F}"/>
+              </a:ext>
+            </a:extLst>
+          </p:cNvPr>
+          <p:cNvSpPr txBox="1">
+            <a:spLocks/>
+          </p:cNvSpPr>
+          <p:nvPr/>
+        </p:nvSpPr>
+        <p:spPr>
+          <a:xfrm>
+            <a:off x="1487365" y="3598742"/>
+            <a:ext cx="8985741" cy="1884729"/>
+          </a:xfrm>
+          <a:prstGeom prst="rect">
+            <a:avLst/>
+          </a:prstGeom>
+        </p:spPr>
+        <p:txBody>
+          <a:bodyPr vert="horz" lIns="91440" tIns="45720" rIns="91440" bIns="45720" rtlCol="0">
+            <a:normAutofit/>
+          </a:bodyPr>
+          <a:lstStyle>
+            <a:lvl1pPr marL="228600" indent="-228600" algn="l" defTabSz="914400" rtl="0" eaLnBrk="1" latinLnBrk="0" hangingPunct="1">
+              <a:lnSpc>
+                <a:spcPct val="90000"/>
+              </a:lnSpc>
+              <a:spcBef>
+                <a:spcPts val="1000"/>
+              </a:spcBef>
+              <a:buFont typeface="Arial" panose="020B0604020202020204" pitchFamily="34" charset="0"/>
+              <a:buChar char="•"/>
+              <a:defRPr sz="2800" kern="1200">
+                <a:solidFill>
+                  <a:schemeClr val="tx1"/>
+                </a:solidFill>
+                <a:latin typeface="+mn-lt"/>
+                <a:ea typeface="+mn-ea"/>
+                <a:cs typeface="+mn-cs"/>
+              </a:defRPr>
+            </a:lvl1pPr>
+            <a:lvl2pPr marL="685800" indent="-228600" algn="l" defTabSz="914400" rtl="0" eaLnBrk="1" latinLnBrk="0" hangingPunct="1">
+              <a:lnSpc>
+                <a:spcPct val="90000"/>
+              </a:lnSpc>
+              <a:spcBef>
+                <a:spcPts val="500"/>
+              </a:spcBef>
+              <a:buFont typeface="Arial" panose="020B0604020202020204" pitchFamily="34" charset="0"/>
+              <a:buChar char="•"/>
+              <a:defRPr sz="2400" kern="1200">
+                <a:solidFill>
+                  <a:schemeClr val="tx1"/>
+                </a:solidFill>
+                <a:latin typeface="+mn-lt"/>
+                <a:ea typeface="+mn-ea"/>
+                <a:cs typeface="+mn-cs"/>
+              </a:defRPr>
+            </a:lvl2pPr>
+            <a:lvl3pPr marL="1143000" indent="-228600" algn="l" defTabSz="914400" rtl="0" eaLnBrk="1" latinLnBrk="0" hangingPunct="1">
+              <a:lnSpc>
+                <a:spcPct val="90000"/>
+              </a:lnSpc>
+              <a:spcBef>
+                <a:spcPts val="500"/>
+              </a:spcBef>
+              <a:buFont typeface="Arial" panose="020B0604020202020204" pitchFamily="34" charset="0"/>
+              <a:buChar char="•"/>
+              <a:defRPr sz="2000" kern="1200">
+                <a:solidFill>
+                  <a:schemeClr val="tx1"/>
+                </a:solidFill>
+                <a:latin typeface="+mn-lt"/>
+                <a:ea typeface="+mn-ea"/>
+                <a:cs typeface="+mn-cs"/>
+              </a:defRPr>
+            </a:lvl3pPr>
+            <a:lvl4pPr marL="1600200" indent="-228600" algn="l" defTabSz="914400" rtl="0" eaLnBrk="1" latinLnBrk="0" hangingPunct="1">
+              <a:lnSpc>
+                <a:spcPct val="90000"/>
+              </a:lnSpc>
+              <a:spcBef>
+                <a:spcPts val="500"/>
+              </a:spcBef>
+              <a:buFont typeface="Arial" panose="020B0604020202020204" pitchFamily="34" charset="0"/>
+              <a:buChar char="•"/>
+              <a:defRPr sz="1800" kern="1200">
+                <a:solidFill>
+                  <a:schemeClr val="tx1"/>
+                </a:solidFill>
+                <a:latin typeface="+mn-lt"/>
+                <a:ea typeface="+mn-ea"/>
+                <a:cs typeface="+mn-cs"/>
+              </a:defRPr>
+            </a:lvl4pPr>
+            <a:lvl5pPr marL="2057400" indent="-228600" algn="l" defTabSz="914400" rtl="0" eaLnBrk="1" latinLnBrk="0" hangingPunct="1">
+              <a:lnSpc>
+                <a:spcPct val="90000"/>
+              </a:lnSpc>
+              <a:spcBef>
+                <a:spcPts val="500"/>
+              </a:spcBef>
+              <a:buFont typeface="Arial" panose="020B0604020202020204" pitchFamily="34" charset="0"/>
+              <a:buChar char="•"/>
+              <a:defRPr sz="1800" kern="1200">
+                <a:solidFill>
+                  <a:schemeClr val="tx1"/>
+                </a:solidFill>
+                <a:latin typeface="+mn-lt"/>
+                <a:ea typeface="+mn-ea"/>
+                <a:cs typeface="+mn-cs"/>
+              </a:defRPr>
+            </a:lvl5pPr>
+            <a:lvl6pPr marL="2514600" indent="-228600" algn="l" defTabSz="914400" rtl="0" eaLnBrk="1" latinLnBrk="0" hangingPunct="1">
+              <a:lnSpc>
+                <a:spcPct val="90000"/>
+              </a:lnSpc>
+              <a:spcBef>
+                <a:spcPts val="500"/>
+              </a:spcBef>
+              <a:buFont typeface="Arial" panose="020B0604020202020204" pitchFamily="34" charset="0"/>
+              <a:buChar char="•"/>
+              <a:defRPr sz="1800" kern="1200">
+                <a:solidFill>
+                  <a:schemeClr val="tx1"/>
+                </a:solidFill>
+                <a:latin typeface="+mn-lt"/>
+                <a:ea typeface="+mn-ea"/>
+                <a:cs typeface="+mn-cs"/>
+              </a:defRPr>
+            </a:lvl6pPr>
+            <a:lvl7pPr marL="2971800" indent="-228600" algn="l" defTabSz="914400" rtl="0" eaLnBrk="1" latinLnBrk="0" hangingPunct="1">
+              <a:lnSpc>
+                <a:spcPct val="90000"/>
+              </a:lnSpc>
+              <a:spcBef>
+                <a:spcPts val="500"/>
+              </a:spcBef>
+              <a:buFont typeface="Arial" panose="020B0604020202020204" pitchFamily="34" charset="0"/>
+              <a:buChar char="•"/>
+              <a:defRPr sz="1800" kern="1200">
+                <a:solidFill>
+                  <a:schemeClr val="tx1"/>
+                </a:solidFill>
+                <a:latin typeface="+mn-lt"/>
+                <a:ea typeface="+mn-ea"/>
+                <a:cs typeface="+mn-cs"/>
+              </a:defRPr>
+            </a:lvl7pPr>
+            <a:lvl8pPr marL="3429000" indent="-228600" algn="l" defTabSz="914400" rtl="0" eaLnBrk="1" latinLnBrk="0" hangingPunct="1">
+              <a:lnSpc>
+                <a:spcPct val="90000"/>
+              </a:lnSpc>
+              <a:spcBef>
+                <a:spcPts val="500"/>
+              </a:spcBef>
+              <a:buFont typeface="Arial" panose="020B0604020202020204" pitchFamily="34" charset="0"/>
+              <a:buChar char="•"/>
+              <a:defRPr sz="1800" kern="1200">
+                <a:solidFill>
+                  <a:schemeClr val="tx1"/>
+                </a:solidFill>
+                <a:latin typeface="+mn-lt"/>
+                <a:ea typeface="+mn-ea"/>
+                <a:cs typeface="+mn-cs"/>
+              </a:defRPr>
+            </a:lvl8pPr>
+            <a:lvl9pPr marL="3886200" indent="-228600" algn="l" defTabSz="914400" rtl="0" eaLnBrk="1" latinLnBrk="0" hangingPunct="1">
+              <a:lnSpc>
+                <a:spcPct val="90000"/>
+              </a:lnSpc>
+              <a:spcBef>
+                <a:spcPts val="500"/>
+              </a:spcBef>
+              <a:buFont typeface="Arial" panose="020B0604020202020204" pitchFamily="34" charset="0"/>
+              <a:buChar char="•"/>
+              <a:defRPr sz="1800" kern="1200">
+                <a:solidFill>
+                  <a:schemeClr val="tx1"/>
+                </a:solidFill>
+                <a:latin typeface="+mn-lt"/>
+                <a:ea typeface="+mn-ea"/>
+                <a:cs typeface="+mn-cs"/>
+              </a:defRPr>
+            </a:lvl9pPr>
+          </a:lstStyle>
+          <a:p>
             <a:pPr marL="0" indent="0">
               <a:buFont typeface="Arial" panose="020B0604020202020204" pitchFamily="34" charset="0"/>
               <a:buNone/>
             </a:pPr>
-            <a:endParaRPr lang="en-CA" sz="1400" dirty="0"/>
+            <a:r>
+              <a:rPr lang="en-CA" sz="2400" dirty="0">
+                <a:latin typeface="+mj-lt"/>
+              </a:rPr>
+              <a:t>Results</a:t>
+            </a:r>
+          </a:p>
+          <a:p>
+            <a:pPr marL="457200" lvl="1" indent="0">
+              <a:buNone/>
+            </a:pPr>
+            <a:endParaRPr lang="en-CA" sz="2000" dirty="0">
+              <a:latin typeface="+mj-lt"/>
+            </a:endParaRPr>
           </a:p>
         </p:txBody>
       </p:sp>
       <p:graphicFrame>
         <p:nvGraphicFramePr>
-          <p:cNvPr id="16" name="Table 4">
+          <p:cNvPr id="13" name="Chart 12">
             <a:extLst>
               <a:ext uri="{FF2B5EF4-FFF2-40B4-BE49-F238E27FC236}">
-                <a16:creationId xmlns:a16="http://schemas.microsoft.com/office/drawing/2014/main" id="{5483C58A-E6E1-42D9-A37D-8A9EB7F8229C}"/>
+                <a16:creationId xmlns:a16="http://schemas.microsoft.com/office/drawing/2014/main" id="{4C39D2DA-5124-1D40-BECD-4355CBA15A97}"/>
               </a:ext>
             </a:extLst>
           </p:cNvPr>
@@ -9762,538 +13216,27 @@
           <p:nvPr>
             <p:extLst>
               <p:ext uri="{D42A27DB-BD31-4B8C-83A1-F6EECF244321}">
-                <p14:modId xmlns:p14="http://schemas.microsoft.com/office/powerpoint/2010/main" val="3121371654"/>
+                <p14:modId xmlns:p14="http://schemas.microsoft.com/office/powerpoint/2010/main" val="2694046208"/>
               </p:ext>
             </p:extLst>
           </p:nvPr>
         </p:nvGraphicFramePr>
         <p:xfrm>
-          <a:off x="6537774" y="5308188"/>
-          <a:ext cx="4298043" cy="1112520"/>
+          <a:off x="3850340" y="3795712"/>
+          <a:ext cx="4572000" cy="2743200"/>
         </p:xfrm>
         <a:graphic>
-          <a:graphicData uri="http://schemas.openxmlformats.org/drawingml/2006/table">
-            <a:tbl>
-              <a:tblPr firstRow="1" bandRow="1">
-                <a:tableStyleId>{2D5ABB26-0587-4C30-8999-92F81FD0307C}</a:tableStyleId>
-              </a:tblPr>
-              <a:tblGrid>
-                <a:gridCol w="1432681">
-                  <a:extLst>
-                    <a:ext uri="{9D8B030D-6E8A-4147-A177-3AD203B41FA5}">
-                      <a16:colId xmlns:a16="http://schemas.microsoft.com/office/drawing/2014/main" val="3225872746"/>
-                    </a:ext>
-                  </a:extLst>
-                </a:gridCol>
-                <a:gridCol w="1432681">
-                  <a:extLst>
-                    <a:ext uri="{9D8B030D-6E8A-4147-A177-3AD203B41FA5}">
-                      <a16:colId xmlns:a16="http://schemas.microsoft.com/office/drawing/2014/main" val="1764643151"/>
-                    </a:ext>
-                  </a:extLst>
-                </a:gridCol>
-                <a:gridCol w="1432681">
-                  <a:extLst>
-                    <a:ext uri="{9D8B030D-6E8A-4147-A177-3AD203B41FA5}">
-                      <a16:colId xmlns:a16="http://schemas.microsoft.com/office/drawing/2014/main" val="806320293"/>
-                    </a:ext>
-                  </a:extLst>
-                </a:gridCol>
-              </a:tblGrid>
-              <a:tr h="370840">
-                <a:tc>
-                  <a:txBody>
-                    <a:bodyPr/>
-                    <a:lstStyle/>
-                    <a:p>
-                      <a:pPr algn="ctr"/>
-                      <a:r>
-                        <a:rPr lang="en-US" b="1" dirty="0"/>
-                        <a:t>MAE</a:t>
-                      </a:r>
-                    </a:p>
-                  </a:txBody>
-                  <a:tcPr>
-                    <a:lnL w="12700" cap="flat" cmpd="sng" algn="ctr">
-                      <a:solidFill>
-                        <a:schemeClr val="tx1"/>
-                      </a:solidFill>
-                      <a:prstDash val="solid"/>
-                      <a:round/>
-                      <a:headEnd type="none" w="med" len="med"/>
-                      <a:tailEnd type="none" w="med" len="med"/>
-                    </a:lnL>
-                    <a:lnR w="12700" cap="flat" cmpd="sng" algn="ctr">
-                      <a:solidFill>
-                        <a:schemeClr val="tx1"/>
-                      </a:solidFill>
-                      <a:prstDash val="solid"/>
-                      <a:round/>
-                      <a:headEnd type="none" w="med" len="med"/>
-                      <a:tailEnd type="none" w="med" len="med"/>
-                    </a:lnR>
-                    <a:lnT w="12700" cap="flat" cmpd="sng" algn="ctr">
-                      <a:solidFill>
-                        <a:schemeClr val="tx1"/>
-                      </a:solidFill>
-                      <a:prstDash val="solid"/>
-                      <a:round/>
-                      <a:headEnd type="none" w="med" len="med"/>
-                      <a:tailEnd type="none" w="med" len="med"/>
-                    </a:lnT>
-                    <a:lnB w="12700" cap="flat" cmpd="sng" algn="ctr">
-                      <a:solidFill>
-                        <a:schemeClr val="tx1"/>
-                      </a:solidFill>
-                      <a:prstDash val="solid"/>
-                      <a:round/>
-                      <a:headEnd type="none" w="med" len="med"/>
-                      <a:tailEnd type="none" w="med" len="med"/>
-                    </a:lnB>
-                  </a:tcPr>
-                </a:tc>
-                <a:tc>
-                  <a:txBody>
-                    <a:bodyPr/>
-                    <a:lstStyle/>
-                    <a:p>
-                      <a:pPr algn="ctr"/>
-                      <a:r>
-                        <a:rPr lang="en-US" b="1" dirty="0"/>
-                        <a:t>Normal</a:t>
-                      </a:r>
-                    </a:p>
-                  </a:txBody>
-                  <a:tcPr>
-                    <a:lnL w="12700" cap="flat" cmpd="sng" algn="ctr">
-                      <a:solidFill>
-                        <a:schemeClr val="tx1"/>
-                      </a:solidFill>
-                      <a:prstDash val="solid"/>
-                      <a:round/>
-                      <a:headEnd type="none" w="med" len="med"/>
-                      <a:tailEnd type="none" w="med" len="med"/>
-                    </a:lnL>
-                    <a:lnR w="12700" cap="flat" cmpd="sng" algn="ctr">
-                      <a:solidFill>
-                        <a:schemeClr val="tx1"/>
-                      </a:solidFill>
-                      <a:prstDash val="solid"/>
-                      <a:round/>
-                      <a:headEnd type="none" w="med" len="med"/>
-                      <a:tailEnd type="none" w="med" len="med"/>
-                    </a:lnR>
-                    <a:lnT w="12700" cap="flat" cmpd="sng" algn="ctr">
-                      <a:solidFill>
-                        <a:schemeClr val="tx1"/>
-                      </a:solidFill>
-                      <a:prstDash val="solid"/>
-                      <a:round/>
-                      <a:headEnd type="none" w="med" len="med"/>
-                      <a:tailEnd type="none" w="med" len="med"/>
-                    </a:lnT>
-                    <a:lnB w="12700" cap="flat" cmpd="sng" algn="ctr">
-                      <a:solidFill>
-                        <a:schemeClr val="tx1"/>
-                      </a:solidFill>
-                      <a:prstDash val="solid"/>
-                      <a:round/>
-                      <a:headEnd type="none" w="med" len="med"/>
-                      <a:tailEnd type="none" w="med" len="med"/>
-                    </a:lnB>
-                  </a:tcPr>
-                </a:tc>
-                <a:tc>
-                  <a:txBody>
-                    <a:bodyPr/>
-                    <a:lstStyle/>
-                    <a:p>
-                      <a:pPr algn="ctr"/>
-                      <a:r>
-                        <a:rPr lang="en-US" b="1" dirty="0"/>
-                        <a:t>Rounded</a:t>
-                      </a:r>
-                    </a:p>
-                  </a:txBody>
-                  <a:tcPr>
-                    <a:lnL w="12700" cap="flat" cmpd="sng" algn="ctr">
-                      <a:solidFill>
-                        <a:schemeClr val="tx1"/>
-                      </a:solidFill>
-                      <a:prstDash val="solid"/>
-                      <a:round/>
-                      <a:headEnd type="none" w="med" len="med"/>
-                      <a:tailEnd type="none" w="med" len="med"/>
-                    </a:lnL>
-                    <a:lnR w="12700" cap="flat" cmpd="sng" algn="ctr">
-                      <a:solidFill>
-                        <a:schemeClr val="tx1"/>
-                      </a:solidFill>
-                      <a:prstDash val="solid"/>
-                      <a:round/>
-                      <a:headEnd type="none" w="med" len="med"/>
-                      <a:tailEnd type="none" w="med" len="med"/>
-                    </a:lnR>
-                    <a:lnT w="12700" cap="flat" cmpd="sng" algn="ctr">
-                      <a:solidFill>
-                        <a:schemeClr val="tx1"/>
-                      </a:solidFill>
-                      <a:prstDash val="solid"/>
-                      <a:round/>
-                      <a:headEnd type="none" w="med" len="med"/>
-                      <a:tailEnd type="none" w="med" len="med"/>
-                    </a:lnT>
-                    <a:lnB w="12700" cap="flat" cmpd="sng" algn="ctr">
-                      <a:solidFill>
-                        <a:schemeClr val="tx1"/>
-                      </a:solidFill>
-                      <a:prstDash val="solid"/>
-                      <a:round/>
-                      <a:headEnd type="none" w="med" len="med"/>
-                      <a:tailEnd type="none" w="med" len="med"/>
-                    </a:lnB>
-                  </a:tcPr>
-                </a:tc>
-                <a:extLst>
-                  <a:ext uri="{0D108BD9-81ED-4DB2-BD59-A6C34878D82A}">
-                    <a16:rowId xmlns:a16="http://schemas.microsoft.com/office/drawing/2014/main" val="985551764"/>
-                  </a:ext>
-                </a:extLst>
-              </a:tr>
-              <a:tr h="370840">
-                <a:tc>
-                  <a:txBody>
-                    <a:bodyPr/>
-                    <a:lstStyle/>
-                    <a:p>
-                      <a:pPr algn="ctr"/>
-                      <a:r>
-                        <a:rPr lang="en-US" b="1" dirty="0"/>
-                        <a:t>OLS</a:t>
-                      </a:r>
-                    </a:p>
-                  </a:txBody>
-                  <a:tcPr>
-                    <a:lnL w="12700" cap="flat" cmpd="sng" algn="ctr">
-                      <a:solidFill>
-                        <a:schemeClr val="tx1"/>
-                      </a:solidFill>
-                      <a:prstDash val="solid"/>
-                      <a:round/>
-                      <a:headEnd type="none" w="med" len="med"/>
-                      <a:tailEnd type="none" w="med" len="med"/>
-                    </a:lnL>
-                    <a:lnR w="12700" cap="flat" cmpd="sng" algn="ctr">
-                      <a:solidFill>
-                        <a:schemeClr val="tx1"/>
-                      </a:solidFill>
-                      <a:prstDash val="solid"/>
-                      <a:round/>
-                      <a:headEnd type="none" w="med" len="med"/>
-                      <a:tailEnd type="none" w="med" len="med"/>
-                    </a:lnR>
-                    <a:lnT w="12700" cap="flat" cmpd="sng" algn="ctr">
-                      <a:solidFill>
-                        <a:schemeClr val="tx1"/>
-                      </a:solidFill>
-                      <a:prstDash val="solid"/>
-                      <a:round/>
-                      <a:headEnd type="none" w="med" len="med"/>
-                      <a:tailEnd type="none" w="med" len="med"/>
-                    </a:lnT>
-                    <a:lnB w="12700" cap="flat" cmpd="sng" algn="ctr">
-                      <a:solidFill>
-                        <a:schemeClr val="tx1"/>
-                      </a:solidFill>
-                      <a:prstDash val="solid"/>
-                      <a:round/>
-                      <a:headEnd type="none" w="med" len="med"/>
-                      <a:tailEnd type="none" w="med" len="med"/>
-                    </a:lnB>
-                  </a:tcPr>
-                </a:tc>
-                <a:tc>
-                  <a:txBody>
-                    <a:bodyPr/>
-                    <a:lstStyle/>
-                    <a:p>
-                      <a:pPr algn="ctr"/>
-                      <a:r>
-                        <a:rPr lang="en-GB" sz="1800" dirty="0"/>
-                        <a:t>0.724</a:t>
-                      </a:r>
-                      <a:endParaRPr lang="en-US" dirty="0"/>
-                    </a:p>
-                  </a:txBody>
-                  <a:tcPr>
-                    <a:lnL w="12700" cap="flat" cmpd="sng" algn="ctr">
-                      <a:solidFill>
-                        <a:schemeClr val="tx1"/>
-                      </a:solidFill>
-                      <a:prstDash val="solid"/>
-                      <a:round/>
-                      <a:headEnd type="none" w="med" len="med"/>
-                      <a:tailEnd type="none" w="med" len="med"/>
-                    </a:lnL>
-                    <a:lnR w="12700" cap="flat" cmpd="sng" algn="ctr">
-                      <a:solidFill>
-                        <a:schemeClr val="tx1"/>
-                      </a:solidFill>
-                      <a:prstDash val="solid"/>
-                      <a:round/>
-                      <a:headEnd type="none" w="med" len="med"/>
-                      <a:tailEnd type="none" w="med" len="med"/>
-                    </a:lnR>
-                    <a:lnT w="12700" cap="flat" cmpd="sng" algn="ctr">
-                      <a:solidFill>
-                        <a:schemeClr val="tx1"/>
-                      </a:solidFill>
-                      <a:prstDash val="solid"/>
-                      <a:round/>
-                      <a:headEnd type="none" w="med" len="med"/>
-                      <a:tailEnd type="none" w="med" len="med"/>
-                    </a:lnT>
-                    <a:lnB w="12700" cap="flat" cmpd="sng" algn="ctr">
-                      <a:solidFill>
-                        <a:schemeClr val="tx1"/>
-                      </a:solidFill>
-                      <a:prstDash val="solid"/>
-                      <a:round/>
-                      <a:headEnd type="none" w="med" len="med"/>
-                      <a:tailEnd type="none" w="med" len="med"/>
-                    </a:lnB>
-                  </a:tcPr>
-                </a:tc>
-                <a:tc>
-                  <a:txBody>
-                    <a:bodyPr/>
-                    <a:lstStyle/>
-                    <a:p>
-                      <a:pPr algn="ctr"/>
-                      <a:r>
-                        <a:rPr lang="en-GB" sz="1800" dirty="0"/>
-                        <a:t>0.715</a:t>
-                      </a:r>
-                      <a:endParaRPr lang="en-US" dirty="0"/>
-                    </a:p>
-                  </a:txBody>
-                  <a:tcPr>
-                    <a:lnL w="12700" cap="flat" cmpd="sng" algn="ctr">
-                      <a:solidFill>
-                        <a:schemeClr val="tx1"/>
-                      </a:solidFill>
-                      <a:prstDash val="solid"/>
-                      <a:round/>
-                      <a:headEnd type="none" w="med" len="med"/>
-                      <a:tailEnd type="none" w="med" len="med"/>
-                    </a:lnL>
-                    <a:lnR w="12700" cap="flat" cmpd="sng" algn="ctr">
-                      <a:solidFill>
-                        <a:schemeClr val="tx1"/>
-                      </a:solidFill>
-                      <a:prstDash val="solid"/>
-                      <a:round/>
-                      <a:headEnd type="none" w="med" len="med"/>
-                      <a:tailEnd type="none" w="med" len="med"/>
-                    </a:lnR>
-                    <a:lnT w="12700" cap="flat" cmpd="sng" algn="ctr">
-                      <a:solidFill>
-                        <a:schemeClr val="tx1"/>
-                      </a:solidFill>
-                      <a:prstDash val="solid"/>
-                      <a:round/>
-                      <a:headEnd type="none" w="med" len="med"/>
-                      <a:tailEnd type="none" w="med" len="med"/>
-                    </a:lnT>
-                    <a:lnB w="12700" cap="flat" cmpd="sng" algn="ctr">
-                      <a:solidFill>
-                        <a:schemeClr val="tx1"/>
-                      </a:solidFill>
-                      <a:prstDash val="solid"/>
-                      <a:round/>
-                      <a:headEnd type="none" w="med" len="med"/>
-                      <a:tailEnd type="none" w="med" len="med"/>
-                    </a:lnB>
-                  </a:tcPr>
-                </a:tc>
-                <a:extLst>
-                  <a:ext uri="{0D108BD9-81ED-4DB2-BD59-A6C34878D82A}">
-                    <a16:rowId xmlns:a16="http://schemas.microsoft.com/office/drawing/2014/main" val="490239476"/>
-                  </a:ext>
-                </a:extLst>
-              </a:tr>
-              <a:tr h="370840">
-                <a:tc>
-                  <a:txBody>
-                    <a:bodyPr/>
-                    <a:lstStyle/>
-                    <a:p>
-                      <a:pPr algn="ctr"/>
-                      <a:r>
-                        <a:rPr lang="en-US" b="1" dirty="0"/>
-                        <a:t>Ridge</a:t>
-                      </a:r>
-                    </a:p>
-                  </a:txBody>
-                  <a:tcPr>
-                    <a:lnL w="12700" cap="flat" cmpd="sng" algn="ctr">
-                      <a:solidFill>
-                        <a:schemeClr val="tx1"/>
-                      </a:solidFill>
-                      <a:prstDash val="solid"/>
-                      <a:round/>
-                      <a:headEnd type="none" w="med" len="med"/>
-                      <a:tailEnd type="none" w="med" len="med"/>
-                    </a:lnL>
-                    <a:lnR w="12700" cap="flat" cmpd="sng" algn="ctr">
-                      <a:solidFill>
-                        <a:schemeClr val="tx1"/>
-                      </a:solidFill>
-                      <a:prstDash val="solid"/>
-                      <a:round/>
-                      <a:headEnd type="none" w="med" len="med"/>
-                      <a:tailEnd type="none" w="med" len="med"/>
-                    </a:lnR>
-                    <a:lnT w="12700" cap="flat" cmpd="sng" algn="ctr">
-                      <a:solidFill>
-                        <a:schemeClr val="tx1"/>
-                      </a:solidFill>
-                      <a:prstDash val="solid"/>
-                      <a:round/>
-                      <a:headEnd type="none" w="med" len="med"/>
-                      <a:tailEnd type="none" w="med" len="med"/>
-                    </a:lnT>
-                    <a:lnB w="12700" cap="flat" cmpd="sng" algn="ctr">
-                      <a:solidFill>
-                        <a:schemeClr val="tx1"/>
-                      </a:solidFill>
-                      <a:prstDash val="solid"/>
-                      <a:round/>
-                      <a:headEnd type="none" w="med" len="med"/>
-                      <a:tailEnd type="none" w="med" len="med"/>
-                    </a:lnB>
-                  </a:tcPr>
-                </a:tc>
-                <a:tc>
-                  <a:txBody>
-                    <a:bodyPr/>
-                    <a:lstStyle/>
-                    <a:p>
-                      <a:pPr algn="ctr"/>
-                      <a:r>
-                        <a:rPr lang="en-GB" sz="1800" dirty="0"/>
-                        <a:t>0.728</a:t>
-                      </a:r>
-                      <a:endParaRPr lang="en-US" dirty="0"/>
-                    </a:p>
-                  </a:txBody>
-                  <a:tcPr>
-                    <a:lnL w="12700" cap="flat" cmpd="sng" algn="ctr">
-                      <a:solidFill>
-                        <a:schemeClr val="tx1"/>
-                      </a:solidFill>
-                      <a:prstDash val="solid"/>
-                      <a:round/>
-                      <a:headEnd type="none" w="med" len="med"/>
-                      <a:tailEnd type="none" w="med" len="med"/>
-                    </a:lnL>
-                    <a:lnR w="12700" cap="flat" cmpd="sng" algn="ctr">
-                      <a:solidFill>
-                        <a:schemeClr val="tx1"/>
-                      </a:solidFill>
-                      <a:prstDash val="solid"/>
-                      <a:round/>
-                      <a:headEnd type="none" w="med" len="med"/>
-                      <a:tailEnd type="none" w="med" len="med"/>
-                    </a:lnR>
-                    <a:lnT w="12700" cap="flat" cmpd="sng" algn="ctr">
-                      <a:solidFill>
-                        <a:schemeClr val="tx1"/>
-                      </a:solidFill>
-                      <a:prstDash val="solid"/>
-                      <a:round/>
-                      <a:headEnd type="none" w="med" len="med"/>
-                      <a:tailEnd type="none" w="med" len="med"/>
-                    </a:lnT>
-                    <a:lnB w="12700" cap="flat" cmpd="sng" algn="ctr">
-                      <a:solidFill>
-                        <a:schemeClr val="tx1"/>
-                      </a:solidFill>
-                      <a:prstDash val="solid"/>
-                      <a:round/>
-                      <a:headEnd type="none" w="med" len="med"/>
-                      <a:tailEnd type="none" w="med" len="med"/>
-                    </a:lnB>
-                  </a:tcPr>
-                </a:tc>
-                <a:tc>
-                  <a:txBody>
-                    <a:bodyPr/>
-                    <a:lstStyle/>
-                    <a:p>
-                      <a:pPr algn="ctr"/>
-                      <a:r>
-                        <a:rPr lang="en-GB" sz="1800" dirty="0"/>
-                        <a:t>0.719</a:t>
-                      </a:r>
-                      <a:endParaRPr lang="en-US" dirty="0"/>
-                    </a:p>
-                  </a:txBody>
-                  <a:tcPr>
-                    <a:lnL w="12700" cap="flat" cmpd="sng" algn="ctr">
-                      <a:solidFill>
-                        <a:schemeClr val="tx1"/>
-                      </a:solidFill>
-                      <a:prstDash val="solid"/>
-                      <a:round/>
-                      <a:headEnd type="none" w="med" len="med"/>
-                      <a:tailEnd type="none" w="med" len="med"/>
-                    </a:lnL>
-                    <a:lnR w="12700" cap="flat" cmpd="sng" algn="ctr">
-                      <a:solidFill>
-                        <a:schemeClr val="tx1"/>
-                      </a:solidFill>
-                      <a:prstDash val="solid"/>
-                      <a:round/>
-                      <a:headEnd type="none" w="med" len="med"/>
-                      <a:tailEnd type="none" w="med" len="med"/>
-                    </a:lnR>
-                    <a:lnT w="12700" cap="flat" cmpd="sng" algn="ctr">
-                      <a:solidFill>
-                        <a:schemeClr val="tx1"/>
-                      </a:solidFill>
-                      <a:prstDash val="solid"/>
-                      <a:round/>
-                      <a:headEnd type="none" w="med" len="med"/>
-                      <a:tailEnd type="none" w="med" len="med"/>
-                    </a:lnT>
-                    <a:lnB w="12700" cap="flat" cmpd="sng" algn="ctr">
-                      <a:solidFill>
-                        <a:schemeClr val="tx1"/>
-                      </a:solidFill>
-                      <a:prstDash val="solid"/>
-                      <a:round/>
-                      <a:headEnd type="none" w="med" len="med"/>
-                      <a:tailEnd type="none" w="med" len="med"/>
-                    </a:lnB>
-                  </a:tcPr>
-                </a:tc>
-                <a:extLst>
-                  <a:ext uri="{0D108BD9-81ED-4DB2-BD59-A6C34878D82A}">
-                    <a16:rowId xmlns:a16="http://schemas.microsoft.com/office/drawing/2014/main" val="714167275"/>
-                  </a:ext>
-                </a:extLst>
-              </a:tr>
-            </a:tbl>
+          <a:graphicData uri="http://schemas.openxmlformats.org/drawingml/2006/chart">
+            <c:chart xmlns:c="http://schemas.openxmlformats.org/drawingml/2006/chart" xmlns:r="http://schemas.openxmlformats.org/officeDocument/2006/relationships" r:id="rId3"/>
           </a:graphicData>
         </a:graphic>
       </p:graphicFrame>
       <p:graphicFrame>
         <p:nvGraphicFramePr>
-          <p:cNvPr id="17" name="Table 4">
+          <p:cNvPr id="14" name="Chart 13">
             <a:extLst>
               <a:ext uri="{FF2B5EF4-FFF2-40B4-BE49-F238E27FC236}">
-                <a16:creationId xmlns:a16="http://schemas.microsoft.com/office/drawing/2014/main" id="{E44D9AE2-5F7B-4BA0-9108-AA92D9CC6EEE}"/>
+                <a16:creationId xmlns:a16="http://schemas.microsoft.com/office/drawing/2014/main" id="{4C39D2DA-5124-1D40-BECD-4355CBA15A97}"/>
               </a:ext>
             </a:extLst>
           </p:cNvPr>
@@ -10303,1298 +13246,112 @@
           <p:nvPr>
             <p:extLst>
               <p:ext uri="{D42A27DB-BD31-4B8C-83A1-F6EECF244321}">
-                <p14:modId xmlns:p14="http://schemas.microsoft.com/office/powerpoint/2010/main" val="739379198"/>
+                <p14:modId xmlns:p14="http://schemas.microsoft.com/office/powerpoint/2010/main" val="593256591"/>
               </p:ext>
             </p:extLst>
           </p:nvPr>
         </p:nvGraphicFramePr>
         <p:xfrm>
-          <a:off x="6537775" y="3802879"/>
-          <a:ext cx="4298043" cy="1112520"/>
+          <a:off x="3810000" y="3914137"/>
+          <a:ext cx="4572000" cy="2743200"/>
         </p:xfrm>
         <a:graphic>
-          <a:graphicData uri="http://schemas.openxmlformats.org/drawingml/2006/table">
-            <a:tbl>
-              <a:tblPr firstRow="1" bandRow="1">
-                <a:tableStyleId>{2D5ABB26-0587-4C30-8999-92F81FD0307C}</a:tableStyleId>
-              </a:tblPr>
-              <a:tblGrid>
-                <a:gridCol w="1432681">
-                  <a:extLst>
-                    <a:ext uri="{9D8B030D-6E8A-4147-A177-3AD203B41FA5}">
-                      <a16:colId xmlns:a16="http://schemas.microsoft.com/office/drawing/2014/main" val="3225872746"/>
-                    </a:ext>
-                  </a:extLst>
-                </a:gridCol>
-                <a:gridCol w="1432681">
-                  <a:extLst>
-                    <a:ext uri="{9D8B030D-6E8A-4147-A177-3AD203B41FA5}">
-                      <a16:colId xmlns:a16="http://schemas.microsoft.com/office/drawing/2014/main" val="1764643151"/>
-                    </a:ext>
-                  </a:extLst>
-                </a:gridCol>
-                <a:gridCol w="1432681">
-                  <a:extLst>
-                    <a:ext uri="{9D8B030D-6E8A-4147-A177-3AD203B41FA5}">
-                      <a16:colId xmlns:a16="http://schemas.microsoft.com/office/drawing/2014/main" val="806320293"/>
-                    </a:ext>
-                  </a:extLst>
-                </a:gridCol>
-              </a:tblGrid>
-              <a:tr h="370840">
-                <a:tc>
-                  <a:txBody>
-                    <a:bodyPr/>
-                    <a:lstStyle/>
-                    <a:p>
-                      <a:pPr algn="ctr"/>
-                      <a:r>
-                        <a:rPr lang="en-US" b="1" dirty="0"/>
-                        <a:t>MAE</a:t>
-                      </a:r>
-                    </a:p>
-                  </a:txBody>
-                  <a:tcPr>
-                    <a:lnL w="12700" cap="flat" cmpd="sng" algn="ctr">
-                      <a:solidFill>
-                        <a:schemeClr val="tx1"/>
-                      </a:solidFill>
-                      <a:prstDash val="solid"/>
-                      <a:round/>
-                      <a:headEnd type="none" w="med" len="med"/>
-                      <a:tailEnd type="none" w="med" len="med"/>
-                    </a:lnL>
-                    <a:lnR w="12700" cap="flat" cmpd="sng" algn="ctr">
-                      <a:solidFill>
-                        <a:schemeClr val="tx1"/>
-                      </a:solidFill>
-                      <a:prstDash val="solid"/>
-                      <a:round/>
-                      <a:headEnd type="none" w="med" len="med"/>
-                      <a:tailEnd type="none" w="med" len="med"/>
-                    </a:lnR>
-                    <a:lnT w="12700" cap="flat" cmpd="sng" algn="ctr">
-                      <a:solidFill>
-                        <a:schemeClr val="tx1"/>
-                      </a:solidFill>
-                      <a:prstDash val="solid"/>
-                      <a:round/>
-                      <a:headEnd type="none" w="med" len="med"/>
-                      <a:tailEnd type="none" w="med" len="med"/>
-                    </a:lnT>
-                    <a:lnB w="12700" cap="flat" cmpd="sng" algn="ctr">
-                      <a:solidFill>
-                        <a:schemeClr val="tx1"/>
-                      </a:solidFill>
-                      <a:prstDash val="solid"/>
-                      <a:round/>
-                      <a:headEnd type="none" w="med" len="med"/>
-                      <a:tailEnd type="none" w="med" len="med"/>
-                    </a:lnB>
-                  </a:tcPr>
-                </a:tc>
-                <a:tc>
-                  <a:txBody>
-                    <a:bodyPr/>
-                    <a:lstStyle/>
-                    <a:p>
-                      <a:pPr algn="ctr"/>
-                      <a:r>
-                        <a:rPr lang="en-US" b="1" dirty="0"/>
-                        <a:t>Normal</a:t>
-                      </a:r>
-                    </a:p>
-                  </a:txBody>
-                  <a:tcPr>
-                    <a:lnL w="12700" cap="flat" cmpd="sng" algn="ctr">
-                      <a:solidFill>
-                        <a:schemeClr val="tx1"/>
-                      </a:solidFill>
-                      <a:prstDash val="solid"/>
-                      <a:round/>
-                      <a:headEnd type="none" w="med" len="med"/>
-                      <a:tailEnd type="none" w="med" len="med"/>
-                    </a:lnL>
-                    <a:lnR w="12700" cap="flat" cmpd="sng" algn="ctr">
-                      <a:solidFill>
-                        <a:schemeClr val="tx1"/>
-                      </a:solidFill>
-                      <a:prstDash val="solid"/>
-                      <a:round/>
-                      <a:headEnd type="none" w="med" len="med"/>
-                      <a:tailEnd type="none" w="med" len="med"/>
-                    </a:lnR>
-                    <a:lnT w="12700" cap="flat" cmpd="sng" algn="ctr">
-                      <a:solidFill>
-                        <a:schemeClr val="tx1"/>
-                      </a:solidFill>
-                      <a:prstDash val="solid"/>
-                      <a:round/>
-                      <a:headEnd type="none" w="med" len="med"/>
-                      <a:tailEnd type="none" w="med" len="med"/>
-                    </a:lnT>
-                    <a:lnB w="12700" cap="flat" cmpd="sng" algn="ctr">
-                      <a:solidFill>
-                        <a:schemeClr val="tx1"/>
-                      </a:solidFill>
-                      <a:prstDash val="solid"/>
-                      <a:round/>
-                      <a:headEnd type="none" w="med" len="med"/>
-                      <a:tailEnd type="none" w="med" len="med"/>
-                    </a:lnB>
-                  </a:tcPr>
-                </a:tc>
-                <a:tc>
-                  <a:txBody>
-                    <a:bodyPr/>
-                    <a:lstStyle/>
-                    <a:p>
-                      <a:pPr algn="ctr"/>
-                      <a:r>
-                        <a:rPr lang="en-US" b="1" dirty="0"/>
-                        <a:t>Rounded</a:t>
-                      </a:r>
-                    </a:p>
-                  </a:txBody>
-                  <a:tcPr>
-                    <a:lnL w="12700" cap="flat" cmpd="sng" algn="ctr">
-                      <a:solidFill>
-                        <a:schemeClr val="tx1"/>
-                      </a:solidFill>
-                      <a:prstDash val="solid"/>
-                      <a:round/>
-                      <a:headEnd type="none" w="med" len="med"/>
-                      <a:tailEnd type="none" w="med" len="med"/>
-                    </a:lnL>
-                    <a:lnR w="12700" cap="flat" cmpd="sng" algn="ctr">
-                      <a:solidFill>
-                        <a:schemeClr val="tx1"/>
-                      </a:solidFill>
-                      <a:prstDash val="solid"/>
-                      <a:round/>
-                      <a:headEnd type="none" w="med" len="med"/>
-                      <a:tailEnd type="none" w="med" len="med"/>
-                    </a:lnR>
-                    <a:lnT w="12700" cap="flat" cmpd="sng" algn="ctr">
-                      <a:solidFill>
-                        <a:schemeClr val="tx1"/>
-                      </a:solidFill>
-                      <a:prstDash val="solid"/>
-                      <a:round/>
-                      <a:headEnd type="none" w="med" len="med"/>
-                      <a:tailEnd type="none" w="med" len="med"/>
-                    </a:lnT>
-                    <a:lnB w="12700" cap="flat" cmpd="sng" algn="ctr">
-                      <a:solidFill>
-                        <a:schemeClr val="tx1"/>
-                      </a:solidFill>
-                      <a:prstDash val="solid"/>
-                      <a:round/>
-                      <a:headEnd type="none" w="med" len="med"/>
-                      <a:tailEnd type="none" w="med" len="med"/>
-                    </a:lnB>
-                  </a:tcPr>
-                </a:tc>
-                <a:extLst>
-                  <a:ext uri="{0D108BD9-81ED-4DB2-BD59-A6C34878D82A}">
-                    <a16:rowId xmlns:a16="http://schemas.microsoft.com/office/drawing/2014/main" val="985551764"/>
-                  </a:ext>
-                </a:extLst>
-              </a:tr>
-              <a:tr h="370840">
-                <a:tc>
-                  <a:txBody>
-                    <a:bodyPr/>
-                    <a:lstStyle/>
-                    <a:p>
-                      <a:pPr algn="ctr"/>
-                      <a:r>
-                        <a:rPr lang="en-US" b="1" dirty="0"/>
-                        <a:t>OLS</a:t>
-                      </a:r>
-                    </a:p>
-                  </a:txBody>
-                  <a:tcPr>
-                    <a:lnL w="12700" cap="flat" cmpd="sng" algn="ctr">
-                      <a:solidFill>
-                        <a:schemeClr val="tx1"/>
-                      </a:solidFill>
-                      <a:prstDash val="solid"/>
-                      <a:round/>
-                      <a:headEnd type="none" w="med" len="med"/>
-                      <a:tailEnd type="none" w="med" len="med"/>
-                    </a:lnL>
-                    <a:lnR w="12700" cap="flat" cmpd="sng" algn="ctr">
-                      <a:solidFill>
-                        <a:schemeClr val="tx1"/>
-                      </a:solidFill>
-                      <a:prstDash val="solid"/>
-                      <a:round/>
-                      <a:headEnd type="none" w="med" len="med"/>
-                      <a:tailEnd type="none" w="med" len="med"/>
-                    </a:lnR>
-                    <a:lnT w="12700" cap="flat" cmpd="sng" algn="ctr">
-                      <a:solidFill>
-                        <a:schemeClr val="tx1"/>
-                      </a:solidFill>
-                      <a:prstDash val="solid"/>
-                      <a:round/>
-                      <a:headEnd type="none" w="med" len="med"/>
-                      <a:tailEnd type="none" w="med" len="med"/>
-                    </a:lnT>
-                    <a:lnB w="12700" cap="flat" cmpd="sng" algn="ctr">
-                      <a:solidFill>
-                        <a:schemeClr val="tx1"/>
-                      </a:solidFill>
-                      <a:prstDash val="solid"/>
-                      <a:round/>
-                      <a:headEnd type="none" w="med" len="med"/>
-                      <a:tailEnd type="none" w="med" len="med"/>
-                    </a:lnB>
-                  </a:tcPr>
-                </a:tc>
-                <a:tc>
-                  <a:txBody>
-                    <a:bodyPr/>
-                    <a:lstStyle/>
-                    <a:p>
-                      <a:pPr algn="ctr"/>
-                      <a:r>
-                        <a:rPr lang="en-GB" sz="1800" dirty="0"/>
-                        <a:t>0.811</a:t>
-                      </a:r>
-                      <a:endParaRPr lang="en-US" dirty="0"/>
-                    </a:p>
-                  </a:txBody>
-                  <a:tcPr>
-                    <a:lnL w="12700" cap="flat" cmpd="sng" algn="ctr">
-                      <a:solidFill>
-                        <a:schemeClr val="tx1"/>
-                      </a:solidFill>
-                      <a:prstDash val="solid"/>
-                      <a:round/>
-                      <a:headEnd type="none" w="med" len="med"/>
-                      <a:tailEnd type="none" w="med" len="med"/>
-                    </a:lnL>
-                    <a:lnR w="12700" cap="flat" cmpd="sng" algn="ctr">
-                      <a:solidFill>
-                        <a:schemeClr val="tx1"/>
-                      </a:solidFill>
-                      <a:prstDash val="solid"/>
-                      <a:round/>
-                      <a:headEnd type="none" w="med" len="med"/>
-                      <a:tailEnd type="none" w="med" len="med"/>
-                    </a:lnR>
-                    <a:lnT w="12700" cap="flat" cmpd="sng" algn="ctr">
-                      <a:solidFill>
-                        <a:schemeClr val="tx1"/>
-                      </a:solidFill>
-                      <a:prstDash val="solid"/>
-                      <a:round/>
-                      <a:headEnd type="none" w="med" len="med"/>
-                      <a:tailEnd type="none" w="med" len="med"/>
-                    </a:lnT>
-                    <a:lnB w="12700" cap="flat" cmpd="sng" algn="ctr">
-                      <a:solidFill>
-                        <a:schemeClr val="tx1"/>
-                      </a:solidFill>
-                      <a:prstDash val="solid"/>
-                      <a:round/>
-                      <a:headEnd type="none" w="med" len="med"/>
-                      <a:tailEnd type="none" w="med" len="med"/>
-                    </a:lnB>
-                  </a:tcPr>
-                </a:tc>
-                <a:tc>
-                  <a:txBody>
-                    <a:bodyPr/>
-                    <a:lstStyle/>
-                    <a:p>
-                      <a:pPr algn="ctr"/>
-                      <a:r>
-                        <a:rPr lang="en-GB" sz="1800" dirty="0"/>
-                        <a:t>0.803</a:t>
-                      </a:r>
-                      <a:endParaRPr lang="en-US" dirty="0"/>
-                    </a:p>
-                  </a:txBody>
-                  <a:tcPr>
-                    <a:lnL w="12700" cap="flat" cmpd="sng" algn="ctr">
-                      <a:solidFill>
-                        <a:schemeClr val="tx1"/>
-                      </a:solidFill>
-                      <a:prstDash val="solid"/>
-                      <a:round/>
-                      <a:headEnd type="none" w="med" len="med"/>
-                      <a:tailEnd type="none" w="med" len="med"/>
-                    </a:lnL>
-                    <a:lnR w="12700" cap="flat" cmpd="sng" algn="ctr">
-                      <a:solidFill>
-                        <a:schemeClr val="tx1"/>
-                      </a:solidFill>
-                      <a:prstDash val="solid"/>
-                      <a:round/>
-                      <a:headEnd type="none" w="med" len="med"/>
-                      <a:tailEnd type="none" w="med" len="med"/>
-                    </a:lnR>
-                    <a:lnT w="12700" cap="flat" cmpd="sng" algn="ctr">
-                      <a:solidFill>
-                        <a:schemeClr val="tx1"/>
-                      </a:solidFill>
-                      <a:prstDash val="solid"/>
-                      <a:round/>
-                      <a:headEnd type="none" w="med" len="med"/>
-                      <a:tailEnd type="none" w="med" len="med"/>
-                    </a:lnT>
-                    <a:lnB w="12700" cap="flat" cmpd="sng" algn="ctr">
-                      <a:solidFill>
-                        <a:schemeClr val="tx1"/>
-                      </a:solidFill>
-                      <a:prstDash val="solid"/>
-                      <a:round/>
-                      <a:headEnd type="none" w="med" len="med"/>
-                      <a:tailEnd type="none" w="med" len="med"/>
-                    </a:lnB>
-                  </a:tcPr>
-                </a:tc>
-                <a:extLst>
-                  <a:ext uri="{0D108BD9-81ED-4DB2-BD59-A6C34878D82A}">
-                    <a16:rowId xmlns:a16="http://schemas.microsoft.com/office/drawing/2014/main" val="490239476"/>
-                  </a:ext>
-                </a:extLst>
-              </a:tr>
-              <a:tr h="370840">
-                <a:tc>
-                  <a:txBody>
-                    <a:bodyPr/>
-                    <a:lstStyle/>
-                    <a:p>
-                      <a:pPr algn="ctr"/>
-                      <a:r>
-                        <a:rPr lang="en-US" b="1" dirty="0"/>
-                        <a:t>Ridge</a:t>
-                      </a:r>
-                    </a:p>
-                  </a:txBody>
-                  <a:tcPr>
-                    <a:lnL w="12700" cap="flat" cmpd="sng" algn="ctr">
-                      <a:solidFill>
-                        <a:schemeClr val="tx1"/>
-                      </a:solidFill>
-                      <a:prstDash val="solid"/>
-                      <a:round/>
-                      <a:headEnd type="none" w="med" len="med"/>
-                      <a:tailEnd type="none" w="med" len="med"/>
-                    </a:lnL>
-                    <a:lnR w="12700" cap="flat" cmpd="sng" algn="ctr">
-                      <a:solidFill>
-                        <a:schemeClr val="tx1"/>
-                      </a:solidFill>
-                      <a:prstDash val="solid"/>
-                      <a:round/>
-                      <a:headEnd type="none" w="med" len="med"/>
-                      <a:tailEnd type="none" w="med" len="med"/>
-                    </a:lnR>
-                    <a:lnT w="12700" cap="flat" cmpd="sng" algn="ctr">
-                      <a:solidFill>
-                        <a:schemeClr val="tx1"/>
-                      </a:solidFill>
-                      <a:prstDash val="solid"/>
-                      <a:round/>
-                      <a:headEnd type="none" w="med" len="med"/>
-                      <a:tailEnd type="none" w="med" len="med"/>
-                    </a:lnT>
-                    <a:lnB w="12700" cap="flat" cmpd="sng" algn="ctr">
-                      <a:solidFill>
-                        <a:schemeClr val="tx1"/>
-                      </a:solidFill>
-                      <a:prstDash val="solid"/>
-                      <a:round/>
-                      <a:headEnd type="none" w="med" len="med"/>
-                      <a:tailEnd type="none" w="med" len="med"/>
-                    </a:lnB>
-                  </a:tcPr>
-                </a:tc>
-                <a:tc>
-                  <a:txBody>
-                    <a:bodyPr/>
-                    <a:lstStyle/>
-                    <a:p>
-                      <a:pPr algn="ctr"/>
-                      <a:r>
-                        <a:rPr lang="en-GB" sz="1800" dirty="0"/>
-                        <a:t>0.814</a:t>
-                      </a:r>
-                      <a:endParaRPr lang="en-US" dirty="0"/>
-                    </a:p>
-                  </a:txBody>
-                  <a:tcPr>
-                    <a:lnL w="12700" cap="flat" cmpd="sng" algn="ctr">
-                      <a:solidFill>
-                        <a:schemeClr val="tx1"/>
-                      </a:solidFill>
-                      <a:prstDash val="solid"/>
-                      <a:round/>
-                      <a:headEnd type="none" w="med" len="med"/>
-                      <a:tailEnd type="none" w="med" len="med"/>
-                    </a:lnL>
-                    <a:lnR w="12700" cap="flat" cmpd="sng" algn="ctr">
-                      <a:solidFill>
-                        <a:schemeClr val="tx1"/>
-                      </a:solidFill>
-                      <a:prstDash val="solid"/>
-                      <a:round/>
-                      <a:headEnd type="none" w="med" len="med"/>
-                      <a:tailEnd type="none" w="med" len="med"/>
-                    </a:lnR>
-                    <a:lnT w="12700" cap="flat" cmpd="sng" algn="ctr">
-                      <a:solidFill>
-                        <a:schemeClr val="tx1"/>
-                      </a:solidFill>
-                      <a:prstDash val="solid"/>
-                      <a:round/>
-                      <a:headEnd type="none" w="med" len="med"/>
-                      <a:tailEnd type="none" w="med" len="med"/>
-                    </a:lnT>
-                    <a:lnB w="12700" cap="flat" cmpd="sng" algn="ctr">
-                      <a:solidFill>
-                        <a:schemeClr val="tx1"/>
-                      </a:solidFill>
-                      <a:prstDash val="solid"/>
-                      <a:round/>
-                      <a:headEnd type="none" w="med" len="med"/>
-                      <a:tailEnd type="none" w="med" len="med"/>
-                    </a:lnB>
-                  </a:tcPr>
-                </a:tc>
-                <a:tc>
-                  <a:txBody>
-                    <a:bodyPr/>
-                    <a:lstStyle/>
-                    <a:p>
-                      <a:pPr algn="ctr"/>
-                      <a:r>
-                        <a:rPr lang="en-GB" sz="1800" dirty="0"/>
-                        <a:t>0.806</a:t>
-                      </a:r>
-                      <a:endParaRPr lang="en-US" dirty="0"/>
-                    </a:p>
-                  </a:txBody>
-                  <a:tcPr>
-                    <a:lnL w="12700" cap="flat" cmpd="sng" algn="ctr">
-                      <a:solidFill>
-                        <a:schemeClr val="tx1"/>
-                      </a:solidFill>
-                      <a:prstDash val="solid"/>
-                      <a:round/>
-                      <a:headEnd type="none" w="med" len="med"/>
-                      <a:tailEnd type="none" w="med" len="med"/>
-                    </a:lnL>
-                    <a:lnR w="12700" cap="flat" cmpd="sng" algn="ctr">
-                      <a:solidFill>
-                        <a:schemeClr val="tx1"/>
-                      </a:solidFill>
-                      <a:prstDash val="solid"/>
-                      <a:round/>
-                      <a:headEnd type="none" w="med" len="med"/>
-                      <a:tailEnd type="none" w="med" len="med"/>
-                    </a:lnR>
-                    <a:lnT w="12700" cap="flat" cmpd="sng" algn="ctr">
-                      <a:solidFill>
-                        <a:schemeClr val="tx1"/>
-                      </a:solidFill>
-                      <a:prstDash val="solid"/>
-                      <a:round/>
-                      <a:headEnd type="none" w="med" len="med"/>
-                      <a:tailEnd type="none" w="med" len="med"/>
-                    </a:lnT>
-                    <a:lnB w="12700" cap="flat" cmpd="sng" algn="ctr">
-                      <a:solidFill>
-                        <a:schemeClr val="tx1"/>
-                      </a:solidFill>
-                      <a:prstDash val="solid"/>
-                      <a:round/>
-                      <a:headEnd type="none" w="med" len="med"/>
-                      <a:tailEnd type="none" w="med" len="med"/>
-                    </a:lnB>
-                  </a:tcPr>
-                </a:tc>
-                <a:extLst>
-                  <a:ext uri="{0D108BD9-81ED-4DB2-BD59-A6C34878D82A}">
-                    <a16:rowId xmlns:a16="http://schemas.microsoft.com/office/drawing/2014/main" val="714167275"/>
-                  </a:ext>
-                </a:extLst>
-              </a:tr>
-            </a:tbl>
+          <a:graphicData uri="http://schemas.openxmlformats.org/drawingml/2006/chart">
+            <c:chart xmlns:c="http://schemas.openxmlformats.org/drawingml/2006/chart" xmlns:r="http://schemas.openxmlformats.org/officeDocument/2006/relationships" r:id="rId4"/>
           </a:graphicData>
         </a:graphic>
       </p:graphicFrame>
-      <p:graphicFrame>
-        <p:nvGraphicFramePr>
-          <p:cNvPr id="18" name="Table 4">
-            <a:extLst>
-              <a:ext uri="{FF2B5EF4-FFF2-40B4-BE49-F238E27FC236}">
-                <a16:creationId xmlns:a16="http://schemas.microsoft.com/office/drawing/2014/main" id="{3E6089B2-8C38-477B-B975-2A11BABDEF78}"/>
-              </a:ext>
-            </a:extLst>
-          </p:cNvPr>
-          <p:cNvGraphicFramePr>
-            <a:graphicFrameLocks/>
-          </p:cNvGraphicFramePr>
-          <p:nvPr>
-            <p:extLst>
-              <p:ext uri="{D42A27DB-BD31-4B8C-83A1-F6EECF244321}">
-                <p14:modId xmlns:p14="http://schemas.microsoft.com/office/powerpoint/2010/main" val="1512410807"/>
-              </p:ext>
-            </p:extLst>
-          </p:nvPr>
-        </p:nvGraphicFramePr>
-        <p:xfrm>
-          <a:off x="6537776" y="2202870"/>
-          <a:ext cx="4298043" cy="1112520"/>
-        </p:xfrm>
-        <a:graphic>
-          <a:graphicData uri="http://schemas.openxmlformats.org/drawingml/2006/table">
-            <a:tbl>
-              <a:tblPr firstRow="1" bandRow="1">
-                <a:tableStyleId>{2D5ABB26-0587-4C30-8999-92F81FD0307C}</a:tableStyleId>
-              </a:tblPr>
-              <a:tblGrid>
-                <a:gridCol w="1432681">
-                  <a:extLst>
-                    <a:ext uri="{9D8B030D-6E8A-4147-A177-3AD203B41FA5}">
-                      <a16:colId xmlns:a16="http://schemas.microsoft.com/office/drawing/2014/main" val="3225872746"/>
-                    </a:ext>
-                  </a:extLst>
-                </a:gridCol>
-                <a:gridCol w="1432681">
-                  <a:extLst>
-                    <a:ext uri="{9D8B030D-6E8A-4147-A177-3AD203B41FA5}">
-                      <a16:colId xmlns:a16="http://schemas.microsoft.com/office/drawing/2014/main" val="1764643151"/>
-                    </a:ext>
-                  </a:extLst>
-                </a:gridCol>
-                <a:gridCol w="1432681">
-                  <a:extLst>
-                    <a:ext uri="{9D8B030D-6E8A-4147-A177-3AD203B41FA5}">
-                      <a16:colId xmlns:a16="http://schemas.microsoft.com/office/drawing/2014/main" val="806320293"/>
-                    </a:ext>
-                  </a:extLst>
-                </a:gridCol>
-              </a:tblGrid>
-              <a:tr h="370840">
-                <a:tc>
-                  <a:txBody>
-                    <a:bodyPr/>
-                    <a:lstStyle/>
-                    <a:p>
-                      <a:pPr algn="ctr"/>
-                      <a:r>
-                        <a:rPr lang="en-US" b="1" dirty="0"/>
-                        <a:t>MAE</a:t>
-                      </a:r>
-                    </a:p>
-                  </a:txBody>
-                  <a:tcPr>
-                    <a:lnL w="12700" cap="flat" cmpd="sng" algn="ctr">
-                      <a:solidFill>
-                        <a:schemeClr val="tx1"/>
-                      </a:solidFill>
-                      <a:prstDash val="solid"/>
-                      <a:round/>
-                      <a:headEnd type="none" w="med" len="med"/>
-                      <a:tailEnd type="none" w="med" len="med"/>
-                    </a:lnL>
-                    <a:lnR w="12700" cap="flat" cmpd="sng" algn="ctr">
-                      <a:solidFill>
-                        <a:schemeClr val="tx1"/>
-                      </a:solidFill>
-                      <a:prstDash val="solid"/>
-                      <a:round/>
-                      <a:headEnd type="none" w="med" len="med"/>
-                      <a:tailEnd type="none" w="med" len="med"/>
-                    </a:lnR>
-                    <a:lnT w="12700" cap="flat" cmpd="sng" algn="ctr">
-                      <a:solidFill>
-                        <a:schemeClr val="tx1"/>
-                      </a:solidFill>
-                      <a:prstDash val="solid"/>
-                      <a:round/>
-                      <a:headEnd type="none" w="med" len="med"/>
-                      <a:tailEnd type="none" w="med" len="med"/>
-                    </a:lnT>
-                    <a:lnB w="12700" cap="flat" cmpd="sng" algn="ctr">
-                      <a:solidFill>
-                        <a:schemeClr val="tx1"/>
-                      </a:solidFill>
-                      <a:prstDash val="solid"/>
-                      <a:round/>
-                      <a:headEnd type="none" w="med" len="med"/>
-                      <a:tailEnd type="none" w="med" len="med"/>
-                    </a:lnB>
-                    <a:lnTlToBr w="12700" cmpd="sng">
-                      <a:noFill/>
-                      <a:prstDash val="solid"/>
-                    </a:lnTlToBr>
-                    <a:lnBlToTr w="12700" cmpd="sng">
-                      <a:noFill/>
-                      <a:prstDash val="solid"/>
-                    </a:lnBlToTr>
-                  </a:tcPr>
-                </a:tc>
-                <a:tc>
-                  <a:txBody>
-                    <a:bodyPr/>
-                    <a:lstStyle/>
-                    <a:p>
-                      <a:pPr algn="ctr"/>
-                      <a:r>
-                        <a:rPr lang="en-US" b="1" dirty="0"/>
-                        <a:t>Normal</a:t>
-                      </a:r>
-                    </a:p>
-                  </a:txBody>
-                  <a:tcPr>
-                    <a:lnL w="12700" cap="flat" cmpd="sng" algn="ctr">
-                      <a:solidFill>
-                        <a:schemeClr val="tx1"/>
-                      </a:solidFill>
-                      <a:prstDash val="solid"/>
-                      <a:round/>
-                      <a:headEnd type="none" w="med" len="med"/>
-                      <a:tailEnd type="none" w="med" len="med"/>
-                    </a:lnL>
-                    <a:lnR w="12700" cap="flat" cmpd="sng" algn="ctr">
-                      <a:solidFill>
-                        <a:schemeClr val="tx1"/>
-                      </a:solidFill>
-                      <a:prstDash val="solid"/>
-                      <a:round/>
-                      <a:headEnd type="none" w="med" len="med"/>
-                      <a:tailEnd type="none" w="med" len="med"/>
-                    </a:lnR>
-                    <a:lnT w="12700" cap="flat" cmpd="sng" algn="ctr">
-                      <a:solidFill>
-                        <a:schemeClr val="tx1"/>
-                      </a:solidFill>
-                      <a:prstDash val="solid"/>
-                      <a:round/>
-                      <a:headEnd type="none" w="med" len="med"/>
-                      <a:tailEnd type="none" w="med" len="med"/>
-                    </a:lnT>
-                    <a:lnB w="12700" cap="flat" cmpd="sng" algn="ctr">
-                      <a:solidFill>
-                        <a:schemeClr val="tx1"/>
-                      </a:solidFill>
-                      <a:prstDash val="solid"/>
-                      <a:round/>
-                      <a:headEnd type="none" w="med" len="med"/>
-                      <a:tailEnd type="none" w="med" len="med"/>
-                    </a:lnB>
-                    <a:lnTlToBr w="12700" cmpd="sng">
-                      <a:noFill/>
-                      <a:prstDash val="solid"/>
-                    </a:lnTlToBr>
-                    <a:lnBlToTr w="12700" cmpd="sng">
-                      <a:noFill/>
-                      <a:prstDash val="solid"/>
-                    </a:lnBlToTr>
-                  </a:tcPr>
-                </a:tc>
-                <a:tc>
-                  <a:txBody>
-                    <a:bodyPr/>
-                    <a:lstStyle/>
-                    <a:p>
-                      <a:pPr algn="ctr"/>
-                      <a:r>
-                        <a:rPr lang="en-US" b="1" dirty="0"/>
-                        <a:t>Rounded</a:t>
-                      </a:r>
-                    </a:p>
-                  </a:txBody>
-                  <a:tcPr>
-                    <a:lnL w="12700" cap="flat" cmpd="sng" algn="ctr">
-                      <a:solidFill>
-                        <a:schemeClr val="tx1"/>
-                      </a:solidFill>
-                      <a:prstDash val="solid"/>
-                      <a:round/>
-                      <a:headEnd type="none" w="med" len="med"/>
-                      <a:tailEnd type="none" w="med" len="med"/>
-                    </a:lnL>
-                    <a:lnR w="12700" cap="flat" cmpd="sng" algn="ctr">
-                      <a:solidFill>
-                        <a:schemeClr val="tx1"/>
-                      </a:solidFill>
-                      <a:prstDash val="solid"/>
-                      <a:round/>
-                      <a:headEnd type="none" w="med" len="med"/>
-                      <a:tailEnd type="none" w="med" len="med"/>
-                    </a:lnR>
-                    <a:lnT w="12700" cap="flat" cmpd="sng" algn="ctr">
-                      <a:solidFill>
-                        <a:schemeClr val="tx1"/>
-                      </a:solidFill>
-                      <a:prstDash val="solid"/>
-                      <a:round/>
-                      <a:headEnd type="none" w="med" len="med"/>
-                      <a:tailEnd type="none" w="med" len="med"/>
-                    </a:lnT>
-                    <a:lnB w="12700" cap="flat" cmpd="sng" algn="ctr">
-                      <a:solidFill>
-                        <a:schemeClr val="tx1"/>
-                      </a:solidFill>
-                      <a:prstDash val="solid"/>
-                      <a:round/>
-                      <a:headEnd type="none" w="med" len="med"/>
-                      <a:tailEnd type="none" w="med" len="med"/>
-                    </a:lnB>
-                    <a:lnTlToBr w="12700" cmpd="sng">
-                      <a:noFill/>
-                      <a:prstDash val="solid"/>
-                    </a:lnTlToBr>
-                    <a:lnBlToTr w="12700" cmpd="sng">
-                      <a:noFill/>
-                      <a:prstDash val="solid"/>
-                    </a:lnBlToTr>
-                  </a:tcPr>
-                </a:tc>
-                <a:extLst>
-                  <a:ext uri="{0D108BD9-81ED-4DB2-BD59-A6C34878D82A}">
-                    <a16:rowId xmlns:a16="http://schemas.microsoft.com/office/drawing/2014/main" val="985551764"/>
-                  </a:ext>
-                </a:extLst>
-              </a:tr>
-              <a:tr h="370840">
-                <a:tc>
-                  <a:txBody>
-                    <a:bodyPr/>
-                    <a:lstStyle/>
-                    <a:p>
-                      <a:pPr algn="ctr"/>
-                      <a:r>
-                        <a:rPr lang="en-US" b="1" dirty="0"/>
-                        <a:t>OLS</a:t>
-                      </a:r>
-                    </a:p>
-                  </a:txBody>
-                  <a:tcPr>
-                    <a:lnL w="12700" cap="flat" cmpd="sng" algn="ctr">
-                      <a:solidFill>
-                        <a:schemeClr val="tx1"/>
-                      </a:solidFill>
-                      <a:prstDash val="solid"/>
-                      <a:round/>
-                      <a:headEnd type="none" w="med" len="med"/>
-                      <a:tailEnd type="none" w="med" len="med"/>
-                    </a:lnL>
-                    <a:lnR w="12700" cap="flat" cmpd="sng" algn="ctr">
-                      <a:solidFill>
-                        <a:schemeClr val="tx1"/>
-                      </a:solidFill>
-                      <a:prstDash val="solid"/>
-                      <a:round/>
-                      <a:headEnd type="none" w="med" len="med"/>
-                      <a:tailEnd type="none" w="med" len="med"/>
-                    </a:lnR>
-                    <a:lnT w="12700" cap="flat" cmpd="sng" algn="ctr">
-                      <a:solidFill>
-                        <a:schemeClr val="tx1"/>
-                      </a:solidFill>
-                      <a:prstDash val="solid"/>
-                      <a:round/>
-                      <a:headEnd type="none" w="med" len="med"/>
-                      <a:tailEnd type="none" w="med" len="med"/>
-                    </a:lnT>
-                    <a:lnB w="12700" cap="flat" cmpd="sng" algn="ctr">
-                      <a:solidFill>
-                        <a:schemeClr val="tx1"/>
-                      </a:solidFill>
-                      <a:prstDash val="solid"/>
-                      <a:round/>
-                      <a:headEnd type="none" w="med" len="med"/>
-                      <a:tailEnd type="none" w="med" len="med"/>
-                    </a:lnB>
-                    <a:lnTlToBr w="12700" cmpd="sng">
-                      <a:noFill/>
-                      <a:prstDash val="solid"/>
-                    </a:lnTlToBr>
-                    <a:lnBlToTr w="12700" cmpd="sng">
-                      <a:noFill/>
-                      <a:prstDash val="solid"/>
-                    </a:lnBlToTr>
-                  </a:tcPr>
-                </a:tc>
-                <a:tc>
-                  <a:txBody>
-                    <a:bodyPr/>
-                    <a:lstStyle/>
-                    <a:p>
-                      <a:pPr algn="ctr"/>
-                      <a:r>
-                        <a:rPr lang="en-GB" sz="1800" dirty="0"/>
-                        <a:t>0.901</a:t>
-                      </a:r>
-                      <a:endParaRPr lang="en-US" dirty="0"/>
-                    </a:p>
-                  </a:txBody>
-                  <a:tcPr>
-                    <a:lnL w="12700" cap="flat" cmpd="sng" algn="ctr">
-                      <a:solidFill>
-                        <a:schemeClr val="tx1"/>
-                      </a:solidFill>
-                      <a:prstDash val="solid"/>
-                      <a:round/>
-                      <a:headEnd type="none" w="med" len="med"/>
-                      <a:tailEnd type="none" w="med" len="med"/>
-                    </a:lnL>
-                    <a:lnR w="12700" cap="flat" cmpd="sng" algn="ctr">
-                      <a:solidFill>
-                        <a:schemeClr val="tx1"/>
-                      </a:solidFill>
-                      <a:prstDash val="solid"/>
-                      <a:round/>
-                      <a:headEnd type="none" w="med" len="med"/>
-                      <a:tailEnd type="none" w="med" len="med"/>
-                    </a:lnR>
-                    <a:lnT w="12700" cap="flat" cmpd="sng" algn="ctr">
-                      <a:solidFill>
-                        <a:schemeClr val="tx1"/>
-                      </a:solidFill>
-                      <a:prstDash val="solid"/>
-                      <a:round/>
-                      <a:headEnd type="none" w="med" len="med"/>
-                      <a:tailEnd type="none" w="med" len="med"/>
-                    </a:lnT>
-                    <a:lnB w="12700" cap="flat" cmpd="sng" algn="ctr">
-                      <a:solidFill>
-                        <a:schemeClr val="tx1"/>
-                      </a:solidFill>
-                      <a:prstDash val="solid"/>
-                      <a:round/>
-                      <a:headEnd type="none" w="med" len="med"/>
-                      <a:tailEnd type="none" w="med" len="med"/>
-                    </a:lnB>
-                    <a:lnTlToBr w="12700" cmpd="sng">
-                      <a:noFill/>
-                      <a:prstDash val="solid"/>
-                    </a:lnTlToBr>
-                    <a:lnBlToTr w="12700" cmpd="sng">
-                      <a:noFill/>
-                      <a:prstDash val="solid"/>
-                    </a:lnBlToTr>
-                  </a:tcPr>
-                </a:tc>
-                <a:tc>
-                  <a:txBody>
-                    <a:bodyPr/>
-                    <a:lstStyle/>
-                    <a:p>
-                      <a:pPr algn="ctr"/>
-                      <a:r>
-                        <a:rPr lang="en-GB" sz="1800" dirty="0"/>
-                        <a:t>0.900</a:t>
-                      </a:r>
-                      <a:endParaRPr lang="en-US" dirty="0"/>
-                    </a:p>
-                  </a:txBody>
-                  <a:tcPr>
-                    <a:lnL w="12700" cap="flat" cmpd="sng" algn="ctr">
-                      <a:solidFill>
-                        <a:schemeClr val="tx1"/>
-                      </a:solidFill>
-                      <a:prstDash val="solid"/>
-                      <a:round/>
-                      <a:headEnd type="none" w="med" len="med"/>
-                      <a:tailEnd type="none" w="med" len="med"/>
-                    </a:lnL>
-                    <a:lnR w="12700" cap="flat" cmpd="sng" algn="ctr">
-                      <a:solidFill>
-                        <a:schemeClr val="tx1"/>
-                      </a:solidFill>
-                      <a:prstDash val="solid"/>
-                      <a:round/>
-                      <a:headEnd type="none" w="med" len="med"/>
-                      <a:tailEnd type="none" w="med" len="med"/>
-                    </a:lnR>
-                    <a:lnT w="12700" cap="flat" cmpd="sng" algn="ctr">
-                      <a:solidFill>
-                        <a:schemeClr val="tx1"/>
-                      </a:solidFill>
-                      <a:prstDash val="solid"/>
-                      <a:round/>
-                      <a:headEnd type="none" w="med" len="med"/>
-                      <a:tailEnd type="none" w="med" len="med"/>
-                    </a:lnT>
-                    <a:lnB w="12700" cap="flat" cmpd="sng" algn="ctr">
-                      <a:solidFill>
-                        <a:schemeClr val="tx1"/>
-                      </a:solidFill>
-                      <a:prstDash val="solid"/>
-                      <a:round/>
-                      <a:headEnd type="none" w="med" len="med"/>
-                      <a:tailEnd type="none" w="med" len="med"/>
-                    </a:lnB>
-                    <a:lnTlToBr w="12700" cmpd="sng">
-                      <a:noFill/>
-                      <a:prstDash val="solid"/>
-                    </a:lnTlToBr>
-                    <a:lnBlToTr w="12700" cmpd="sng">
-                      <a:noFill/>
-                      <a:prstDash val="solid"/>
-                    </a:lnBlToTr>
-                  </a:tcPr>
-                </a:tc>
-                <a:extLst>
-                  <a:ext uri="{0D108BD9-81ED-4DB2-BD59-A6C34878D82A}">
-                    <a16:rowId xmlns:a16="http://schemas.microsoft.com/office/drawing/2014/main" val="490239476"/>
-                  </a:ext>
-                </a:extLst>
-              </a:tr>
-              <a:tr h="370840">
-                <a:tc>
-                  <a:txBody>
-                    <a:bodyPr/>
-                    <a:lstStyle/>
-                    <a:p>
-                      <a:pPr algn="ctr"/>
-                      <a:r>
-                        <a:rPr lang="en-US" b="1" dirty="0"/>
-                        <a:t>Ridge</a:t>
-                      </a:r>
-                    </a:p>
-                  </a:txBody>
-                  <a:tcPr>
-                    <a:lnL w="12700" cap="flat" cmpd="sng" algn="ctr">
-                      <a:solidFill>
-                        <a:schemeClr val="tx1"/>
-                      </a:solidFill>
-                      <a:prstDash val="solid"/>
-                      <a:round/>
-                      <a:headEnd type="none" w="med" len="med"/>
-                      <a:tailEnd type="none" w="med" len="med"/>
-                    </a:lnL>
-                    <a:lnR w="12700" cap="flat" cmpd="sng" algn="ctr">
-                      <a:solidFill>
-                        <a:schemeClr val="tx1"/>
-                      </a:solidFill>
-                      <a:prstDash val="solid"/>
-                      <a:round/>
-                      <a:headEnd type="none" w="med" len="med"/>
-                      <a:tailEnd type="none" w="med" len="med"/>
-                    </a:lnR>
-                    <a:lnT w="12700" cap="flat" cmpd="sng" algn="ctr">
-                      <a:solidFill>
-                        <a:schemeClr val="tx1"/>
-                      </a:solidFill>
-                      <a:prstDash val="solid"/>
-                      <a:round/>
-                      <a:headEnd type="none" w="med" len="med"/>
-                      <a:tailEnd type="none" w="med" len="med"/>
-                    </a:lnT>
-                    <a:lnB w="12700" cap="flat" cmpd="sng" algn="ctr">
-                      <a:solidFill>
-                        <a:schemeClr val="tx1"/>
-                      </a:solidFill>
-                      <a:prstDash val="solid"/>
-                      <a:round/>
-                      <a:headEnd type="none" w="med" len="med"/>
-                      <a:tailEnd type="none" w="med" len="med"/>
-                    </a:lnB>
-                    <a:lnTlToBr w="12700" cmpd="sng">
-                      <a:noFill/>
-                      <a:prstDash val="solid"/>
-                    </a:lnTlToBr>
-                    <a:lnBlToTr w="12700" cmpd="sng">
-                      <a:noFill/>
-                      <a:prstDash val="solid"/>
-                    </a:lnBlToTr>
-                  </a:tcPr>
-                </a:tc>
-                <a:tc>
-                  <a:txBody>
-                    <a:bodyPr/>
-                    <a:lstStyle/>
-                    <a:p>
-                      <a:pPr algn="ctr"/>
-                      <a:r>
-                        <a:rPr lang="en-GB" sz="1800" dirty="0"/>
-                        <a:t>0.903</a:t>
-                      </a:r>
-                      <a:endParaRPr lang="en-US" dirty="0"/>
-                    </a:p>
-                  </a:txBody>
-                  <a:tcPr>
-                    <a:lnL w="12700" cap="flat" cmpd="sng" algn="ctr">
-                      <a:solidFill>
-                        <a:schemeClr val="tx1"/>
-                      </a:solidFill>
-                      <a:prstDash val="solid"/>
-                      <a:round/>
-                      <a:headEnd type="none" w="med" len="med"/>
-                      <a:tailEnd type="none" w="med" len="med"/>
-                    </a:lnL>
-                    <a:lnR w="12700" cap="flat" cmpd="sng" algn="ctr">
-                      <a:solidFill>
-                        <a:schemeClr val="tx1"/>
-                      </a:solidFill>
-                      <a:prstDash val="solid"/>
-                      <a:round/>
-                      <a:headEnd type="none" w="med" len="med"/>
-                      <a:tailEnd type="none" w="med" len="med"/>
-                    </a:lnR>
-                    <a:lnT w="12700" cap="flat" cmpd="sng" algn="ctr">
-                      <a:solidFill>
-                        <a:schemeClr val="tx1"/>
-                      </a:solidFill>
-                      <a:prstDash val="solid"/>
-                      <a:round/>
-                      <a:headEnd type="none" w="med" len="med"/>
-                      <a:tailEnd type="none" w="med" len="med"/>
-                    </a:lnT>
-                    <a:lnB w="12700" cap="flat" cmpd="sng" algn="ctr">
-                      <a:solidFill>
-                        <a:schemeClr val="tx1"/>
-                      </a:solidFill>
-                      <a:prstDash val="solid"/>
-                      <a:round/>
-                      <a:headEnd type="none" w="med" len="med"/>
-                      <a:tailEnd type="none" w="med" len="med"/>
-                    </a:lnB>
-                    <a:lnTlToBr w="12700" cmpd="sng">
-                      <a:noFill/>
-                      <a:prstDash val="solid"/>
-                    </a:lnTlToBr>
-                    <a:lnBlToTr w="12700" cmpd="sng">
-                      <a:noFill/>
-                      <a:prstDash val="solid"/>
-                    </a:lnBlToTr>
-                  </a:tcPr>
-                </a:tc>
-                <a:tc>
-                  <a:txBody>
-                    <a:bodyPr/>
-                    <a:lstStyle/>
-                    <a:p>
-                      <a:pPr algn="ctr"/>
-                      <a:r>
-                        <a:rPr lang="en-GB" sz="1800" dirty="0"/>
-                        <a:t>0.905</a:t>
-                      </a:r>
-                      <a:endParaRPr lang="en-US" dirty="0"/>
-                    </a:p>
-                  </a:txBody>
-                  <a:tcPr>
-                    <a:lnL w="12700" cap="flat" cmpd="sng" algn="ctr">
-                      <a:solidFill>
-                        <a:schemeClr val="tx1"/>
-                      </a:solidFill>
-                      <a:prstDash val="solid"/>
-                      <a:round/>
-                      <a:headEnd type="none" w="med" len="med"/>
-                      <a:tailEnd type="none" w="med" len="med"/>
-                    </a:lnL>
-                    <a:lnR w="12700" cap="flat" cmpd="sng" algn="ctr">
-                      <a:solidFill>
-                        <a:schemeClr val="tx1"/>
-                      </a:solidFill>
-                      <a:prstDash val="solid"/>
-                      <a:round/>
-                      <a:headEnd type="none" w="med" len="med"/>
-                      <a:tailEnd type="none" w="med" len="med"/>
-                    </a:lnR>
-                    <a:lnT w="12700" cap="flat" cmpd="sng" algn="ctr">
-                      <a:solidFill>
-                        <a:schemeClr val="tx1"/>
-                      </a:solidFill>
-                      <a:prstDash val="solid"/>
-                      <a:round/>
-                      <a:headEnd type="none" w="med" len="med"/>
-                      <a:tailEnd type="none" w="med" len="med"/>
-                    </a:lnT>
-                    <a:lnB w="12700" cap="flat" cmpd="sng" algn="ctr">
-                      <a:solidFill>
-                        <a:schemeClr val="tx1"/>
-                      </a:solidFill>
-                      <a:prstDash val="solid"/>
-                      <a:round/>
-                      <a:headEnd type="none" w="med" len="med"/>
-                      <a:tailEnd type="none" w="med" len="med"/>
-                    </a:lnB>
-                    <a:lnTlToBr w="12700" cmpd="sng">
-                      <a:noFill/>
-                      <a:prstDash val="solid"/>
-                    </a:lnTlToBr>
-                    <a:lnBlToTr w="12700" cmpd="sng">
-                      <a:noFill/>
-                      <a:prstDash val="solid"/>
-                    </a:lnBlToTr>
-                  </a:tcPr>
-                </a:tc>
-                <a:extLst>
-                  <a:ext uri="{0D108BD9-81ED-4DB2-BD59-A6C34878D82A}">
-                    <a16:rowId xmlns:a16="http://schemas.microsoft.com/office/drawing/2014/main" val="714167275"/>
-                  </a:ext>
-                </a:extLst>
-              </a:tr>
-            </a:tbl>
-          </a:graphicData>
-        </a:graphic>
-      </p:graphicFrame>
-      <p:sp>
-        <p:nvSpPr>
-          <p:cNvPr id="19" name="Rectangle 18">
-            <a:extLst>
-              <a:ext uri="{FF2B5EF4-FFF2-40B4-BE49-F238E27FC236}">
-                <a16:creationId xmlns:a16="http://schemas.microsoft.com/office/drawing/2014/main" id="{2890E0CA-0040-46DE-BD9E-6CA1D47F98F5}"/>
-              </a:ext>
-            </a:extLst>
-          </p:cNvPr>
-          <p:cNvSpPr/>
-          <p:nvPr/>
-        </p:nvSpPr>
-        <p:spPr>
-          <a:xfrm>
-            <a:off x="838200" y="3751979"/>
-            <a:ext cx="5181597" cy="2708947"/>
-          </a:xfrm>
-          <a:prstGeom prst="rect">
-            <a:avLst/>
-          </a:prstGeom>
-        </p:spPr>
-        <p:txBody>
-          <a:bodyPr wrap="square">
-            <a:spAutoFit/>
-          </a:bodyPr>
-          <a:lstStyle/>
-          <a:p>
-            <a:pPr>
-              <a:lnSpc>
-                <a:spcPct val="70000"/>
-              </a:lnSpc>
-              <a:spcBef>
-                <a:spcPts val="1000"/>
-              </a:spcBef>
-            </a:pPr>
-            <a:r>
-              <a:rPr lang="en-US" sz="2600" b="1" dirty="0"/>
-              <a:t>Feature Set 2</a:t>
-            </a:r>
-          </a:p>
-          <a:p>
-            <a:pPr marL="228600" indent="-228600">
-              <a:lnSpc>
-                <a:spcPct val="70000"/>
-              </a:lnSpc>
-              <a:spcBef>
-                <a:spcPts val="1000"/>
-              </a:spcBef>
-              <a:buSzPct val="80000"/>
-              <a:buFont typeface="Wingdings" panose="05000000000000000000" pitchFamily="2" charset="2"/>
-              <a:buChar char="§"/>
-            </a:pPr>
-            <a:r>
-              <a:rPr lang="en-US" sz="2600" dirty="0"/>
-              <a:t>Feature Set 1</a:t>
-            </a:r>
-          </a:p>
-          <a:p>
-            <a:pPr marL="228600" indent="-228600">
-              <a:lnSpc>
-                <a:spcPct val="70000"/>
-              </a:lnSpc>
-              <a:spcBef>
-                <a:spcPts val="1000"/>
-              </a:spcBef>
-              <a:buSzPct val="80000"/>
-              <a:buFont typeface="Wingdings" panose="05000000000000000000" pitchFamily="2" charset="2"/>
-              <a:buChar char="§"/>
-            </a:pPr>
-            <a:r>
-              <a:rPr lang="en-US" sz="2600" dirty="0"/>
-              <a:t>Average User Rating</a:t>
-            </a:r>
-          </a:p>
-          <a:p>
-            <a:pPr>
-              <a:buSzPct val="80000"/>
-              <a:buFont typeface="Wingdings" panose="05000000000000000000" pitchFamily="2" charset="2"/>
-              <a:buChar char="§"/>
-            </a:pPr>
-            <a:endParaRPr lang="en-US" dirty="0"/>
-          </a:p>
-          <a:p>
-            <a:pPr>
-              <a:lnSpc>
-                <a:spcPct val="70000"/>
-              </a:lnSpc>
-              <a:spcBef>
-                <a:spcPts val="1000"/>
-              </a:spcBef>
-            </a:pPr>
-            <a:r>
-              <a:rPr lang="en-US" sz="2600" b="1" dirty="0"/>
-              <a:t>Feature Set 3</a:t>
-            </a:r>
-          </a:p>
-          <a:p>
-            <a:pPr marL="228600" indent="-228600">
-              <a:lnSpc>
-                <a:spcPct val="70000"/>
-              </a:lnSpc>
-              <a:spcBef>
-                <a:spcPts val="1000"/>
-              </a:spcBef>
-              <a:buSzPct val="80000"/>
-              <a:buFont typeface="Wingdings" panose="05000000000000000000" pitchFamily="2" charset="2"/>
-              <a:buChar char="§"/>
-            </a:pPr>
-            <a:r>
-              <a:rPr lang="en-US" sz="2600" dirty="0"/>
-              <a:t>Feature Set 2</a:t>
-            </a:r>
-          </a:p>
-          <a:p>
-            <a:pPr marL="228600" indent="-228600">
-              <a:lnSpc>
-                <a:spcPct val="70000"/>
-              </a:lnSpc>
-              <a:spcBef>
-                <a:spcPts val="1000"/>
-              </a:spcBef>
-              <a:buSzPct val="80000"/>
-              <a:buFont typeface="Wingdings" panose="05000000000000000000" pitchFamily="2" charset="2"/>
-              <a:buChar char="§"/>
-            </a:pPr>
-            <a:r>
-              <a:rPr lang="en-US" sz="2600" dirty="0"/>
-              <a:t>Average Movie Rating</a:t>
-            </a:r>
-          </a:p>
-        </p:txBody>
-      </p:sp>
     </p:spTree>
     <p:extLst>
       <p:ext uri="{BB962C8B-B14F-4D97-AF65-F5344CB8AC3E}">
-        <p14:creationId xmlns:p14="http://schemas.microsoft.com/office/powerpoint/2010/main" val="545820476"/>
+        <p14:creationId xmlns:p14="http://schemas.microsoft.com/office/powerpoint/2010/main" val="3760513140"/>
       </p:ext>
     </p:extLst>
   </p:cSld>
   <p:clrMapOvr>
     <a:masterClrMapping/>
   </p:clrMapOvr>
-  <p:timing>
-    <p:tnLst>
-      <p:par>
-        <p:cTn id="1" dur="indefinite" restart="never" nodeType="tmRoot"/>
-      </p:par>
-    </p:tnLst>
-  </p:timing>
 </p:sld>
 </file>
 
-<file path=ppt/slides/slide24.xml><?xml version="1.0" encoding="utf-8"?>
+<file path=ppt/slides/slide25.xml><?xml version="1.0" encoding="utf-8"?>
+<p:sld xmlns:a="http://schemas.openxmlformats.org/drawingml/2006/main" xmlns:r="http://schemas.openxmlformats.org/officeDocument/2006/relationships" xmlns:p="http://schemas.openxmlformats.org/presentationml/2006/main">
+  <p:cSld>
+    <p:bg>
+      <p:bgPr>
+        <a:solidFill>
+          <a:srgbClr val="0070C0"/>
+        </a:solidFill>
+        <a:effectLst/>
+      </p:bgPr>
+    </p:bg>
+    <p:spTree>
+      <p:nvGrpSpPr>
+        <p:cNvPr id="1" name=""/>
+        <p:cNvGrpSpPr/>
+        <p:nvPr/>
+      </p:nvGrpSpPr>
+      <p:grpSpPr>
+        <a:xfrm>
+          <a:off x="0" y="0"/>
+          <a:ext cx="0" cy="0"/>
+          <a:chOff x="0" y="0"/>
+          <a:chExt cx="0" cy="0"/>
+        </a:xfrm>
+      </p:grpSpPr>
+      <p:sp>
+        <p:nvSpPr>
+          <p:cNvPr id="2" name="Title 1">
+            <a:extLst>
+              <a:ext uri="{FF2B5EF4-FFF2-40B4-BE49-F238E27FC236}">
+                <a16:creationId xmlns:a16="http://schemas.microsoft.com/office/drawing/2014/main" id="{0272FD9F-E644-4A44-BFCA-ED18DB74BF6C}"/>
+              </a:ext>
+            </a:extLst>
+          </p:cNvPr>
+          <p:cNvSpPr>
+            <a:spLocks noGrp="1"/>
+          </p:cNvSpPr>
+          <p:nvPr>
+            <p:ph type="title"/>
+          </p:nvPr>
+        </p:nvSpPr>
+        <p:spPr>
+          <a:xfrm>
+            <a:off x="838200" y="3443321"/>
+            <a:ext cx="10515600" cy="1325563"/>
+          </a:xfrm>
+        </p:spPr>
+        <p:txBody>
+          <a:bodyPr>
+            <a:normAutofit/>
+          </a:bodyPr>
+          <a:lstStyle/>
+          <a:p>
+            <a:r>
+              <a:rPr lang="en-US" sz="5400" dirty="0">
+                <a:solidFill>
+                  <a:schemeClr val="bg1"/>
+                </a:solidFill>
+              </a:rPr>
+              <a:t>Learnings</a:t>
+            </a:r>
+          </a:p>
+        </p:txBody>
+      </p:sp>
+    </p:spTree>
+    <p:extLst>
+      <p:ext uri="{BB962C8B-B14F-4D97-AF65-F5344CB8AC3E}">
+        <p14:creationId xmlns:p14="http://schemas.microsoft.com/office/powerpoint/2010/main" val="4112486649"/>
+      </p:ext>
+    </p:extLst>
+  </p:cSld>
+  <p:clrMapOvr>
+    <a:masterClrMapping/>
+  </p:clrMapOvr>
+</p:sld>
+</file>
+
+<file path=ppt/slides/slide26.xml><?xml version="1.0" encoding="utf-8"?>
 <p:sld xmlns:a="http://schemas.openxmlformats.org/drawingml/2006/main" xmlns:r="http://schemas.openxmlformats.org/officeDocument/2006/relationships" xmlns:p="http://schemas.openxmlformats.org/presentationml/2006/main">
   <p:cSld>
     <p:spTree>
@@ -11613,7 +13370,13 @@
       </p:grpSpPr>
       <p:sp>
         <p:nvSpPr>
-          <p:cNvPr id="2" name="Title 1"/>
+          <p:cNvPr id="2" name="Title 1">
+            <a:extLst>
+              <a:ext uri="{FF2B5EF4-FFF2-40B4-BE49-F238E27FC236}">
+                <a16:creationId xmlns:a16="http://schemas.microsoft.com/office/drawing/2014/main" id="{55C88F3A-1224-F545-9FA3-58E5B11612CE}"/>
+              </a:ext>
+            </a:extLst>
+          </p:cNvPr>
           <p:cNvSpPr>
             <a:spLocks noGrp="1"/>
           </p:cNvSpPr>
@@ -11626,71 +13389,140 @@
           <a:bodyPr/>
           <a:lstStyle/>
           <a:p>
-            <a:endParaRPr lang="en-CA" dirty="0"/>
+            <a:r>
+              <a:rPr lang="en-US" dirty="0"/>
+              <a:t>Learnings</a:t>
+            </a:r>
           </a:p>
         </p:txBody>
       </p:sp>
       <p:sp>
         <p:nvSpPr>
-          <p:cNvPr id="3" name="Content Placeholder 2"/>
+          <p:cNvPr id="3" name="Content Placeholder 2">
+            <a:extLst>
+              <a:ext uri="{FF2B5EF4-FFF2-40B4-BE49-F238E27FC236}">
+                <a16:creationId xmlns:a16="http://schemas.microsoft.com/office/drawing/2014/main" id="{AFD8EBA0-FA4B-AC48-9E31-156A02C634E1}"/>
+              </a:ext>
+            </a:extLst>
+          </p:cNvPr>
           <p:cNvSpPr>
             <a:spLocks noGrp="1"/>
           </p:cNvSpPr>
           <p:nvPr>
-            <p:ph sz="half" idx="1"/>
+            <p:ph idx="1"/>
           </p:nvPr>
         </p:nvSpPr>
-        <p:spPr/>
+        <p:spPr>
+          <a:xfrm>
+            <a:off x="838200" y="1825625"/>
+            <a:ext cx="10814538" cy="4351338"/>
+          </a:xfrm>
+        </p:spPr>
         <p:txBody>
-          <a:bodyPr/>
+          <a:bodyPr>
+            <a:normAutofit fontScale="92500"/>
+          </a:bodyPr>
           <a:lstStyle/>
           <a:p>
-            <a:endParaRPr lang="en-CA"/>
-          </a:p>
-        </p:txBody>
-      </p:sp>
-      <p:sp>
-        <p:nvSpPr>
-          <p:cNvPr id="4" name="Content Placeholder 3"/>
-          <p:cNvSpPr>
-            <a:spLocks noGrp="1"/>
-          </p:cNvSpPr>
-          <p:nvPr>
-            <p:ph sz="half" idx="2"/>
-          </p:nvPr>
-        </p:nvSpPr>
-        <p:spPr/>
-        <p:txBody>
-          <a:bodyPr/>
-          <a:lstStyle/>
-          <a:p>
-            <a:endParaRPr lang="en-CA"/>
+            <a:r>
+              <a:rPr lang="en-US" dirty="0">
+                <a:latin typeface="+mj-lt"/>
+              </a:rPr>
+              <a:t>Correlation is a weak approach</a:t>
+            </a:r>
+          </a:p>
+          <a:p>
+            <a:r>
+              <a:rPr lang="en-US" dirty="0">
+                <a:latin typeface="+mj-lt"/>
+              </a:rPr>
+              <a:t>MAE is a better performance metric than MSE for this application</a:t>
+            </a:r>
+          </a:p>
+          <a:p>
+            <a:r>
+              <a:rPr lang="en-US" dirty="0">
+                <a:latin typeface="+mj-lt"/>
+              </a:rPr>
+              <a:t>Matrix density has a huge impact on performance, unlike rank</a:t>
+            </a:r>
+          </a:p>
+          <a:p>
+            <a:r>
+              <a:rPr lang="en-US" dirty="0">
+                <a:latin typeface="+mj-lt"/>
+              </a:rPr>
+              <a:t>Mean matrix completion with no machine learning model is a good reference</a:t>
+            </a:r>
+          </a:p>
+          <a:p>
+            <a:r>
+              <a:rPr lang="en-US" dirty="0">
+                <a:latin typeface="+mj-lt"/>
+              </a:rPr>
+              <a:t>SVD is a effective method to solve the data sparsity problem in our application, and iterative SVD improves the solution</a:t>
+            </a:r>
+          </a:p>
+          <a:p>
+            <a:r>
+              <a:rPr lang="en-US" dirty="0">
+                <a:latin typeface="+mj-lt"/>
+              </a:rPr>
+              <a:t>User means and movie means are important features for learning in all models</a:t>
+            </a:r>
+          </a:p>
+          <a:p>
+            <a:r>
+              <a:rPr lang="en-US" dirty="0">
+                <a:latin typeface="+mj-lt"/>
+              </a:rPr>
+              <a:t>Combining the rating and meta data can provide better predictions</a:t>
+            </a:r>
+          </a:p>
+          <a:p>
+            <a:r>
+              <a:rPr lang="en-US" dirty="0">
+                <a:latin typeface="+mj-lt"/>
+              </a:rPr>
+              <a:t>Metadata on user behavior and preferences can help strengthen the model</a:t>
+            </a:r>
+          </a:p>
+          <a:p>
+            <a:endParaRPr lang="en-US" dirty="0">
+              <a:latin typeface="+mj-lt"/>
+            </a:endParaRPr>
+          </a:p>
+          <a:p>
+            <a:endParaRPr lang="en-US" dirty="0">
+              <a:latin typeface="+mj-lt"/>
+            </a:endParaRPr>
           </a:p>
         </p:txBody>
       </p:sp>
     </p:spTree>
     <p:extLst>
       <p:ext uri="{BB962C8B-B14F-4D97-AF65-F5344CB8AC3E}">
-        <p14:creationId xmlns:p14="http://schemas.microsoft.com/office/powerpoint/2010/main" val="1628495474"/>
+        <p14:creationId xmlns:p14="http://schemas.microsoft.com/office/powerpoint/2010/main" val="3625770729"/>
       </p:ext>
     </p:extLst>
   </p:cSld>
   <p:clrMapOvr>
     <a:masterClrMapping/>
   </p:clrMapOvr>
-  <p:timing>
-    <p:tnLst>
-      <p:par>
-        <p:cTn id="1" dur="indefinite" restart="never" nodeType="tmRoot"/>
-      </p:par>
-    </p:tnLst>
-  </p:timing>
 </p:sld>
 </file>
 
-<file path=ppt/slides/slide25.xml><?xml version="1.0" encoding="utf-8"?>
+<file path=ppt/slides/slide27.xml><?xml version="1.0" encoding="utf-8"?>
 <p:sld xmlns:a="http://schemas.openxmlformats.org/drawingml/2006/main" xmlns:r="http://schemas.openxmlformats.org/officeDocument/2006/relationships" xmlns:p="http://schemas.openxmlformats.org/presentationml/2006/main">
   <p:cSld>
+    <p:bg>
+      <p:bgPr>
+        <a:solidFill>
+          <a:srgbClr val="0070C0"/>
+        </a:solidFill>
+        <a:effectLst/>
+      </p:bgPr>
+    </p:bg>
     <p:spTree>
       <p:nvGrpSpPr>
         <p:cNvPr id="1" name=""/>
@@ -11707,7 +13539,13 @@
       </p:grpSpPr>
       <p:sp>
         <p:nvSpPr>
-          <p:cNvPr id="2" name="Title 1"/>
+          <p:cNvPr id="2" name="Title 1">
+            <a:extLst>
+              <a:ext uri="{FF2B5EF4-FFF2-40B4-BE49-F238E27FC236}">
+                <a16:creationId xmlns:a16="http://schemas.microsoft.com/office/drawing/2014/main" id="{0272FD9F-E644-4A44-BFCA-ED18DB74BF6C}"/>
+              </a:ext>
+            </a:extLst>
+          </p:cNvPr>
           <p:cNvSpPr>
             <a:spLocks noGrp="1"/>
           </p:cNvSpPr>
@@ -11715,74 +13553,39 @@
             <p:ph type="title"/>
           </p:nvPr>
         </p:nvSpPr>
-        <p:spPr/>
+        <p:spPr>
+          <a:xfrm>
+            <a:off x="838200" y="3443321"/>
+            <a:ext cx="10515600" cy="1325563"/>
+          </a:xfrm>
+        </p:spPr>
         <p:txBody>
-          <a:bodyPr/>
+          <a:bodyPr>
+            <a:normAutofit/>
+          </a:bodyPr>
           <a:lstStyle/>
           <a:p>
             <a:r>
-              <a:rPr lang="en-US" dirty="0" smtClean="0"/>
-              <a:t>Take home message</a:t>
-            </a:r>
-            <a:endParaRPr lang="en-CA" dirty="0"/>
-          </a:p>
-        </p:txBody>
-      </p:sp>
-      <p:sp>
-        <p:nvSpPr>
-          <p:cNvPr id="3" name="Content Placeholder 2"/>
-          <p:cNvSpPr>
-            <a:spLocks noGrp="1"/>
-          </p:cNvSpPr>
-          <p:nvPr>
-            <p:ph sz="half" idx="1"/>
-          </p:nvPr>
-        </p:nvSpPr>
-        <p:spPr/>
-        <p:txBody>
-          <a:bodyPr/>
-          <a:lstStyle/>
-          <a:p>
-            <a:endParaRPr lang="en-CA"/>
-          </a:p>
-        </p:txBody>
-      </p:sp>
-      <p:sp>
-        <p:nvSpPr>
-          <p:cNvPr id="4" name="Content Placeholder 3"/>
-          <p:cNvSpPr>
-            <a:spLocks noGrp="1"/>
-          </p:cNvSpPr>
-          <p:nvPr>
-            <p:ph sz="half" idx="2"/>
-          </p:nvPr>
-        </p:nvSpPr>
-        <p:spPr/>
-        <p:txBody>
-          <a:bodyPr/>
-          <a:lstStyle/>
-          <a:p>
-            <a:endParaRPr lang="en-CA"/>
+              <a:rPr lang="en-US" sz="5400" dirty="0">
+                <a:solidFill>
+                  <a:schemeClr val="bg1"/>
+                </a:solidFill>
+              </a:rPr>
+              <a:t>Questions?</a:t>
+            </a:r>
           </a:p>
         </p:txBody>
       </p:sp>
     </p:spTree>
     <p:extLst>
       <p:ext uri="{BB962C8B-B14F-4D97-AF65-F5344CB8AC3E}">
-        <p14:creationId xmlns:p14="http://schemas.microsoft.com/office/powerpoint/2010/main" val="928010684"/>
+        <p14:creationId xmlns:p14="http://schemas.microsoft.com/office/powerpoint/2010/main" val="3892714456"/>
       </p:ext>
     </p:extLst>
   </p:cSld>
   <p:clrMapOvr>
     <a:masterClrMapping/>
   </p:clrMapOvr>
-  <p:timing>
-    <p:tnLst>
-      <p:par>
-        <p:cTn id="1" dur="indefinite" restart="never" nodeType="tmRoot"/>
-      </p:par>
-    </p:tnLst>
-  </p:timing>
 </p:sld>
 </file>
 
@@ -11835,19 +13638,16 @@
               <a:buNone/>
             </a:pPr>
             <a:r>
-              <a:rPr lang="en-US" dirty="0" smtClean="0">
+              <a:rPr lang="en-US" dirty="0">
                 <a:latin typeface="+mj-lt"/>
               </a:rPr>
               <a:t>What is recommendation system? Netflix is a good example </a:t>
             </a:r>
-            <a:endParaRPr lang="en-US" dirty="0">
-              <a:latin typeface="+mj-lt"/>
-            </a:endParaRPr>
           </a:p>
         </p:txBody>
       </p:sp>
-      <mc:AlternateContent xmlns:mc="http://schemas.openxmlformats.org/markup-compatibility/2006">
-        <mc:Choice xmlns:p14="http://schemas.microsoft.com/office/powerpoint/2010/main" Requires="p14">
+      <mc:AlternateContent xmlns:mc="http://schemas.openxmlformats.org/markup-compatibility/2006" xmlns:p14="http://schemas.microsoft.com/office/powerpoint/2010/main">
+        <mc:Choice Requires="p14">
           <p:contentPart p14:bwMode="auto" r:id="rId2">
             <p14:nvContentPartPr>
               <p14:cNvPr id="4" name="Ink 3">
@@ -11866,7 +13666,7 @@
             </p14:xfrm>
           </p:contentPart>
         </mc:Choice>
-        <mc:Fallback>
+        <mc:Fallback xmlns="">
           <p:pic>
             <p:nvPicPr>
               <p:cNvPr id="4" name="Ink 3">
@@ -11897,8 +13697,8 @@
           </p:pic>
         </mc:Fallback>
       </mc:AlternateContent>
-      <mc:AlternateContent xmlns:mc="http://schemas.openxmlformats.org/markup-compatibility/2006">
-        <mc:Choice xmlns:p14="http://schemas.microsoft.com/office/powerpoint/2010/main" Requires="p14">
+      <mc:AlternateContent xmlns:mc="http://schemas.openxmlformats.org/markup-compatibility/2006" xmlns:p14="http://schemas.microsoft.com/office/powerpoint/2010/main">
+        <mc:Choice Requires="p14">
           <p:contentPart p14:bwMode="auto" r:id="rId4">
             <p14:nvContentPartPr>
               <p14:cNvPr id="5" name="Ink 4">
@@ -11917,7 +13717,7 @@
             </p14:xfrm>
           </p:contentPart>
         </mc:Choice>
-        <mc:Fallback>
+        <mc:Fallback xmlns="">
           <p:pic>
             <p:nvPicPr>
               <p:cNvPr id="5" name="Ink 4">
@@ -12071,8 +13871,8 @@
           </mc:Fallback>
         </mc:AlternateContent>
       </p:grpSp>
-      <mc:AlternateContent xmlns:mc="http://schemas.openxmlformats.org/markup-compatibility/2006">
-        <mc:Choice xmlns:p14="http://schemas.microsoft.com/office/powerpoint/2010/main" Requires="p14">
+      <mc:AlternateContent xmlns:mc="http://schemas.openxmlformats.org/markup-compatibility/2006" xmlns:p14="http://schemas.microsoft.com/office/powerpoint/2010/main">
+        <mc:Choice Requires="p14">
           <p:contentPart p14:bwMode="auto" r:id="rId8">
             <p14:nvContentPartPr>
               <p14:cNvPr id="9" name="Ink 8">
@@ -12091,7 +13891,7 @@
             </p14:xfrm>
           </p:contentPart>
         </mc:Choice>
-        <mc:Fallback>
+        <mc:Fallback xmlns="">
           <p:pic>
             <p:nvPicPr>
               <p:cNvPr id="9" name="Ink 8">
@@ -12122,8 +13922,8 @@
           </p:pic>
         </mc:Fallback>
       </mc:AlternateContent>
-      <mc:AlternateContent xmlns:mc="http://schemas.openxmlformats.org/markup-compatibility/2006">
-        <mc:Choice xmlns:p14="http://schemas.microsoft.com/office/powerpoint/2010/main" Requires="p14">
+      <mc:AlternateContent xmlns:mc="http://schemas.openxmlformats.org/markup-compatibility/2006" xmlns:p14="http://schemas.microsoft.com/office/powerpoint/2010/main">
+        <mc:Choice Requires="p14">
           <p:contentPart p14:bwMode="auto" r:id="rId9">
             <p14:nvContentPartPr>
               <p14:cNvPr id="10" name="Ink 9">
@@ -12142,7 +13942,7 @@
             </p14:xfrm>
           </p:contentPart>
         </mc:Choice>
-        <mc:Fallback>
+        <mc:Fallback xmlns="">
           <p:pic>
             <p:nvPicPr>
               <p:cNvPr id="10" name="Ink 9">
@@ -12173,8 +13973,8 @@
           </p:pic>
         </mc:Fallback>
       </mc:AlternateContent>
-      <mc:AlternateContent xmlns:mc="http://schemas.openxmlformats.org/markup-compatibility/2006">
-        <mc:Choice xmlns:p14="http://schemas.microsoft.com/office/powerpoint/2010/main" Requires="p14">
+      <mc:AlternateContent xmlns:mc="http://schemas.openxmlformats.org/markup-compatibility/2006" xmlns:p14="http://schemas.microsoft.com/office/powerpoint/2010/main">
+        <mc:Choice Requires="p14">
           <p:contentPart p14:bwMode="auto" r:id="rId10">
             <p14:nvContentPartPr>
               <p14:cNvPr id="11" name="Ink 10">
@@ -12193,7 +13993,7 @@
             </p14:xfrm>
           </p:contentPart>
         </mc:Choice>
-        <mc:Fallback>
+        <mc:Fallback xmlns="">
           <p:pic>
             <p:nvPicPr>
               <p:cNvPr id="11" name="Ink 10">
@@ -12224,8 +14024,8 @@
           </p:pic>
         </mc:Fallback>
       </mc:AlternateContent>
-      <mc:AlternateContent xmlns:mc="http://schemas.openxmlformats.org/markup-compatibility/2006">
-        <mc:Choice xmlns:p14="http://schemas.microsoft.com/office/powerpoint/2010/main" Requires="p14">
+      <mc:AlternateContent xmlns:mc="http://schemas.openxmlformats.org/markup-compatibility/2006" xmlns:p14="http://schemas.microsoft.com/office/powerpoint/2010/main">
+        <mc:Choice Requires="p14">
           <p:contentPart p14:bwMode="auto" r:id="rId11">
             <p14:nvContentPartPr>
               <p14:cNvPr id="12" name="Ink 11">
@@ -12244,7 +14044,7 @@
             </p14:xfrm>
           </p:contentPart>
         </mc:Choice>
-        <mc:Fallback>
+        <mc:Fallback xmlns="">
           <p:pic>
             <p:nvPicPr>
               <p:cNvPr id="12" name="Ink 11">
@@ -12341,19 +14141,7 @@
               <a:rPr lang="en-CA" sz="1600" dirty="0">
                 <a:latin typeface="+mj-lt"/>
               </a:rPr>
-              <a:t>Kevin </a:t>
-            </a:r>
-            <a:r>
-              <a:rPr lang="en-CA" sz="1600" dirty="0" smtClean="0">
-                <a:latin typeface="+mj-lt"/>
-              </a:rPr>
-              <a:t>Liao,2018</a:t>
-            </a:r>
-            <a:r>
-              <a:rPr lang="en-CA" sz="1600" dirty="0">
-                <a:latin typeface="+mj-lt"/>
-              </a:rPr>
-              <a:t>. </a:t>
+              <a:t>Kevin Liao,2018. </a:t>
             </a:r>
             <a:r>
               <a:rPr lang="en-CA" sz="1600" dirty="0">
@@ -12381,13 +14169,6 @@
   <p:clrMapOvr>
     <a:masterClrMapping/>
   </p:clrMapOvr>
-  <p:timing>
-    <p:tnLst>
-      <p:par>
-        <p:cTn id="1" dur="indefinite" restart="never" nodeType="tmRoot"/>
-      </p:par>
-    </p:tnLst>
-  </p:timing>
 </p:sld>
 </file>
 
@@ -12440,19 +14221,16 @@
               <a:buNone/>
             </a:pPr>
             <a:r>
-              <a:rPr lang="en-US" dirty="0" smtClean="0">
+              <a:rPr lang="en-US" dirty="0">
                 <a:latin typeface="+mj-lt"/>
               </a:rPr>
               <a:t>Why we need recommendation systems? </a:t>
             </a:r>
-            <a:endParaRPr lang="en-US" dirty="0">
-              <a:latin typeface="+mj-lt"/>
-            </a:endParaRPr>
           </a:p>
         </p:txBody>
       </p:sp>
-      <mc:AlternateContent xmlns:mc="http://schemas.openxmlformats.org/markup-compatibility/2006">
-        <mc:Choice xmlns:p14="http://schemas.microsoft.com/office/powerpoint/2010/main" Requires="p14">
+      <mc:AlternateContent xmlns:mc="http://schemas.openxmlformats.org/markup-compatibility/2006" xmlns:p14="http://schemas.microsoft.com/office/powerpoint/2010/main">
+        <mc:Choice Requires="p14">
           <p:contentPart p14:bwMode="auto" r:id="rId2">
             <p14:nvContentPartPr>
               <p14:cNvPr id="12" name="Ink 11">
@@ -12471,7 +14249,7 @@
             </p14:xfrm>
           </p:contentPart>
         </mc:Choice>
-        <mc:Fallback>
+        <mc:Fallback xmlns="">
           <p:pic>
             <p:nvPicPr>
               <p:cNvPr id="12" name="Ink 11">
@@ -12537,7 +14315,7 @@
               <a:buChar char="•"/>
             </a:pPr>
             <a:r>
-              <a:rPr lang="en-US" sz="2800" dirty="0" smtClean="0">
+              <a:rPr lang="en-US" sz="2800" dirty="0">
                 <a:latin typeface="+mj-lt"/>
               </a:rPr>
               <a:t>Better understand what the user needs. </a:t>
@@ -12552,7 +14330,7 @@
               <a:buChar char="•"/>
             </a:pPr>
             <a:r>
-              <a:rPr lang="en-US" sz="2800" dirty="0" smtClean="0">
+              <a:rPr lang="en-US" sz="2800" dirty="0">
                 <a:latin typeface="+mj-lt"/>
               </a:rPr>
               <a:t>Sell more products and services. </a:t>
@@ -12567,7 +14345,7 @@
               <a:buChar char="•"/>
             </a:pPr>
             <a:r>
-              <a:rPr lang="en-US" sz="2800" dirty="0" smtClean="0">
+              <a:rPr lang="en-US" sz="2800" dirty="0">
                 <a:latin typeface="+mj-lt"/>
               </a:rPr>
               <a:t>Increase the user satisfaction. </a:t>
@@ -12582,7 +14360,7 @@
               <a:buChar char="•"/>
             </a:pPr>
             <a:r>
-              <a:rPr lang="en-US" sz="2800" dirty="0" smtClean="0">
+              <a:rPr lang="en-US" sz="2800" dirty="0">
                 <a:latin typeface="+mj-lt"/>
               </a:rPr>
               <a:t>Increase user fidelity. </a:t>
@@ -12811,14 +14589,11 @@
               <a:buNone/>
             </a:pPr>
             <a:r>
-              <a:rPr lang="en-US" dirty="0" smtClean="0">
+              <a:rPr lang="en-US" dirty="0">
                 <a:latin typeface="+mj-lt"/>
               </a:rPr>
               <a:t>Motivation</a:t>
             </a:r>
-            <a:endParaRPr lang="en-US" dirty="0">
-              <a:latin typeface="+mj-lt"/>
-            </a:endParaRPr>
           </a:p>
         </p:txBody>
       </p:sp>
@@ -12832,13 +14607,6 @@
   <p:clrMapOvr>
     <a:masterClrMapping/>
   </p:clrMapOvr>
-  <p:timing>
-    <p:tnLst>
-      <p:par>
-        <p:cTn id="1" dur="indefinite" restart="never" nodeType="tmRoot"/>
-      </p:par>
-    </p:tnLst>
-  </p:timing>
 </p:sld>
 </file>
 
@@ -12875,7 +14643,7 @@
           <a:lstStyle/>
           <a:p>
             <a:r>
-              <a:rPr lang="en-US" dirty="0" smtClean="0"/>
+              <a:rPr lang="en-US" dirty="0"/>
               <a:t>Techniques for recommendation system</a:t>
             </a:r>
             <a:endParaRPr lang="en-CA" dirty="0"/>
@@ -12949,7 +14717,7 @@
           <a:p>
             <a:pPr algn="ctr"/>
             <a:r>
-              <a:rPr lang="en-US" sz="2800" b="1" dirty="0" smtClean="0">
+              <a:rPr lang="en-US" sz="2800" b="1" dirty="0">
                 <a:latin typeface="+mj-lt"/>
               </a:rPr>
               <a:t>1</a:t>
@@ -13003,7 +14771,7 @@
           <a:p>
             <a:pPr algn="ctr"/>
             <a:r>
-              <a:rPr lang="en-US" sz="2800" b="1" dirty="0" smtClean="0">
+              <a:rPr lang="en-US" sz="2800" b="1" dirty="0">
                 <a:latin typeface="+mj-lt"/>
               </a:rPr>
               <a:t>2</a:t>
@@ -13057,7 +14825,7 @@
           <a:p>
             <a:pPr algn="ctr"/>
             <a:r>
-              <a:rPr lang="en-US" sz="2800" b="1" dirty="0" smtClean="0">
+              <a:rPr lang="en-US" sz="2800" b="1" dirty="0">
                 <a:latin typeface="+mj-lt"/>
               </a:rPr>
               <a:t>3</a:t>
@@ -13091,7 +14859,7 @@
           <a:lstStyle/>
           <a:p>
             <a:r>
-              <a:rPr lang="en-US" sz="2000" dirty="0" smtClean="0">
+              <a:rPr lang="en-US" sz="2000" dirty="0">
                 <a:latin typeface="+mj-lt"/>
               </a:rPr>
               <a:t>HYBRID: a mixture of the above two methods</a:t>
@@ -13127,19 +14895,7 @@
               <a:rPr lang="en-CA" sz="1600" dirty="0">
                 <a:latin typeface="+mj-lt"/>
               </a:rPr>
-              <a:t>Kevin </a:t>
-            </a:r>
-            <a:r>
-              <a:rPr lang="en-CA" sz="1600" dirty="0" smtClean="0">
-                <a:latin typeface="+mj-lt"/>
-              </a:rPr>
-              <a:t>Liao,2018</a:t>
-            </a:r>
-            <a:r>
-              <a:rPr lang="en-CA" sz="1600" dirty="0">
-                <a:latin typeface="+mj-lt"/>
-              </a:rPr>
-              <a:t>. </a:t>
+              <a:t>Kevin Liao,2018. </a:t>
             </a:r>
             <a:r>
               <a:rPr lang="en-CA" sz="1600" dirty="0">
@@ -13167,13 +14923,6 @@
   <p:clrMapOvr>
     <a:masterClrMapping/>
   </p:clrMapOvr>
-  <p:timing>
-    <p:tnLst>
-      <p:par>
-        <p:cTn id="1" dur="indefinite" restart="never" nodeType="tmRoot"/>
-      </p:par>
-    </p:tnLst>
-  </p:timing>
 </p:sld>
 </file>
 
@@ -13221,15 +14970,14 @@
           <a:lstStyle/>
           <a:p>
             <a:r>
-              <a:rPr lang="en-US" dirty="0" smtClean="0"/>
+              <a:rPr lang="en-US" dirty="0"/>
               <a:t>Challenges in recommendation system</a:t>
             </a:r>
-            <a:endParaRPr lang="en-US" dirty="0"/>
           </a:p>
         </p:txBody>
       </p:sp>
-      <mc:AlternateContent xmlns:mc="http://schemas.openxmlformats.org/markup-compatibility/2006">
-        <mc:Choice xmlns:p14="http://schemas.microsoft.com/office/powerpoint/2010/main" Requires="p14">
+      <mc:AlternateContent xmlns:mc="http://schemas.openxmlformats.org/markup-compatibility/2006" xmlns:p14="http://schemas.microsoft.com/office/powerpoint/2010/main">
+        <mc:Choice Requires="p14">
           <p:contentPart p14:bwMode="auto" r:id="rId2">
             <p14:nvContentPartPr>
               <p14:cNvPr id="4" name="Ink 3">
@@ -13248,7 +14996,7 @@
             </p14:xfrm>
           </p:contentPart>
         </mc:Choice>
-        <mc:Fallback>
+        <mc:Fallback xmlns="">
           <p:pic>
             <p:nvPicPr>
               <p:cNvPr id="4" name="Ink 3">
@@ -13279,8 +15027,8 @@
           </p:pic>
         </mc:Fallback>
       </mc:AlternateContent>
-      <mc:AlternateContent xmlns:mc="http://schemas.openxmlformats.org/markup-compatibility/2006">
-        <mc:Choice xmlns:p14="http://schemas.microsoft.com/office/powerpoint/2010/main" Requires="p14">
+      <mc:AlternateContent xmlns:mc="http://schemas.openxmlformats.org/markup-compatibility/2006" xmlns:p14="http://schemas.microsoft.com/office/powerpoint/2010/main">
+        <mc:Choice Requires="p14">
           <p:contentPart p14:bwMode="auto" r:id="rId4">
             <p14:nvContentPartPr>
               <p14:cNvPr id="5" name="Ink 4">
@@ -13299,7 +15047,7 @@
             </p14:xfrm>
           </p:contentPart>
         </mc:Choice>
-        <mc:Fallback>
+        <mc:Fallback xmlns="">
           <p:pic>
             <p:nvPicPr>
               <p:cNvPr id="5" name="Ink 4">
@@ -13453,8 +15201,8 @@
           </mc:Fallback>
         </mc:AlternateContent>
       </p:grpSp>
-      <mc:AlternateContent xmlns:mc="http://schemas.openxmlformats.org/markup-compatibility/2006">
-        <mc:Choice xmlns:p14="http://schemas.microsoft.com/office/powerpoint/2010/main" Requires="p14">
+      <mc:AlternateContent xmlns:mc="http://schemas.openxmlformats.org/markup-compatibility/2006" xmlns:p14="http://schemas.microsoft.com/office/powerpoint/2010/main">
+        <mc:Choice Requires="p14">
           <p:contentPart p14:bwMode="auto" r:id="rId8">
             <p14:nvContentPartPr>
               <p14:cNvPr id="9" name="Ink 8">
@@ -13473,7 +15221,7 @@
             </p14:xfrm>
           </p:contentPart>
         </mc:Choice>
-        <mc:Fallback>
+        <mc:Fallback xmlns="">
           <p:pic>
             <p:nvPicPr>
               <p:cNvPr id="9" name="Ink 8">
@@ -13504,8 +15252,8 @@
           </p:pic>
         </mc:Fallback>
       </mc:AlternateContent>
-      <mc:AlternateContent xmlns:mc="http://schemas.openxmlformats.org/markup-compatibility/2006">
-        <mc:Choice xmlns:p14="http://schemas.microsoft.com/office/powerpoint/2010/main" Requires="p14">
+      <mc:AlternateContent xmlns:mc="http://schemas.openxmlformats.org/markup-compatibility/2006" xmlns:p14="http://schemas.microsoft.com/office/powerpoint/2010/main">
+        <mc:Choice Requires="p14">
           <p:contentPart p14:bwMode="auto" r:id="rId9">
             <p14:nvContentPartPr>
               <p14:cNvPr id="10" name="Ink 9">
@@ -13524,7 +15272,7 @@
             </p14:xfrm>
           </p:contentPart>
         </mc:Choice>
-        <mc:Fallback>
+        <mc:Fallback xmlns="">
           <p:pic>
             <p:nvPicPr>
               <p:cNvPr id="10" name="Ink 9">
@@ -13555,8 +15303,8 @@
           </p:pic>
         </mc:Fallback>
       </mc:AlternateContent>
-      <mc:AlternateContent xmlns:mc="http://schemas.openxmlformats.org/markup-compatibility/2006">
-        <mc:Choice xmlns:p14="http://schemas.microsoft.com/office/powerpoint/2010/main" Requires="p14">
+      <mc:AlternateContent xmlns:mc="http://schemas.openxmlformats.org/markup-compatibility/2006" xmlns:p14="http://schemas.microsoft.com/office/powerpoint/2010/main">
+        <mc:Choice Requires="p14">
           <p:contentPart p14:bwMode="auto" r:id="rId10">
             <p14:nvContentPartPr>
               <p14:cNvPr id="11" name="Ink 10">
@@ -13575,7 +15323,7 @@
             </p14:xfrm>
           </p:contentPart>
         </mc:Choice>
-        <mc:Fallback>
+        <mc:Fallback xmlns="">
           <p:pic>
             <p:nvPicPr>
               <p:cNvPr id="11" name="Ink 10">
@@ -13606,8 +15354,8 @@
           </p:pic>
         </mc:Fallback>
       </mc:AlternateContent>
-      <mc:AlternateContent xmlns:mc="http://schemas.openxmlformats.org/markup-compatibility/2006">
-        <mc:Choice xmlns:p14="http://schemas.microsoft.com/office/powerpoint/2010/main" Requires="p14">
+      <mc:AlternateContent xmlns:mc="http://schemas.openxmlformats.org/markup-compatibility/2006" xmlns:p14="http://schemas.microsoft.com/office/powerpoint/2010/main">
+        <mc:Choice Requires="p14">
           <p:contentPart p14:bwMode="auto" r:id="rId11">
             <p14:nvContentPartPr>
               <p14:cNvPr id="12" name="Ink 11">
@@ -13626,7 +15374,7 @@
             </p14:xfrm>
           </p:contentPart>
         </mc:Choice>
-        <mc:Fallback>
+        <mc:Fallback xmlns="">
           <p:pic>
             <p:nvPicPr>
               <p:cNvPr id="12" name="Ink 11">
@@ -13706,7 +15454,7 @@
               <a:buAutoNum type="arabicPeriod"/>
             </a:pPr>
             <a:r>
-              <a:rPr lang="en-US" sz="2800" dirty="0" smtClean="0">
+              <a:rPr lang="en-US" sz="2800" dirty="0">
                 <a:latin typeface="+mj-lt"/>
               </a:rPr>
               <a:t>Cold start </a:t>
@@ -13745,17 +15493,8 @@
               <a:rPr lang="en-CA" sz="1400" dirty="0">
                 <a:latin typeface="+mj-lt"/>
               </a:rPr>
-              <a:t> </a:t>
-            </a:r>
-            <a:r>
-              <a:rPr lang="en-CA" sz="1400" dirty="0" smtClean="0">
-                <a:latin typeface="+mj-lt"/>
-              </a:rPr>
-              <a:t>Gaspar,2015.yuspify.com/blog/</a:t>
-            </a:r>
-            <a:endParaRPr lang="en-CA" sz="1400" dirty="0">
-              <a:latin typeface="+mj-lt"/>
-            </a:endParaRPr>
+              <a:t> Gaspar,2015.yuspify.com/blog/</a:t>
+            </a:r>
           </a:p>
         </p:txBody>
       </p:sp>
@@ -13781,16 +15520,10 @@
           <a:lstStyle/>
           <a:p>
             <a:r>
-              <a:rPr lang="en-US" dirty="0" smtClean="0">
-                <a:latin typeface="+mj-lt"/>
-              </a:rPr>
-              <a:t>Not </a:t>
-            </a:r>
-            <a:r>
               <a:rPr lang="en-US" dirty="0">
                 <a:latin typeface="+mj-lt"/>
               </a:rPr>
-              <a:t>optimal at the beginning </a:t>
+              <a:t>Not optimal at the beginning </a:t>
             </a:r>
           </a:p>
         </p:txBody>
@@ -13840,7 +15573,7 @@
           <a:lstStyle/>
           <a:p>
             <a:r>
-              <a:rPr lang="en-US" sz="2800" dirty="0" smtClean="0">
+              <a:rPr lang="en-US" sz="2800" dirty="0">
                 <a:latin typeface="+mj-lt"/>
               </a:rPr>
               <a:t>2. Data sparsity</a:t>
@@ -13928,7 +15661,7 @@
           <a:lstStyle/>
           <a:p>
             <a:r>
-              <a:rPr lang="en-US" sz="2800" dirty="0" smtClean="0">
+              <a:rPr lang="en-US" sz="2800" dirty="0">
                 <a:latin typeface="+mj-lt"/>
               </a:rPr>
               <a:t>3. User privacy</a:t>
@@ -13961,39 +15694,14 @@
               <a:rPr lang="fi-FI" sz="1400" dirty="0">
                 <a:latin typeface="+mj-lt"/>
               </a:rPr>
-              <a:t>PULKIT </a:t>
-            </a:r>
-            <a:r>
-              <a:rPr lang="fi-FI" sz="1400" dirty="0" smtClean="0">
-                <a:latin typeface="+mj-lt"/>
-              </a:rPr>
-              <a:t>SHARMA</a:t>
-            </a:r>
-            <a:r>
-              <a:rPr lang="fi-FI" sz="1400" dirty="0">
-                <a:latin typeface="+mj-lt"/>
-              </a:rPr>
-              <a:t>, JUNE 21, </a:t>
-            </a:r>
-            <a:r>
-              <a:rPr lang="fi-FI" sz="1400" dirty="0" smtClean="0">
-                <a:latin typeface="+mj-lt"/>
-              </a:rPr>
-              <a:t>2018,</a:t>
-            </a:r>
-            <a:r>
-              <a:rPr lang="en-CA" sz="1400" dirty="0" smtClean="0">
-                <a:latin typeface="+mj-lt"/>
-                <a:hlinkClick r:id="rId17"/>
-              </a:rPr>
-              <a:t>https</a:t>
+              <a:t>PULKIT SHARMA, JUNE 21, 2018,</a:t>
             </a:r>
             <a:r>
               <a:rPr lang="en-CA" sz="1400" dirty="0">
                 <a:latin typeface="+mj-lt"/>
                 <a:hlinkClick r:id="rId17"/>
               </a:rPr>
-              <a:t>://www.analyticsvidhya.com/blog/</a:t>
+              <a:t>https://www.analyticsvidhya.com/blog/</a:t>
             </a:r>
             <a:r>
               <a:rPr lang="fi-FI" sz="1400" dirty="0">
@@ -14014,13 +15722,6 @@
   <p:clrMapOvr>
     <a:masterClrMapping/>
   </p:clrMapOvr>
-  <p:timing>
-    <p:tnLst>
-      <p:par>
-        <p:cTn id="1" dur="indefinite" restart="never" nodeType="tmRoot"/>
-      </p:par>
-    </p:tnLst>
-  </p:timing>
 </p:sld>
 </file>
 
@@ -14078,18 +15779,13 @@
           <a:lstStyle/>
           <a:p>
             <a:r>
-              <a:rPr lang="en-US" sz="5400" dirty="0" smtClean="0">
+              <a:rPr lang="en-US" sz="5400" dirty="0">
                 <a:solidFill>
                   <a:schemeClr val="bg1"/>
                 </a:solidFill>
               </a:rPr>
               <a:t>Datasets</a:t>
             </a:r>
-            <a:endParaRPr lang="en-US" sz="5400" dirty="0">
-              <a:solidFill>
-                <a:schemeClr val="bg1"/>
-              </a:solidFill>
-            </a:endParaRPr>
           </a:p>
         </p:txBody>
       </p:sp>
@@ -14103,13 +15799,6 @@
   <p:clrMapOvr>
     <a:masterClrMapping/>
   </p:clrMapOvr>
-  <p:timing>
-    <p:tnLst>
-      <p:par>
-        <p:cTn id="1" dur="indefinite" restart="never" nodeType="tmRoot"/>
-      </p:par>
-    </p:tnLst>
-  </p:timing>
 </p:sld>
 </file>
 
@@ -14180,7 +15869,9 @@
           <a:lstStyle/>
           <a:p>
             <a:r>
-              <a:rPr lang="en-US" dirty="0"/>
+              <a:rPr lang="en-US" dirty="0">
+                <a:latin typeface="+mj-lt"/>
+              </a:rPr>
               <a:t>Synthetic Data</a:t>
             </a:r>
           </a:p>
@@ -14221,7 +15912,9 @@
               <a:buNone/>
             </a:pPr>
             <a:r>
-              <a:rPr lang="en-US" sz="2200" dirty="0"/>
+              <a:rPr lang="en-US" sz="2200" dirty="0">
+                <a:latin typeface="+mj-lt"/>
+              </a:rPr>
               <a:t>Generation</a:t>
             </a:r>
           </a:p>
@@ -14233,22 +15926,20 @@
               <a:buNone/>
             </a:pPr>
             <a:r>
-              <a:rPr lang="en-US" sz="2200" dirty="0"/>
-              <a:t>Looped addition of d dimensional outer-product of  a vector to a rank controlled </a:t>
-            </a:r>
-            <a:r>
-              <a:rPr lang="en-US" sz="2200" dirty="0"/>
-              <a:t>identity </a:t>
-            </a:r>
-            <a:r>
-              <a:rPr lang="en-US" sz="2200" dirty="0"/>
-              <a:t>matrix </a:t>
-            </a:r>
-            <a:r>
-              <a:rPr lang="en-US" sz="2200" dirty="0" err="1"/>
+              <a:rPr lang="en-US" sz="2200" dirty="0">
+                <a:latin typeface="+mj-lt"/>
+              </a:rPr>
+              <a:t>Looped addition of d dimensional outer-product of  a vector to a rank controlled identity matrix </a:t>
+            </a:r>
+            <a:r>
+              <a:rPr lang="en-US" sz="2200" dirty="0" err="1">
+                <a:latin typeface="+mj-lt"/>
+              </a:rPr>
               <a:t>dxd</a:t>
             </a:r>
-            <a:endParaRPr lang="en-US" sz="2200" dirty="0"/>
+            <a:endParaRPr lang="en-US" sz="2200" dirty="0">
+              <a:latin typeface="+mj-lt"/>
+            </a:endParaRPr>
           </a:p>
           <a:p>
             <a:pPr marL="0" indent="0">
@@ -14257,7 +15948,9 @@
               </a:lnSpc>
               <a:buNone/>
             </a:pPr>
-            <a:endParaRPr lang="en-US" sz="2200" dirty="0"/>
+            <a:endParaRPr lang="en-US" sz="2200" dirty="0">
+              <a:latin typeface="+mj-lt"/>
+            </a:endParaRPr>
           </a:p>
           <a:p>
             <a:pPr marL="0" indent="0">
@@ -14267,12 +15960,10 @@
               <a:buNone/>
             </a:pPr>
             <a:r>
-              <a:rPr lang="en-US" sz="2200" dirty="0"/>
-              <a:t>Control </a:t>
-            </a:r>
-            <a:r>
-              <a:rPr lang="en-US" sz="2200" dirty="0"/>
-              <a:t>Parameters</a:t>
+              <a:rPr lang="en-US" sz="2200" dirty="0">
+                <a:latin typeface="+mj-lt"/>
+              </a:rPr>
+              <a:t>Control Parameters</a:t>
             </a:r>
           </a:p>
           <a:p>
@@ -14288,7 +15979,9 @@
               <a:buChar char="§"/>
             </a:pPr>
             <a:r>
-              <a:rPr lang="en-US" sz="2200" dirty="0"/>
+              <a:rPr lang="en-US" sz="2200" dirty="0">
+                <a:latin typeface="+mj-lt"/>
+              </a:rPr>
               <a:t>Rank</a:t>
             </a:r>
           </a:p>
@@ -14305,7 +15998,9 @@
               <a:buChar char="§"/>
             </a:pPr>
             <a:r>
-              <a:rPr lang="en-US" sz="2200" dirty="0"/>
+              <a:rPr lang="en-US" sz="2200" dirty="0">
+                <a:latin typeface="+mj-lt"/>
+              </a:rPr>
               <a:t>Dimension </a:t>
             </a:r>
           </a:p>
@@ -14322,7 +16017,9 @@
               <a:buChar char="§"/>
             </a:pPr>
             <a:r>
-              <a:rPr lang="en-US" sz="2200" dirty="0"/>
+              <a:rPr lang="en-US" sz="2200" dirty="0">
+                <a:latin typeface="+mj-lt"/>
+              </a:rPr>
               <a:t>Density </a:t>
             </a:r>
           </a:p>
@@ -14355,11 +16052,15 @@
           <a:lstStyle/>
           <a:p>
             <a:r>
-              <a:rPr lang="en-US" dirty="0" err="1"/>
+              <a:rPr lang="en-US" dirty="0" err="1">
+                <a:latin typeface="+mj-lt"/>
+              </a:rPr>
               <a:t>MovieLens</a:t>
             </a:r>
             <a:r>
-              <a:rPr lang="en-US" dirty="0"/>
+              <a:rPr lang="en-US" dirty="0">
+                <a:latin typeface="+mj-lt"/>
+              </a:rPr>
               <a:t> 1M</a:t>
             </a:r>
           </a:p>
@@ -14404,7 +16105,9 @@
               <a:buNone/>
             </a:pPr>
             <a:r>
-              <a:rPr lang="en-US" dirty="0"/>
+              <a:rPr lang="en-US" dirty="0">
+                <a:latin typeface="+mj-lt"/>
+              </a:rPr>
               <a:t>Attributes</a:t>
             </a:r>
           </a:p>
@@ -14421,7 +16124,9 @@
               <a:buChar char="§"/>
             </a:pPr>
             <a:r>
-              <a:rPr lang="en-US" sz="2800" dirty="0"/>
+              <a:rPr lang="en-US" sz="2800" dirty="0">
+                <a:latin typeface="+mj-lt"/>
+              </a:rPr>
               <a:t>6040 users </a:t>
             </a:r>
           </a:p>
@@ -14438,7 +16143,9 @@
               <a:buChar char="§"/>
             </a:pPr>
             <a:r>
-              <a:rPr lang="en-US" sz="2800" dirty="0"/>
+              <a:rPr lang="en-US" sz="2800" dirty="0">
+                <a:latin typeface="+mj-lt"/>
+              </a:rPr>
               <a:t>3883 movies</a:t>
             </a:r>
           </a:p>
@@ -14455,7 +16162,9 @@
               <a:buChar char="§"/>
             </a:pPr>
             <a:r>
-              <a:rPr lang="en-US" sz="2800" dirty="0"/>
+              <a:rPr lang="en-US" sz="2800" dirty="0">
+                <a:latin typeface="+mj-lt"/>
+              </a:rPr>
               <a:t>Density: 4.26%</a:t>
             </a:r>
           </a:p>
@@ -14464,10 +16173,11 @@
               <a:buNone/>
             </a:pPr>
             <a:r>
-              <a:rPr lang="en-US" sz="7600" dirty="0" smtClean="0">
+              <a:rPr lang="en-US" sz="7600" dirty="0">
                 <a:solidFill>
                   <a:schemeClr val="bg1"/>
                 </a:solidFill>
+                <a:latin typeface="+mj-lt"/>
               </a:rPr>
               <a:t>A</a:t>
             </a:r>
@@ -14477,7 +16187,9 @@
               <a:buNone/>
             </a:pPr>
             <a:r>
-              <a:rPr lang="en-US" dirty="0" smtClean="0"/>
+              <a:rPr lang="en-US" dirty="0">
+                <a:latin typeface="+mj-lt"/>
+              </a:rPr>
               <a:t>Metadata</a:t>
             </a:r>
           </a:p>
@@ -14494,7 +16206,9 @@
               <a:buChar char="§"/>
             </a:pPr>
             <a:r>
-              <a:rPr lang="en-US" sz="2800" dirty="0" smtClean="0"/>
+              <a:rPr lang="en-US" sz="2800" dirty="0">
+                <a:latin typeface="+mj-lt"/>
+              </a:rPr>
               <a:t>Age</a:t>
             </a:r>
           </a:p>
@@ -14511,7 +16225,9 @@
               <a:buChar char="§"/>
             </a:pPr>
             <a:r>
-              <a:rPr lang="en-US" sz="2800" dirty="0" smtClean="0"/>
+              <a:rPr lang="en-US" sz="2800" dirty="0">
+                <a:latin typeface="+mj-lt"/>
+              </a:rPr>
               <a:t>Occupation</a:t>
             </a:r>
           </a:p>
@@ -14528,7 +16244,9 @@
               <a:buChar char="§"/>
             </a:pPr>
             <a:r>
-              <a:rPr lang="en-US" sz="2800" dirty="0" smtClean="0"/>
+              <a:rPr lang="en-US" sz="2800" dirty="0">
+                <a:latin typeface="+mj-lt"/>
+              </a:rPr>
               <a:t>Gender</a:t>
             </a:r>
           </a:p>
@@ -14545,12 +16263,16 @@
               <a:buChar char="§"/>
             </a:pPr>
             <a:r>
-              <a:rPr lang="en-US" sz="2800" dirty="0" smtClean="0"/>
+              <a:rPr lang="en-US" sz="2800" dirty="0">
+                <a:latin typeface="+mj-lt"/>
+              </a:rPr>
               <a:t>Genre </a:t>
             </a:r>
           </a:p>
           <a:p>
-            <a:endParaRPr lang="en-US" dirty="0"/>
+            <a:endParaRPr lang="en-US" dirty="0">
+              <a:latin typeface="+mj-lt"/>
+            </a:endParaRPr>
           </a:p>
         </p:txBody>
       </p:sp>
@@ -14564,13 +16286,6 @@
   <p:clrMapOvr>
     <a:masterClrMapping/>
   </p:clrMapOvr>
-  <p:timing>
-    <p:tnLst>
-      <p:par>
-        <p:cTn id="1" dur="indefinite" restart="never" nodeType="tmRoot"/>
-      </p:par>
-    </p:tnLst>
-  </p:timing>
 </p:sld>
 </file>
 
@@ -14641,7 +16356,9 @@
           <a:lstStyle/>
           <a:p>
             <a:r>
-              <a:rPr lang="en-US" dirty="0"/>
+              <a:rPr lang="en-US" dirty="0">
+                <a:latin typeface="+mj-lt"/>
+              </a:rPr>
               <a:t>Synthetic Data</a:t>
             </a:r>
           </a:p>
@@ -14674,11 +16391,15 @@
           <a:lstStyle/>
           <a:p>
             <a:r>
-              <a:rPr lang="en-US" dirty="0" err="1"/>
+              <a:rPr lang="en-US" dirty="0" err="1">
+                <a:latin typeface="+mj-lt"/>
+              </a:rPr>
               <a:t>MovieLens</a:t>
             </a:r>
             <a:r>
-              <a:rPr lang="en-US" dirty="0"/>
+              <a:rPr lang="en-US" dirty="0">
+                <a:latin typeface="+mj-lt"/>
+              </a:rPr>
               <a:t> 1M</a:t>
             </a:r>
           </a:p>
@@ -14764,13 +16485,6 @@
   <p:clrMapOvr>
     <a:masterClrMapping/>
   </p:clrMapOvr>
-  <p:timing>
-    <p:tnLst>
-      <p:par>
-        <p:cTn id="1" dur="indefinite" restart="never" nodeType="tmRoot"/>
-      </p:par>
-    </p:tnLst>
-  </p:timing>
 </p:sld>
 </file>
 
